--- a/计研163_梁锡豪_2016211014.pptx
+++ b/计研163_梁锡豪_2016211014.pptx
@@ -237,7 +237,7 @@
           <a:p>
             <a:fld id="{636099FF-08C4-3F41-9922-8FE98CB97770}" type="datetimeFigureOut">
               <a:rPr kumimoji="1" lang="zh-CN" altLang="en-US" smtClean="0"/>
-              <a:t>2019/5/10</a:t>
+              <a:t>2019/5/17</a:t>
             </a:fld>
             <a:endParaRPr kumimoji="1" lang="zh-CN" altLang="en-US"/>
           </a:p>
@@ -402,7 +402,7 @@
           <a:p>
             <a:fld id="{ECC1334D-9041-804A-A4B5-23580EACE9B5}" type="datetimeFigureOut">
               <a:rPr kumimoji="1" lang="zh-CN" altLang="en-US" smtClean="0"/>
-              <a:t>2019/5/10</a:t>
+              <a:t>2019/5/17</a:t>
             </a:fld>
             <a:endParaRPr kumimoji="1" lang="zh-CN" altLang="en-US"/>
           </a:p>
@@ -1655,7 +1655,7 @@
             <a:fld id="{B61BEF0D-F0BB-DE4B-95CE-6DB70DBA9567}" type="datetimeFigureOut">
               <a:rPr lang="en-US" smtClean="0"/>
               <a:pPr/>
-              <a:t>5/10/19</a:t>
+              <a:t>5/17/19</a:t>
             </a:fld>
             <a:endParaRPr lang="en-US" dirty="0"/>
           </a:p>
@@ -1865,7 +1865,7 @@
             <a:fld id="{B61BEF0D-F0BB-DE4B-95CE-6DB70DBA9567}" type="datetimeFigureOut">
               <a:rPr lang="en-US" smtClean="0"/>
               <a:pPr/>
-              <a:t>5/10/19</a:t>
+              <a:t>5/17/19</a:t>
             </a:fld>
             <a:endParaRPr lang="en-US" dirty="0"/>
           </a:p>
@@ -2125,7 +2125,7 @@
             <a:fld id="{B61BEF0D-F0BB-DE4B-95CE-6DB70DBA9567}" type="datetimeFigureOut">
               <a:rPr lang="en-US" smtClean="0"/>
               <a:pPr/>
-              <a:t>5/10/19</a:t>
+              <a:t>5/17/19</a:t>
             </a:fld>
             <a:endParaRPr lang="en-US" dirty="0"/>
           </a:p>
@@ -2297,7 +2297,7 @@
             <a:fld id="{B61BEF0D-F0BB-DE4B-95CE-6DB70DBA9567}" type="datetimeFigureOut">
               <a:rPr lang="en-US" smtClean="0"/>
               <a:pPr/>
-              <a:t>5/10/19</a:t>
+              <a:t>5/17/19</a:t>
             </a:fld>
             <a:endParaRPr lang="en-US" dirty="0"/>
           </a:p>
@@ -2636,7 +2636,7 @@
             <a:fld id="{B61BEF0D-F0BB-DE4B-95CE-6DB70DBA9567}" type="datetimeFigureOut">
               <a:rPr lang="en-US" smtClean="0"/>
               <a:pPr/>
-              <a:t>5/10/19</a:t>
+              <a:t>5/17/19</a:t>
             </a:fld>
             <a:endParaRPr lang="en-US" dirty="0"/>
           </a:p>
@@ -2913,7 +2913,7 @@
             <a:fld id="{B61BEF0D-F0BB-DE4B-95CE-6DB70DBA9567}" type="datetimeFigureOut">
               <a:rPr lang="en-US" smtClean="0"/>
               <a:pPr/>
-              <a:t>5/10/19</a:t>
+              <a:t>5/17/19</a:t>
             </a:fld>
             <a:endParaRPr lang="en-US" dirty="0"/>
           </a:p>
@@ -3298,7 +3298,7 @@
             <a:fld id="{B61BEF0D-F0BB-DE4B-95CE-6DB70DBA9567}" type="datetimeFigureOut">
               <a:rPr lang="en-US" smtClean="0"/>
               <a:pPr/>
-              <a:t>5/10/19</a:t>
+              <a:t>5/17/19</a:t>
             </a:fld>
             <a:endParaRPr lang="en-US" dirty="0"/>
           </a:p>
@@ -3418,7 +3418,7 @@
             <a:fld id="{B61BEF0D-F0BB-DE4B-95CE-6DB70DBA9567}" type="datetimeFigureOut">
               <a:rPr lang="en-US" smtClean="0"/>
               <a:pPr/>
-              <a:t>5/10/19</a:t>
+              <a:t>5/17/19</a:t>
             </a:fld>
             <a:endParaRPr lang="en-US" dirty="0"/>
           </a:p>
@@ -3593,7 +3593,7 @@
             <a:fld id="{B61BEF0D-F0BB-DE4B-95CE-6DB70DBA9567}" type="datetimeFigureOut">
               <a:rPr lang="en-US" smtClean="0"/>
               <a:pPr/>
-              <a:t>5/10/19</a:t>
+              <a:t>5/17/19</a:t>
             </a:fld>
             <a:endParaRPr lang="en-US" dirty="0"/>
           </a:p>
@@ -3951,7 +3951,7 @@
             <a:fld id="{B61BEF0D-F0BB-DE4B-95CE-6DB70DBA9567}" type="datetimeFigureOut">
               <a:rPr lang="en-US" smtClean="0"/>
               <a:pPr/>
-              <a:t>5/10/19</a:t>
+              <a:t>5/17/19</a:t>
             </a:fld>
             <a:endParaRPr lang="en-US" dirty="0"/>
           </a:p>
@@ -4301,7 +4301,7 @@
             <a:fld id="{B61BEF0D-F0BB-DE4B-95CE-6DB70DBA9567}" type="datetimeFigureOut">
               <a:rPr lang="en-US" smtClean="0"/>
               <a:pPr/>
-              <a:t>5/10/19</a:t>
+              <a:t>5/17/19</a:t>
             </a:fld>
             <a:endParaRPr lang="en-US" dirty="0"/>
           </a:p>
@@ -4614,7 +4614,7 @@
             <a:fld id="{B61BEF0D-F0BB-DE4B-95CE-6DB70DBA9567}" type="datetimeFigureOut">
               <a:rPr lang="en-US" smtClean="0"/>
               <a:pPr/>
-              <a:t>5/10/19</a:t>
+              <a:t>5/17/19</a:t>
             </a:fld>
             <a:endParaRPr lang="en-US" dirty="0"/>
           </a:p>
@@ -14546,8 +14546,8 @@
             </a:p>
           </p:txBody>
         </p:sp>
-        <mc:AlternateContent xmlns:mc="http://schemas.openxmlformats.org/markup-compatibility/2006">
-          <mc:Choice xmlns:a14="http://schemas.microsoft.com/office/drawing/2010/main" Requires="a14">
+        <mc:AlternateContent xmlns:mc="http://schemas.openxmlformats.org/markup-compatibility/2006" xmlns:a14="http://schemas.microsoft.com/office/drawing/2010/main">
+          <mc:Choice Requires="a14">
             <p:sp>
               <p:nvSpPr>
                 <p:cNvPr id="23" name="文本框 22"/>
@@ -14620,7 +14620,7 @@
               </p:txBody>
             </p:sp>
           </mc:Choice>
-          <mc:Fallback>
+          <mc:Fallback xmlns="">
             <p:sp>
               <p:nvSpPr>
                 <p:cNvPr id="23" name="文本框 22"/>
@@ -14659,8 +14659,8 @@
             </p:sp>
           </mc:Fallback>
         </mc:AlternateContent>
-        <mc:AlternateContent xmlns:mc="http://schemas.openxmlformats.org/markup-compatibility/2006">
-          <mc:Choice xmlns:a14="http://schemas.microsoft.com/office/drawing/2010/main" Requires="a14">
+        <mc:AlternateContent xmlns:mc="http://schemas.openxmlformats.org/markup-compatibility/2006" xmlns:a14="http://schemas.microsoft.com/office/drawing/2010/main">
+          <mc:Choice Requires="a14">
             <p:sp>
               <p:nvSpPr>
                 <p:cNvPr id="24" name="文本框 23"/>
@@ -14723,7 +14723,7 @@
               </p:txBody>
             </p:sp>
           </mc:Choice>
-          <mc:Fallback>
+          <mc:Fallback xmlns="">
             <p:sp>
               <p:nvSpPr>
                 <p:cNvPr id="24" name="文本框 23"/>
@@ -14762,8 +14762,8 @@
             </p:sp>
           </mc:Fallback>
         </mc:AlternateContent>
-        <mc:AlternateContent xmlns:mc="http://schemas.openxmlformats.org/markup-compatibility/2006">
-          <mc:Choice xmlns:a14="http://schemas.microsoft.com/office/drawing/2010/main" Requires="a14">
+        <mc:AlternateContent xmlns:mc="http://schemas.openxmlformats.org/markup-compatibility/2006" xmlns:a14="http://schemas.microsoft.com/office/drawing/2010/main">
+          <mc:Choice Requires="a14">
             <p:sp>
               <p:nvSpPr>
                 <p:cNvPr id="25" name="文本框 24"/>
@@ -14826,7 +14826,7 @@
               </p:txBody>
             </p:sp>
           </mc:Choice>
-          <mc:Fallback>
+          <mc:Fallback xmlns="">
             <p:sp>
               <p:nvSpPr>
                 <p:cNvPr id="25" name="文本框 24"/>
@@ -17553,7 +17553,7 @@
         </p:nvSpPr>
         <p:spPr>
           <a:xfrm>
-            <a:off x="3847135" y="2462739"/>
+            <a:off x="3883503" y="1486181"/>
             <a:ext cx="872703" cy="1306717"/>
           </a:xfrm>
           <a:prstGeom prst="roundRect">
@@ -18148,7 +18148,7 @@
         </p:nvSpPr>
         <p:spPr>
           <a:xfrm>
-            <a:off x="6366250" y="3439306"/>
+            <a:off x="6373981" y="1486181"/>
             <a:ext cx="872703" cy="1303510"/>
           </a:xfrm>
           <a:prstGeom prst="roundRect">
@@ -18327,7 +18327,7 @@
         </p:nvSpPr>
         <p:spPr>
           <a:xfrm>
-            <a:off x="8934937" y="4411750"/>
+            <a:off x="8950776" y="1488235"/>
             <a:ext cx="872703" cy="1306717"/>
           </a:xfrm>
           <a:prstGeom prst="roundRect">
@@ -19484,114 +19484,6 @@
       </p:sp>
       <p:cxnSp>
         <p:nvCxnSpPr>
-          <p:cNvPr id="99" name="直线箭头连接符 98"/>
-          <p:cNvCxnSpPr>
-            <a:stCxn id="60" idx="6"/>
-            <a:endCxn id="75" idx="2"/>
-          </p:cNvCxnSpPr>
-          <p:nvPr/>
-        </p:nvCxnSpPr>
-        <p:spPr>
-          <a:xfrm>
-            <a:off x="3419874" y="2139541"/>
-            <a:ext cx="1732426" cy="0"/>
-          </a:xfrm>
-          <a:prstGeom prst="straightConnector1">
-            <a:avLst/>
-          </a:prstGeom>
-          <a:ln>
-            <a:tailEnd type="triangle"/>
-          </a:ln>
-        </p:spPr>
-        <p:style>
-          <a:lnRef idx="1">
-            <a:schemeClr val="accent1"/>
-          </a:lnRef>
-          <a:fillRef idx="0">
-            <a:schemeClr val="accent1"/>
-          </a:fillRef>
-          <a:effectRef idx="0">
-            <a:schemeClr val="accent1"/>
-          </a:effectRef>
-          <a:fontRef idx="minor">
-            <a:schemeClr val="tx1"/>
-          </a:fontRef>
-        </p:style>
-      </p:cxnSp>
-      <p:cxnSp>
-        <p:nvCxnSpPr>
-          <p:cNvPr id="101" name="直线箭头连接符 100"/>
-          <p:cNvCxnSpPr>
-            <a:stCxn id="75" idx="6"/>
-            <a:endCxn id="84" idx="2"/>
-          </p:cNvCxnSpPr>
-          <p:nvPr/>
-        </p:nvCxnSpPr>
-        <p:spPr>
-          <a:xfrm>
-            <a:off x="5966247" y="2139541"/>
-            <a:ext cx="1679093" cy="0"/>
-          </a:xfrm>
-          <a:prstGeom prst="straightConnector1">
-            <a:avLst/>
-          </a:prstGeom>
-          <a:ln>
-            <a:tailEnd type="triangle"/>
-          </a:ln>
-        </p:spPr>
-        <p:style>
-          <a:lnRef idx="1">
-            <a:schemeClr val="accent1"/>
-          </a:lnRef>
-          <a:fillRef idx="0">
-            <a:schemeClr val="accent1"/>
-          </a:fillRef>
-          <a:effectRef idx="0">
-            <a:schemeClr val="accent1"/>
-          </a:effectRef>
-          <a:fontRef idx="minor">
-            <a:schemeClr val="tx1"/>
-          </a:fontRef>
-        </p:style>
-      </p:cxnSp>
-      <p:cxnSp>
-        <p:nvCxnSpPr>
-          <p:cNvPr id="103" name="直线箭头连接符 102"/>
-          <p:cNvCxnSpPr>
-            <a:stCxn id="84" idx="6"/>
-            <a:endCxn id="90" idx="2"/>
-          </p:cNvCxnSpPr>
-          <p:nvPr/>
-        </p:nvCxnSpPr>
-        <p:spPr>
-          <a:xfrm>
-            <a:off x="8459287" y="2139541"/>
-            <a:ext cx="1833578" cy="0"/>
-          </a:xfrm>
-          <a:prstGeom prst="straightConnector1">
-            <a:avLst/>
-          </a:prstGeom>
-          <a:ln>
-            <a:tailEnd type="triangle"/>
-          </a:ln>
-        </p:spPr>
-        <p:style>
-          <a:lnRef idx="1">
-            <a:schemeClr val="accent1"/>
-          </a:lnRef>
-          <a:fillRef idx="0">
-            <a:schemeClr val="accent1"/>
-          </a:fillRef>
-          <a:effectRef idx="0">
-            <a:schemeClr val="accent1"/>
-          </a:effectRef>
-          <a:fontRef idx="minor">
-            <a:schemeClr val="tx1"/>
-          </a:fontRef>
-        </p:style>
-      </p:cxnSp>
-      <p:cxnSp>
-        <p:nvCxnSpPr>
           <p:cNvPr id="105" name="直线箭头连接符 104"/>
           <p:cNvCxnSpPr>
             <a:stCxn id="61" idx="6"/>
@@ -19601,8 +19493,8 @@
         </p:nvCxnSpPr>
         <p:spPr>
           <a:xfrm flipV="1">
-            <a:off x="3416683" y="3116098"/>
-            <a:ext cx="430452" cy="1"/>
+            <a:off x="3416683" y="2139540"/>
+            <a:ext cx="466820" cy="976559"/>
           </a:xfrm>
           <a:prstGeom prst="straightConnector1">
             <a:avLst/>
@@ -19637,8 +19529,8 @@
         </p:nvCxnSpPr>
         <p:spPr>
           <a:xfrm>
-            <a:off x="4719838" y="3116098"/>
-            <a:ext cx="429271" cy="1"/>
+            <a:off x="4756206" y="2139540"/>
+            <a:ext cx="392903" cy="976559"/>
           </a:xfrm>
           <a:prstGeom prst="straightConnector1">
             <a:avLst/>
@@ -19816,9 +19708,9 @@
           <p:nvPr/>
         </p:nvCxnSpPr>
         <p:spPr>
-          <a:xfrm>
-            <a:off x="5959865" y="4091061"/>
-            <a:ext cx="406385" cy="0"/>
+          <a:xfrm flipV="1">
+            <a:off x="5959865" y="2137936"/>
+            <a:ext cx="414116" cy="1953125"/>
           </a:xfrm>
           <a:prstGeom prst="straightConnector1">
             <a:avLst/>
@@ -19925,8 +19817,8 @@
         </p:nvCxnSpPr>
         <p:spPr>
           <a:xfrm>
-            <a:off x="7238953" y="4091061"/>
-            <a:ext cx="403196" cy="0"/>
+            <a:off x="7246684" y="2137936"/>
+            <a:ext cx="395465" cy="1953125"/>
           </a:xfrm>
           <a:prstGeom prst="straightConnector1">
             <a:avLst/>
@@ -19960,9 +19852,9 @@
           <p:nvPr/>
         </p:nvCxnSpPr>
         <p:spPr>
-          <a:xfrm>
-            <a:off x="8452905" y="5065109"/>
-            <a:ext cx="482032" cy="0"/>
+          <a:xfrm flipV="1">
+            <a:off x="8452905" y="2141594"/>
+            <a:ext cx="497871" cy="2923515"/>
           </a:xfrm>
           <a:prstGeom prst="straightConnector1">
             <a:avLst/>
@@ -19997,8 +19889,8 @@
         </p:nvCxnSpPr>
         <p:spPr>
           <a:xfrm>
-            <a:off x="9807640" y="5065109"/>
-            <a:ext cx="482034" cy="0"/>
+            <a:off x="9823479" y="2141594"/>
+            <a:ext cx="466195" cy="2923515"/>
           </a:xfrm>
           <a:prstGeom prst="straightConnector1">
             <a:avLst/>
@@ -20034,7 +19926,7 @@
         <p:spPr>
           <a:xfrm>
             <a:off x="8459287" y="2139541"/>
-            <a:ext cx="475650" cy="2925568"/>
+            <a:ext cx="491489" cy="2053"/>
           </a:xfrm>
           <a:prstGeom prst="straightConnector1">
             <a:avLst/>
@@ -20069,8 +19961,8 @@
         </p:nvCxnSpPr>
         <p:spPr>
           <a:xfrm flipV="1">
-            <a:off x="9807640" y="2139541"/>
-            <a:ext cx="485225" cy="2925568"/>
+            <a:off x="9823479" y="2139541"/>
+            <a:ext cx="469386" cy="2053"/>
           </a:xfrm>
           <a:prstGeom prst="straightConnector1">
             <a:avLst/>
@@ -20104,9 +19996,9 @@
           <p:nvPr/>
         </p:nvCxnSpPr>
         <p:spPr>
-          <a:xfrm>
-            <a:off x="5966247" y="2139541"/>
-            <a:ext cx="400003" cy="1951520"/>
+          <a:xfrm flipV="1">
+            <a:off x="5966247" y="2137936"/>
+            <a:ext cx="407734" cy="1605"/>
           </a:xfrm>
           <a:prstGeom prst="straightConnector1">
             <a:avLst/>
@@ -20140,9 +20032,9 @@
           <p:nvPr/>
         </p:nvCxnSpPr>
         <p:spPr>
-          <a:xfrm flipV="1">
-            <a:off x="7238953" y="2139541"/>
-            <a:ext cx="406387" cy="1951520"/>
+          <a:xfrm>
+            <a:off x="7246684" y="2137936"/>
+            <a:ext cx="398656" cy="1605"/>
           </a:xfrm>
           <a:prstGeom prst="straightConnector1">
             <a:avLst/>
@@ -20176,9 +20068,9 @@
           <p:nvPr/>
         </p:nvCxnSpPr>
         <p:spPr>
-          <a:xfrm>
-            <a:off x="3419874" y="2139541"/>
-            <a:ext cx="427261" cy="976557"/>
+          <a:xfrm flipV="1">
+            <a:off x="3419874" y="2139540"/>
+            <a:ext cx="463629" cy="1"/>
           </a:xfrm>
           <a:prstGeom prst="straightConnector1">
             <a:avLst/>
@@ -20212,9 +20104,9 @@
           <p:nvPr/>
         </p:nvCxnSpPr>
         <p:spPr>
-          <a:xfrm flipV="1">
-            <a:off x="4719838" y="2139541"/>
-            <a:ext cx="432462" cy="976557"/>
+          <a:xfrm>
+            <a:off x="4756206" y="2139540"/>
+            <a:ext cx="396094" cy="1"/>
           </a:xfrm>
           <a:prstGeom prst="straightConnector1">
             <a:avLst/>
@@ -25142,11 +25034,6 @@
                         </a:rPr>
                         <a:t>正确率</a:t>
                       </a:r>
-                      <a:endParaRPr lang="zh-CN" altLang="en-US" sz="1800" u="none" strike="noStrike" kern="1200" baseline="0" dirty="0" smtClean="0">
-                        <a:latin typeface="SimHei" charset="-122"/>
-                        <a:ea typeface="SimHei" charset="-122"/>
-                        <a:cs typeface="SimHei" charset="-122"/>
-                      </a:endParaRPr>
                     </a:p>
                   </a:txBody>
                   <a:tcPr/>
@@ -26648,8 +26535,8 @@
             </a:p>
           </p:txBody>
         </p:sp>
-        <mc:AlternateContent xmlns:mc="http://schemas.openxmlformats.org/markup-compatibility/2006">
-          <mc:Choice xmlns:a14="http://schemas.microsoft.com/office/drawing/2010/main" Requires="a14">
+        <mc:AlternateContent xmlns:mc="http://schemas.openxmlformats.org/markup-compatibility/2006" xmlns:a14="http://schemas.microsoft.com/office/drawing/2010/main">
+          <mc:Choice Requires="a14">
             <p:sp>
               <p:nvSpPr>
                 <p:cNvPr id="17" name="文本框 16"/>
@@ -26732,7 +26619,7 @@
               </p:txBody>
             </p:sp>
           </mc:Choice>
-          <mc:Fallback>
+          <mc:Fallback xmlns="">
             <p:sp>
               <p:nvSpPr>
                 <p:cNvPr id="17" name="文本框 16"/>
@@ -26771,8 +26658,8 @@
             </p:sp>
           </mc:Fallback>
         </mc:AlternateContent>
-        <mc:AlternateContent xmlns:mc="http://schemas.openxmlformats.org/markup-compatibility/2006">
-          <mc:Choice xmlns:a14="http://schemas.microsoft.com/office/drawing/2010/main" Requires="a14">
+        <mc:AlternateContent xmlns:mc="http://schemas.openxmlformats.org/markup-compatibility/2006" xmlns:a14="http://schemas.microsoft.com/office/drawing/2010/main">
+          <mc:Choice Requires="a14">
             <p:sp>
               <p:nvSpPr>
                 <p:cNvPr id="18" name="文本框 17"/>
@@ -26843,7 +26730,7 @@
               </p:txBody>
             </p:sp>
           </mc:Choice>
-          <mc:Fallback>
+          <mc:Fallback xmlns="">
             <p:sp>
               <p:nvSpPr>
                 <p:cNvPr id="18" name="文本框 17"/>
@@ -26882,8 +26769,8 @@
             </p:sp>
           </mc:Fallback>
         </mc:AlternateContent>
-        <mc:AlternateContent xmlns:mc="http://schemas.openxmlformats.org/markup-compatibility/2006">
-          <mc:Choice xmlns:a14="http://schemas.microsoft.com/office/drawing/2010/main" Requires="a14">
+        <mc:AlternateContent xmlns:mc="http://schemas.openxmlformats.org/markup-compatibility/2006" xmlns:a14="http://schemas.microsoft.com/office/drawing/2010/main">
+          <mc:Choice Requires="a14">
             <p:sp>
               <p:nvSpPr>
                 <p:cNvPr id="19" name="文本框 18"/>
@@ -26973,7 +26860,7 @@
               </p:txBody>
             </p:sp>
           </mc:Choice>
-          <mc:Fallback>
+          <mc:Fallback xmlns="">
             <p:sp>
               <p:nvSpPr>
                 <p:cNvPr id="19" name="文本框 18"/>
@@ -29074,8 +28961,8 @@
             </a:p>
           </p:txBody>
         </p:sp>
-        <mc:AlternateContent xmlns:mc="http://schemas.openxmlformats.org/markup-compatibility/2006">
-          <mc:Choice xmlns:a14="http://schemas.microsoft.com/office/drawing/2010/main" Requires="a14">
+        <mc:AlternateContent xmlns:mc="http://schemas.openxmlformats.org/markup-compatibility/2006" xmlns:a14="http://schemas.microsoft.com/office/drawing/2010/main">
+          <mc:Choice Requires="a14">
             <p:sp>
               <p:nvSpPr>
                 <p:cNvPr id="66" name="文本框 65"/>
@@ -29138,7 +29025,7 @@
               </p:txBody>
             </p:sp>
           </mc:Choice>
-          <mc:Fallback>
+          <mc:Fallback xmlns="">
             <p:sp>
               <p:nvSpPr>
                 <p:cNvPr id="66" name="文本框 65"/>
@@ -29177,8 +29064,8 @@
             </p:sp>
           </mc:Fallback>
         </mc:AlternateContent>
-        <mc:AlternateContent xmlns:mc="http://schemas.openxmlformats.org/markup-compatibility/2006">
-          <mc:Choice xmlns:a14="http://schemas.microsoft.com/office/drawing/2010/main" Requires="a14">
+        <mc:AlternateContent xmlns:mc="http://schemas.openxmlformats.org/markup-compatibility/2006" xmlns:a14="http://schemas.microsoft.com/office/drawing/2010/main">
+          <mc:Choice Requires="a14">
             <p:sp>
               <p:nvSpPr>
                 <p:cNvPr id="67" name="文本框 66"/>
@@ -29241,7 +29128,7 @@
               </p:txBody>
             </p:sp>
           </mc:Choice>
-          <mc:Fallback>
+          <mc:Fallback xmlns="">
             <p:sp>
               <p:nvSpPr>
                 <p:cNvPr id="67" name="文本框 66"/>
@@ -29848,8 +29735,8 @@
             </a:p>
           </p:txBody>
         </p:sp>
-        <mc:AlternateContent xmlns:mc="http://schemas.openxmlformats.org/markup-compatibility/2006">
-          <mc:Choice xmlns:a14="http://schemas.microsoft.com/office/drawing/2010/main" Requires="a14">
+        <mc:AlternateContent xmlns:mc="http://schemas.openxmlformats.org/markup-compatibility/2006" xmlns:a14="http://schemas.microsoft.com/office/drawing/2010/main">
+          <mc:Choice Requires="a14">
             <p:sp>
               <p:nvSpPr>
                 <p:cNvPr id="82" name="文本框 81"/>
@@ -29912,7 +29799,7 @@
               </p:txBody>
             </p:sp>
           </mc:Choice>
-          <mc:Fallback>
+          <mc:Fallback xmlns="">
             <p:sp>
               <p:nvSpPr>
                 <p:cNvPr id="82" name="文本框 81"/>
@@ -32996,7 +32883,18 @@
                 <a:ea typeface="SimHei" charset="-122"/>
                 <a:cs typeface="SimHei" charset="-122"/>
               </a:rPr>
-              <a:t>引入</a:t>
+              <a:t>引入第</a:t>
+            </a:r>
+            <a:r>
+              <a:rPr lang="zh-TW" altLang="en-US" sz="1600" dirty="0" smtClean="0">
+                <a:solidFill>
+                  <a:schemeClr val="tx1"/>
+                </a:solidFill>
+                <a:latin typeface="SimHei" charset="-122"/>
+                <a:ea typeface="SimHei" charset="-122"/>
+                <a:cs typeface="SimHei" charset="-122"/>
+              </a:rPr>
+              <a:t>三</a:t>
             </a:r>
             <a:r>
               <a:rPr lang="zh-CN" altLang="en-US" sz="1600" dirty="0" smtClean="0">
@@ -33007,40 +32905,7 @@
                 <a:ea typeface="SimHei" charset="-122"/>
                 <a:cs typeface="SimHei" charset="-122"/>
               </a:rPr>
-              <a:t>第</a:t>
-            </a:r>
-            <a:r>
-              <a:rPr lang="zh-TW" altLang="en-US" sz="1600" dirty="0" smtClean="0">
-                <a:solidFill>
-                  <a:schemeClr val="tx1"/>
-                </a:solidFill>
-                <a:latin typeface="SimHei" charset="-122"/>
-                <a:ea typeface="SimHei" charset="-122"/>
-                <a:cs typeface="SimHei" charset="-122"/>
-              </a:rPr>
-              <a:t>三</a:t>
-            </a:r>
-            <a:r>
-              <a:rPr lang="zh-CN" altLang="en-US" sz="1600" dirty="0" smtClean="0">
-                <a:solidFill>
-                  <a:schemeClr val="tx1"/>
-                </a:solidFill>
-                <a:latin typeface="SimHei" charset="-122"/>
-                <a:ea typeface="SimHei" charset="-122"/>
-                <a:cs typeface="SimHei" charset="-122"/>
-              </a:rPr>
-              <a:t>组</a:t>
-            </a:r>
-            <a:r>
-              <a:rPr lang="zh-CN" altLang="en-US" sz="1600" dirty="0" smtClean="0">
-                <a:solidFill>
-                  <a:schemeClr val="tx1"/>
-                </a:solidFill>
-                <a:latin typeface="SimHei" charset="-122"/>
-                <a:ea typeface="SimHei" charset="-122"/>
-                <a:cs typeface="SimHei" charset="-122"/>
-              </a:rPr>
-              <a:t>分类器的投票结果</a:t>
+              <a:t>组分类器的投票结果</a:t>
             </a:r>
             <a:endParaRPr kumimoji="1" lang="zh-CN" altLang="en-US" sz="1600" dirty="0">
               <a:solidFill>
@@ -34238,11 +34103,6 @@
               </a:rPr>
               <a:t>任务三子任务一参赛系统性能</a:t>
             </a:r>
-            <a:endParaRPr lang="zh-CN" altLang="en-US" dirty="0">
-              <a:latin typeface="SimHei" charset="-122"/>
-              <a:ea typeface="SimHei" charset="-122"/>
-              <a:cs typeface="SimHei" charset="-122"/>
-            </a:endParaRPr>
           </a:p>
         </p:txBody>
       </p:sp>

--- a/计研163_梁锡豪_2016211014.pptx
+++ b/计研163_梁锡豪_2016211014.pptx
@@ -5,10 +5,10 @@
     <p:sldMasterId id="2147483708" r:id="rId1"/>
   </p:sldMasterIdLst>
   <p:notesMasterIdLst>
-    <p:notesMasterId r:id="rId37"/>
+    <p:notesMasterId r:id="rId38"/>
   </p:notesMasterIdLst>
   <p:handoutMasterIdLst>
-    <p:handoutMasterId r:id="rId38"/>
+    <p:handoutMasterId r:id="rId39"/>
   </p:handoutMasterIdLst>
   <p:sldIdLst>
     <p:sldId id="256" r:id="rId2"/>
@@ -17,35 +17,36 @@
     <p:sldId id="277" r:id="rId5"/>
     <p:sldId id="259" r:id="rId6"/>
     <p:sldId id="280" r:id="rId7"/>
-    <p:sldId id="298" r:id="rId8"/>
-    <p:sldId id="281" r:id="rId9"/>
-    <p:sldId id="299" r:id="rId10"/>
-    <p:sldId id="263" r:id="rId11"/>
-    <p:sldId id="265" r:id="rId12"/>
-    <p:sldId id="278" r:id="rId13"/>
-    <p:sldId id="279" r:id="rId14"/>
-    <p:sldId id="266" r:id="rId15"/>
-    <p:sldId id="286" r:id="rId16"/>
-    <p:sldId id="268" r:id="rId17"/>
-    <p:sldId id="269" r:id="rId18"/>
-    <p:sldId id="285" r:id="rId19"/>
-    <p:sldId id="283" r:id="rId20"/>
-    <p:sldId id="297" r:id="rId21"/>
-    <p:sldId id="296" r:id="rId22"/>
-    <p:sldId id="287" r:id="rId23"/>
-    <p:sldId id="282" r:id="rId24"/>
-    <p:sldId id="295" r:id="rId25"/>
-    <p:sldId id="293" r:id="rId26"/>
-    <p:sldId id="291" r:id="rId27"/>
-    <p:sldId id="284" r:id="rId28"/>
-    <p:sldId id="288" r:id="rId29"/>
-    <p:sldId id="294" r:id="rId30"/>
-    <p:sldId id="292" r:id="rId31"/>
-    <p:sldId id="290" r:id="rId32"/>
-    <p:sldId id="274" r:id="rId33"/>
-    <p:sldId id="267" r:id="rId34"/>
-    <p:sldId id="264" r:id="rId35"/>
-    <p:sldId id="262" r:id="rId36"/>
+    <p:sldId id="302" r:id="rId8"/>
+    <p:sldId id="298" r:id="rId9"/>
+    <p:sldId id="281" r:id="rId10"/>
+    <p:sldId id="299" r:id="rId11"/>
+    <p:sldId id="303" r:id="rId12"/>
+    <p:sldId id="301" r:id="rId13"/>
+    <p:sldId id="278" r:id="rId14"/>
+    <p:sldId id="279" r:id="rId15"/>
+    <p:sldId id="300" r:id="rId16"/>
+    <p:sldId id="286" r:id="rId17"/>
+    <p:sldId id="268" r:id="rId18"/>
+    <p:sldId id="269" r:id="rId19"/>
+    <p:sldId id="285" r:id="rId20"/>
+    <p:sldId id="283" r:id="rId21"/>
+    <p:sldId id="297" r:id="rId22"/>
+    <p:sldId id="296" r:id="rId23"/>
+    <p:sldId id="287" r:id="rId24"/>
+    <p:sldId id="282" r:id="rId25"/>
+    <p:sldId id="295" r:id="rId26"/>
+    <p:sldId id="293" r:id="rId27"/>
+    <p:sldId id="291" r:id="rId28"/>
+    <p:sldId id="284" r:id="rId29"/>
+    <p:sldId id="288" r:id="rId30"/>
+    <p:sldId id="294" r:id="rId31"/>
+    <p:sldId id="292" r:id="rId32"/>
+    <p:sldId id="290" r:id="rId33"/>
+    <p:sldId id="274" r:id="rId34"/>
+    <p:sldId id="267" r:id="rId35"/>
+    <p:sldId id="264" r:id="rId36"/>
+    <p:sldId id="262" r:id="rId37"/>
   </p:sldIdLst>
   <p:sldSz cx="12192000" cy="6858000"/>
   <p:notesSz cx="6858000" cy="9144000"/>
@@ -237,7 +238,7 @@
           <a:p>
             <a:fld id="{636099FF-08C4-3F41-9922-8FE98CB97770}" type="datetimeFigureOut">
               <a:rPr kumimoji="1" lang="zh-CN" altLang="en-US" smtClean="0"/>
-              <a:t>2019/5/17</a:t>
+              <a:t>2019/5/18</a:t>
             </a:fld>
             <a:endParaRPr kumimoji="1" lang="zh-CN" altLang="en-US"/>
           </a:p>
@@ -402,7 +403,7 @@
           <a:p>
             <a:fld id="{ECC1334D-9041-804A-A4B5-23580EACE9B5}" type="datetimeFigureOut">
               <a:rPr kumimoji="1" lang="zh-CN" altLang="en-US" smtClean="0"/>
-              <a:t>2019/5/17</a:t>
+              <a:t>2019/5/18</a:t>
             </a:fld>
             <a:endParaRPr kumimoji="1" lang="zh-CN" altLang="en-US"/>
           </a:p>
@@ -819,7 +820,7 @@
           <a:p>
             <a:fld id="{3E398582-5B78-2342-8A29-10701A5958F7}" type="slidenum">
               <a:rPr kumimoji="1" lang="zh-CN" altLang="en-US" smtClean="0"/>
-              <a:t>10</a:t>
+              <a:t>17</a:t>
             </a:fld>
             <a:endParaRPr kumimoji="1" lang="zh-CN" altLang="en-US"/>
           </a:p>
@@ -828,7 +829,7 @@
     </p:spTree>
     <p:extLst>
       <p:ext uri="{BB962C8B-B14F-4D97-AF65-F5344CB8AC3E}">
-        <p14:creationId xmlns:p14="http://schemas.microsoft.com/office/powerpoint/2010/main" val="1139500812"/>
+        <p14:creationId xmlns:p14="http://schemas.microsoft.com/office/powerpoint/2010/main" val="486747331"/>
       </p:ext>
     </p:extLst>
   </p:cSld>
@@ -903,7 +904,7 @@
           <a:p>
             <a:fld id="{3E398582-5B78-2342-8A29-10701A5958F7}" type="slidenum">
               <a:rPr kumimoji="1" lang="zh-CN" altLang="en-US" smtClean="0"/>
-              <a:t>11</a:t>
+              <a:t>18</a:t>
             </a:fld>
             <a:endParaRPr kumimoji="1" lang="zh-CN" altLang="en-US"/>
           </a:p>
@@ -912,7 +913,7 @@
     </p:spTree>
     <p:extLst>
       <p:ext uri="{BB962C8B-B14F-4D97-AF65-F5344CB8AC3E}">
-        <p14:creationId xmlns:p14="http://schemas.microsoft.com/office/powerpoint/2010/main" val="738610042"/>
+        <p14:creationId xmlns:p14="http://schemas.microsoft.com/office/powerpoint/2010/main" val="2048978558"/>
       </p:ext>
     </p:extLst>
   </p:cSld>
@@ -987,7 +988,7 @@
           <a:p>
             <a:fld id="{3E398582-5B78-2342-8A29-10701A5958F7}" type="slidenum">
               <a:rPr kumimoji="1" lang="zh-CN" altLang="en-US" smtClean="0"/>
-              <a:t>14</a:t>
+              <a:t>24</a:t>
             </a:fld>
             <a:endParaRPr kumimoji="1" lang="zh-CN" altLang="en-US"/>
           </a:p>
@@ -996,7 +997,7 @@
     </p:spTree>
     <p:extLst>
       <p:ext uri="{BB962C8B-B14F-4D97-AF65-F5344CB8AC3E}">
-        <p14:creationId xmlns:p14="http://schemas.microsoft.com/office/powerpoint/2010/main" val="531290069"/>
+        <p14:creationId xmlns:p14="http://schemas.microsoft.com/office/powerpoint/2010/main" val="1404474193"/>
       </p:ext>
     </p:extLst>
   </p:cSld>
@@ -1071,7 +1072,7 @@
           <a:p>
             <a:fld id="{3E398582-5B78-2342-8A29-10701A5958F7}" type="slidenum">
               <a:rPr kumimoji="1" lang="zh-CN" altLang="en-US" smtClean="0"/>
-              <a:t>16</a:t>
+              <a:t>26</a:t>
             </a:fld>
             <a:endParaRPr kumimoji="1" lang="zh-CN" altLang="en-US"/>
           </a:p>
@@ -1080,7 +1081,7 @@
     </p:spTree>
     <p:extLst>
       <p:ext uri="{BB962C8B-B14F-4D97-AF65-F5344CB8AC3E}">
-        <p14:creationId xmlns:p14="http://schemas.microsoft.com/office/powerpoint/2010/main" val="486747331"/>
+        <p14:creationId xmlns:p14="http://schemas.microsoft.com/office/powerpoint/2010/main" val="1805517909"/>
       </p:ext>
     </p:extLst>
   </p:cSld>
@@ -1155,259 +1156,7 @@
           <a:p>
             <a:fld id="{3E398582-5B78-2342-8A29-10701A5958F7}" type="slidenum">
               <a:rPr kumimoji="1" lang="zh-CN" altLang="en-US" smtClean="0"/>
-              <a:t>17</a:t>
-            </a:fld>
-            <a:endParaRPr kumimoji="1" lang="zh-CN" altLang="en-US"/>
-          </a:p>
-        </p:txBody>
-      </p:sp>
-    </p:spTree>
-    <p:extLst>
-      <p:ext uri="{BB962C8B-B14F-4D97-AF65-F5344CB8AC3E}">
-        <p14:creationId xmlns:p14="http://schemas.microsoft.com/office/powerpoint/2010/main" val="2048978558"/>
-      </p:ext>
-    </p:extLst>
-  </p:cSld>
-  <p:clrMapOvr>
-    <a:masterClrMapping/>
-  </p:clrMapOvr>
-</p:notes>
-</file>
-
-<file path=ppt/notesSlides/notesSlide7.xml><?xml version="1.0" encoding="utf-8"?>
-<p:notes xmlns:a="http://schemas.openxmlformats.org/drawingml/2006/main" xmlns:r="http://schemas.openxmlformats.org/officeDocument/2006/relationships" xmlns:p="http://schemas.openxmlformats.org/presentationml/2006/main">
-  <p:cSld>
-    <p:spTree>
-      <p:nvGrpSpPr>
-        <p:cNvPr id="1" name=""/>
-        <p:cNvGrpSpPr/>
-        <p:nvPr/>
-      </p:nvGrpSpPr>
-      <p:grpSpPr>
-        <a:xfrm>
-          <a:off x="0" y="0"/>
-          <a:ext cx="0" cy="0"/>
-          <a:chOff x="0" y="0"/>
-          <a:chExt cx="0" cy="0"/>
-        </a:xfrm>
-      </p:grpSpPr>
-      <p:sp>
-        <p:nvSpPr>
-          <p:cNvPr id="2" name="幻灯片图像占位符 1"/>
-          <p:cNvSpPr>
-            <a:spLocks noGrp="1" noRot="1" noChangeAspect="1"/>
-          </p:cNvSpPr>
-          <p:nvPr>
-            <p:ph type="sldImg"/>
-          </p:nvPr>
-        </p:nvSpPr>
-        <p:spPr/>
-      </p:sp>
-      <p:sp>
-        <p:nvSpPr>
-          <p:cNvPr id="3" name="备注占位符 2"/>
-          <p:cNvSpPr>
-            <a:spLocks noGrp="1"/>
-          </p:cNvSpPr>
-          <p:nvPr>
-            <p:ph type="body" idx="1"/>
-          </p:nvPr>
-        </p:nvSpPr>
-        <p:spPr/>
-        <p:txBody>
-          <a:bodyPr/>
-          <a:lstStyle/>
-          <a:p>
-            <a:endParaRPr kumimoji="1" lang="zh-CN" altLang="en-US" dirty="0"/>
-          </a:p>
-        </p:txBody>
-      </p:sp>
-      <p:sp>
-        <p:nvSpPr>
-          <p:cNvPr id="4" name="幻灯片编号占位符 3"/>
-          <p:cNvSpPr>
-            <a:spLocks noGrp="1"/>
-          </p:cNvSpPr>
-          <p:nvPr>
-            <p:ph type="sldNum" sz="quarter" idx="10"/>
-          </p:nvPr>
-        </p:nvSpPr>
-        <p:spPr/>
-        <p:txBody>
-          <a:bodyPr/>
-          <a:lstStyle/>
-          <a:p>
-            <a:fld id="{3E398582-5B78-2342-8A29-10701A5958F7}" type="slidenum">
-              <a:rPr kumimoji="1" lang="zh-CN" altLang="en-US" smtClean="0"/>
-              <a:t>23</a:t>
-            </a:fld>
-            <a:endParaRPr kumimoji="1" lang="zh-CN" altLang="en-US"/>
-          </a:p>
-        </p:txBody>
-      </p:sp>
-    </p:spTree>
-    <p:extLst>
-      <p:ext uri="{BB962C8B-B14F-4D97-AF65-F5344CB8AC3E}">
-        <p14:creationId xmlns:p14="http://schemas.microsoft.com/office/powerpoint/2010/main" val="1404474193"/>
-      </p:ext>
-    </p:extLst>
-  </p:cSld>
-  <p:clrMapOvr>
-    <a:masterClrMapping/>
-  </p:clrMapOvr>
-</p:notes>
-</file>
-
-<file path=ppt/notesSlides/notesSlide8.xml><?xml version="1.0" encoding="utf-8"?>
-<p:notes xmlns:a="http://schemas.openxmlformats.org/drawingml/2006/main" xmlns:r="http://schemas.openxmlformats.org/officeDocument/2006/relationships" xmlns:p="http://schemas.openxmlformats.org/presentationml/2006/main">
-  <p:cSld>
-    <p:spTree>
-      <p:nvGrpSpPr>
-        <p:cNvPr id="1" name=""/>
-        <p:cNvGrpSpPr/>
-        <p:nvPr/>
-      </p:nvGrpSpPr>
-      <p:grpSpPr>
-        <a:xfrm>
-          <a:off x="0" y="0"/>
-          <a:ext cx="0" cy="0"/>
-          <a:chOff x="0" y="0"/>
-          <a:chExt cx="0" cy="0"/>
-        </a:xfrm>
-      </p:grpSpPr>
-      <p:sp>
-        <p:nvSpPr>
-          <p:cNvPr id="2" name="幻灯片图像占位符 1"/>
-          <p:cNvSpPr>
-            <a:spLocks noGrp="1" noRot="1" noChangeAspect="1"/>
-          </p:cNvSpPr>
-          <p:nvPr>
-            <p:ph type="sldImg"/>
-          </p:nvPr>
-        </p:nvSpPr>
-        <p:spPr/>
-      </p:sp>
-      <p:sp>
-        <p:nvSpPr>
-          <p:cNvPr id="3" name="备注占位符 2"/>
-          <p:cNvSpPr>
-            <a:spLocks noGrp="1"/>
-          </p:cNvSpPr>
-          <p:nvPr>
-            <p:ph type="body" idx="1"/>
-          </p:nvPr>
-        </p:nvSpPr>
-        <p:spPr/>
-        <p:txBody>
-          <a:bodyPr/>
-          <a:lstStyle/>
-          <a:p>
-            <a:endParaRPr kumimoji="1" lang="zh-CN" altLang="en-US" dirty="0"/>
-          </a:p>
-        </p:txBody>
-      </p:sp>
-      <p:sp>
-        <p:nvSpPr>
-          <p:cNvPr id="4" name="幻灯片编号占位符 3"/>
-          <p:cNvSpPr>
-            <a:spLocks noGrp="1"/>
-          </p:cNvSpPr>
-          <p:nvPr>
-            <p:ph type="sldNum" sz="quarter" idx="10"/>
-          </p:nvPr>
-        </p:nvSpPr>
-        <p:spPr/>
-        <p:txBody>
-          <a:bodyPr/>
-          <a:lstStyle/>
-          <a:p>
-            <a:fld id="{3E398582-5B78-2342-8A29-10701A5958F7}" type="slidenum">
-              <a:rPr kumimoji="1" lang="zh-CN" altLang="en-US" smtClean="0"/>
-              <a:t>25</a:t>
-            </a:fld>
-            <a:endParaRPr kumimoji="1" lang="zh-CN" altLang="en-US"/>
-          </a:p>
-        </p:txBody>
-      </p:sp>
-    </p:spTree>
-    <p:extLst>
-      <p:ext uri="{BB962C8B-B14F-4D97-AF65-F5344CB8AC3E}">
-        <p14:creationId xmlns:p14="http://schemas.microsoft.com/office/powerpoint/2010/main" val="1805517909"/>
-      </p:ext>
-    </p:extLst>
-  </p:cSld>
-  <p:clrMapOvr>
-    <a:masterClrMapping/>
-  </p:clrMapOvr>
-</p:notes>
-</file>
-
-<file path=ppt/notesSlides/notesSlide9.xml><?xml version="1.0" encoding="utf-8"?>
-<p:notes xmlns:a="http://schemas.openxmlformats.org/drawingml/2006/main" xmlns:r="http://schemas.openxmlformats.org/officeDocument/2006/relationships" xmlns:p="http://schemas.openxmlformats.org/presentationml/2006/main">
-  <p:cSld>
-    <p:spTree>
-      <p:nvGrpSpPr>
-        <p:cNvPr id="1" name=""/>
-        <p:cNvGrpSpPr/>
-        <p:nvPr/>
-      </p:nvGrpSpPr>
-      <p:grpSpPr>
-        <a:xfrm>
-          <a:off x="0" y="0"/>
-          <a:ext cx="0" cy="0"/>
-          <a:chOff x="0" y="0"/>
-          <a:chExt cx="0" cy="0"/>
-        </a:xfrm>
-      </p:grpSpPr>
-      <p:sp>
-        <p:nvSpPr>
-          <p:cNvPr id="2" name="幻灯片图像占位符 1"/>
-          <p:cNvSpPr>
-            <a:spLocks noGrp="1" noRot="1" noChangeAspect="1"/>
-          </p:cNvSpPr>
-          <p:nvPr>
-            <p:ph type="sldImg"/>
-          </p:nvPr>
-        </p:nvSpPr>
-        <p:spPr/>
-      </p:sp>
-      <p:sp>
-        <p:nvSpPr>
-          <p:cNvPr id="3" name="备注占位符 2"/>
-          <p:cNvSpPr>
-            <a:spLocks noGrp="1"/>
-          </p:cNvSpPr>
-          <p:nvPr>
-            <p:ph type="body" idx="1"/>
-          </p:nvPr>
-        </p:nvSpPr>
-        <p:spPr/>
-        <p:txBody>
-          <a:bodyPr/>
-          <a:lstStyle/>
-          <a:p>
-            <a:endParaRPr kumimoji="1" lang="zh-CN" altLang="en-US" dirty="0"/>
-          </a:p>
-        </p:txBody>
-      </p:sp>
-      <p:sp>
-        <p:nvSpPr>
-          <p:cNvPr id="4" name="幻灯片编号占位符 3"/>
-          <p:cNvSpPr>
-            <a:spLocks noGrp="1"/>
-          </p:cNvSpPr>
-          <p:nvPr>
-            <p:ph type="sldNum" sz="quarter" idx="10"/>
-          </p:nvPr>
-        </p:nvSpPr>
-        <p:spPr/>
-        <p:txBody>
-          <a:bodyPr/>
-          <a:lstStyle/>
-          <a:p>
-            <a:fld id="{3E398582-5B78-2342-8A29-10701A5958F7}" type="slidenum">
-              <a:rPr kumimoji="1" lang="zh-CN" altLang="en-US" smtClean="0"/>
-              <a:t>27</a:t>
+              <a:t>28</a:t>
             </a:fld>
             <a:endParaRPr kumimoji="1" lang="zh-CN" altLang="en-US"/>
           </a:p>
@@ -1655,7 +1404,7 @@
             <a:fld id="{B61BEF0D-F0BB-DE4B-95CE-6DB70DBA9567}" type="datetimeFigureOut">
               <a:rPr lang="en-US" smtClean="0"/>
               <a:pPr/>
-              <a:t>5/17/19</a:t>
+              <a:t>5/18/19</a:t>
             </a:fld>
             <a:endParaRPr lang="en-US" dirty="0"/>
           </a:p>
@@ -1865,7 +1614,7 @@
             <a:fld id="{B61BEF0D-F0BB-DE4B-95CE-6DB70DBA9567}" type="datetimeFigureOut">
               <a:rPr lang="en-US" smtClean="0"/>
               <a:pPr/>
-              <a:t>5/17/19</a:t>
+              <a:t>5/18/19</a:t>
             </a:fld>
             <a:endParaRPr lang="en-US" dirty="0"/>
           </a:p>
@@ -2125,7 +1874,7 @@
             <a:fld id="{B61BEF0D-F0BB-DE4B-95CE-6DB70DBA9567}" type="datetimeFigureOut">
               <a:rPr lang="en-US" smtClean="0"/>
               <a:pPr/>
-              <a:t>5/17/19</a:t>
+              <a:t>5/18/19</a:t>
             </a:fld>
             <a:endParaRPr lang="en-US" dirty="0"/>
           </a:p>
@@ -2297,7 +2046,7 @@
             <a:fld id="{B61BEF0D-F0BB-DE4B-95CE-6DB70DBA9567}" type="datetimeFigureOut">
               <a:rPr lang="en-US" smtClean="0"/>
               <a:pPr/>
-              <a:t>5/17/19</a:t>
+              <a:t>5/18/19</a:t>
             </a:fld>
             <a:endParaRPr lang="en-US" dirty="0"/>
           </a:p>
@@ -2636,7 +2385,7 @@
             <a:fld id="{B61BEF0D-F0BB-DE4B-95CE-6DB70DBA9567}" type="datetimeFigureOut">
               <a:rPr lang="en-US" smtClean="0"/>
               <a:pPr/>
-              <a:t>5/17/19</a:t>
+              <a:t>5/18/19</a:t>
             </a:fld>
             <a:endParaRPr lang="en-US" dirty="0"/>
           </a:p>
@@ -2913,7 +2662,7 @@
             <a:fld id="{B61BEF0D-F0BB-DE4B-95CE-6DB70DBA9567}" type="datetimeFigureOut">
               <a:rPr lang="en-US" smtClean="0"/>
               <a:pPr/>
-              <a:t>5/17/19</a:t>
+              <a:t>5/18/19</a:t>
             </a:fld>
             <a:endParaRPr lang="en-US" dirty="0"/>
           </a:p>
@@ -3298,7 +3047,7 @@
             <a:fld id="{B61BEF0D-F0BB-DE4B-95CE-6DB70DBA9567}" type="datetimeFigureOut">
               <a:rPr lang="en-US" smtClean="0"/>
               <a:pPr/>
-              <a:t>5/17/19</a:t>
+              <a:t>5/18/19</a:t>
             </a:fld>
             <a:endParaRPr lang="en-US" dirty="0"/>
           </a:p>
@@ -3418,7 +3167,7 @@
             <a:fld id="{B61BEF0D-F0BB-DE4B-95CE-6DB70DBA9567}" type="datetimeFigureOut">
               <a:rPr lang="en-US" smtClean="0"/>
               <a:pPr/>
-              <a:t>5/17/19</a:t>
+              <a:t>5/18/19</a:t>
             </a:fld>
             <a:endParaRPr lang="en-US" dirty="0"/>
           </a:p>
@@ -3593,7 +3342,7 @@
             <a:fld id="{B61BEF0D-F0BB-DE4B-95CE-6DB70DBA9567}" type="datetimeFigureOut">
               <a:rPr lang="en-US" smtClean="0"/>
               <a:pPr/>
-              <a:t>5/17/19</a:t>
+              <a:t>5/18/19</a:t>
             </a:fld>
             <a:endParaRPr lang="en-US" dirty="0"/>
           </a:p>
@@ -3951,7 +3700,7 @@
             <a:fld id="{B61BEF0D-F0BB-DE4B-95CE-6DB70DBA9567}" type="datetimeFigureOut">
               <a:rPr lang="en-US" smtClean="0"/>
               <a:pPr/>
-              <a:t>5/17/19</a:t>
+              <a:t>5/18/19</a:t>
             </a:fld>
             <a:endParaRPr lang="en-US" dirty="0"/>
           </a:p>
@@ -4301,7 +4050,7 @@
             <a:fld id="{B61BEF0D-F0BB-DE4B-95CE-6DB70DBA9567}" type="datetimeFigureOut">
               <a:rPr lang="en-US" smtClean="0"/>
               <a:pPr/>
-              <a:t>5/17/19</a:t>
+              <a:t>5/18/19</a:t>
             </a:fld>
             <a:endParaRPr lang="en-US" dirty="0"/>
           </a:p>
@@ -4614,7 +4363,7 @@
             <a:fld id="{B61BEF0D-F0BB-DE4B-95CE-6DB70DBA9567}" type="datetimeFigureOut">
               <a:rPr lang="en-US" smtClean="0"/>
               <a:pPr/>
-              <a:t>5/17/19</a:t>
+              <a:t>5/18/19</a:t>
             </a:fld>
             <a:endParaRPr lang="en-US" dirty="0"/>
           </a:p>
@@ -5391,11 +5140,7 @@
               </a:rPr>
               <a:t>相关工作</a:t>
             </a:r>
-            <a:endParaRPr kumimoji="1" lang="zh-CN" altLang="en-US" dirty="0">
-              <a:latin typeface="SimHei" charset="-122"/>
-              <a:ea typeface="SimHei" charset="-122"/>
-              <a:cs typeface="SimHei" charset="-122"/>
-            </a:endParaRPr>
+            <a:endParaRPr kumimoji="1" lang="zh-CN" altLang="en-US" dirty="0"/>
           </a:p>
         </p:txBody>
       </p:sp>
@@ -5409,23 +5154,28 @@
             <p:ph idx="1"/>
           </p:nvPr>
         </p:nvSpPr>
-        <p:spPr/>
+        <p:spPr>
+          <a:xfrm>
+            <a:off x="1097280" y="1563329"/>
+            <a:ext cx="6079024" cy="4305765"/>
+          </a:xfrm>
+        </p:spPr>
         <p:txBody>
           <a:bodyPr>
-            <a:normAutofit fontScale="92500" lnSpcReduction="20000"/>
+            <a:normAutofit/>
           </a:bodyPr>
           <a:lstStyle/>
           <a:p>
             <a:r>
-              <a:rPr lang="en-US" altLang="zh-CN" dirty="0">
-                <a:latin typeface="SimHei" charset="-122"/>
-                <a:ea typeface="SimHei" charset="-122"/>
-                <a:cs typeface="SimHei" charset="-122"/>
-              </a:rPr>
-              <a:t>Reyes</a:t>
-            </a:r>
-            <a:r>
-              <a:rPr lang="zh-CN" altLang="en-US" dirty="0">
+              <a:rPr kumimoji="1" lang="en-US" altLang="zh-CN" sz="1800" dirty="0">
+                <a:latin typeface="Calibri" charset="0"/>
+                <a:ea typeface="Calibri" charset="0"/>
+                <a:cs typeface="Calibri" charset="0"/>
+              </a:rPr>
+              <a:t>Wang</a:t>
+            </a:r>
+            <a:r>
+              <a:rPr kumimoji="1" lang="zh-CN" altLang="en-US" sz="1800" dirty="0">
                 <a:latin typeface="SimHei" charset="-122"/>
                 <a:ea typeface="SimHei" charset="-122"/>
                 <a:cs typeface="SimHei" charset="-122"/>
@@ -5433,62 +5183,46 @@
               <a:t>等</a:t>
             </a:r>
             <a:r>
-              <a:rPr lang="zh-CN" altLang="en-US" dirty="0" smtClean="0">
-                <a:latin typeface="SimHei" charset="-122"/>
-                <a:ea typeface="SimHei" charset="-122"/>
-                <a:cs typeface="SimHei" charset="-122"/>
-              </a:rPr>
-              <a:t>人</a:t>
-            </a:r>
-            <a:r>
-              <a:rPr lang="en-US" altLang="zh-CN" dirty="0" smtClean="0">
-                <a:latin typeface="SimHei" charset="-122"/>
-                <a:ea typeface="SimHei" charset="-122"/>
-                <a:cs typeface="SimHei" charset="-122"/>
-              </a:rPr>
-              <a:t>[3] </a:t>
-            </a:r>
-            <a:r>
-              <a:rPr lang="zh-CN" altLang="en-US" dirty="0" smtClean="0">
-                <a:latin typeface="SimHei" charset="-122"/>
-                <a:ea typeface="SimHei" charset="-122"/>
-                <a:cs typeface="SimHei" charset="-122"/>
-              </a:rPr>
-              <a:t>对</a:t>
-            </a:r>
-            <a:r>
-              <a:rPr lang="en-US" altLang="zh-CN" dirty="0">
-                <a:latin typeface="SimHei" charset="-122"/>
-                <a:ea typeface="SimHei" charset="-122"/>
-                <a:cs typeface="SimHei" charset="-122"/>
-              </a:rPr>
-              <a:t>Twitter</a:t>
-            </a:r>
-            <a:r>
-              <a:rPr lang="zh-CN" altLang="en-US" dirty="0">
-                <a:latin typeface="SimHei" charset="-122"/>
-                <a:ea typeface="SimHei" charset="-122"/>
-                <a:cs typeface="SimHei" charset="-122"/>
-              </a:rPr>
-              <a:t>上的英语微博的反讽</a:t>
-            </a:r>
-            <a:r>
-              <a:rPr lang="zh-CN" altLang="en-US" dirty="0" smtClean="0">
+              <a:rPr kumimoji="1" lang="zh-CN" altLang="en-US" sz="1800" dirty="0" smtClean="0">
+                <a:latin typeface="SimHei" charset="-122"/>
+                <a:ea typeface="SimHei" charset="-122"/>
+                <a:cs typeface="SimHei" charset="-122"/>
+              </a:rPr>
+              <a:t>人研究</a:t>
+            </a:r>
+            <a:r>
+              <a:rPr kumimoji="1" lang="zh-CN" altLang="en-US" sz="1800" dirty="0">
+                <a:latin typeface="SimHei" charset="-122"/>
+                <a:ea typeface="SimHei" charset="-122"/>
+                <a:cs typeface="SimHei" charset="-122"/>
+              </a:rPr>
+              <a:t>了对网上评论中</a:t>
+            </a:r>
+            <a:r>
+              <a:rPr kumimoji="1" lang="zh-CN" altLang="en-US" sz="1800" dirty="0" smtClean="0">
+                <a:latin typeface="SimHei" charset="-122"/>
+                <a:ea typeface="SimHei" charset="-122"/>
+                <a:cs typeface="SimHei" charset="-122"/>
+              </a:rPr>
+              <a:t>特定属性</a:t>
+            </a:r>
+            <a:r>
+              <a:rPr kumimoji="1" lang="zh-CN" altLang="en-US" sz="1800" dirty="0">
+                <a:latin typeface="SimHei" charset="-122"/>
+                <a:ea typeface="SimHei" charset="-122"/>
+                <a:cs typeface="SimHei" charset="-122"/>
+              </a:rPr>
+              <a:t>的情感</a:t>
+            </a:r>
+            <a:r>
+              <a:rPr kumimoji="1" lang="zh-CN" altLang="en-US" sz="1800" dirty="0" smtClean="0">
                 <a:latin typeface="SimHei" charset="-122"/>
                 <a:ea typeface="SimHei" charset="-122"/>
                 <a:cs typeface="SimHei" charset="-122"/>
               </a:rPr>
               <a:t>识别</a:t>
             </a:r>
-            <a:r>
-              <a:rPr lang="zh-TW" altLang="en-US" dirty="0" smtClean="0">
-                <a:latin typeface="SimHei" charset="-122"/>
-                <a:ea typeface="SimHei" charset="-122"/>
-                <a:cs typeface="SimHei" charset="-122"/>
-              </a:rPr>
-              <a:t> </a:t>
-            </a:r>
-            <a:endParaRPr lang="en-US" altLang="zh-CN" dirty="0" smtClean="0">
+            <a:endParaRPr kumimoji="1" lang="en-US" altLang="zh-CN" sz="1800" dirty="0">
               <a:latin typeface="SimHei" charset="-122"/>
               <a:ea typeface="SimHei" charset="-122"/>
               <a:cs typeface="SimHei" charset="-122"/>
@@ -5496,15 +5230,165 @@
           </a:p>
           <a:p>
             <a:pPr lvl="1"/>
-            <a:r>
-              <a:rPr lang="zh-CN" altLang="en-US" dirty="0" smtClean="0">
-                <a:latin typeface="SimHei" charset="-122"/>
-                <a:ea typeface="SimHei" charset="-122"/>
-                <a:cs typeface="SimHei" charset="-122"/>
-              </a:rPr>
-              <a:t>识别是否带有反讽</a:t>
-            </a:r>
-            <a:endParaRPr lang="en-US" altLang="zh-CN" dirty="0" smtClean="0">
+            <a:endParaRPr kumimoji="1" lang="en-US" altLang="zh-CN" sz="1600" dirty="0" smtClean="0">
+              <a:latin typeface="SimHei" charset="-122"/>
+              <a:ea typeface="SimHei" charset="-122"/>
+              <a:cs typeface="SimHei" charset="-122"/>
+            </a:endParaRPr>
+          </a:p>
+          <a:p>
+            <a:r>
+              <a:rPr kumimoji="1" lang="zh-CN" altLang="en-US" sz="1800" dirty="0" smtClean="0">
+                <a:latin typeface="SimHei" charset="-122"/>
+                <a:ea typeface="SimHei" charset="-122"/>
+                <a:cs typeface="SimHei" charset="-122"/>
+              </a:rPr>
+              <a:t>实验数据</a:t>
+            </a:r>
+            <a:endParaRPr kumimoji="1" lang="en-US" altLang="zh-CN" sz="1800" dirty="0" smtClean="0">
+              <a:latin typeface="SimHei" charset="-122"/>
+              <a:ea typeface="SimHei" charset="-122"/>
+              <a:cs typeface="SimHei" charset="-122"/>
+            </a:endParaRPr>
+          </a:p>
+          <a:p>
+            <a:pPr lvl="1"/>
+            <a:r>
+              <a:rPr lang="en-US" altLang="zh-CN" sz="1600" i="1" dirty="0" err="1" smtClean="0">
+                <a:latin typeface="Times New Roman" charset="0"/>
+                <a:ea typeface="Times New Roman" charset="0"/>
+                <a:cs typeface="Times New Roman" charset="0"/>
+              </a:rPr>
+              <a:t>SemEval</a:t>
+            </a:r>
+            <a:r>
+              <a:rPr lang="en-US" altLang="zh-CN" sz="1600" i="1" dirty="0" smtClean="0">
+                <a:latin typeface="Times New Roman" charset="0"/>
+                <a:ea typeface="Times New Roman" charset="0"/>
+                <a:cs typeface="Times New Roman" charset="0"/>
+              </a:rPr>
+              <a:t> 2014 Task 3: </a:t>
+            </a:r>
+            <a:r>
+              <a:rPr lang="en-US" altLang="zh-CN" sz="1600" i="1" dirty="0">
+                <a:latin typeface="Times New Roman" charset="0"/>
+                <a:ea typeface="Times New Roman" charset="0"/>
+                <a:cs typeface="Times New Roman" charset="0"/>
+              </a:rPr>
+              <a:t>Aspect Based Sentiment Analysis</a:t>
+            </a:r>
+            <a:endParaRPr kumimoji="1" lang="en-US" altLang="zh-CN" sz="1600" i="1" dirty="0" smtClean="0">
+              <a:latin typeface="Times New Roman" charset="0"/>
+              <a:ea typeface="Times New Roman" charset="0"/>
+              <a:cs typeface="Times New Roman" charset="0"/>
+            </a:endParaRPr>
+          </a:p>
+          <a:p>
+            <a:r>
+              <a:rPr kumimoji="1" lang="zh-CN" altLang="en-US" sz="1800" dirty="0" smtClean="0">
+                <a:latin typeface="SimHei" charset="-122"/>
+                <a:ea typeface="SimHei" charset="-122"/>
+                <a:cs typeface="SimHei" charset="-122"/>
+              </a:rPr>
+              <a:t>方法</a:t>
+            </a:r>
+            <a:endParaRPr kumimoji="1" lang="en-US" altLang="zh-CN" sz="1800" dirty="0" smtClean="0">
+              <a:latin typeface="SimHei" charset="-122"/>
+              <a:ea typeface="SimHei" charset="-122"/>
+              <a:cs typeface="SimHei" charset="-122"/>
+            </a:endParaRPr>
+          </a:p>
+          <a:p>
+            <a:pPr lvl="1"/>
+            <a:r>
+              <a:rPr kumimoji="1" lang="zh-CN" altLang="en-US" sz="1600" dirty="0">
+                <a:latin typeface="SimHei" charset="-122"/>
+                <a:ea typeface="SimHei" charset="-122"/>
+                <a:cs typeface="SimHei" charset="-122"/>
+              </a:rPr>
+              <a:t>句子的情感极性和内容对应的主题紧密相关</a:t>
+            </a:r>
+            <a:endParaRPr kumimoji="1" lang="en-US" altLang="zh-CN" sz="1600" dirty="0">
+              <a:latin typeface="SimHei" charset="-122"/>
+              <a:ea typeface="SimHei" charset="-122"/>
+              <a:cs typeface="SimHei" charset="-122"/>
+            </a:endParaRPr>
+          </a:p>
+          <a:p>
+            <a:pPr lvl="1"/>
+            <a:r>
+              <a:rPr kumimoji="1" lang="zh-CN" altLang="en-US" sz="1600" dirty="0" smtClean="0">
+                <a:latin typeface="SimHei" charset="-122"/>
+                <a:ea typeface="SimHei" charset="-122"/>
+                <a:cs typeface="SimHei" charset="-122"/>
+              </a:rPr>
+              <a:t>提</a:t>
+            </a:r>
+            <a:r>
+              <a:rPr kumimoji="1" lang="zh-CN" altLang="en-US" sz="1600" dirty="0">
+                <a:latin typeface="SimHei" charset="-122"/>
+                <a:ea typeface="SimHei" charset="-122"/>
+                <a:cs typeface="SimHei" charset="-122"/>
+              </a:rPr>
+              <a:t>出</a:t>
+            </a:r>
+            <a:r>
+              <a:rPr kumimoji="1" lang="zh-CN" altLang="en-US" sz="1600" dirty="0" smtClean="0">
+                <a:latin typeface="SimHei" charset="-122"/>
+                <a:ea typeface="SimHei" charset="-122"/>
+                <a:cs typeface="SimHei" charset="-122"/>
+              </a:rPr>
+              <a:t>了</a:t>
+            </a:r>
+            <a:r>
+              <a:rPr kumimoji="1" lang="zh-TW" altLang="en-US" sz="1600" dirty="0" smtClean="0">
+                <a:latin typeface="SimHei" charset="-122"/>
+                <a:ea typeface="SimHei" charset="-122"/>
+                <a:cs typeface="SimHei" charset="-122"/>
+              </a:rPr>
+              <a:t>两</a:t>
+            </a:r>
+            <a:r>
+              <a:rPr kumimoji="1" lang="zh-CN" altLang="en-US" sz="1600" dirty="0" smtClean="0">
+                <a:latin typeface="SimHei" charset="-122"/>
+                <a:ea typeface="SimHei" charset="-122"/>
+                <a:cs typeface="SimHei" charset="-122"/>
+              </a:rPr>
+              <a:t>个</a:t>
+            </a:r>
+            <a:r>
+              <a:rPr kumimoji="1" lang="zh-CN" altLang="en-US" sz="1600" dirty="0">
+                <a:latin typeface="SimHei" charset="-122"/>
+                <a:ea typeface="SimHei" charset="-122"/>
+                <a:cs typeface="SimHei" charset="-122"/>
+              </a:rPr>
+              <a:t>结合注意力机制和</a:t>
+            </a:r>
+            <a:r>
+              <a:rPr kumimoji="1" lang="en-US" altLang="zh-CN" sz="1600" dirty="0">
+                <a:latin typeface="SimHei" charset="-122"/>
+                <a:ea typeface="SimHei" charset="-122"/>
+                <a:cs typeface="SimHei" charset="-122"/>
+              </a:rPr>
+              <a:t>LSTM</a:t>
+            </a:r>
+            <a:r>
+              <a:rPr kumimoji="1" lang="zh-CN" altLang="en-US" sz="1600" dirty="0">
+                <a:latin typeface="SimHei" charset="-122"/>
+                <a:ea typeface="SimHei" charset="-122"/>
+                <a:cs typeface="SimHei" charset="-122"/>
+              </a:rPr>
+              <a:t>的人工神经</a:t>
+            </a:r>
+            <a:r>
+              <a:rPr kumimoji="1" lang="zh-CN" altLang="en-US" sz="1600" dirty="0" smtClean="0">
+                <a:latin typeface="SimHei" charset="-122"/>
+                <a:ea typeface="SimHei" charset="-122"/>
+                <a:cs typeface="SimHei" charset="-122"/>
+              </a:rPr>
+              <a:t>网络</a:t>
+            </a:r>
+            <a:endParaRPr kumimoji="1" lang="en-US" altLang="zh-CN" sz="1600" dirty="0" smtClean="0">
               <a:latin typeface="SimHei" charset="-122"/>
               <a:ea typeface="SimHei" charset="-122"/>
               <a:cs typeface="SimHei" charset="-122"/>
@@ -5512,7 +5396,23 @@
           </a:p>
           <a:p>
             <a:pPr lvl="2"/>
-            <a:endParaRPr lang="en-US" altLang="zh-CN" dirty="0" smtClean="0">
+            <a:r>
+              <a:rPr kumimoji="1" lang="zh-CN" altLang="en-US" sz="1200" dirty="0" smtClean="0">
+                <a:latin typeface="SimHei" charset="-122"/>
+                <a:ea typeface="SimHei" charset="-122"/>
+                <a:cs typeface="SimHei" charset="-122"/>
+              </a:rPr>
+              <a:t>分别</a:t>
+            </a:r>
+            <a:r>
+              <a:rPr kumimoji="1" lang="zh-CN" altLang="en-US" sz="1200" dirty="0">
+                <a:latin typeface="SimHei" charset="-122"/>
+                <a:ea typeface="SimHei" charset="-122"/>
+                <a:cs typeface="SimHei" charset="-122"/>
+              </a:rPr>
+              <a:t>以不同方式引入了目标属性的嵌入向量</a:t>
+            </a:r>
+            <a:endParaRPr kumimoji="1" lang="en-US" altLang="zh-CN" sz="1200" dirty="0" smtClean="0">
               <a:latin typeface="SimHei" charset="-122"/>
               <a:ea typeface="SimHei" charset="-122"/>
               <a:cs typeface="SimHei" charset="-122"/>
@@ -5520,14 +5420,14 @@
           </a:p>
           <a:p>
             <a:r>
-              <a:rPr lang="zh-CN" altLang="en-US" dirty="0" smtClean="0">
-                <a:latin typeface="SimHei" charset="-122"/>
-                <a:ea typeface="SimHei" charset="-122"/>
-                <a:cs typeface="SimHei" charset="-122"/>
-              </a:rPr>
-              <a:t>实验数据</a:t>
-            </a:r>
-            <a:endParaRPr lang="en-US" altLang="zh-CN" dirty="0" smtClean="0">
+              <a:rPr kumimoji="1" lang="zh-CN" altLang="en-US" sz="1800" dirty="0" smtClean="0">
+                <a:latin typeface="SimHei" charset="-122"/>
+                <a:ea typeface="SimHei" charset="-122"/>
+                <a:cs typeface="SimHei" charset="-122"/>
+              </a:rPr>
+              <a:t>实验结果</a:t>
+            </a:r>
+            <a:endParaRPr kumimoji="1" lang="en-US" altLang="zh-CN" sz="1800" dirty="0" smtClean="0">
               <a:latin typeface="SimHei" charset="-122"/>
               <a:ea typeface="SimHei" charset="-122"/>
               <a:cs typeface="SimHei" charset="-122"/>
@@ -5536,70 +5436,22 @@
           <a:p>
             <a:pPr lvl="1"/>
             <a:r>
-              <a:rPr lang="zh-CN" altLang="en-US" dirty="0" smtClean="0">
-                <a:latin typeface="SimHei" charset="-122"/>
-                <a:ea typeface="SimHei" charset="-122"/>
-                <a:cs typeface="SimHei" charset="-122"/>
-              </a:rPr>
-              <a:t>利用</a:t>
-            </a:r>
-            <a:r>
-              <a:rPr lang="en-US" altLang="zh-CN" dirty="0">
-                <a:latin typeface="SimHei" charset="-122"/>
-                <a:ea typeface="SimHei" charset="-122"/>
-                <a:cs typeface="SimHei" charset="-122"/>
-              </a:rPr>
-              <a:t>'#irony'</a:t>
-            </a:r>
-            <a:r>
-              <a:rPr lang="zh-CN" altLang="en-US" dirty="0">
-                <a:latin typeface="SimHei" charset="-122"/>
-                <a:ea typeface="SimHei" charset="-122"/>
-                <a:cs typeface="SimHei" charset="-122"/>
-              </a:rPr>
-              <a:t>，</a:t>
-            </a:r>
-            <a:r>
-              <a:rPr lang="en-US" altLang="zh-CN" dirty="0">
-                <a:latin typeface="SimHei" charset="-122"/>
-                <a:ea typeface="SimHei" charset="-122"/>
-                <a:cs typeface="SimHei" charset="-122"/>
-              </a:rPr>
-              <a:t>'#education', #humor, #politics</a:t>
-            </a:r>
-            <a:r>
-              <a:rPr lang="zh-CN" altLang="en-US" dirty="0">
-                <a:latin typeface="SimHei" charset="-122"/>
-                <a:ea typeface="SimHei" charset="-122"/>
-                <a:cs typeface="SimHei" charset="-122"/>
-              </a:rPr>
-              <a:t>这四个井号标签在</a:t>
-            </a:r>
-            <a:r>
-              <a:rPr lang="en-US" altLang="zh-CN" dirty="0">
-                <a:latin typeface="SimHei" charset="-122"/>
-                <a:ea typeface="SimHei" charset="-122"/>
-                <a:cs typeface="SimHei" charset="-122"/>
-              </a:rPr>
-              <a:t>Twitter</a:t>
-            </a:r>
-            <a:r>
-              <a:rPr lang="zh-CN" altLang="en-US" dirty="0">
-                <a:latin typeface="SimHei" charset="-122"/>
-                <a:ea typeface="SimHei" charset="-122"/>
-                <a:cs typeface="SimHei" charset="-122"/>
-              </a:rPr>
-              <a:t>上自动获取四组</a:t>
-            </a:r>
-            <a:r>
-              <a:rPr lang="zh-CN" altLang="en-US" dirty="0" smtClean="0">
-                <a:latin typeface="SimHei" charset="-122"/>
-                <a:ea typeface="SimHei" charset="-122"/>
-                <a:cs typeface="SimHei" charset="-122"/>
-              </a:rPr>
-              <a:t>微博</a:t>
-            </a:r>
-            <a:endParaRPr lang="en-US" altLang="zh-CN" dirty="0" smtClean="0">
+              <a:rPr kumimoji="1" lang="zh-CN" altLang="en-US" sz="1600" dirty="0">
+                <a:latin typeface="SimHei" charset="-122"/>
+                <a:ea typeface="SimHei" charset="-122"/>
+                <a:cs typeface="SimHei" charset="-122"/>
+              </a:rPr>
+              <a:t>他们的模型比没有引入属性嵌入向量的模型</a:t>
+            </a:r>
+            <a:r>
+              <a:rPr kumimoji="1" lang="zh-CN" altLang="en-US" sz="1600" dirty="0" smtClean="0">
+                <a:latin typeface="SimHei" charset="-122"/>
+                <a:ea typeface="SimHei" charset="-122"/>
+                <a:cs typeface="SimHei" charset="-122"/>
+              </a:rPr>
+              <a:t>性能更好</a:t>
+            </a:r>
+            <a:endParaRPr kumimoji="1" lang="en-US" altLang="zh-CN" sz="1600" dirty="0" smtClean="0">
               <a:latin typeface="SimHei" charset="-122"/>
               <a:ea typeface="SimHei" charset="-122"/>
               <a:cs typeface="SimHei" charset="-122"/>
@@ -5608,276 +5460,14 @@
           <a:p>
             <a:pPr lvl="1"/>
             <a:r>
-              <a:rPr lang="zh-CN" altLang="en-US" dirty="0" smtClean="0">
-                <a:latin typeface="SimHei" charset="-122"/>
-                <a:ea typeface="SimHei" charset="-122"/>
-                <a:cs typeface="SimHei" charset="-122"/>
-              </a:rPr>
-              <a:t>把</a:t>
-            </a:r>
-            <a:r>
-              <a:rPr lang="zh-CN" altLang="en-US" dirty="0">
-                <a:latin typeface="SimHei" charset="-122"/>
-                <a:ea typeface="SimHei" charset="-122"/>
-                <a:cs typeface="SimHei" charset="-122"/>
-              </a:rPr>
-              <a:t>标签</a:t>
-            </a:r>
-            <a:r>
-              <a:rPr lang="en-US" altLang="zh-CN" dirty="0">
-                <a:latin typeface="SimHei" charset="-122"/>
-                <a:ea typeface="SimHei" charset="-122"/>
-                <a:cs typeface="SimHei" charset="-122"/>
-              </a:rPr>
-              <a:t>#irony</a:t>
-            </a:r>
-            <a:r>
-              <a:rPr lang="zh-CN" altLang="en-US" dirty="0">
-                <a:latin typeface="SimHei" charset="-122"/>
-                <a:ea typeface="SimHei" charset="-122"/>
-                <a:cs typeface="SimHei" charset="-122"/>
-              </a:rPr>
-              <a:t>的微博和另外三组微博两两组成二分类的</a:t>
-            </a:r>
-            <a:r>
-              <a:rPr lang="zh-CN" altLang="en-US" dirty="0" smtClean="0">
-                <a:latin typeface="SimHei" charset="-122"/>
-                <a:ea typeface="SimHei" charset="-122"/>
-                <a:cs typeface="SimHei" charset="-122"/>
-              </a:rPr>
-              <a:t>实验</a:t>
-            </a:r>
-            <a:endParaRPr lang="en-US" altLang="zh-CN" dirty="0">
-              <a:latin typeface="SimHei" charset="-122"/>
-              <a:ea typeface="SimHei" charset="-122"/>
-              <a:cs typeface="SimHei" charset="-122"/>
-            </a:endParaRPr>
-          </a:p>
-          <a:p>
-            <a:pPr lvl="1"/>
-            <a:endParaRPr lang="en-US" altLang="zh-CN" dirty="0" smtClean="0">
-              <a:latin typeface="SimHei" charset="-122"/>
-              <a:ea typeface="SimHei" charset="-122"/>
-              <a:cs typeface="SimHei" charset="-122"/>
-            </a:endParaRPr>
-          </a:p>
-          <a:p>
-            <a:r>
-              <a:rPr lang="zh-TW" altLang="en-US" dirty="0" smtClean="0">
-                <a:latin typeface="SimHei" charset="-122"/>
-                <a:ea typeface="SimHei" charset="-122"/>
-                <a:cs typeface="SimHei" charset="-122"/>
-              </a:rPr>
-              <a:t>方法</a:t>
-            </a:r>
-            <a:endParaRPr lang="en-US" altLang="zh-TW" dirty="0" smtClean="0">
-              <a:latin typeface="SimHei" charset="-122"/>
-              <a:ea typeface="SimHei" charset="-122"/>
-              <a:cs typeface="SimHei" charset="-122"/>
-            </a:endParaRPr>
-          </a:p>
-          <a:p>
-            <a:pPr lvl="1"/>
-            <a:r>
-              <a:rPr lang="zh-CN" altLang="en-US" dirty="0" smtClean="0">
-                <a:latin typeface="SimHei" charset="-122"/>
-                <a:ea typeface="SimHei" charset="-122"/>
-                <a:cs typeface="SimHei" charset="-122"/>
-              </a:rPr>
-              <a:t>他们</a:t>
-            </a:r>
-            <a:r>
-              <a:rPr lang="zh-CN" altLang="en-US" dirty="0">
-                <a:latin typeface="SimHei" charset="-122"/>
-                <a:ea typeface="SimHei" charset="-122"/>
-                <a:cs typeface="SimHei" charset="-122"/>
-              </a:rPr>
-              <a:t>提出的算法框架包含了四个方面的特征</a:t>
-            </a:r>
-            <a:endParaRPr lang="en-US" altLang="zh-CN" dirty="0">
-              <a:latin typeface="SimHei" charset="-122"/>
-              <a:ea typeface="SimHei" charset="-122"/>
-              <a:cs typeface="SimHei" charset="-122"/>
-            </a:endParaRPr>
-          </a:p>
-          <a:p>
-            <a:pPr lvl="2"/>
-            <a:r>
-              <a:rPr lang="zh-CN" altLang="en-US" dirty="0">
-                <a:latin typeface="SimHei" charset="-122"/>
-                <a:ea typeface="SimHei" charset="-122"/>
-                <a:cs typeface="SimHei" charset="-122"/>
-              </a:rPr>
-              <a:t>特殊标记</a:t>
-            </a:r>
-            <a:r>
-              <a:rPr lang="en-US" altLang="zh-CN" dirty="0">
-                <a:latin typeface="SimHei" charset="-122"/>
-                <a:ea typeface="SimHei" charset="-122"/>
-                <a:cs typeface="SimHei" charset="-122"/>
-              </a:rPr>
-              <a:t>(</a:t>
-            </a:r>
-            <a:r>
-              <a:rPr lang="zh-CN" altLang="en-US" dirty="0">
-                <a:latin typeface="SimHei" charset="-122"/>
-                <a:ea typeface="SimHei" charset="-122"/>
-                <a:cs typeface="SimHei" charset="-122"/>
-              </a:rPr>
-              <a:t>词汇和标点符号等</a:t>
-            </a:r>
-            <a:r>
-              <a:rPr lang="en-US" altLang="zh-CN" dirty="0">
-                <a:latin typeface="SimHei" charset="-122"/>
-                <a:ea typeface="SimHei" charset="-122"/>
-                <a:cs typeface="SimHei" charset="-122"/>
-              </a:rPr>
-              <a:t>), </a:t>
-            </a:r>
-            <a:r>
-              <a:rPr lang="zh-CN" altLang="en-US" dirty="0">
-                <a:latin typeface="SimHei" charset="-122"/>
-                <a:ea typeface="SimHei" charset="-122"/>
-                <a:cs typeface="SimHei" charset="-122"/>
-              </a:rPr>
-              <a:t>不可预期性，表达风格，以及情感特性</a:t>
-            </a:r>
-            <a:endParaRPr lang="en-US" altLang="zh-CN" dirty="0">
-              <a:latin typeface="SimHei" charset="-122"/>
-              <a:ea typeface="SimHei" charset="-122"/>
-              <a:cs typeface="SimHei" charset="-122"/>
-            </a:endParaRPr>
-          </a:p>
-          <a:p>
-            <a:pPr lvl="1"/>
-            <a:r>
-              <a:rPr lang="zh-CN" altLang="en-US" dirty="0">
-                <a:latin typeface="SimHei" charset="-122"/>
-                <a:ea typeface="SimHei" charset="-122"/>
-                <a:cs typeface="SimHei" charset="-122"/>
-              </a:rPr>
-              <a:t>以朴素贝叶斯和决策树作为分类器</a:t>
-            </a:r>
-            <a:endParaRPr lang="en-US" altLang="zh-CN" dirty="0">
-              <a:latin typeface="SimHei" charset="-122"/>
-              <a:ea typeface="SimHei" charset="-122"/>
-              <a:cs typeface="SimHei" charset="-122"/>
-            </a:endParaRPr>
-          </a:p>
-          <a:p>
-            <a:pPr lvl="1"/>
-            <a:endParaRPr lang="en-US" altLang="zh-CN" dirty="0">
-              <a:latin typeface="SimHei" charset="-122"/>
-              <a:ea typeface="SimHei" charset="-122"/>
-              <a:cs typeface="SimHei" charset="-122"/>
-            </a:endParaRPr>
-          </a:p>
-          <a:p>
-            <a:r>
-              <a:rPr lang="zh-CN" altLang="en-US" dirty="0" smtClean="0">
-                <a:latin typeface="SimHei" charset="-122"/>
-                <a:ea typeface="SimHei" charset="-122"/>
-                <a:cs typeface="SimHei" charset="-122"/>
-              </a:rPr>
-              <a:t>效果</a:t>
-            </a:r>
-            <a:endParaRPr lang="en-US" altLang="zh-CN" dirty="0">
-              <a:latin typeface="SimHei" charset="-122"/>
-              <a:ea typeface="SimHei" charset="-122"/>
-              <a:cs typeface="SimHei" charset="-122"/>
-            </a:endParaRPr>
-          </a:p>
-          <a:p>
-            <a:pPr lvl="1"/>
-            <a:r>
-              <a:rPr lang="zh-CN" altLang="en-US" dirty="0" smtClean="0">
-                <a:latin typeface="SimHei" charset="-122"/>
-                <a:ea typeface="SimHei" charset="-122"/>
-                <a:cs typeface="SimHei" charset="-122"/>
-              </a:rPr>
-              <a:t>决策</a:t>
-            </a:r>
-            <a:r>
-              <a:rPr lang="zh-CN" altLang="en-US" dirty="0">
-                <a:latin typeface="SimHei" charset="-122"/>
-                <a:ea typeface="SimHei" charset="-122"/>
-                <a:cs typeface="SimHei" charset="-122"/>
-              </a:rPr>
-              <a:t>树和朴素贝叶斯之间没有明显更好的</a:t>
-            </a:r>
-            <a:r>
-              <a:rPr lang="zh-CN" altLang="en-US" dirty="0" smtClean="0">
-                <a:latin typeface="SimHei" charset="-122"/>
-                <a:ea typeface="SimHei" charset="-122"/>
-                <a:cs typeface="SimHei" charset="-122"/>
-              </a:rPr>
-              <a:t>算法</a:t>
-            </a:r>
-            <a:endParaRPr lang="en-US" altLang="zh-CN" dirty="0" smtClean="0">
-              <a:latin typeface="SimHei" charset="-122"/>
-              <a:ea typeface="SimHei" charset="-122"/>
-              <a:cs typeface="SimHei" charset="-122"/>
-            </a:endParaRPr>
-          </a:p>
-          <a:p>
-            <a:pPr lvl="1"/>
-            <a:r>
-              <a:rPr lang="zh-CN" altLang="en-US" dirty="0" smtClean="0">
-                <a:latin typeface="SimHei" charset="-122"/>
-                <a:ea typeface="SimHei" charset="-122"/>
-                <a:cs typeface="SimHei" charset="-122"/>
-              </a:rPr>
-              <a:t>在数据均匀和不均匀的情况下分别达到约</a:t>
-            </a:r>
-            <a:r>
-              <a:rPr lang="en-US" altLang="zh-CN" dirty="0" smtClean="0">
-                <a:latin typeface="SimHei" charset="-122"/>
-                <a:ea typeface="SimHei" charset="-122"/>
-                <a:cs typeface="SimHei" charset="-122"/>
-              </a:rPr>
-              <a:t>0.70</a:t>
-            </a:r>
-            <a:r>
-              <a:rPr lang="zh-CN" altLang="en-US" dirty="0" smtClean="0">
-                <a:latin typeface="SimHei" charset="-122"/>
-                <a:ea typeface="SimHei" charset="-122"/>
-                <a:cs typeface="SimHei" charset="-122"/>
-              </a:rPr>
-              <a:t>和</a:t>
-            </a:r>
-            <a:r>
-              <a:rPr lang="en-US" altLang="zh-CN" dirty="0" smtClean="0">
-                <a:latin typeface="SimHei" charset="-122"/>
-                <a:ea typeface="SimHei" charset="-122"/>
-                <a:cs typeface="SimHei" charset="-122"/>
-              </a:rPr>
-              <a:t>0.60</a:t>
-            </a:r>
-            <a:r>
-              <a:rPr lang="zh-CN" altLang="en-US" dirty="0" smtClean="0">
-                <a:latin typeface="SimHei" charset="-122"/>
-                <a:ea typeface="SimHei" charset="-122"/>
-                <a:cs typeface="SimHei" charset="-122"/>
-              </a:rPr>
-              <a:t>的</a:t>
-            </a:r>
-            <a:r>
-              <a:rPr lang="en-US" altLang="zh-CN" dirty="0" smtClean="0">
-                <a:latin typeface="SimHei" charset="-122"/>
-                <a:ea typeface="SimHei" charset="-122"/>
-                <a:cs typeface="SimHei" charset="-122"/>
-              </a:rPr>
-              <a:t>F1</a:t>
-            </a:r>
-            <a:r>
-              <a:rPr lang="zh-CN" altLang="en-US" dirty="0" smtClean="0">
-                <a:latin typeface="SimHei" charset="-122"/>
-                <a:ea typeface="SimHei" charset="-122"/>
-                <a:cs typeface="SimHei" charset="-122"/>
-              </a:rPr>
-              <a:t>值</a:t>
-            </a:r>
-            <a:endParaRPr kumimoji="1" lang="zh-CN" altLang="en-US" dirty="0">
+              <a:rPr kumimoji="1" lang="zh-CN" altLang="en-US" sz="1600" dirty="0" smtClean="0">
+                <a:latin typeface="SimHei" charset="-122"/>
+                <a:ea typeface="SimHei" charset="-122"/>
+                <a:cs typeface="SimHei" charset="-122"/>
+              </a:rPr>
+              <a:t>注意力机制确实能定位和目标属性相关的内容</a:t>
+            </a:r>
+            <a:endParaRPr kumimoji="1" lang="en-US" altLang="zh-CN" sz="1600" dirty="0" smtClean="0">
               <a:latin typeface="SimHei" charset="-122"/>
               <a:ea typeface="SimHei" charset="-122"/>
               <a:cs typeface="SimHei" charset="-122"/>
@@ -5885,9 +5475,99 @@
           </a:p>
         </p:txBody>
       </p:sp>
+      <p:sp>
+        <p:nvSpPr>
+          <p:cNvPr id="4" name="矩形 3"/>
+          <p:cNvSpPr/>
+          <p:nvPr/>
+        </p:nvSpPr>
+        <p:spPr>
+          <a:xfrm>
+            <a:off x="1097280" y="6392652"/>
+            <a:ext cx="10420741" cy="461665"/>
+          </a:xfrm>
+          <a:prstGeom prst="rect">
+            <a:avLst/>
+          </a:prstGeom>
+        </p:spPr>
+        <p:txBody>
+          <a:bodyPr wrap="square">
+            <a:spAutoFit/>
+          </a:bodyPr>
+          <a:lstStyle/>
+          <a:p>
+            <a:r>
+              <a:rPr lang="en-US" altLang="zh-CN" sz="1200" dirty="0"/>
+              <a:t>Wang Y, Huang M, Zhao L, et al. Attention-based </a:t>
+            </a:r>
+            <a:r>
+              <a:rPr lang="en-US" altLang="zh-CN" sz="1200" dirty="0" err="1"/>
+              <a:t>lstm</a:t>
+            </a:r>
+            <a:r>
+              <a:rPr lang="en-US" altLang="zh-CN" sz="1200" dirty="0"/>
+              <a:t> for aspect-level sentiment </a:t>
+            </a:r>
+            <a:r>
+              <a:rPr lang="en-US" altLang="zh-CN" sz="1200" dirty="0" smtClean="0"/>
+              <a:t>classification [C</a:t>
+            </a:r>
+            <a:r>
+              <a:rPr lang="en-US" altLang="zh-CN" sz="1200" dirty="0"/>
+              <a:t>]//Proceedings of the 2016 conference on empirical methods in natural language processing</a:t>
+            </a:r>
+            <a:r>
+              <a:rPr lang="en-US" altLang="zh-CN" sz="1200" dirty="0" smtClean="0"/>
+              <a:t>. </a:t>
+            </a:r>
+            <a:r>
+              <a:rPr lang="pt-BR" altLang="zh-CN" sz="1200" dirty="0" smtClean="0"/>
+              <a:t>[</a:t>
+            </a:r>
+            <a:r>
+              <a:rPr lang="pt-BR" altLang="zh-CN" sz="1200" dirty="0" err="1"/>
+              <a:t>S.l</a:t>
+            </a:r>
+            <a:r>
+              <a:rPr lang="pt-BR" altLang="zh-CN" sz="1200" dirty="0"/>
+              <a:t>.: s.n.], 2016: 606-615.</a:t>
+            </a:r>
+            <a:endParaRPr lang="zh-CN" altLang="en-US" sz="1200" dirty="0"/>
+          </a:p>
+        </p:txBody>
+      </p:sp>
       <p:pic>
         <p:nvPicPr>
           <p:cNvPr id="6" name="图片 5"/>
+          <p:cNvPicPr>
+            <a:picLocks noChangeAspect="1"/>
+          </p:cNvPicPr>
+          <p:nvPr/>
+        </p:nvPicPr>
+        <p:blipFill rotWithShape="1">
+          <a:blip r:embed="rId2">
+            <a:extLst>
+              <a:ext uri="{28A0092B-C50C-407E-A947-70E740481C1C}">
+                <a14:useLocalDpi xmlns:a14="http://schemas.microsoft.com/office/drawing/2010/main" val="0"/>
+              </a:ext>
+            </a:extLst>
+          </a:blip>
+          <a:srcRect l="1493"/>
+          <a:stretch/>
+        </p:blipFill>
+        <p:spPr>
+          <a:xfrm>
+            <a:off x="7184354" y="3778864"/>
+            <a:ext cx="4333667" cy="2398808"/>
+          </a:xfrm>
+          <a:prstGeom prst="rect">
+            <a:avLst/>
+          </a:prstGeom>
+        </p:spPr>
+      </p:pic>
+      <p:pic>
+        <p:nvPicPr>
+          <p:cNvPr id="7" name="图片 6"/>
           <p:cNvPicPr>
             <a:picLocks noChangeAspect="1"/>
           </p:cNvPicPr>
@@ -5907,8 +5587,8 @@
         </p:blipFill>
         <p:spPr>
           <a:xfrm>
-            <a:off x="7265636" y="3716211"/>
-            <a:ext cx="4708481" cy="2419036"/>
+            <a:off x="7176304" y="1690647"/>
+            <a:ext cx="4333667" cy="1953756"/>
           </a:xfrm>
           <a:prstGeom prst="rect">
             <a:avLst/>
@@ -5918,20 +5598,13 @@
     </p:spTree>
     <p:extLst>
       <p:ext uri="{BB962C8B-B14F-4D97-AF65-F5344CB8AC3E}">
-        <p14:creationId xmlns:p14="http://schemas.microsoft.com/office/powerpoint/2010/main" val="1975071387"/>
+        <p14:creationId xmlns:p14="http://schemas.microsoft.com/office/powerpoint/2010/main" val="1636840312"/>
       </p:ext>
     </p:extLst>
   </p:cSld>
   <p:clrMapOvr>
     <a:masterClrMapping/>
   </p:clrMapOvr>
-  <p:timing>
-    <p:tnLst>
-      <p:par>
-        <p:cTn id="1" dur="indefinite" restart="never" nodeType="tmRoot"/>
-      </p:par>
-    </p:tnLst>
-  </p:timing>
 </p:sld>
 </file>
 
@@ -5975,11 +5648,7 @@
               </a:rPr>
               <a:t>相关工作</a:t>
             </a:r>
-            <a:endParaRPr kumimoji="1" lang="zh-CN" altLang="en-US" dirty="0">
-              <a:latin typeface="SimHei" charset="-122"/>
-              <a:ea typeface="SimHei" charset="-122"/>
-              <a:cs typeface="SimHei" charset="-122"/>
-            </a:endParaRPr>
+            <a:endParaRPr kumimoji="1" lang="zh-CN" altLang="en-US" dirty="0"/>
           </a:p>
         </p:txBody>
       </p:sp>
@@ -5993,68 +5662,29 @@
             <p:ph idx="1"/>
           </p:nvPr>
         </p:nvSpPr>
-        <p:spPr>
-          <a:xfrm>
-            <a:off x="1215267" y="1632156"/>
-            <a:ext cx="10058400" cy="4611329"/>
-          </a:xfrm>
-        </p:spPr>
+        <p:spPr/>
         <p:txBody>
-          <a:bodyPr>
-            <a:normAutofit fontScale="85000" lnSpcReduction="20000"/>
-          </a:bodyPr>
+          <a:bodyPr/>
           <a:lstStyle/>
           <a:p>
             <a:r>
-              <a:rPr lang="en-US" altLang="zh-CN" dirty="0">
-                <a:latin typeface="SimHei" charset="-122"/>
-                <a:ea typeface="SimHei" charset="-122"/>
-                <a:cs typeface="SimHei" charset="-122"/>
-              </a:rPr>
-              <a:t>Soujanya</a:t>
-            </a:r>
-            <a:r>
-              <a:rPr lang="zh-CN" altLang="en-US" dirty="0">
-                <a:latin typeface="SimHei" charset="-122"/>
-                <a:ea typeface="SimHei" charset="-122"/>
-                <a:cs typeface="SimHei" charset="-122"/>
-              </a:rPr>
-              <a:t>等</a:t>
-            </a:r>
-            <a:r>
-              <a:rPr lang="zh-CN" altLang="en-US" dirty="0" smtClean="0">
-                <a:latin typeface="SimHei" charset="-122"/>
-                <a:ea typeface="SimHei" charset="-122"/>
-                <a:cs typeface="SimHei" charset="-122"/>
-              </a:rPr>
-              <a:t>人</a:t>
-            </a:r>
-            <a:r>
-              <a:rPr lang="en-US" altLang="zh-CN" dirty="0" smtClean="0">
-                <a:latin typeface="SimHei" charset="-122"/>
-                <a:ea typeface="SimHei" charset="-122"/>
-                <a:cs typeface="SimHei" charset="-122"/>
-              </a:rPr>
-              <a:t>[6]</a:t>
-            </a:r>
-            <a:r>
-              <a:rPr lang="zh-TW" altLang="en-US" dirty="0" smtClean="0">
-                <a:latin typeface="SimHei" charset="-122"/>
-                <a:ea typeface="SimHei" charset="-122"/>
-                <a:cs typeface="SimHei" charset="-122"/>
-              </a:rPr>
-              <a:t> </a:t>
-            </a:r>
-            <a:r>
-              <a:rPr lang="zh-CN" altLang="en-US" dirty="0" smtClean="0">
-                <a:latin typeface="SimHei" charset="-122"/>
-                <a:ea typeface="SimHei" charset="-122"/>
-                <a:cs typeface="SimHei" charset="-122"/>
-              </a:rPr>
-              <a:t>对</a:t>
-            </a:r>
-            <a:r>
-              <a:rPr lang="en-US" altLang="zh-CN" dirty="0">
+              <a:rPr lang="en-US" altLang="zh-CN" sz="1800" dirty="0">
+                <a:latin typeface="SimHei" charset="-122"/>
+                <a:ea typeface="SimHei" charset="-122"/>
+                <a:cs typeface="SimHei" charset="-122"/>
+              </a:rPr>
+              <a:t>Reyes</a:t>
+            </a:r>
+            <a:r>
+              <a:rPr lang="zh-CN" altLang="en-US" sz="1800" dirty="0">
+                <a:latin typeface="SimHei" charset="-122"/>
+                <a:ea typeface="SimHei" charset="-122"/>
+                <a:cs typeface="SimHei" charset="-122"/>
+              </a:rPr>
+              <a:t>等人研究了</a:t>
+            </a:r>
+            <a:r>
+              <a:rPr lang="en-US" altLang="zh-CN" sz="1800" dirty="0">
                 <a:latin typeface="SimHei" charset="-122"/>
                 <a:ea typeface="SimHei" charset="-122"/>
                 <a:cs typeface="SimHei" charset="-122"/>
@@ -6062,22 +5692,14 @@
               <a:t>Twitter</a:t>
             </a:r>
             <a:r>
-              <a:rPr lang="zh-CN" altLang="en-US" dirty="0">
-                <a:latin typeface="SimHei" charset="-122"/>
-                <a:ea typeface="SimHei" charset="-122"/>
-                <a:cs typeface="SimHei" charset="-122"/>
-              </a:rPr>
-              <a:t>上的英语</a:t>
-            </a:r>
-            <a:r>
-              <a:rPr lang="zh-CN" altLang="en-US" dirty="0" smtClean="0">
-                <a:latin typeface="SimHei" charset="-122"/>
-                <a:ea typeface="SimHei" charset="-122"/>
-                <a:cs typeface="SimHei" charset="-122"/>
-              </a:rPr>
-              <a:t>微博的反讽识别</a:t>
-            </a:r>
-            <a:endParaRPr lang="en-US" altLang="zh-CN" dirty="0" smtClean="0">
+              <a:rPr lang="zh-CN" altLang="en-US" sz="1800" dirty="0">
+                <a:latin typeface="SimHei" charset="-122"/>
+                <a:ea typeface="SimHei" charset="-122"/>
+                <a:cs typeface="SimHei" charset="-122"/>
+              </a:rPr>
+              <a:t>上的英语微博反讽识别</a:t>
+            </a:r>
+            <a:endParaRPr lang="en-US" altLang="zh-CN" sz="1800" dirty="0">
               <a:latin typeface="SimHei" charset="-122"/>
               <a:ea typeface="SimHei" charset="-122"/>
               <a:cs typeface="SimHei" charset="-122"/>
@@ -6085,31 +5707,149 @@
           </a:p>
           <a:p>
             <a:pPr lvl="1"/>
-            <a:r>
-              <a:rPr lang="zh-CN" altLang="en-US" dirty="0" smtClean="0">
-                <a:latin typeface="SimHei" charset="-122"/>
-                <a:ea typeface="SimHei" charset="-122"/>
-                <a:cs typeface="SimHei" charset="-122"/>
-              </a:rPr>
-              <a:t>识别</a:t>
-            </a:r>
-            <a:r>
-              <a:rPr lang="zh-CN" altLang="en-US" dirty="0">
-                <a:latin typeface="SimHei" charset="-122"/>
-                <a:ea typeface="SimHei" charset="-122"/>
-                <a:cs typeface="SimHei" charset="-122"/>
-              </a:rPr>
-              <a:t>是否</a:t>
-            </a:r>
-            <a:r>
-              <a:rPr lang="zh-CN" altLang="en-US" dirty="0" smtClean="0">
-                <a:latin typeface="SimHei" charset="-122"/>
-                <a:ea typeface="SimHei" charset="-122"/>
-                <a:cs typeface="SimHei" charset="-122"/>
-              </a:rPr>
-              <a:t>带有反讽</a:t>
-            </a:r>
-            <a:endParaRPr lang="en-US" altLang="zh-CN" dirty="0">
+            <a:endParaRPr lang="en-US" altLang="zh-CN" sz="1400" dirty="0">
+              <a:latin typeface="SimHei" charset="-122"/>
+              <a:ea typeface="SimHei" charset="-122"/>
+              <a:cs typeface="SimHei" charset="-122"/>
+            </a:endParaRPr>
+          </a:p>
+          <a:p>
+            <a:r>
+              <a:rPr lang="zh-CN" altLang="en-US" sz="1800" dirty="0">
+                <a:latin typeface="SimHei" charset="-122"/>
+                <a:ea typeface="SimHei" charset="-122"/>
+                <a:cs typeface="SimHei" charset="-122"/>
+              </a:rPr>
+              <a:t>实验数据</a:t>
+            </a:r>
+            <a:endParaRPr lang="en-US" altLang="zh-CN" sz="1800" dirty="0">
+              <a:latin typeface="SimHei" charset="-122"/>
+              <a:ea typeface="SimHei" charset="-122"/>
+              <a:cs typeface="SimHei" charset="-122"/>
+            </a:endParaRPr>
+          </a:p>
+          <a:p>
+            <a:pPr lvl="1"/>
+            <a:r>
+              <a:rPr lang="zh-CN" altLang="en-US" sz="1600" dirty="0">
+                <a:latin typeface="SimHei" charset="-122"/>
+                <a:ea typeface="SimHei" charset="-122"/>
+                <a:cs typeface="SimHei" charset="-122"/>
+              </a:rPr>
+              <a:t>利用</a:t>
+            </a:r>
+            <a:r>
+              <a:rPr lang="en-US" altLang="zh-CN" sz="1600" dirty="0">
+                <a:latin typeface="SimHei" charset="-122"/>
+                <a:ea typeface="SimHei" charset="-122"/>
+                <a:cs typeface="SimHei" charset="-122"/>
+              </a:rPr>
+              <a:t>'#irony'</a:t>
+            </a:r>
+            <a:r>
+              <a:rPr lang="zh-CN" altLang="en-US" sz="1600" dirty="0">
+                <a:latin typeface="SimHei" charset="-122"/>
+                <a:ea typeface="SimHei" charset="-122"/>
+                <a:cs typeface="SimHei" charset="-122"/>
+              </a:rPr>
+              <a:t>，</a:t>
+            </a:r>
+            <a:r>
+              <a:rPr lang="en-US" altLang="zh-CN" sz="1600" dirty="0">
+                <a:latin typeface="SimHei" charset="-122"/>
+                <a:ea typeface="SimHei" charset="-122"/>
+                <a:cs typeface="SimHei" charset="-122"/>
+              </a:rPr>
+              <a:t>'#education', #humor, #politics</a:t>
+            </a:r>
+            <a:r>
+              <a:rPr lang="zh-CN" altLang="en-US" sz="1600" dirty="0">
+                <a:latin typeface="SimHei" charset="-122"/>
+                <a:ea typeface="SimHei" charset="-122"/>
+                <a:cs typeface="SimHei" charset="-122"/>
+              </a:rPr>
+              <a:t>这四个井号标签在</a:t>
+            </a:r>
+            <a:r>
+              <a:rPr lang="en-US" altLang="zh-CN" sz="1600" dirty="0">
+                <a:latin typeface="SimHei" charset="-122"/>
+                <a:ea typeface="SimHei" charset="-122"/>
+                <a:cs typeface="SimHei" charset="-122"/>
+              </a:rPr>
+              <a:t>Twitter</a:t>
+            </a:r>
+            <a:r>
+              <a:rPr lang="zh-CN" altLang="en-US" sz="1600" dirty="0">
+                <a:latin typeface="SimHei" charset="-122"/>
+                <a:ea typeface="SimHei" charset="-122"/>
+                <a:cs typeface="SimHei" charset="-122"/>
+              </a:rPr>
+              <a:t>上自动获取四组微博</a:t>
+            </a:r>
+            <a:endParaRPr lang="en-US" altLang="zh-CN" sz="1600" dirty="0">
+              <a:latin typeface="SimHei" charset="-122"/>
+              <a:ea typeface="SimHei" charset="-122"/>
+              <a:cs typeface="SimHei" charset="-122"/>
+            </a:endParaRPr>
+          </a:p>
+          <a:p>
+            <a:pPr lvl="1"/>
+            <a:r>
+              <a:rPr lang="zh-CN" altLang="en-US" sz="1600" dirty="0">
+                <a:latin typeface="SimHei" charset="-122"/>
+                <a:ea typeface="SimHei" charset="-122"/>
+                <a:cs typeface="SimHei" charset="-122"/>
+              </a:rPr>
+              <a:t>把标签</a:t>
+            </a:r>
+            <a:r>
+              <a:rPr lang="en-US" altLang="zh-CN" sz="1600" dirty="0">
+                <a:latin typeface="SimHei" charset="-122"/>
+                <a:ea typeface="SimHei" charset="-122"/>
+                <a:cs typeface="SimHei" charset="-122"/>
+              </a:rPr>
+              <a:t>#irony</a:t>
+            </a:r>
+            <a:r>
+              <a:rPr lang="zh-CN" altLang="en-US" sz="1600" dirty="0">
+                <a:latin typeface="SimHei" charset="-122"/>
+                <a:ea typeface="SimHei" charset="-122"/>
+                <a:cs typeface="SimHei" charset="-122"/>
+              </a:rPr>
+              <a:t>的微博和另外三组微博两两组成二分类的实验</a:t>
+            </a:r>
+            <a:endParaRPr lang="en-US" altLang="zh-CN" sz="1600" dirty="0">
+              <a:latin typeface="SimHei" charset="-122"/>
+              <a:ea typeface="SimHei" charset="-122"/>
+              <a:cs typeface="SimHei" charset="-122"/>
+            </a:endParaRPr>
+          </a:p>
+          <a:p>
+            <a:r>
+              <a:rPr lang="zh-TW" altLang="en-US" sz="1800" dirty="0">
+                <a:latin typeface="SimHei" charset="-122"/>
+                <a:ea typeface="SimHei" charset="-122"/>
+                <a:cs typeface="SimHei" charset="-122"/>
+              </a:rPr>
+              <a:t>方法</a:t>
+            </a:r>
+            <a:endParaRPr lang="en-US" altLang="zh-TW" sz="1800" dirty="0">
+              <a:latin typeface="SimHei" charset="-122"/>
+              <a:ea typeface="SimHei" charset="-122"/>
+              <a:cs typeface="SimHei" charset="-122"/>
+            </a:endParaRPr>
+          </a:p>
+          <a:p>
+            <a:pPr lvl="1"/>
+            <a:r>
+              <a:rPr lang="zh-CN" altLang="en-US" sz="1600" dirty="0">
+                <a:latin typeface="SimHei" charset="-122"/>
+                <a:ea typeface="SimHei" charset="-122"/>
+                <a:cs typeface="SimHei" charset="-122"/>
+              </a:rPr>
+              <a:t>他们提出的算法框架包含了四个方面的特征</a:t>
+            </a:r>
+            <a:endParaRPr lang="en-US" altLang="zh-CN" sz="1600" dirty="0">
               <a:latin typeface="SimHei" charset="-122"/>
               <a:ea typeface="SimHei" charset="-122"/>
               <a:cs typeface="SimHei" charset="-122"/>
@@ -6117,150 +5857,47 @@
           </a:p>
           <a:p>
             <a:pPr lvl="2"/>
-            <a:endParaRPr lang="en-US" altLang="zh-CN" dirty="0" smtClean="0">
-              <a:latin typeface="SimHei" charset="-122"/>
-              <a:ea typeface="SimHei" charset="-122"/>
-              <a:cs typeface="SimHei" charset="-122"/>
-            </a:endParaRPr>
-          </a:p>
-          <a:p>
-            <a:r>
-              <a:rPr lang="zh-CN" altLang="en-US" dirty="0" smtClean="0">
-                <a:latin typeface="SimHei" charset="-122"/>
-                <a:ea typeface="SimHei" charset="-122"/>
-                <a:cs typeface="SimHei" charset="-122"/>
-              </a:rPr>
-              <a:t>实验</a:t>
-            </a:r>
-            <a:r>
-              <a:rPr lang="zh-CN" altLang="en-US" dirty="0">
-                <a:latin typeface="SimHei" charset="-122"/>
-                <a:ea typeface="SimHei" charset="-122"/>
-                <a:cs typeface="SimHei" charset="-122"/>
-              </a:rPr>
-              <a:t>数据</a:t>
-            </a:r>
-            <a:endParaRPr lang="en-US" altLang="zh-CN" dirty="0">
-              <a:latin typeface="SimHei" charset="-122"/>
-              <a:ea typeface="SimHei" charset="-122"/>
-              <a:cs typeface="SimHei" charset="-122"/>
-            </a:endParaRPr>
-          </a:p>
-          <a:p>
-            <a:pPr marL="544068" lvl="1" indent="-342900">
-              <a:buFont typeface="+mj-lt"/>
-              <a:buAutoNum type="arabicPeriod"/>
-            </a:pPr>
-            <a:r>
-              <a:rPr lang="en-US" altLang="zh-CN" dirty="0" err="1" smtClean="0">
-                <a:latin typeface="SimHei" charset="-122"/>
-                <a:ea typeface="SimHei" charset="-122"/>
-                <a:cs typeface="SimHei" charset="-122"/>
-              </a:rPr>
-              <a:t>Pta</a:t>
-            </a:r>
-            <a:r>
-              <a:rPr lang="en-US" altLang="zh-CN" dirty="0" smtClean="0">
-                <a:latin typeface="SimHei" charset="-122"/>
-                <a:ea typeface="SimHei" charset="-122"/>
-                <a:cs typeface="SimHei" charset="-122"/>
-              </a:rPr>
-              <a:t> </a:t>
-            </a:r>
-            <a:r>
-              <a:rPr lang="en-US" altLang="zh-CN" dirty="0">
-                <a:latin typeface="SimHei" charset="-122"/>
-                <a:ea typeface="SimHei" charset="-122"/>
-                <a:cs typeface="SimHei" charset="-122"/>
-              </a:rPr>
-              <a:t>́</a:t>
-            </a:r>
-            <a:r>
-              <a:rPr lang="en-US" altLang="zh-CN" dirty="0" err="1">
-                <a:latin typeface="SimHei" charset="-122"/>
-                <a:ea typeface="SimHei" charset="-122"/>
-                <a:cs typeface="SimHei" charset="-122"/>
-              </a:rPr>
-              <a:t>cek</a:t>
-            </a:r>
-            <a:r>
-              <a:rPr lang="zh-CN" altLang="en-US" dirty="0">
-                <a:latin typeface="SimHei" charset="-122"/>
-                <a:ea typeface="SimHei" charset="-122"/>
-                <a:cs typeface="SimHei" charset="-122"/>
-              </a:rPr>
-              <a:t>等</a:t>
-            </a:r>
-            <a:r>
-              <a:rPr lang="zh-CN" altLang="en-US" dirty="0" smtClean="0">
-                <a:latin typeface="SimHei" charset="-122"/>
-                <a:ea typeface="SimHei" charset="-122"/>
-                <a:cs typeface="SimHei" charset="-122"/>
-              </a:rPr>
-              <a:t>人</a:t>
-            </a:r>
-            <a:r>
-              <a:rPr lang="en-US" altLang="zh-CN" dirty="0" smtClean="0">
-                <a:latin typeface="SimHei" charset="-122"/>
-                <a:ea typeface="SimHei" charset="-122"/>
-                <a:cs typeface="SimHei" charset="-122"/>
-              </a:rPr>
-              <a:t>[7]</a:t>
-            </a:r>
-            <a:r>
-              <a:rPr lang="zh-CN" altLang="en-US" dirty="0" smtClean="0">
-                <a:latin typeface="SimHei" charset="-122"/>
-                <a:ea typeface="SimHei" charset="-122"/>
-                <a:cs typeface="SimHei" charset="-122"/>
-              </a:rPr>
-              <a:t> 公开的数据集</a:t>
-            </a:r>
-            <a:endParaRPr lang="en-US" altLang="zh-CN" dirty="0" smtClean="0">
-              <a:latin typeface="SimHei" charset="-122"/>
-              <a:ea typeface="SimHei" charset="-122"/>
-              <a:cs typeface="SimHei" charset="-122"/>
-            </a:endParaRPr>
-          </a:p>
-          <a:p>
-            <a:pPr marL="544068" lvl="1" indent="-342900">
-              <a:buFont typeface="+mj-lt"/>
-              <a:buAutoNum type="arabicPeriod"/>
-            </a:pPr>
-            <a:r>
-              <a:rPr lang="en-US" altLang="zh-CN" dirty="0">
-                <a:latin typeface="SimHei" charset="-122"/>
-                <a:ea typeface="SimHei" charset="-122"/>
-                <a:cs typeface="SimHei" charset="-122"/>
-              </a:rPr>
-              <a:t>http://</a:t>
-            </a:r>
-            <a:r>
-              <a:rPr lang="en-US" altLang="zh-CN" dirty="0" smtClean="0">
-                <a:latin typeface="SimHei" charset="-122"/>
-                <a:ea typeface="SimHei" charset="-122"/>
-                <a:cs typeface="SimHei" charset="-122"/>
-              </a:rPr>
-              <a:t>thesarcasmdetector.com</a:t>
-            </a:r>
-          </a:p>
-          <a:p>
-            <a:pPr lvl="1"/>
-            <a:endParaRPr lang="en-US" altLang="zh-CN" dirty="0">
-              <a:latin typeface="SimHei" charset="-122"/>
-              <a:ea typeface="SimHei" charset="-122"/>
-              <a:cs typeface="SimHei" charset="-122"/>
-            </a:endParaRPr>
-          </a:p>
-          <a:p>
-            <a:r>
-              <a:rPr lang="zh-TW" altLang="en-US" dirty="0" smtClean="0">
-                <a:latin typeface="SimHei" charset="-122"/>
-                <a:ea typeface="SimHei" charset="-122"/>
-                <a:cs typeface="SimHei" charset="-122"/>
-              </a:rPr>
-              <a:t>方法</a:t>
-            </a:r>
-            <a:endParaRPr lang="en-US" altLang="zh-TW" dirty="0" smtClean="0">
+            <a:r>
+              <a:rPr lang="zh-CN" altLang="en-US" sz="1200" dirty="0">
+                <a:latin typeface="SimHei" charset="-122"/>
+                <a:ea typeface="SimHei" charset="-122"/>
+                <a:cs typeface="SimHei" charset="-122"/>
+              </a:rPr>
+              <a:t>特殊标记</a:t>
+            </a:r>
+            <a:r>
+              <a:rPr lang="en-US" altLang="zh-CN" sz="1200" dirty="0">
+                <a:latin typeface="SimHei" charset="-122"/>
+                <a:ea typeface="SimHei" charset="-122"/>
+                <a:cs typeface="SimHei" charset="-122"/>
+              </a:rPr>
+              <a:t>(</a:t>
+            </a:r>
+            <a:r>
+              <a:rPr lang="zh-CN" altLang="en-US" sz="1200" dirty="0">
+                <a:latin typeface="SimHei" charset="-122"/>
+                <a:ea typeface="SimHei" charset="-122"/>
+                <a:cs typeface="SimHei" charset="-122"/>
+              </a:rPr>
+              <a:t>词汇和标点符号等</a:t>
+            </a:r>
+            <a:r>
+              <a:rPr lang="en-US" altLang="zh-CN" sz="1200" dirty="0">
+                <a:latin typeface="SimHei" charset="-122"/>
+                <a:ea typeface="SimHei" charset="-122"/>
+                <a:cs typeface="SimHei" charset="-122"/>
+              </a:rPr>
+              <a:t>), </a:t>
+            </a:r>
+            <a:r>
+              <a:rPr lang="zh-CN" altLang="en-US" sz="1200" dirty="0">
+                <a:latin typeface="SimHei" charset="-122"/>
+                <a:ea typeface="SimHei" charset="-122"/>
+                <a:cs typeface="SimHei" charset="-122"/>
+              </a:rPr>
+              <a:t>不可预期性，表达风格，以及情感特性</a:t>
+            </a:r>
+            <a:endParaRPr lang="en-US" altLang="zh-CN" sz="1200" dirty="0">
               <a:latin typeface="SimHei" charset="-122"/>
               <a:ea typeface="SimHei" charset="-122"/>
               <a:cs typeface="SimHei" charset="-122"/>
@@ -6269,30 +5906,29 @@
           <a:p>
             <a:pPr lvl="1"/>
             <a:r>
-              <a:rPr lang="zh-CN" altLang="en-US" dirty="0" smtClean="0">
-                <a:latin typeface="SimHei" charset="-122"/>
-                <a:ea typeface="SimHei" charset="-122"/>
-                <a:cs typeface="SimHei" charset="-122"/>
-              </a:rPr>
-              <a:t>首次</a:t>
-            </a:r>
-            <a:r>
-              <a:rPr lang="zh-CN" altLang="en-US" dirty="0">
-                <a:latin typeface="SimHei" charset="-122"/>
-                <a:ea typeface="SimHei" charset="-122"/>
-                <a:cs typeface="SimHei" charset="-122"/>
-              </a:rPr>
-              <a:t>尝试将神经网络应用于对微博的反讽</a:t>
-            </a:r>
-            <a:r>
-              <a:rPr lang="zh-CN" altLang="en-US" dirty="0" smtClean="0">
-                <a:latin typeface="SimHei" charset="-122"/>
-                <a:ea typeface="SimHei" charset="-122"/>
-                <a:cs typeface="SimHei" charset="-122"/>
-              </a:rPr>
-              <a:t>识别</a:t>
-            </a:r>
-            <a:endParaRPr lang="en-US" altLang="zh-CN" dirty="0" smtClean="0">
+              <a:rPr lang="zh-CN" altLang="en-US" sz="1600" dirty="0">
+                <a:latin typeface="SimHei" charset="-122"/>
+                <a:ea typeface="SimHei" charset="-122"/>
+                <a:cs typeface="SimHei" charset="-122"/>
+              </a:rPr>
+              <a:t>以朴素贝叶斯和决策树作为分类器</a:t>
+            </a:r>
+            <a:endParaRPr lang="en-US" altLang="zh-CN" sz="1600" dirty="0">
+              <a:latin typeface="SimHei" charset="-122"/>
+              <a:ea typeface="SimHei" charset="-122"/>
+              <a:cs typeface="SimHei" charset="-122"/>
+            </a:endParaRPr>
+          </a:p>
+          <a:p>
+            <a:r>
+              <a:rPr lang="zh-CN" altLang="en-US" sz="1800" dirty="0">
+                <a:latin typeface="SimHei" charset="-122"/>
+                <a:ea typeface="SimHei" charset="-122"/>
+                <a:cs typeface="SimHei" charset="-122"/>
+              </a:rPr>
+              <a:t>效果</a:t>
+            </a:r>
+            <a:endParaRPr lang="en-US" altLang="zh-CN" sz="1800" dirty="0">
               <a:latin typeface="SimHei" charset="-122"/>
               <a:ea typeface="SimHei" charset="-122"/>
               <a:cs typeface="SimHei" charset="-122"/>
@@ -6301,54 +5937,14 @@
           <a:p>
             <a:pPr lvl="1"/>
             <a:r>
-              <a:rPr lang="zh-CN" altLang="en-US" dirty="0">
-                <a:latin typeface="SimHei" charset="-122"/>
-                <a:ea typeface="SimHei" charset="-122"/>
-                <a:cs typeface="SimHei" charset="-122"/>
-              </a:rPr>
-              <a:t>算法框架主要包含四个卷积神经网络，利用不同的数据集进行预</a:t>
-            </a:r>
-            <a:r>
-              <a:rPr lang="zh-CN" altLang="en-US" dirty="0" smtClean="0">
-                <a:latin typeface="SimHei" charset="-122"/>
-                <a:ea typeface="SimHei" charset="-122"/>
-                <a:cs typeface="SimHei" charset="-122"/>
-              </a:rPr>
-              <a:t>训练</a:t>
-            </a:r>
-            <a:endParaRPr lang="en-US" altLang="zh-CN" dirty="0" smtClean="0">
-              <a:latin typeface="SimHei" charset="-122"/>
-              <a:ea typeface="SimHei" charset="-122"/>
-              <a:cs typeface="SimHei" charset="-122"/>
-            </a:endParaRPr>
-          </a:p>
-          <a:p>
-            <a:pPr lvl="2"/>
-            <a:r>
-              <a:rPr lang="zh-CN" altLang="en-US" dirty="0" smtClean="0">
-                <a:latin typeface="SimHei" charset="-122"/>
-                <a:ea typeface="SimHei" charset="-122"/>
-                <a:cs typeface="SimHei" charset="-122"/>
-              </a:rPr>
-              <a:t>分别</a:t>
-            </a:r>
-            <a:r>
-              <a:rPr lang="zh-CN" altLang="en-US" dirty="0">
-                <a:latin typeface="SimHei" charset="-122"/>
-                <a:ea typeface="SimHei" charset="-122"/>
-                <a:cs typeface="SimHei" charset="-122"/>
-              </a:rPr>
-              <a:t>对应反讽识别、情感极性识别、情感类型识别和性格</a:t>
-            </a:r>
-            <a:r>
-              <a:rPr lang="zh-CN" altLang="en-US" dirty="0" smtClean="0">
-                <a:latin typeface="SimHei" charset="-122"/>
-                <a:ea typeface="SimHei" charset="-122"/>
-                <a:cs typeface="SimHei" charset="-122"/>
-              </a:rPr>
-              <a:t>识别</a:t>
-            </a:r>
-            <a:endParaRPr lang="en-US" altLang="zh-CN" dirty="0" smtClean="0">
+              <a:rPr lang="zh-CN" altLang="en-US" sz="1600" dirty="0">
+                <a:latin typeface="SimHei" charset="-122"/>
+                <a:ea typeface="SimHei" charset="-122"/>
+                <a:cs typeface="SimHei" charset="-122"/>
+              </a:rPr>
+              <a:t>决策树和朴素贝叶斯之间没有明显更好的算法</a:t>
+            </a:r>
+            <a:endParaRPr lang="en-US" altLang="zh-CN" sz="1600" dirty="0">
               <a:latin typeface="SimHei" charset="-122"/>
               <a:ea typeface="SimHei" charset="-122"/>
               <a:cs typeface="SimHei" charset="-122"/>
@@ -6357,66 +5953,39 @@
           <a:p>
             <a:pPr lvl="1"/>
             <a:r>
-              <a:rPr lang="zh-CN" altLang="en-US" dirty="0" smtClean="0">
-                <a:latin typeface="SimHei" charset="-122"/>
-                <a:ea typeface="SimHei" charset="-122"/>
-                <a:cs typeface="SimHei" charset="-122"/>
-              </a:rPr>
-              <a:t>后融合</a:t>
-            </a:r>
-            <a:endParaRPr lang="en-US" altLang="zh-CN" dirty="0" smtClean="0">
-              <a:latin typeface="SimHei" charset="-122"/>
-              <a:ea typeface="SimHei" charset="-122"/>
-              <a:cs typeface="SimHei" charset="-122"/>
-            </a:endParaRPr>
-          </a:p>
-          <a:p>
-            <a:pPr marL="726948" lvl="2" indent="-342900">
-              <a:buFont typeface="+mj-lt"/>
-              <a:buAutoNum type="arabicPeriod"/>
-            </a:pPr>
-            <a:r>
-              <a:rPr lang="zh-CN" altLang="en-US" dirty="0" smtClean="0">
-                <a:latin typeface="SimHei" charset="-122"/>
-                <a:ea typeface="SimHei" charset="-122"/>
-                <a:cs typeface="SimHei" charset="-122"/>
-              </a:rPr>
-              <a:t>支持</a:t>
-            </a:r>
-            <a:r>
-              <a:rPr lang="zh-CN" altLang="en-US" dirty="0">
-                <a:latin typeface="SimHei" charset="-122"/>
-                <a:ea typeface="SimHei" charset="-122"/>
-                <a:cs typeface="SimHei" charset="-122"/>
-              </a:rPr>
-              <a:t>向量机</a:t>
-            </a:r>
-            <a:r>
-              <a:rPr lang="en-US" altLang="zh-CN" dirty="0">
-                <a:latin typeface="SimHei" charset="-122"/>
-                <a:ea typeface="SimHei" charset="-122"/>
-                <a:cs typeface="SimHei" charset="-122"/>
-              </a:rPr>
-              <a:t>(</a:t>
-            </a:r>
-            <a:r>
-              <a:rPr lang="en-US" altLang="zh-CN" dirty="0" smtClean="0">
-                <a:latin typeface="SimHei" charset="-122"/>
-                <a:ea typeface="SimHei" charset="-122"/>
-                <a:cs typeface="SimHei" charset="-122"/>
-              </a:rPr>
-              <a:t>SVM</a:t>
-            </a:r>
-            <a:r>
-              <a:rPr lang="en-US" altLang="zh-CN" dirty="0">
-                <a:latin typeface="SimHei" charset="-122"/>
-                <a:ea typeface="SimHei" charset="-122"/>
-                <a:cs typeface="SimHei" charset="-122"/>
-              </a:rPr>
-              <a:t>)</a:t>
-            </a:r>
-            <a:r>
-              <a:rPr lang="zh-CN" altLang="en-US" dirty="0">
+              <a:rPr lang="zh-CN" altLang="en-US" sz="1600" dirty="0">
+                <a:latin typeface="SimHei" charset="-122"/>
+                <a:ea typeface="SimHei" charset="-122"/>
+                <a:cs typeface="SimHei" charset="-122"/>
+              </a:rPr>
+              <a:t>在数据均匀和不均匀的情况下分别达到约</a:t>
+            </a:r>
+            <a:r>
+              <a:rPr lang="en-US" altLang="zh-CN" sz="1600" dirty="0">
+                <a:latin typeface="SimHei" charset="-122"/>
+                <a:ea typeface="SimHei" charset="-122"/>
+                <a:cs typeface="SimHei" charset="-122"/>
+              </a:rPr>
+              <a:t>0.70</a:t>
+            </a:r>
+            <a:r>
+              <a:rPr lang="zh-CN" altLang="en-US" sz="1600" dirty="0">
+                <a:latin typeface="SimHei" charset="-122"/>
+                <a:ea typeface="SimHei" charset="-122"/>
+                <a:cs typeface="SimHei" charset="-122"/>
+              </a:rPr>
+              <a:t>和</a:t>
+            </a:r>
+            <a:r>
+              <a:rPr lang="en-US" altLang="zh-CN" sz="1600" dirty="0">
+                <a:latin typeface="SimHei" charset="-122"/>
+                <a:ea typeface="SimHei" charset="-122"/>
+                <a:cs typeface="SimHei" charset="-122"/>
+              </a:rPr>
+              <a:t>0.60</a:t>
+            </a:r>
+            <a:r>
+              <a:rPr lang="zh-CN" altLang="en-US" sz="1600" dirty="0">
                 <a:latin typeface="SimHei" charset="-122"/>
                 <a:ea typeface="SimHei" charset="-122"/>
                 <a:cs typeface="SimHei" charset="-122"/>
@@ -6424,104 +5993,22 @@
               <a:t>的</a:t>
             </a:r>
             <a:r>
-              <a:rPr lang="zh-CN" altLang="en-US" dirty="0" smtClean="0">
-                <a:latin typeface="SimHei" charset="-122"/>
-                <a:ea typeface="SimHei" charset="-122"/>
-                <a:cs typeface="SimHei" charset="-122"/>
-              </a:rPr>
-              <a:t>输入</a:t>
-            </a:r>
-            <a:endParaRPr lang="en-US" altLang="zh-CN" dirty="0" smtClean="0">
-              <a:latin typeface="SimHei" charset="-122"/>
-              <a:ea typeface="SimHei" charset="-122"/>
-              <a:cs typeface="SimHei" charset="-122"/>
-            </a:endParaRPr>
-          </a:p>
-          <a:p>
-            <a:pPr marL="726948" lvl="2" indent="-342900">
-              <a:buFont typeface="+mj-lt"/>
-              <a:buAutoNum type="arabicPeriod"/>
-            </a:pPr>
-            <a:r>
-              <a:rPr lang="zh-CN" altLang="en-US" dirty="0">
-                <a:latin typeface="SimHei" charset="-122"/>
-                <a:ea typeface="SimHei" charset="-122"/>
-                <a:cs typeface="SimHei" charset="-122"/>
-              </a:rPr>
-              <a:t>全连接</a:t>
-            </a:r>
-            <a:r>
-              <a:rPr lang="zh-CN" altLang="en-US" dirty="0" smtClean="0">
-                <a:latin typeface="SimHei" charset="-122"/>
-                <a:ea typeface="SimHei" charset="-122"/>
-                <a:cs typeface="SimHei" charset="-122"/>
-              </a:rPr>
-              <a:t>层</a:t>
-            </a:r>
-            <a:r>
-              <a:rPr lang="en-US" altLang="zh-CN" dirty="0" smtClean="0">
-                <a:latin typeface="SimHei" charset="-122"/>
-                <a:ea typeface="SimHei" charset="-122"/>
-                <a:cs typeface="SimHei" charset="-122"/>
-              </a:rPr>
-              <a:t> + </a:t>
-            </a:r>
-            <a:r>
-              <a:rPr lang="en-US" altLang="zh-CN" dirty="0" err="1" smtClean="0">
-                <a:latin typeface="SimHei" charset="-122"/>
-                <a:ea typeface="SimHei" charset="-122"/>
-                <a:cs typeface="SimHei" charset="-122"/>
-              </a:rPr>
-              <a:t>Softmax</a:t>
-            </a:r>
-            <a:endParaRPr lang="en-US" altLang="zh-CN" dirty="0" smtClean="0">
-              <a:latin typeface="SimHei" charset="-122"/>
-              <a:ea typeface="SimHei" charset="-122"/>
-              <a:cs typeface="SimHei" charset="-122"/>
-            </a:endParaRPr>
-          </a:p>
-          <a:p>
-            <a:pPr lvl="1"/>
-            <a:endParaRPr lang="en-US" altLang="zh-CN" dirty="0">
-              <a:latin typeface="SimHei" charset="-122"/>
-              <a:ea typeface="SimHei" charset="-122"/>
-              <a:cs typeface="SimHei" charset="-122"/>
-            </a:endParaRPr>
-          </a:p>
-          <a:p>
-            <a:r>
-              <a:rPr lang="zh-CN" altLang="en-US" dirty="0">
-                <a:latin typeface="SimHei" charset="-122"/>
-                <a:ea typeface="SimHei" charset="-122"/>
-                <a:cs typeface="SimHei" charset="-122"/>
-              </a:rPr>
-              <a:t>效果</a:t>
-            </a:r>
-            <a:endParaRPr lang="en-US" altLang="zh-CN" dirty="0">
-              <a:latin typeface="SimHei" charset="-122"/>
-              <a:ea typeface="SimHei" charset="-122"/>
-              <a:cs typeface="SimHei" charset="-122"/>
-            </a:endParaRPr>
-          </a:p>
-          <a:p>
-            <a:pPr lvl="1"/>
-            <a:r>
-              <a:rPr lang="zh-CN" altLang="en-US" dirty="0">
-                <a:latin typeface="SimHei" charset="-122"/>
-                <a:ea typeface="SimHei" charset="-122"/>
-                <a:cs typeface="SimHei" charset="-122"/>
-              </a:rPr>
-              <a:t>他们提出的系统要比单独使用反讽识别数据集训练的分类器更</a:t>
-            </a:r>
-            <a:r>
-              <a:rPr lang="zh-CN" altLang="en-US" dirty="0" smtClean="0">
-                <a:latin typeface="SimHei" charset="-122"/>
-                <a:ea typeface="SimHei" charset="-122"/>
-                <a:cs typeface="SimHei" charset="-122"/>
-              </a:rPr>
-              <a:t>好</a:t>
-            </a:r>
-            <a:endParaRPr lang="en-US" altLang="zh-CN" dirty="0" smtClean="0">
+              <a:rPr lang="en-US" altLang="zh-CN" sz="1600" dirty="0">
+                <a:latin typeface="SimHei" charset="-122"/>
+                <a:ea typeface="SimHei" charset="-122"/>
+                <a:cs typeface="SimHei" charset="-122"/>
+              </a:rPr>
+              <a:t>F1</a:t>
+            </a:r>
+            <a:r>
+              <a:rPr lang="zh-CN" altLang="en-US" sz="1600" dirty="0">
+                <a:latin typeface="SimHei" charset="-122"/>
+                <a:ea typeface="SimHei" charset="-122"/>
+                <a:cs typeface="SimHei" charset="-122"/>
+              </a:rPr>
+              <a:t>值</a:t>
+            </a:r>
+            <a:endParaRPr kumimoji="1" lang="zh-CN" altLang="en-US" sz="1600" dirty="0">
               <a:latin typeface="SimHei" charset="-122"/>
               <a:ea typeface="SimHei" charset="-122"/>
               <a:cs typeface="SimHei" charset="-122"/>
@@ -6531,14 +6018,14 @@
       </p:sp>
       <p:pic>
         <p:nvPicPr>
-          <p:cNvPr id="5" name="图片 4"/>
+          <p:cNvPr id="4" name="图片 3"/>
           <p:cNvPicPr>
             <a:picLocks noChangeAspect="1"/>
           </p:cNvPicPr>
           <p:nvPr/>
         </p:nvPicPr>
         <p:blipFill>
-          <a:blip r:embed="rId3">
+          <a:blip r:embed="rId2">
             <a:extLst>
               <a:ext uri="{28A0092B-C50C-407E-A947-70E740481C1C}">
                 <a14:useLocalDpi xmlns:a14="http://schemas.microsoft.com/office/drawing/2010/main" val="0"/>
@@ -6551,61 +6038,77 @@
         </p:blipFill>
         <p:spPr>
           <a:xfrm>
-            <a:off x="7996894" y="1977575"/>
-            <a:ext cx="3771751" cy="2150608"/>
+            <a:off x="6848947" y="3716211"/>
+            <a:ext cx="4708481" cy="2419036"/>
           </a:xfrm>
           <a:prstGeom prst="rect">
             <a:avLst/>
           </a:prstGeom>
         </p:spPr>
       </p:pic>
-      <p:pic>
-        <p:nvPicPr>
-          <p:cNvPr id="6" name="图片 5"/>
-          <p:cNvPicPr>
-            <a:picLocks noChangeAspect="1"/>
-          </p:cNvPicPr>
+      <p:sp>
+        <p:nvSpPr>
+          <p:cNvPr id="5" name="矩形 4"/>
+          <p:cNvSpPr/>
           <p:nvPr/>
-        </p:nvPicPr>
-        <p:blipFill>
-          <a:blip r:embed="rId4">
-            <a:extLst>
-              <a:ext uri="{28A0092B-C50C-407E-A947-70E740481C1C}">
-                <a14:useLocalDpi xmlns:a14="http://schemas.microsoft.com/office/drawing/2010/main" val="0"/>
-              </a:ext>
-            </a:extLst>
-          </a:blip>
-          <a:stretch>
-            <a:fillRect/>
-          </a:stretch>
-        </p:blipFill>
+        </p:nvSpPr>
         <p:spPr>
           <a:xfrm>
-            <a:off x="7197213" y="4315732"/>
-            <a:ext cx="4571432" cy="1554955"/>
+            <a:off x="741680" y="6459835"/>
+            <a:ext cx="11285220" cy="307777"/>
           </a:xfrm>
           <a:prstGeom prst="rect">
             <a:avLst/>
           </a:prstGeom>
         </p:spPr>
-      </p:pic>
+        <p:txBody>
+          <a:bodyPr wrap="square">
+            <a:spAutoFit/>
+          </a:bodyPr>
+          <a:lstStyle/>
+          <a:p>
+            <a:r>
+              <a:rPr lang="en-US" altLang="zh-CN" sz="1400" dirty="0"/>
+              <a:t>Reyes, A. , Rosso, P. , &amp; Veale, T. . (2013). A multidimensional approach for detecting irony in twitter. </a:t>
+            </a:r>
+            <a:r>
+              <a:rPr lang="en-US" altLang="zh-CN" sz="1400" i="1" dirty="0"/>
+              <a:t>Language Resources </a:t>
+            </a:r>
+            <a:r>
+              <a:rPr lang="en-US" altLang="zh-CN" sz="1400" i="1" dirty="0" smtClean="0"/>
+              <a:t>and Evaluation</a:t>
+            </a:r>
+            <a:r>
+              <a:rPr lang="en-US" altLang="zh-CN" sz="1400" i="1" dirty="0"/>
+              <a:t>,</a:t>
+            </a:r>
+            <a:r>
+              <a:rPr lang="en-US" altLang="zh-CN" sz="1400" dirty="0"/>
+              <a:t> </a:t>
+            </a:r>
+            <a:r>
+              <a:rPr lang="en-US" altLang="zh-CN" sz="1400" i="1" dirty="0"/>
+              <a:t>47</a:t>
+            </a:r>
+            <a:r>
+              <a:rPr lang="en-US" altLang="zh-CN" sz="1400" dirty="0"/>
+              <a:t>(1), 239-268.</a:t>
+            </a:r>
+            <a:endParaRPr lang="en-US" altLang="zh-CN" sz="1400" dirty="0"/>
+          </a:p>
+        </p:txBody>
+      </p:sp>
     </p:spTree>
     <p:extLst>
       <p:ext uri="{BB962C8B-B14F-4D97-AF65-F5344CB8AC3E}">
-        <p14:creationId xmlns:p14="http://schemas.microsoft.com/office/powerpoint/2010/main" val="1492683338"/>
+        <p14:creationId xmlns:p14="http://schemas.microsoft.com/office/powerpoint/2010/main" val="711169293"/>
       </p:ext>
     </p:extLst>
   </p:cSld>
   <p:clrMapOvr>
     <a:masterClrMapping/>
   </p:clrMapOvr>
-  <p:timing>
-    <p:tnLst>
-      <p:par>
-        <p:cTn id="1" dur="indefinite" restart="never" nodeType="tmRoot"/>
-      </p:par>
-    </p:tnLst>
-  </p:timing>
 </p:sld>
 </file>
 
@@ -6642,18 +6145,14 @@
           <a:lstStyle/>
           <a:p>
             <a:r>
-              <a:rPr kumimoji="1" lang="zh-CN" altLang="en-US" dirty="0" smtClean="0">
-                <a:latin typeface="SimHei" charset="-122"/>
-                <a:ea typeface="SimHei" charset="-122"/>
-                <a:cs typeface="SimHei" charset="-122"/>
-              </a:rPr>
-              <a:t>现有问题</a:t>
-            </a:r>
-            <a:endParaRPr kumimoji="1" lang="zh-CN" altLang="en-US" dirty="0">
-              <a:latin typeface="SimHei" charset="-122"/>
-              <a:ea typeface="SimHei" charset="-122"/>
-              <a:cs typeface="SimHei" charset="-122"/>
-            </a:endParaRPr>
+              <a:rPr lang="zh-CN" altLang="en-US" dirty="0">
+                <a:latin typeface="SimHei" charset="-122"/>
+                <a:ea typeface="SimHei" charset="-122"/>
+                <a:cs typeface="SimHei" charset="-122"/>
+              </a:rPr>
+              <a:t>相关工作</a:t>
+            </a:r>
+            <a:endParaRPr kumimoji="1" lang="zh-CN" altLang="en-US" dirty="0"/>
           </a:p>
         </p:txBody>
       </p:sp>
@@ -6674,38 +6173,55 @@
           </a:bodyPr>
           <a:lstStyle/>
           <a:p>
-            <a:endParaRPr kumimoji="1" lang="en-US" altLang="zh-CN" dirty="0" smtClean="0">
-              <a:latin typeface="SimHei" charset="-122"/>
-              <a:ea typeface="SimHei" charset="-122"/>
-              <a:cs typeface="SimHei" charset="-122"/>
-            </a:endParaRPr>
-          </a:p>
-          <a:p>
-            <a:r>
-              <a:rPr kumimoji="1" lang="zh-CN" altLang="en-US" sz="2400" dirty="0" smtClean="0">
-                <a:latin typeface="SimHei" charset="-122"/>
-                <a:ea typeface="SimHei" charset="-122"/>
-                <a:cs typeface="SimHei" charset="-122"/>
-              </a:rPr>
-              <a:t>多</a:t>
-            </a:r>
-            <a:r>
-              <a:rPr kumimoji="1" lang="zh-CN" altLang="en-US" sz="2400" dirty="0">
-                <a:latin typeface="SimHei" charset="-122"/>
-                <a:ea typeface="SimHei" charset="-122"/>
-                <a:cs typeface="SimHei" charset="-122"/>
-              </a:rPr>
-              <a:t>分类</a:t>
-            </a:r>
-            <a:r>
-              <a:rPr kumimoji="1" lang="zh-CN" altLang="en-US" sz="2400" dirty="0" smtClean="0">
-                <a:latin typeface="SimHei" charset="-122"/>
-                <a:ea typeface="SimHei" charset="-122"/>
-                <a:cs typeface="SimHei" charset="-122"/>
-              </a:rPr>
-              <a:t>问题的复杂性</a:t>
-            </a:r>
-            <a:endParaRPr kumimoji="1" lang="en-US" altLang="zh-CN" sz="2400" dirty="0" smtClean="0">
+            <a:r>
+              <a:rPr lang="en-US" altLang="zh-CN" sz="1800" dirty="0" err="1" smtClean="0">
+                <a:latin typeface="SimHei" charset="-122"/>
+                <a:ea typeface="SimHei" charset="-122"/>
+                <a:cs typeface="SimHei" charset="-122"/>
+              </a:rPr>
+              <a:t>Soujanya</a:t>
+            </a:r>
+            <a:r>
+              <a:rPr lang="zh-CN" altLang="en-US" sz="1800" dirty="0">
+                <a:latin typeface="SimHei" charset="-122"/>
+                <a:ea typeface="SimHei" charset="-122"/>
+                <a:cs typeface="SimHei" charset="-122"/>
+              </a:rPr>
+              <a:t>等</a:t>
+            </a:r>
+            <a:r>
+              <a:rPr lang="zh-CN" altLang="en-US" sz="1800" dirty="0" smtClean="0">
+                <a:latin typeface="SimHei" charset="-122"/>
+                <a:ea typeface="SimHei" charset="-122"/>
+                <a:cs typeface="SimHei" charset="-122"/>
+              </a:rPr>
+              <a:t>人</a:t>
+            </a:r>
+            <a:r>
+              <a:rPr lang="zh-CN" altLang="en-US" sz="1800" dirty="0">
+                <a:latin typeface="SimHei" charset="-122"/>
+                <a:ea typeface="SimHei" charset="-122"/>
+                <a:cs typeface="SimHei" charset="-122"/>
+              </a:rPr>
+              <a:t>研究了</a:t>
+            </a:r>
+            <a:r>
+              <a:rPr lang="en-US" altLang="zh-CN" sz="1800" dirty="0" smtClean="0">
+                <a:latin typeface="SimHei" charset="-122"/>
+                <a:ea typeface="SimHei" charset="-122"/>
+                <a:cs typeface="SimHei" charset="-122"/>
+              </a:rPr>
+              <a:t>Twitter</a:t>
+            </a:r>
+            <a:r>
+              <a:rPr lang="zh-CN" altLang="en-US" sz="1800" dirty="0">
+                <a:latin typeface="SimHei" charset="-122"/>
+                <a:ea typeface="SimHei" charset="-122"/>
+                <a:cs typeface="SimHei" charset="-122"/>
+              </a:rPr>
+              <a:t>上的英语微博的反讽识别</a:t>
+            </a:r>
+            <a:endParaRPr lang="en-US" altLang="zh-CN" sz="1800" dirty="0">
               <a:latin typeface="SimHei" charset="-122"/>
               <a:ea typeface="SimHei" charset="-122"/>
               <a:cs typeface="SimHei" charset="-122"/>
@@ -6713,31 +6229,123 @@
           </a:p>
           <a:p>
             <a:pPr lvl="1"/>
-            <a:r>
-              <a:rPr kumimoji="1" lang="zh-CN" altLang="en-US" sz="2000" dirty="0" smtClean="0">
-                <a:latin typeface="SimHei" charset="-122"/>
-                <a:ea typeface="SimHei" charset="-122"/>
-                <a:cs typeface="SimHei" charset="-122"/>
-              </a:rPr>
-              <a:t>机器</a:t>
-            </a:r>
-            <a:r>
-              <a:rPr kumimoji="1" lang="zh-CN" altLang="en-US" sz="2000" dirty="0">
-                <a:latin typeface="SimHei" charset="-122"/>
-                <a:ea typeface="SimHei" charset="-122"/>
-                <a:cs typeface="SimHei" charset="-122"/>
-              </a:rPr>
-              <a:t>学习算法对数据进行拟合的难度更</a:t>
-            </a:r>
-            <a:r>
-              <a:rPr kumimoji="1" lang="zh-CN" altLang="en-US" sz="2000" dirty="0" smtClean="0">
-                <a:latin typeface="SimHei" charset="-122"/>
-                <a:ea typeface="SimHei" charset="-122"/>
-                <a:cs typeface="SimHei" charset="-122"/>
-              </a:rPr>
-              <a:t>高</a:t>
-            </a:r>
-            <a:endParaRPr kumimoji="1" lang="en-US" altLang="zh-CN" sz="2000" dirty="0" smtClean="0">
+            <a:endParaRPr lang="en-US" altLang="zh-CN" dirty="0">
+              <a:latin typeface="SimHei" charset="-122"/>
+              <a:ea typeface="SimHei" charset="-122"/>
+              <a:cs typeface="SimHei" charset="-122"/>
+            </a:endParaRPr>
+          </a:p>
+          <a:p>
+            <a:r>
+              <a:rPr lang="zh-CN" altLang="en-US" sz="1800" dirty="0">
+                <a:latin typeface="SimHei" charset="-122"/>
+                <a:ea typeface="SimHei" charset="-122"/>
+                <a:cs typeface="SimHei" charset="-122"/>
+              </a:rPr>
+              <a:t>实验数据</a:t>
+            </a:r>
+            <a:endParaRPr lang="en-US" altLang="zh-CN" sz="1800" dirty="0">
+              <a:latin typeface="SimHei" charset="-122"/>
+              <a:ea typeface="SimHei" charset="-122"/>
+              <a:cs typeface="SimHei" charset="-122"/>
+            </a:endParaRPr>
+          </a:p>
+          <a:p>
+            <a:pPr marL="544068" lvl="1" indent="-342900">
+              <a:buFont typeface="+mj-lt"/>
+              <a:buAutoNum type="arabicPeriod"/>
+            </a:pPr>
+            <a:r>
+              <a:rPr lang="en-US" altLang="zh-CN" sz="1600" dirty="0" err="1">
+                <a:latin typeface="SimHei" charset="-122"/>
+                <a:ea typeface="SimHei" charset="-122"/>
+                <a:cs typeface="SimHei" charset="-122"/>
+              </a:rPr>
+              <a:t>Pta</a:t>
+            </a:r>
+            <a:r>
+              <a:rPr lang="en-US" altLang="zh-CN" sz="1600" dirty="0">
+                <a:latin typeface="SimHei" charset="-122"/>
+                <a:ea typeface="SimHei" charset="-122"/>
+                <a:cs typeface="SimHei" charset="-122"/>
+              </a:rPr>
+              <a:t> ́</a:t>
+            </a:r>
+            <a:r>
+              <a:rPr lang="en-US" altLang="zh-CN" sz="1600" dirty="0" err="1">
+                <a:latin typeface="SimHei" charset="-122"/>
+                <a:ea typeface="SimHei" charset="-122"/>
+                <a:cs typeface="SimHei" charset="-122"/>
+              </a:rPr>
+              <a:t>cek</a:t>
+            </a:r>
+            <a:r>
+              <a:rPr lang="zh-CN" altLang="en-US" sz="1600" dirty="0">
+                <a:latin typeface="SimHei" charset="-122"/>
+                <a:ea typeface="SimHei" charset="-122"/>
+                <a:cs typeface="SimHei" charset="-122"/>
+              </a:rPr>
+              <a:t>等</a:t>
+            </a:r>
+            <a:r>
+              <a:rPr lang="zh-CN" altLang="en-US" sz="1600" dirty="0" smtClean="0">
+                <a:latin typeface="SimHei" charset="-122"/>
+                <a:ea typeface="SimHei" charset="-122"/>
+                <a:cs typeface="SimHei" charset="-122"/>
+              </a:rPr>
+              <a:t>人公开</a:t>
+            </a:r>
+            <a:r>
+              <a:rPr lang="zh-CN" altLang="en-US" sz="1600" dirty="0">
+                <a:latin typeface="SimHei" charset="-122"/>
+                <a:ea typeface="SimHei" charset="-122"/>
+                <a:cs typeface="SimHei" charset="-122"/>
+              </a:rPr>
+              <a:t>的数据集</a:t>
+            </a:r>
+            <a:endParaRPr lang="en-US" altLang="zh-CN" sz="1600" dirty="0">
+              <a:latin typeface="SimHei" charset="-122"/>
+              <a:ea typeface="SimHei" charset="-122"/>
+              <a:cs typeface="SimHei" charset="-122"/>
+            </a:endParaRPr>
+          </a:p>
+          <a:p>
+            <a:pPr marL="544068" lvl="1" indent="-342900">
+              <a:buFont typeface="+mj-lt"/>
+              <a:buAutoNum type="arabicPeriod"/>
+            </a:pPr>
+            <a:r>
+              <a:rPr lang="en-US" altLang="zh-CN" sz="1600" dirty="0">
+                <a:latin typeface="SimHei" charset="-122"/>
+                <a:ea typeface="SimHei" charset="-122"/>
+                <a:cs typeface="SimHei" charset="-122"/>
+              </a:rPr>
+              <a:t>http://</a:t>
+            </a:r>
+            <a:r>
+              <a:rPr lang="en-US" altLang="zh-CN" sz="1600" dirty="0" err="1">
+                <a:latin typeface="SimHei" charset="-122"/>
+                <a:ea typeface="SimHei" charset="-122"/>
+                <a:cs typeface="SimHei" charset="-122"/>
+              </a:rPr>
+              <a:t>thesarcasmdetector.com</a:t>
+            </a:r>
+            <a:endParaRPr lang="en-US" altLang="zh-CN" sz="1600" dirty="0">
+              <a:latin typeface="SimHei" charset="-122"/>
+              <a:ea typeface="SimHei" charset="-122"/>
+              <a:cs typeface="SimHei" charset="-122"/>
+            </a:endParaRPr>
+          </a:p>
+          <a:p>
+            <a:r>
+              <a:rPr lang="zh-TW" altLang="en-US" sz="1800" dirty="0">
+                <a:latin typeface="SimHei" charset="-122"/>
+                <a:ea typeface="SimHei" charset="-122"/>
+                <a:cs typeface="SimHei" charset="-122"/>
+              </a:rPr>
+              <a:t>方法</a:t>
+            </a:r>
+            <a:endParaRPr lang="en-US" altLang="zh-TW" sz="1800" dirty="0">
               <a:latin typeface="SimHei" charset="-122"/>
               <a:ea typeface="SimHei" charset="-122"/>
               <a:cs typeface="SimHei" charset="-122"/>
@@ -6746,30 +6354,30 @@
           <a:p>
             <a:pPr lvl="1"/>
             <a:r>
-              <a:rPr kumimoji="1" lang="zh-CN" altLang="en-US" sz="2000" dirty="0" smtClean="0">
-                <a:latin typeface="SimHei" charset="-122"/>
-                <a:ea typeface="SimHei" charset="-122"/>
-                <a:cs typeface="SimHei" charset="-122"/>
-              </a:rPr>
-              <a:t>对</a:t>
-            </a:r>
-            <a:r>
-              <a:rPr kumimoji="1" lang="zh-CN" altLang="en-US" sz="2000" dirty="0">
-                <a:latin typeface="SimHei" charset="-122"/>
-                <a:ea typeface="SimHei" charset="-122"/>
-                <a:cs typeface="SimHei" charset="-122"/>
-              </a:rPr>
-              <a:t>识别性能的要求也变得</a:t>
-            </a:r>
-            <a:r>
-              <a:rPr kumimoji="1" lang="zh-CN" altLang="en-US" sz="2000" dirty="0" smtClean="0">
-                <a:latin typeface="SimHei" charset="-122"/>
-                <a:ea typeface="SimHei" charset="-122"/>
-                <a:cs typeface="SimHei" charset="-122"/>
-              </a:rPr>
-              <a:t>复杂</a:t>
-            </a:r>
-            <a:endParaRPr kumimoji="1" lang="en-US" altLang="zh-CN" sz="2000" dirty="0" smtClean="0">
+              <a:rPr lang="zh-CN" altLang="en-US" sz="1600" dirty="0">
+                <a:latin typeface="SimHei" charset="-122"/>
+                <a:ea typeface="SimHei" charset="-122"/>
+                <a:cs typeface="SimHei" charset="-122"/>
+              </a:rPr>
+              <a:t>首次尝试将神经网络应用于对微博的反讽识别</a:t>
+            </a:r>
+            <a:endParaRPr lang="en-US" altLang="zh-CN" sz="1600" dirty="0">
+              <a:latin typeface="SimHei" charset="-122"/>
+              <a:ea typeface="SimHei" charset="-122"/>
+              <a:cs typeface="SimHei" charset="-122"/>
+            </a:endParaRPr>
+          </a:p>
+          <a:p>
+            <a:pPr lvl="1"/>
+            <a:r>
+              <a:rPr lang="zh-CN" altLang="en-US" sz="1600" dirty="0">
+                <a:latin typeface="SimHei" charset="-122"/>
+                <a:ea typeface="SimHei" charset="-122"/>
+                <a:cs typeface="SimHei" charset="-122"/>
+              </a:rPr>
+              <a:t>算法框架主要包含四个卷积神经网络，利用不同的数据集进行预训练</a:t>
+            </a:r>
+            <a:endParaRPr lang="en-US" altLang="zh-CN" sz="1600" dirty="0">
               <a:latin typeface="SimHei" charset="-122"/>
               <a:ea typeface="SimHei" charset="-122"/>
               <a:cs typeface="SimHei" charset="-122"/>
@@ -6778,68 +6386,14 @@
           <a:p>
             <a:pPr lvl="2"/>
             <a:r>
-              <a:rPr kumimoji="1" lang="zh-CN" altLang="en-US" sz="1600" dirty="0" smtClean="0">
-                <a:latin typeface="SimHei" charset="-122"/>
-                <a:ea typeface="SimHei" charset="-122"/>
-                <a:cs typeface="SimHei" charset="-122"/>
-              </a:rPr>
-              <a:t>譬如</a:t>
-            </a:r>
-            <a:r>
-              <a:rPr kumimoji="1" lang="zh-CN" altLang="en-US" sz="1600" dirty="0">
-                <a:latin typeface="SimHei" charset="-122"/>
-                <a:ea typeface="SimHei" charset="-122"/>
-                <a:cs typeface="SimHei" charset="-122"/>
-              </a:rPr>
-              <a:t>确保个别类别的召回率和正确率</a:t>
-            </a:r>
-            <a:r>
-              <a:rPr kumimoji="1" lang="zh-CN" altLang="en-US" sz="1600" dirty="0" smtClean="0">
-                <a:latin typeface="SimHei" charset="-122"/>
-                <a:ea typeface="SimHei" charset="-122"/>
-                <a:cs typeface="SimHei" charset="-122"/>
-              </a:rPr>
-              <a:t>等</a:t>
-            </a:r>
-            <a:endParaRPr kumimoji="1" lang="en-US" altLang="zh-CN" sz="1600" dirty="0" smtClean="0">
-              <a:latin typeface="SimHei" charset="-122"/>
-              <a:ea typeface="SimHei" charset="-122"/>
-              <a:cs typeface="SimHei" charset="-122"/>
-            </a:endParaRPr>
-          </a:p>
-          <a:p>
-            <a:endParaRPr kumimoji="1" lang="en-US" altLang="zh-CN" sz="2400" dirty="0" smtClean="0">
-              <a:latin typeface="SimHei" charset="-122"/>
-              <a:ea typeface="SimHei" charset="-122"/>
-              <a:cs typeface="SimHei" charset="-122"/>
-            </a:endParaRPr>
-          </a:p>
-          <a:p>
-            <a:r>
-              <a:rPr kumimoji="1" lang="zh-CN" altLang="en-US" sz="2400" dirty="0" smtClean="0">
-                <a:latin typeface="SimHei" charset="-122"/>
-                <a:ea typeface="SimHei" charset="-122"/>
-                <a:cs typeface="SimHei" charset="-122"/>
-              </a:rPr>
-              <a:t>算法</a:t>
-            </a:r>
-            <a:r>
-              <a:rPr kumimoji="1" lang="zh-CN" altLang="en-US" sz="2400" dirty="0">
-                <a:latin typeface="SimHei" charset="-122"/>
-                <a:ea typeface="SimHei" charset="-122"/>
-                <a:cs typeface="SimHei" charset="-122"/>
-              </a:rPr>
-              <a:t>建模中引入上下文</a:t>
-            </a:r>
-            <a:r>
-              <a:rPr kumimoji="1" lang="zh-CN" altLang="en-US" sz="2400" dirty="0" smtClean="0">
-                <a:latin typeface="SimHei" charset="-122"/>
-                <a:ea typeface="SimHei" charset="-122"/>
-                <a:cs typeface="SimHei" charset="-122"/>
-              </a:rPr>
-              <a:t>信息</a:t>
-            </a:r>
-            <a:endParaRPr kumimoji="1" lang="en-US" altLang="zh-CN" sz="2400" dirty="0" smtClean="0">
+              <a:rPr lang="zh-CN" altLang="en-US" dirty="0">
+                <a:latin typeface="SimHei" charset="-122"/>
+                <a:ea typeface="SimHei" charset="-122"/>
+                <a:cs typeface="SimHei" charset="-122"/>
+              </a:rPr>
+              <a:t>分别对应反讽识别、情感极性识别、情感类型识别和性格识别</a:t>
+            </a:r>
+            <a:endParaRPr lang="en-US" altLang="zh-CN" dirty="0">
               <a:latin typeface="SimHei" charset="-122"/>
               <a:ea typeface="SimHei" charset="-122"/>
               <a:cs typeface="SimHei" charset="-122"/>
@@ -6848,46 +6402,69 @@
           <a:p>
             <a:pPr lvl="1"/>
             <a:r>
-              <a:rPr kumimoji="1" lang="zh-CN" altLang="en-US" sz="2000" dirty="0" smtClean="0">
-                <a:latin typeface="SimHei" charset="-122"/>
-                <a:ea typeface="SimHei" charset="-122"/>
-                <a:cs typeface="SimHei" charset="-122"/>
-              </a:rPr>
-              <a:t>不同</a:t>
-            </a:r>
-            <a:r>
-              <a:rPr kumimoji="1" lang="zh-CN" altLang="en-US" sz="2000" dirty="0">
-                <a:latin typeface="SimHei" charset="-122"/>
-                <a:ea typeface="SimHei" charset="-122"/>
-                <a:cs typeface="SimHei" charset="-122"/>
-              </a:rPr>
-              <a:t>场景</a:t>
-            </a:r>
-            <a:r>
-              <a:rPr kumimoji="1" lang="zh-CN" altLang="en-US" sz="2000" dirty="0" smtClean="0">
-                <a:latin typeface="SimHei" charset="-122"/>
-                <a:ea typeface="SimHei" charset="-122"/>
-                <a:cs typeface="SimHei" charset="-122"/>
-              </a:rPr>
-              <a:t>下有不同</a:t>
-            </a:r>
-            <a:r>
-              <a:rPr kumimoji="1" lang="zh-CN" altLang="en-US" sz="2000" dirty="0">
-                <a:latin typeface="SimHei" charset="-122"/>
-                <a:ea typeface="SimHei" charset="-122"/>
-                <a:cs typeface="SimHei" charset="-122"/>
-              </a:rPr>
-              <a:t>类型的</a:t>
-            </a:r>
-            <a:r>
-              <a:rPr kumimoji="1" lang="zh-CN" altLang="en-US" sz="2000" dirty="0" smtClean="0">
-                <a:latin typeface="SimHei" charset="-122"/>
-                <a:ea typeface="SimHei" charset="-122"/>
-                <a:cs typeface="SimHei" charset="-122"/>
-              </a:rPr>
-              <a:t>上下文，对识别目标起着不同的作用</a:t>
-            </a:r>
-            <a:endParaRPr kumimoji="1" lang="en-US" altLang="zh-CN" sz="2000" dirty="0" smtClean="0">
+              <a:rPr lang="zh-CN" altLang="en-US" sz="1600" dirty="0">
+                <a:latin typeface="SimHei" charset="-122"/>
+                <a:ea typeface="SimHei" charset="-122"/>
+                <a:cs typeface="SimHei" charset="-122"/>
+              </a:rPr>
+              <a:t>后融合</a:t>
+            </a:r>
+            <a:r>
+              <a:rPr lang="en-US" altLang="zh-CN" sz="1600" dirty="0">
+                <a:latin typeface="SimHei" charset="-122"/>
+                <a:ea typeface="SimHei" charset="-122"/>
+                <a:cs typeface="SimHei" charset="-122"/>
+              </a:rPr>
+              <a:t>: 1)</a:t>
+            </a:r>
+            <a:r>
+              <a:rPr lang="zh-CN" altLang="en-US" dirty="0">
+                <a:latin typeface="SimHei" charset="-122"/>
+                <a:ea typeface="SimHei" charset="-122"/>
+                <a:cs typeface="SimHei" charset="-122"/>
+              </a:rPr>
+              <a:t>支持向量机</a:t>
+            </a:r>
+            <a:r>
+              <a:rPr lang="en-US" altLang="zh-CN" dirty="0">
+                <a:latin typeface="SimHei" charset="-122"/>
+                <a:ea typeface="SimHei" charset="-122"/>
+                <a:cs typeface="SimHei" charset="-122"/>
+              </a:rPr>
+              <a:t> 2) </a:t>
+            </a:r>
+            <a:r>
+              <a:rPr lang="zh-CN" altLang="en-US" dirty="0">
+                <a:latin typeface="SimHei" charset="-122"/>
+                <a:ea typeface="SimHei" charset="-122"/>
+                <a:cs typeface="SimHei" charset="-122"/>
+              </a:rPr>
+              <a:t>全连接层</a:t>
+            </a:r>
+            <a:r>
+              <a:rPr lang="en-US" altLang="zh-CN" dirty="0">
+                <a:latin typeface="SimHei" charset="-122"/>
+                <a:ea typeface="SimHei" charset="-122"/>
+                <a:cs typeface="SimHei" charset="-122"/>
+              </a:rPr>
+              <a:t> + Softmax</a:t>
+            </a:r>
+            <a:endParaRPr lang="en-US" altLang="zh-CN" sz="1600" dirty="0">
+              <a:latin typeface="SimHei" charset="-122"/>
+              <a:ea typeface="SimHei" charset="-122"/>
+              <a:cs typeface="SimHei" charset="-122"/>
+            </a:endParaRPr>
+          </a:p>
+          <a:p>
+            <a:r>
+              <a:rPr lang="zh-CN" altLang="en-US" sz="1800" dirty="0">
+                <a:latin typeface="SimHei" charset="-122"/>
+                <a:ea typeface="SimHei" charset="-122"/>
+                <a:cs typeface="SimHei" charset="-122"/>
+              </a:rPr>
+              <a:t>效果</a:t>
+            </a:r>
+            <a:endParaRPr lang="en-US" altLang="zh-CN" sz="1800" dirty="0">
               <a:latin typeface="SimHei" charset="-122"/>
               <a:ea typeface="SimHei" charset="-122"/>
               <a:cs typeface="SimHei" charset="-122"/>
@@ -6896,62 +6473,143 @@
           <a:p>
             <a:pPr lvl="1"/>
             <a:r>
-              <a:rPr kumimoji="1" lang="zh-CN" altLang="en-US" sz="2000" dirty="0" smtClean="0">
-                <a:latin typeface="SimHei" charset="-122"/>
-                <a:ea typeface="SimHei" charset="-122"/>
-                <a:cs typeface="SimHei" charset="-122"/>
-              </a:rPr>
-              <a:t>如何</a:t>
-            </a:r>
-            <a:r>
-              <a:rPr kumimoji="1" lang="zh-CN" altLang="en-US" sz="2000" dirty="0">
-                <a:latin typeface="SimHei" charset="-122"/>
-                <a:ea typeface="SimHei" charset="-122"/>
-                <a:cs typeface="SimHei" charset="-122"/>
-              </a:rPr>
-              <a:t>在算法建模中引入上下文信息始终没有一种通用的</a:t>
-            </a:r>
-            <a:r>
-              <a:rPr kumimoji="1" lang="zh-CN" altLang="en-US" sz="2000" dirty="0" smtClean="0">
-                <a:latin typeface="SimHei" charset="-122"/>
-                <a:ea typeface="SimHei" charset="-122"/>
-                <a:cs typeface="SimHei" charset="-122"/>
-              </a:rPr>
-              <a:t>方法</a:t>
-            </a:r>
-            <a:endParaRPr kumimoji="1" lang="en-US" altLang="zh-CN" sz="2000" dirty="0" smtClean="0">
+              <a:rPr lang="zh-CN" altLang="en-US" sz="1600" dirty="0">
+                <a:latin typeface="SimHei" charset="-122"/>
+                <a:ea typeface="SimHei" charset="-122"/>
+                <a:cs typeface="SimHei" charset="-122"/>
+              </a:rPr>
+              <a:t>他们提出的系统要比只使用反讽识别数据集训练的分类器更好</a:t>
+            </a:r>
+            <a:endParaRPr lang="en-US" altLang="zh-CN" sz="1600" dirty="0">
               <a:latin typeface="SimHei" charset="-122"/>
               <a:ea typeface="SimHei" charset="-122"/>
               <a:cs typeface="SimHei" charset="-122"/>
             </a:endParaRPr>
           </a:p>
           <a:p>
-            <a:pPr lvl="1"/>
-            <a:endParaRPr kumimoji="1" lang="zh-CN" altLang="en-US" dirty="0">
-              <a:latin typeface="SimHei" charset="-122"/>
-              <a:ea typeface="SimHei" charset="-122"/>
-              <a:cs typeface="SimHei" charset="-122"/>
-            </a:endParaRPr>
+            <a:endParaRPr kumimoji="1" lang="zh-CN" altLang="en-US" dirty="0"/>
+          </a:p>
+        </p:txBody>
+      </p:sp>
+      <p:pic>
+        <p:nvPicPr>
+          <p:cNvPr id="4" name="图片 3"/>
+          <p:cNvPicPr>
+            <a:picLocks noChangeAspect="1"/>
+          </p:cNvPicPr>
+          <p:nvPr/>
+        </p:nvPicPr>
+        <p:blipFill>
+          <a:blip r:embed="rId2">
+            <a:extLst>
+              <a:ext uri="{28A0092B-C50C-407E-A947-70E740481C1C}">
+                <a14:useLocalDpi xmlns:a14="http://schemas.microsoft.com/office/drawing/2010/main" val="0"/>
+              </a:ext>
+            </a:extLst>
+          </a:blip>
+          <a:stretch>
+            <a:fillRect/>
+          </a:stretch>
+        </p:blipFill>
+        <p:spPr>
+          <a:xfrm>
+            <a:off x="8124216" y="2189492"/>
+            <a:ext cx="3771751" cy="2150608"/>
+          </a:xfrm>
+          <a:prstGeom prst="rect">
+            <a:avLst/>
+          </a:prstGeom>
+        </p:spPr>
+      </p:pic>
+      <p:pic>
+        <p:nvPicPr>
+          <p:cNvPr id="5" name="图片 4"/>
+          <p:cNvPicPr>
+            <a:picLocks noChangeAspect="1"/>
+          </p:cNvPicPr>
+          <p:nvPr/>
+        </p:nvPicPr>
+        <p:blipFill>
+          <a:blip r:embed="rId3">
+            <a:extLst>
+              <a:ext uri="{28A0092B-C50C-407E-A947-70E740481C1C}">
+                <a14:useLocalDpi xmlns:a14="http://schemas.microsoft.com/office/drawing/2010/main" val="0"/>
+              </a:ext>
+            </a:extLst>
+          </a:blip>
+          <a:stretch>
+            <a:fillRect/>
+          </a:stretch>
+        </p:blipFill>
+        <p:spPr>
+          <a:xfrm>
+            <a:off x="7324535" y="4514315"/>
+            <a:ext cx="4571432" cy="1554955"/>
+          </a:xfrm>
+          <a:prstGeom prst="rect">
+            <a:avLst/>
+          </a:prstGeom>
+        </p:spPr>
+      </p:pic>
+      <p:sp>
+        <p:nvSpPr>
+          <p:cNvPr id="6" name="矩形 5"/>
+          <p:cNvSpPr/>
+          <p:nvPr/>
+        </p:nvSpPr>
+        <p:spPr>
+          <a:xfrm>
+            <a:off x="1097280" y="6495257"/>
+            <a:ext cx="10442765" cy="276999"/>
+          </a:xfrm>
+          <a:prstGeom prst="rect">
+            <a:avLst/>
+          </a:prstGeom>
+        </p:spPr>
+        <p:txBody>
+          <a:bodyPr wrap="square">
+            <a:spAutoFit/>
+          </a:bodyPr>
+          <a:lstStyle/>
+          <a:p>
+            <a:r>
+              <a:rPr lang="en-US" altLang="zh-CN" sz="1200" dirty="0" err="1">
+                <a:latin typeface="Microsoft YaHei" charset="-122"/>
+              </a:rPr>
+              <a:t>Poria</a:t>
+            </a:r>
+            <a:r>
+              <a:rPr lang="en-US" altLang="zh-CN" sz="1200" dirty="0">
+                <a:latin typeface="Microsoft YaHei" charset="-122"/>
+              </a:rPr>
+              <a:t>, S. , Cambria, E. , Hazarika, D. , &amp; </a:t>
+            </a:r>
+            <a:r>
+              <a:rPr lang="en-US" altLang="zh-CN" sz="1200" dirty="0" err="1">
+                <a:latin typeface="Microsoft YaHei" charset="-122"/>
+              </a:rPr>
+              <a:t>Vij</a:t>
+            </a:r>
+            <a:r>
+              <a:rPr lang="en-US" altLang="zh-CN" sz="1200" dirty="0">
+                <a:latin typeface="Microsoft YaHei" charset="-122"/>
+              </a:rPr>
+              <a:t>, P. . (2016). A deeper look into sarcastic tweets using deep convolutional neural networks.</a:t>
+            </a:r>
+            <a:endParaRPr lang="zh-CN" altLang="en-US" sz="1200" dirty="0"/>
           </a:p>
         </p:txBody>
       </p:sp>
     </p:spTree>
     <p:extLst>
       <p:ext uri="{BB962C8B-B14F-4D97-AF65-F5344CB8AC3E}">
-        <p14:creationId xmlns:p14="http://schemas.microsoft.com/office/powerpoint/2010/main" val="1456516133"/>
+        <p14:creationId xmlns:p14="http://schemas.microsoft.com/office/powerpoint/2010/main" val="1630209651"/>
       </p:ext>
     </p:extLst>
   </p:cSld>
   <p:clrMapOvr>
     <a:masterClrMapping/>
   </p:clrMapOvr>
-  <p:timing>
-    <p:tnLst>
-      <p:par>
-        <p:cTn id="1" dur="indefinite" restart="never" nodeType="tmRoot"/>
-      </p:par>
-    </p:tnLst>
-  </p:timing>
 </p:sld>
 </file>
 
@@ -6988,14 +6646,18 @@
           <a:lstStyle/>
           <a:p>
             <a:r>
-              <a:rPr kumimoji="1" lang="zh-CN" altLang="en-US" dirty="0">
-                <a:latin typeface="SimHei" charset="-122"/>
-                <a:ea typeface="SimHei" charset="-122"/>
-                <a:cs typeface="SimHei" charset="-122"/>
-              </a:rPr>
-              <a:t>基于多步决策的微博反讽识别</a:t>
-            </a:r>
-            <a:endParaRPr kumimoji="1" lang="zh-CN" altLang="en-US" dirty="0"/>
+              <a:rPr kumimoji="1" lang="zh-CN" altLang="en-US" dirty="0" smtClean="0">
+                <a:latin typeface="SimHei" charset="-122"/>
+                <a:ea typeface="SimHei" charset="-122"/>
+                <a:cs typeface="SimHei" charset="-122"/>
+              </a:rPr>
+              <a:t>现有问题</a:t>
+            </a:r>
+            <a:endParaRPr kumimoji="1" lang="zh-CN" altLang="en-US" dirty="0">
+              <a:latin typeface="SimHei" charset="-122"/>
+              <a:ea typeface="SimHei" charset="-122"/>
+              <a:cs typeface="SimHei" charset="-122"/>
+            </a:endParaRPr>
           </a:p>
         </p:txBody>
       </p:sp>
@@ -7011,17 +6673,276 @@
         </p:nvSpPr>
         <p:spPr/>
         <p:txBody>
-          <a:bodyPr/>
+          <a:bodyPr>
+            <a:normAutofit/>
+          </a:bodyPr>
           <a:lstStyle/>
           <a:p>
-            <a:endParaRPr kumimoji="1" lang="zh-CN" altLang="en-US"/>
+            <a:endParaRPr kumimoji="1" lang="en-US" altLang="zh-CN" dirty="0" smtClean="0">
+              <a:latin typeface="SimHei" charset="-122"/>
+              <a:ea typeface="SimHei" charset="-122"/>
+              <a:cs typeface="SimHei" charset="-122"/>
+            </a:endParaRPr>
+          </a:p>
+          <a:p>
+            <a:r>
+              <a:rPr kumimoji="1" lang="zh-CN" altLang="en-US" sz="2400" dirty="0" smtClean="0">
+                <a:latin typeface="SimHei" charset="-122"/>
+                <a:ea typeface="SimHei" charset="-122"/>
+                <a:cs typeface="SimHei" charset="-122"/>
+              </a:rPr>
+              <a:t>多</a:t>
+            </a:r>
+            <a:r>
+              <a:rPr kumimoji="1" lang="zh-CN" altLang="en-US" sz="2400" dirty="0">
+                <a:latin typeface="SimHei" charset="-122"/>
+                <a:ea typeface="SimHei" charset="-122"/>
+                <a:cs typeface="SimHei" charset="-122"/>
+              </a:rPr>
+              <a:t>分类</a:t>
+            </a:r>
+            <a:r>
+              <a:rPr kumimoji="1" lang="zh-CN" altLang="en-US" sz="2400" dirty="0" smtClean="0">
+                <a:latin typeface="SimHei" charset="-122"/>
+                <a:ea typeface="SimHei" charset="-122"/>
+                <a:cs typeface="SimHei" charset="-122"/>
+              </a:rPr>
+              <a:t>问题的复杂性</a:t>
+            </a:r>
+            <a:endParaRPr kumimoji="1" lang="en-US" altLang="zh-CN" sz="2400" dirty="0" smtClean="0">
+              <a:latin typeface="SimHei" charset="-122"/>
+              <a:ea typeface="SimHei" charset="-122"/>
+              <a:cs typeface="SimHei" charset="-122"/>
+            </a:endParaRPr>
+          </a:p>
+          <a:p>
+            <a:pPr lvl="1"/>
+            <a:r>
+              <a:rPr kumimoji="1" lang="zh-CN" altLang="en-US" sz="2000" dirty="0" smtClean="0">
+                <a:latin typeface="SimHei" charset="-122"/>
+                <a:ea typeface="SimHei" charset="-122"/>
+                <a:cs typeface="SimHei" charset="-122"/>
+              </a:rPr>
+              <a:t>机器</a:t>
+            </a:r>
+            <a:r>
+              <a:rPr kumimoji="1" lang="zh-CN" altLang="en-US" sz="2000" dirty="0">
+                <a:latin typeface="SimHei" charset="-122"/>
+                <a:ea typeface="SimHei" charset="-122"/>
+                <a:cs typeface="SimHei" charset="-122"/>
+              </a:rPr>
+              <a:t>学习算法对数据进行拟合的难度更</a:t>
+            </a:r>
+            <a:r>
+              <a:rPr kumimoji="1" lang="zh-CN" altLang="en-US" sz="2000" dirty="0" smtClean="0">
+                <a:latin typeface="SimHei" charset="-122"/>
+                <a:ea typeface="SimHei" charset="-122"/>
+                <a:cs typeface="SimHei" charset="-122"/>
+              </a:rPr>
+              <a:t>高</a:t>
+            </a:r>
+            <a:endParaRPr kumimoji="1" lang="en-US" altLang="zh-CN" sz="2000" dirty="0" smtClean="0">
+              <a:latin typeface="SimHei" charset="-122"/>
+              <a:ea typeface="SimHei" charset="-122"/>
+              <a:cs typeface="SimHei" charset="-122"/>
+            </a:endParaRPr>
+          </a:p>
+          <a:p>
+            <a:pPr lvl="1"/>
+            <a:r>
+              <a:rPr kumimoji="1" lang="zh-CN" altLang="en-US" sz="2000" dirty="0" smtClean="0">
+                <a:latin typeface="SimHei" charset="-122"/>
+                <a:ea typeface="SimHei" charset="-122"/>
+                <a:cs typeface="SimHei" charset="-122"/>
+              </a:rPr>
+              <a:t>对</a:t>
+            </a:r>
+            <a:r>
+              <a:rPr kumimoji="1" lang="zh-CN" altLang="en-US" sz="2000" dirty="0">
+                <a:latin typeface="SimHei" charset="-122"/>
+                <a:ea typeface="SimHei" charset="-122"/>
+                <a:cs typeface="SimHei" charset="-122"/>
+              </a:rPr>
+              <a:t>识别性能的要求也变得</a:t>
+            </a:r>
+            <a:r>
+              <a:rPr kumimoji="1" lang="zh-CN" altLang="en-US" sz="2000" dirty="0" smtClean="0">
+                <a:latin typeface="SimHei" charset="-122"/>
+                <a:ea typeface="SimHei" charset="-122"/>
+                <a:cs typeface="SimHei" charset="-122"/>
+              </a:rPr>
+              <a:t>复杂</a:t>
+            </a:r>
+            <a:endParaRPr kumimoji="1" lang="en-US" altLang="zh-CN" sz="2000" dirty="0" smtClean="0">
+              <a:latin typeface="SimHei" charset="-122"/>
+              <a:ea typeface="SimHei" charset="-122"/>
+              <a:cs typeface="SimHei" charset="-122"/>
+            </a:endParaRPr>
+          </a:p>
+          <a:p>
+            <a:pPr lvl="2"/>
+            <a:r>
+              <a:rPr kumimoji="1" lang="zh-CN" altLang="en-US" sz="1600" dirty="0" smtClean="0">
+                <a:latin typeface="SimHei" charset="-122"/>
+                <a:ea typeface="SimHei" charset="-122"/>
+                <a:cs typeface="SimHei" charset="-122"/>
+              </a:rPr>
+              <a:t>譬如</a:t>
+            </a:r>
+            <a:r>
+              <a:rPr kumimoji="1" lang="zh-CN" altLang="en-US" sz="1600" dirty="0">
+                <a:latin typeface="SimHei" charset="-122"/>
+                <a:ea typeface="SimHei" charset="-122"/>
+                <a:cs typeface="SimHei" charset="-122"/>
+              </a:rPr>
+              <a:t>确保个别类别的召回率和正确率</a:t>
+            </a:r>
+            <a:r>
+              <a:rPr kumimoji="1" lang="zh-CN" altLang="en-US" sz="1600" dirty="0" smtClean="0">
+                <a:latin typeface="SimHei" charset="-122"/>
+                <a:ea typeface="SimHei" charset="-122"/>
+                <a:cs typeface="SimHei" charset="-122"/>
+              </a:rPr>
+              <a:t>等</a:t>
+            </a:r>
+            <a:endParaRPr kumimoji="1" lang="en-US" altLang="zh-CN" sz="1600" dirty="0" smtClean="0">
+              <a:latin typeface="SimHei" charset="-122"/>
+              <a:ea typeface="SimHei" charset="-122"/>
+              <a:cs typeface="SimHei" charset="-122"/>
+            </a:endParaRPr>
+          </a:p>
+          <a:p>
+            <a:endParaRPr kumimoji="1" lang="en-US" altLang="zh-CN" sz="2400" dirty="0" smtClean="0">
+              <a:latin typeface="SimHei" charset="-122"/>
+              <a:ea typeface="SimHei" charset="-122"/>
+              <a:cs typeface="SimHei" charset="-122"/>
+            </a:endParaRPr>
+          </a:p>
+          <a:p>
+            <a:r>
+              <a:rPr kumimoji="1" lang="zh-CN" altLang="en-US" sz="2400" dirty="0" smtClean="0">
+                <a:latin typeface="SimHei" charset="-122"/>
+                <a:ea typeface="SimHei" charset="-122"/>
+                <a:cs typeface="SimHei" charset="-122"/>
+              </a:rPr>
+              <a:t>算法</a:t>
+            </a:r>
+            <a:r>
+              <a:rPr kumimoji="1" lang="zh-CN" altLang="en-US" sz="2400" dirty="0">
+                <a:latin typeface="SimHei" charset="-122"/>
+                <a:ea typeface="SimHei" charset="-122"/>
+                <a:cs typeface="SimHei" charset="-122"/>
+              </a:rPr>
+              <a:t>建模中引入上下文</a:t>
+            </a:r>
+            <a:r>
+              <a:rPr kumimoji="1" lang="zh-CN" altLang="en-US" sz="2400" dirty="0" smtClean="0">
+                <a:latin typeface="SimHei" charset="-122"/>
+                <a:ea typeface="SimHei" charset="-122"/>
+                <a:cs typeface="SimHei" charset="-122"/>
+              </a:rPr>
+              <a:t>信息</a:t>
+            </a:r>
+            <a:endParaRPr kumimoji="1" lang="en-US" altLang="zh-CN" sz="2400" dirty="0" smtClean="0">
+              <a:latin typeface="SimHei" charset="-122"/>
+              <a:ea typeface="SimHei" charset="-122"/>
+              <a:cs typeface="SimHei" charset="-122"/>
+            </a:endParaRPr>
+          </a:p>
+          <a:p>
+            <a:pPr lvl="1"/>
+            <a:r>
+              <a:rPr kumimoji="1" lang="zh-CN" altLang="en-US" sz="2000" dirty="0" smtClean="0">
+                <a:latin typeface="SimHei" charset="-122"/>
+                <a:ea typeface="SimHei" charset="-122"/>
+                <a:cs typeface="SimHei" charset="-122"/>
+              </a:rPr>
+              <a:t>不同</a:t>
+            </a:r>
+            <a:r>
+              <a:rPr kumimoji="1" lang="zh-CN" altLang="en-US" sz="2000" dirty="0">
+                <a:latin typeface="SimHei" charset="-122"/>
+                <a:ea typeface="SimHei" charset="-122"/>
+                <a:cs typeface="SimHei" charset="-122"/>
+              </a:rPr>
+              <a:t>场景</a:t>
+            </a:r>
+            <a:r>
+              <a:rPr kumimoji="1" lang="zh-CN" altLang="en-US" sz="2000" dirty="0" smtClean="0">
+                <a:latin typeface="SimHei" charset="-122"/>
+                <a:ea typeface="SimHei" charset="-122"/>
+                <a:cs typeface="SimHei" charset="-122"/>
+              </a:rPr>
+              <a:t>下有不同</a:t>
+            </a:r>
+            <a:r>
+              <a:rPr kumimoji="1" lang="zh-CN" altLang="en-US" sz="2000" dirty="0">
+                <a:latin typeface="SimHei" charset="-122"/>
+                <a:ea typeface="SimHei" charset="-122"/>
+                <a:cs typeface="SimHei" charset="-122"/>
+              </a:rPr>
+              <a:t>类型的</a:t>
+            </a:r>
+            <a:r>
+              <a:rPr kumimoji="1" lang="zh-CN" altLang="en-US" sz="2000" dirty="0" smtClean="0">
+                <a:latin typeface="SimHei" charset="-122"/>
+                <a:ea typeface="SimHei" charset="-122"/>
+                <a:cs typeface="SimHei" charset="-122"/>
+              </a:rPr>
+              <a:t>上下文，对识别目标起着不同的作用</a:t>
+            </a:r>
+            <a:endParaRPr kumimoji="1" lang="en-US" altLang="zh-CN" sz="2000" dirty="0" smtClean="0">
+              <a:latin typeface="SimHei" charset="-122"/>
+              <a:ea typeface="SimHei" charset="-122"/>
+              <a:cs typeface="SimHei" charset="-122"/>
+            </a:endParaRPr>
+          </a:p>
+          <a:p>
+            <a:pPr lvl="1"/>
+            <a:r>
+              <a:rPr kumimoji="1" lang="zh-CN" altLang="en-US" sz="2000" dirty="0" smtClean="0">
+                <a:latin typeface="SimHei" charset="-122"/>
+                <a:ea typeface="SimHei" charset="-122"/>
+                <a:cs typeface="SimHei" charset="-122"/>
+              </a:rPr>
+              <a:t>如何</a:t>
+            </a:r>
+            <a:r>
+              <a:rPr kumimoji="1" lang="zh-CN" altLang="en-US" sz="2000" dirty="0">
+                <a:latin typeface="SimHei" charset="-122"/>
+                <a:ea typeface="SimHei" charset="-122"/>
+                <a:cs typeface="SimHei" charset="-122"/>
+              </a:rPr>
+              <a:t>在算法建模中引入上下文信息始终没有一种通用的</a:t>
+            </a:r>
+            <a:r>
+              <a:rPr kumimoji="1" lang="zh-CN" altLang="en-US" sz="2000" dirty="0" smtClean="0">
+                <a:latin typeface="SimHei" charset="-122"/>
+                <a:ea typeface="SimHei" charset="-122"/>
+                <a:cs typeface="SimHei" charset="-122"/>
+              </a:rPr>
+              <a:t>方法</a:t>
+            </a:r>
+            <a:endParaRPr kumimoji="1" lang="en-US" altLang="zh-CN" sz="2000" dirty="0" smtClean="0">
+              <a:latin typeface="SimHei" charset="-122"/>
+              <a:ea typeface="SimHei" charset="-122"/>
+              <a:cs typeface="SimHei" charset="-122"/>
+            </a:endParaRPr>
+          </a:p>
+          <a:p>
+            <a:pPr lvl="1"/>
+            <a:endParaRPr kumimoji="1" lang="zh-CN" altLang="en-US" dirty="0">
+              <a:latin typeface="SimHei" charset="-122"/>
+              <a:ea typeface="SimHei" charset="-122"/>
+              <a:cs typeface="SimHei" charset="-122"/>
+            </a:endParaRPr>
           </a:p>
         </p:txBody>
       </p:sp>
     </p:spTree>
     <p:extLst>
       <p:ext uri="{BB962C8B-B14F-4D97-AF65-F5344CB8AC3E}">
-        <p14:creationId xmlns:p14="http://schemas.microsoft.com/office/powerpoint/2010/main" val="763251387"/>
+        <p14:creationId xmlns:p14="http://schemas.microsoft.com/office/powerpoint/2010/main" val="1456516133"/>
       </p:ext>
     </p:extLst>
   </p:cSld>
@@ -7071,50 +6992,14 @@
           <a:lstStyle/>
           <a:p>
             <a:r>
-              <a:rPr lang="zh-CN" altLang="en-US" dirty="0">
-                <a:latin typeface="SimHei" charset="-122"/>
-                <a:ea typeface="SimHei" charset="-122"/>
-                <a:cs typeface="SimHei" charset="-122"/>
-              </a:rPr>
-              <a:t>相关</a:t>
-            </a:r>
-            <a:r>
-              <a:rPr lang="zh-CN" altLang="en-US" dirty="0" smtClean="0">
-                <a:latin typeface="SimHei" charset="-122"/>
-                <a:ea typeface="SimHei" charset="-122"/>
-                <a:cs typeface="SimHei" charset="-122"/>
-              </a:rPr>
-              <a:t>工作</a:t>
-            </a:r>
-            <a:r>
-              <a:rPr lang="en-US" altLang="zh-CN" dirty="0">
-                <a:latin typeface="SimHei" charset="-122"/>
-                <a:ea typeface="SimHei" charset="-122"/>
-                <a:cs typeface="SimHei" charset="-122"/>
-              </a:rPr>
-              <a:t> </a:t>
-            </a:r>
-            <a:r>
-              <a:rPr lang="en-US" altLang="zh-CN" dirty="0" smtClean="0">
-                <a:latin typeface="SimHei" charset="-122"/>
-                <a:ea typeface="SimHei" charset="-122"/>
-                <a:cs typeface="SimHei" charset="-122"/>
-              </a:rPr>
-              <a:t>- </a:t>
-            </a:r>
-            <a:r>
-              <a:rPr lang="zh-CN" altLang="en-US" dirty="0" smtClean="0">
-                <a:latin typeface="SimHei" charset="-122"/>
-                <a:ea typeface="SimHei" charset="-122"/>
-                <a:cs typeface="SimHei" charset="-122"/>
-              </a:rPr>
-              <a:t>总结与思考</a:t>
-            </a:r>
-            <a:endParaRPr kumimoji="1" lang="zh-CN" altLang="en-US" dirty="0">
-              <a:latin typeface="SimHei" charset="-122"/>
-              <a:ea typeface="SimHei" charset="-122"/>
-              <a:cs typeface="SimHei" charset="-122"/>
-            </a:endParaRPr>
+              <a:rPr kumimoji="1" lang="zh-CN" altLang="en-US" dirty="0">
+                <a:latin typeface="SimHei" charset="-122"/>
+                <a:ea typeface="SimHei" charset="-122"/>
+                <a:cs typeface="SimHei" charset="-122"/>
+              </a:rPr>
+              <a:t>基于多分类器分层的微博反讽识别</a:t>
+            </a:r>
+            <a:endParaRPr kumimoji="1" lang="zh-CN" altLang="en-US" dirty="0"/>
           </a:p>
         </p:txBody>
       </p:sp>
@@ -7130,342 +7015,17 @@
         </p:nvSpPr>
         <p:spPr/>
         <p:txBody>
-          <a:bodyPr>
-            <a:noAutofit/>
-          </a:bodyPr>
+          <a:bodyPr/>
           <a:lstStyle/>
           <a:p>
-            <a:pPr>
-              <a:spcAft>
-                <a:spcPts val="1400"/>
-              </a:spcAft>
-            </a:pPr>
-            <a:r>
-              <a:rPr lang="zh-CN" altLang="en-US" dirty="0" smtClean="0">
-                <a:latin typeface="SimHei" charset="-122"/>
-                <a:ea typeface="SimHei" charset="-122"/>
-                <a:cs typeface="SimHei" charset="-122"/>
-              </a:rPr>
-              <a:t>主流</a:t>
-            </a:r>
-            <a:r>
-              <a:rPr lang="zh-CN" altLang="en-US" dirty="0">
-                <a:latin typeface="SimHei" charset="-122"/>
-                <a:ea typeface="SimHei" charset="-122"/>
-                <a:cs typeface="SimHei" charset="-122"/>
-              </a:rPr>
-              <a:t>的反讽识别技术有两</a:t>
-            </a:r>
-            <a:r>
-              <a:rPr lang="zh-CN" altLang="en-US" dirty="0" smtClean="0">
-                <a:latin typeface="SimHei" charset="-122"/>
-                <a:ea typeface="SimHei" charset="-122"/>
-                <a:cs typeface="SimHei" charset="-122"/>
-              </a:rPr>
-              <a:t>类</a:t>
-            </a:r>
-            <a:endParaRPr lang="zh-CN" altLang="en-US" dirty="0">
-              <a:latin typeface="SimHei" charset="-122"/>
-              <a:ea typeface="SimHei" charset="-122"/>
-              <a:cs typeface="SimHei" charset="-122"/>
-            </a:endParaRPr>
-          </a:p>
-          <a:p>
-            <a:pPr marL="544068" lvl="1" indent="-342900">
-              <a:buFont typeface="+mj-lt"/>
-              <a:buAutoNum type="arabicPeriod"/>
-            </a:pPr>
-            <a:r>
-              <a:rPr lang="zh-CN" altLang="en-US" dirty="0" smtClean="0">
-                <a:latin typeface="SimHei" charset="-122"/>
-                <a:ea typeface="SimHei" charset="-122"/>
-                <a:cs typeface="SimHei" charset="-122"/>
-              </a:rPr>
-              <a:t>基于</a:t>
-            </a:r>
-            <a:r>
-              <a:rPr lang="zh-CN" altLang="en-US" dirty="0">
-                <a:latin typeface="SimHei" charset="-122"/>
-                <a:ea typeface="SimHei" charset="-122"/>
-                <a:cs typeface="SimHei" charset="-122"/>
-              </a:rPr>
-              <a:t>简单的机器学习算法</a:t>
-            </a:r>
-          </a:p>
-          <a:p>
-            <a:pPr lvl="2"/>
-            <a:r>
-              <a:rPr lang="zh-CN" altLang="en-US" dirty="0" smtClean="0">
-                <a:latin typeface="SimHei" charset="-122"/>
-                <a:ea typeface="SimHei" charset="-122"/>
-                <a:cs typeface="SimHei" charset="-122"/>
-              </a:rPr>
-              <a:t>依赖</a:t>
-            </a:r>
-            <a:r>
-              <a:rPr lang="zh-TW" altLang="en-US" dirty="0" smtClean="0">
-                <a:latin typeface="SimHei" charset="-122"/>
-                <a:ea typeface="SimHei" charset="-122"/>
-                <a:cs typeface="SimHei" charset="-122"/>
-              </a:rPr>
-              <a:t>选取的</a:t>
-            </a:r>
-            <a:r>
-              <a:rPr lang="zh-CN" altLang="en-US" dirty="0" smtClean="0">
-                <a:latin typeface="SimHei" charset="-122"/>
-                <a:ea typeface="SimHei" charset="-122"/>
-                <a:cs typeface="SimHei" charset="-122"/>
-              </a:rPr>
-              <a:t>语义</a:t>
-            </a:r>
-            <a:r>
-              <a:rPr lang="zh-CN" altLang="en-US" dirty="0">
-                <a:latin typeface="SimHei" charset="-122"/>
-                <a:ea typeface="SimHei" charset="-122"/>
-                <a:cs typeface="SimHei" charset="-122"/>
-              </a:rPr>
-              <a:t>特征和模式</a:t>
-            </a:r>
-            <a:r>
-              <a:rPr lang="zh-CN" altLang="en-US" dirty="0" smtClean="0">
-                <a:latin typeface="SimHei" charset="-122"/>
-                <a:ea typeface="SimHei" charset="-122"/>
-                <a:cs typeface="SimHei" charset="-122"/>
-              </a:rPr>
-              <a:t>特征</a:t>
-            </a:r>
-            <a:endParaRPr lang="en-US" altLang="zh-CN" dirty="0" smtClean="0">
-              <a:latin typeface="SimHei" charset="-122"/>
-              <a:ea typeface="SimHei" charset="-122"/>
-              <a:cs typeface="SimHei" charset="-122"/>
-            </a:endParaRPr>
-          </a:p>
-          <a:p>
-            <a:pPr lvl="2"/>
-            <a:endParaRPr lang="en-US" altLang="zh-CN" dirty="0" smtClean="0">
-              <a:latin typeface="SimHei" charset="-122"/>
-              <a:ea typeface="SimHei" charset="-122"/>
-              <a:cs typeface="SimHei" charset="-122"/>
-            </a:endParaRPr>
-          </a:p>
-          <a:p>
-            <a:pPr marL="544068" lvl="1" indent="-342900">
-              <a:buFont typeface="+mj-lt"/>
-              <a:buAutoNum type="arabicPeriod" startAt="2"/>
-            </a:pPr>
-            <a:r>
-              <a:rPr lang="zh-CN" altLang="en-US" dirty="0" smtClean="0">
-                <a:latin typeface="SimHei" charset="-122"/>
-                <a:ea typeface="SimHei" charset="-122"/>
-                <a:cs typeface="SimHei" charset="-122"/>
-              </a:rPr>
-              <a:t>基于</a:t>
-            </a:r>
-            <a:r>
-              <a:rPr lang="zh-CN" altLang="en-US" dirty="0">
-                <a:latin typeface="SimHei" charset="-122"/>
-                <a:ea typeface="SimHei" charset="-122"/>
-                <a:cs typeface="SimHei" charset="-122"/>
-              </a:rPr>
-              <a:t>深度学习的方法</a:t>
-            </a:r>
-          </a:p>
-          <a:p>
-            <a:pPr lvl="2"/>
-            <a:r>
-              <a:rPr lang="zh-CN" altLang="en-US" dirty="0" smtClean="0">
-                <a:latin typeface="SimHei" charset="-122"/>
-                <a:ea typeface="SimHei" charset="-122"/>
-                <a:cs typeface="SimHei" charset="-122"/>
-              </a:rPr>
-              <a:t>以</a:t>
-            </a:r>
-            <a:r>
-              <a:rPr lang="zh-CN" altLang="en-US" dirty="0">
-                <a:latin typeface="SimHei" charset="-122"/>
-                <a:ea typeface="SimHei" charset="-122"/>
-                <a:cs typeface="SimHei" charset="-122"/>
-              </a:rPr>
-              <a:t>词向量作为输入</a:t>
-            </a:r>
-          </a:p>
-          <a:p>
-            <a:pPr lvl="2"/>
-            <a:r>
-              <a:rPr lang="zh-CN" altLang="en-US" dirty="0" smtClean="0">
-                <a:latin typeface="SimHei" charset="-122"/>
-                <a:ea typeface="SimHei" charset="-122"/>
-                <a:cs typeface="SimHei" charset="-122"/>
-              </a:rPr>
-              <a:t>没有</a:t>
-            </a:r>
-            <a:r>
-              <a:rPr lang="zh-CN" altLang="en-US" dirty="0">
-                <a:latin typeface="SimHei" charset="-122"/>
-                <a:ea typeface="SimHei" charset="-122"/>
-                <a:cs typeface="SimHei" charset="-122"/>
-              </a:rPr>
-              <a:t>直接利用反讽在语言上的</a:t>
-            </a:r>
-            <a:r>
-              <a:rPr lang="zh-CN" altLang="en-US" dirty="0" smtClean="0">
-                <a:latin typeface="SimHei" charset="-122"/>
-                <a:ea typeface="SimHei" charset="-122"/>
-                <a:cs typeface="SimHei" charset="-122"/>
-              </a:rPr>
-              <a:t>特性</a:t>
-            </a:r>
-            <a:endParaRPr lang="en-US" altLang="zh-CN" dirty="0" smtClean="0">
-              <a:latin typeface="SimHei" charset="-122"/>
-              <a:ea typeface="SimHei" charset="-122"/>
-              <a:cs typeface="SimHei" charset="-122"/>
-            </a:endParaRPr>
-          </a:p>
-          <a:p>
-            <a:pPr lvl="2"/>
-            <a:r>
-              <a:rPr lang="zh-CN" altLang="en-US" dirty="0" smtClean="0">
-                <a:latin typeface="SimHei" charset="-122"/>
-                <a:ea typeface="SimHei" charset="-122"/>
-                <a:cs typeface="SimHei" charset="-122"/>
-              </a:rPr>
-              <a:t>依赖数据</a:t>
-            </a:r>
-            <a:r>
-              <a:rPr lang="zh-TW" altLang="en-US" dirty="0" smtClean="0">
-                <a:latin typeface="SimHei" charset="-122"/>
-                <a:ea typeface="SimHei" charset="-122"/>
-                <a:cs typeface="SimHei" charset="-122"/>
-              </a:rPr>
-              <a:t>集</a:t>
-            </a:r>
-            <a:endParaRPr lang="zh-CN" altLang="en-US" dirty="0">
-              <a:latin typeface="SimHei" charset="-122"/>
-              <a:ea typeface="SimHei" charset="-122"/>
-              <a:cs typeface="SimHei" charset="-122"/>
-            </a:endParaRPr>
-          </a:p>
-          <a:p>
-            <a:endParaRPr lang="en-US" altLang="zh-CN" dirty="0" smtClean="0">
-              <a:latin typeface="SimHei" charset="-122"/>
-              <a:ea typeface="SimHei" charset="-122"/>
-              <a:cs typeface="SimHei" charset="-122"/>
-            </a:endParaRPr>
-          </a:p>
-          <a:p>
-            <a:pPr>
-              <a:spcAft>
-                <a:spcPts val="1400"/>
-              </a:spcAft>
-            </a:pPr>
-            <a:r>
-              <a:rPr lang="zh-TW" altLang="en-US" dirty="0">
-                <a:latin typeface="SimHei" charset="-122"/>
-                <a:ea typeface="SimHei" charset="-122"/>
-                <a:cs typeface="SimHei" charset="-122"/>
-              </a:rPr>
-              <a:t>研究切入点</a:t>
-            </a:r>
-            <a:endParaRPr lang="zh-CN" altLang="en-US" dirty="0" smtClean="0">
-              <a:latin typeface="SimHei" charset="-122"/>
-              <a:ea typeface="SimHei" charset="-122"/>
-              <a:cs typeface="SimHei" charset="-122"/>
-            </a:endParaRPr>
-          </a:p>
-          <a:p>
-            <a:pPr lvl="1">
-              <a:spcAft>
-                <a:spcPts val="1200"/>
-              </a:spcAft>
-            </a:pPr>
-            <a:r>
-              <a:rPr lang="zh-TW" altLang="en-US" dirty="0" smtClean="0">
-                <a:latin typeface="SimHei" charset="-122"/>
-                <a:ea typeface="SimHei" charset="-122"/>
-                <a:cs typeface="SimHei" charset="-122"/>
-              </a:rPr>
-              <a:t>是否可以</a:t>
-            </a:r>
-            <a:r>
-              <a:rPr lang="zh-CN" altLang="en-US" dirty="0" smtClean="0">
-                <a:latin typeface="SimHei" charset="-122"/>
-                <a:ea typeface="SimHei" charset="-122"/>
-                <a:cs typeface="SimHei" charset="-122"/>
-              </a:rPr>
-              <a:t>结合</a:t>
-            </a:r>
-            <a:r>
-              <a:rPr lang="zh-CN" altLang="en-US" dirty="0">
-                <a:latin typeface="SimHei" charset="-122"/>
-                <a:ea typeface="SimHei" charset="-122"/>
-                <a:cs typeface="SimHei" charset="-122"/>
-              </a:rPr>
-              <a:t>两种方案的</a:t>
-            </a:r>
-            <a:r>
-              <a:rPr lang="zh-CN" altLang="en-US" dirty="0" smtClean="0">
-                <a:latin typeface="SimHei" charset="-122"/>
-                <a:ea typeface="SimHei" charset="-122"/>
-                <a:cs typeface="SimHei" charset="-122"/>
-              </a:rPr>
-              <a:t>优点</a:t>
-            </a:r>
-            <a:r>
-              <a:rPr lang="zh-TW" altLang="en-US" dirty="0" smtClean="0">
-                <a:latin typeface="SimHei" charset="-122"/>
-                <a:ea typeface="SimHei" charset="-122"/>
-                <a:cs typeface="SimHei" charset="-122"/>
-              </a:rPr>
-              <a:t>？</a:t>
-            </a:r>
-            <a:endParaRPr lang="en-US" altLang="zh-TW" dirty="0" smtClean="0">
-              <a:latin typeface="SimHei" charset="-122"/>
-              <a:ea typeface="SimHei" charset="-122"/>
-              <a:cs typeface="SimHei" charset="-122"/>
-            </a:endParaRPr>
-          </a:p>
-          <a:p>
-            <a:pPr lvl="1">
-              <a:spcAft>
-                <a:spcPts val="1200"/>
-              </a:spcAft>
-            </a:pPr>
-            <a:r>
-              <a:rPr lang="zh-CN" altLang="en-US" dirty="0">
-                <a:latin typeface="SimHei" charset="-122"/>
-                <a:ea typeface="SimHei" charset="-122"/>
-                <a:cs typeface="SimHei" charset="-122"/>
-              </a:rPr>
-              <a:t>如何把反讽的语言特征体现在深度学习的算法框架上，来提升系统的</a:t>
-            </a:r>
-            <a:r>
-              <a:rPr lang="zh-CN" altLang="en-US" dirty="0" smtClean="0">
-                <a:latin typeface="SimHei" charset="-122"/>
-                <a:ea typeface="SimHei" charset="-122"/>
-                <a:cs typeface="SimHei" charset="-122"/>
-              </a:rPr>
-              <a:t>性能</a:t>
-            </a:r>
-            <a:r>
-              <a:rPr lang="zh-TW" altLang="en-US" dirty="0" smtClean="0">
-                <a:latin typeface="SimHei" charset="-122"/>
-                <a:ea typeface="SimHei" charset="-122"/>
-                <a:cs typeface="SimHei" charset="-122"/>
-              </a:rPr>
-              <a:t>？</a:t>
-            </a:r>
-            <a:endParaRPr kumimoji="1" lang="zh-CN" altLang="en-US" dirty="0">
-              <a:latin typeface="SimHei" charset="-122"/>
-              <a:ea typeface="SimHei" charset="-122"/>
-              <a:cs typeface="SimHei" charset="-122"/>
-            </a:endParaRPr>
+            <a:endParaRPr kumimoji="1" lang="zh-CN" altLang="en-US"/>
           </a:p>
         </p:txBody>
       </p:sp>
     </p:spTree>
     <p:extLst>
       <p:ext uri="{BB962C8B-B14F-4D97-AF65-F5344CB8AC3E}">
-        <p14:creationId xmlns:p14="http://schemas.microsoft.com/office/powerpoint/2010/main" val="881023929"/>
+        <p14:creationId xmlns:p14="http://schemas.microsoft.com/office/powerpoint/2010/main" val="763251387"/>
       </p:ext>
     </p:extLst>
   </p:cSld>
@@ -7483,6 +7043,74 @@
 </file>
 
 <file path=ppt/slides/slide15.xml><?xml version="1.0" encoding="utf-8"?>
+<p:sld xmlns:a="http://schemas.openxmlformats.org/drawingml/2006/main" xmlns:r="http://schemas.openxmlformats.org/officeDocument/2006/relationships" xmlns:p="http://schemas.openxmlformats.org/presentationml/2006/main">
+  <p:cSld>
+    <p:spTree>
+      <p:nvGrpSpPr>
+        <p:cNvPr id="1" name=""/>
+        <p:cNvGrpSpPr/>
+        <p:nvPr/>
+      </p:nvGrpSpPr>
+      <p:grpSpPr>
+        <a:xfrm>
+          <a:off x="0" y="0"/>
+          <a:ext cx="0" cy="0"/>
+          <a:chOff x="0" y="0"/>
+          <a:chExt cx="0" cy="0"/>
+        </a:xfrm>
+      </p:grpSpPr>
+      <p:sp>
+        <p:nvSpPr>
+          <p:cNvPr id="2" name="标题 1"/>
+          <p:cNvSpPr>
+            <a:spLocks noGrp="1"/>
+          </p:cNvSpPr>
+          <p:nvPr>
+            <p:ph type="title"/>
+          </p:nvPr>
+        </p:nvSpPr>
+        <p:spPr/>
+        <p:txBody>
+          <a:bodyPr/>
+          <a:lstStyle/>
+          <a:p>
+            <a:endParaRPr kumimoji="1" lang="zh-CN" altLang="en-US"/>
+          </a:p>
+        </p:txBody>
+      </p:sp>
+      <p:sp>
+        <p:nvSpPr>
+          <p:cNvPr id="3" name="内容占位符 2"/>
+          <p:cNvSpPr>
+            <a:spLocks noGrp="1"/>
+          </p:cNvSpPr>
+          <p:nvPr>
+            <p:ph idx="1"/>
+          </p:nvPr>
+        </p:nvSpPr>
+        <p:spPr/>
+        <p:txBody>
+          <a:bodyPr/>
+          <a:lstStyle/>
+          <a:p>
+            <a:endParaRPr kumimoji="1" lang="zh-CN" altLang="en-US"/>
+          </a:p>
+        </p:txBody>
+      </p:sp>
+    </p:spTree>
+    <p:extLst>
+      <p:ext uri="{BB962C8B-B14F-4D97-AF65-F5344CB8AC3E}">
+        <p14:creationId xmlns:p14="http://schemas.microsoft.com/office/powerpoint/2010/main" val="2121323807"/>
+      </p:ext>
+    </p:extLst>
+  </p:cSld>
+  <p:clrMapOvr>
+    <a:masterClrMapping/>
+  </p:clrMapOvr>
+</p:sld>
+</file>
+
+<file path=ppt/slides/slide16.xml><?xml version="1.0" encoding="utf-8"?>
 <p:sld xmlns:a="http://schemas.openxmlformats.org/drawingml/2006/main" xmlns:r="http://schemas.openxmlformats.org/officeDocument/2006/relationships" xmlns:p="http://schemas.openxmlformats.org/presentationml/2006/main">
   <p:cSld>
     <p:spTree>
@@ -9841,7 +9469,7 @@
 </p:sld>
 </file>
 
-<file path=ppt/slides/slide16.xml><?xml version="1.0" encoding="utf-8"?>
+<file path=ppt/slides/slide17.xml><?xml version="1.0" encoding="utf-8"?>
 <p:sld xmlns:a="http://schemas.openxmlformats.org/drawingml/2006/main" xmlns:r="http://schemas.openxmlformats.org/officeDocument/2006/relationships" xmlns:p="http://schemas.openxmlformats.org/presentationml/2006/main">
   <p:cSld>
     <p:spTree>
@@ -9873,22 +9501,6 @@
           <a:bodyPr/>
           <a:lstStyle/>
           <a:p>
-            <a:r>
-              <a:rPr kumimoji="1" lang="zh-CN" altLang="en-US" dirty="0">
-                <a:latin typeface="SimHei" charset="-122"/>
-                <a:ea typeface="SimHei" charset="-122"/>
-                <a:cs typeface="SimHei" charset="-122"/>
-              </a:rPr>
-              <a:t>已展开</a:t>
-            </a:r>
-            <a:r>
-              <a:rPr kumimoji="1" lang="zh-CN" altLang="en-US" dirty="0" smtClean="0">
-                <a:latin typeface="SimHei" charset="-122"/>
-                <a:ea typeface="SimHei" charset="-122"/>
-                <a:cs typeface="SimHei" charset="-122"/>
-              </a:rPr>
-              <a:t>工作</a:t>
-            </a:r>
             <a:endParaRPr kumimoji="1" lang="zh-CN" altLang="en-US" dirty="0">
               <a:latin typeface="SimHei" charset="-122"/>
               <a:ea typeface="SimHei" charset="-122"/>
@@ -10656,7 +10268,7 @@
 </p:sld>
 </file>
 
-<file path=ppt/slides/slide17.xml><?xml version="1.0" encoding="utf-8"?>
+<file path=ppt/slides/slide18.xml><?xml version="1.0" encoding="utf-8"?>
 <p:sld xmlns:a="http://schemas.openxmlformats.org/drawingml/2006/main" xmlns:r="http://schemas.openxmlformats.org/officeDocument/2006/relationships" xmlns:p="http://schemas.openxmlformats.org/presentationml/2006/main">
   <p:cSld>
     <p:spTree>
@@ -11443,7 +11055,7 @@
 </p:sld>
 </file>
 
-<file path=ppt/slides/slide18.xml><?xml version="1.0" encoding="utf-8"?>
+<file path=ppt/slides/slide19.xml><?xml version="1.0" encoding="utf-8"?>
 <p:sld xmlns:a="http://schemas.openxmlformats.org/drawingml/2006/main" xmlns:r="http://schemas.openxmlformats.org/officeDocument/2006/relationships" xmlns:p="http://schemas.openxmlformats.org/presentationml/2006/main">
   <p:cSld>
     <p:spTree>
@@ -11536,7 +11148,237 @@
 </p:sld>
 </file>
 
-<file path=ppt/slides/slide19.xml><?xml version="1.0" encoding="utf-8"?>
+<file path=ppt/slides/slide2.xml><?xml version="1.0" encoding="utf-8"?>
+<p:sld xmlns:a="http://schemas.openxmlformats.org/drawingml/2006/main" xmlns:r="http://schemas.openxmlformats.org/officeDocument/2006/relationships" xmlns:p="http://schemas.openxmlformats.org/presentationml/2006/main">
+  <p:cSld>
+    <p:spTree>
+      <p:nvGrpSpPr>
+        <p:cNvPr id="1" name=""/>
+        <p:cNvGrpSpPr/>
+        <p:nvPr/>
+      </p:nvGrpSpPr>
+      <p:grpSpPr>
+        <a:xfrm>
+          <a:off x="0" y="0"/>
+          <a:ext cx="0" cy="0"/>
+          <a:chOff x="0" y="0"/>
+          <a:chExt cx="0" cy="0"/>
+        </a:xfrm>
+      </p:grpSpPr>
+      <p:sp>
+        <p:nvSpPr>
+          <p:cNvPr id="2" name="标题 1"/>
+          <p:cNvSpPr>
+            <a:spLocks noGrp="1"/>
+          </p:cNvSpPr>
+          <p:nvPr>
+            <p:ph type="title"/>
+          </p:nvPr>
+        </p:nvSpPr>
+        <p:spPr/>
+        <p:txBody>
+          <a:bodyPr/>
+          <a:lstStyle/>
+          <a:p>
+            <a:r>
+              <a:rPr kumimoji="1" lang="zh-CN" altLang="en-US" dirty="0" smtClean="0">
+                <a:latin typeface="SimHei" charset="-122"/>
+                <a:ea typeface="SimHei" charset="-122"/>
+                <a:cs typeface="SimHei" charset="-122"/>
+              </a:rPr>
+              <a:t>提纲</a:t>
+            </a:r>
+            <a:endParaRPr kumimoji="1" lang="zh-CN" altLang="en-US" dirty="0">
+              <a:latin typeface="SimHei" charset="-122"/>
+              <a:ea typeface="SimHei" charset="-122"/>
+              <a:cs typeface="SimHei" charset="-122"/>
+            </a:endParaRPr>
+          </a:p>
+        </p:txBody>
+      </p:sp>
+      <p:sp>
+        <p:nvSpPr>
+          <p:cNvPr id="3" name="内容占位符 2"/>
+          <p:cNvSpPr>
+            <a:spLocks noGrp="1"/>
+          </p:cNvSpPr>
+          <p:nvPr>
+            <p:ph idx="1"/>
+          </p:nvPr>
+        </p:nvSpPr>
+        <p:spPr/>
+        <p:txBody>
+          <a:bodyPr>
+            <a:normAutofit/>
+          </a:bodyPr>
+          <a:lstStyle/>
+          <a:p>
+            <a:r>
+              <a:rPr kumimoji="1" lang="zh-CN" altLang="en-US" sz="2400" dirty="0" smtClean="0">
+                <a:latin typeface="SimHei" charset="-122"/>
+                <a:ea typeface="SimHei" charset="-122"/>
+                <a:cs typeface="SimHei" charset="-122"/>
+              </a:rPr>
+              <a:t>背景</a:t>
+            </a:r>
+            <a:endParaRPr kumimoji="1" lang="en-US" altLang="zh-CN" sz="2400" dirty="0" smtClean="0">
+              <a:latin typeface="SimHei" charset="-122"/>
+              <a:ea typeface="SimHei" charset="-122"/>
+              <a:cs typeface="SimHei" charset="-122"/>
+            </a:endParaRPr>
+          </a:p>
+          <a:p>
+            <a:r>
+              <a:rPr kumimoji="1" lang="zh-CN" altLang="en-US" sz="2400" dirty="0">
+                <a:latin typeface="SimHei" charset="-122"/>
+                <a:ea typeface="SimHei" charset="-122"/>
+                <a:cs typeface="SimHei" charset="-122"/>
+              </a:rPr>
+              <a:t>问题</a:t>
+            </a:r>
+            <a:r>
+              <a:rPr kumimoji="1" lang="zh-CN" altLang="en-US" sz="2400" dirty="0" smtClean="0">
+                <a:latin typeface="SimHei" charset="-122"/>
+                <a:ea typeface="SimHei" charset="-122"/>
+                <a:cs typeface="SimHei" charset="-122"/>
+              </a:rPr>
+              <a:t>定义</a:t>
+            </a:r>
+            <a:endParaRPr kumimoji="1" lang="en-US" altLang="zh-CN" sz="2400" dirty="0" smtClean="0">
+              <a:latin typeface="SimHei" charset="-122"/>
+              <a:ea typeface="SimHei" charset="-122"/>
+              <a:cs typeface="SimHei" charset="-122"/>
+            </a:endParaRPr>
+          </a:p>
+          <a:p>
+            <a:r>
+              <a:rPr kumimoji="1" lang="zh-CN" altLang="en-US" sz="2400" dirty="0" smtClean="0">
+                <a:latin typeface="SimHei" charset="-122"/>
+                <a:ea typeface="SimHei" charset="-122"/>
+                <a:cs typeface="SimHei" charset="-122"/>
+              </a:rPr>
+              <a:t>研究</a:t>
+            </a:r>
+            <a:r>
+              <a:rPr kumimoji="1" lang="zh-CN" altLang="en-US" sz="2400" dirty="0">
+                <a:latin typeface="SimHei" charset="-122"/>
+                <a:ea typeface="SimHei" charset="-122"/>
+                <a:cs typeface="SimHei" charset="-122"/>
+              </a:rPr>
+              <a:t>现状</a:t>
+            </a:r>
+            <a:endParaRPr kumimoji="1" lang="en-US" altLang="zh-CN" sz="2400" dirty="0" smtClean="0">
+              <a:latin typeface="SimHei" charset="-122"/>
+              <a:ea typeface="SimHei" charset="-122"/>
+              <a:cs typeface="SimHei" charset="-122"/>
+            </a:endParaRPr>
+          </a:p>
+          <a:p>
+            <a:r>
+              <a:rPr kumimoji="1" lang="zh-TW" altLang="en-US" sz="2400" dirty="0">
+                <a:latin typeface="SimHei" charset="-122"/>
+                <a:ea typeface="SimHei" charset="-122"/>
+                <a:cs typeface="SimHei" charset="-122"/>
+              </a:rPr>
+              <a:t>研究框架</a:t>
+            </a:r>
+            <a:endParaRPr kumimoji="1" lang="en-US" altLang="zh-TW" sz="2400" dirty="0">
+              <a:latin typeface="SimHei" charset="-122"/>
+              <a:ea typeface="SimHei" charset="-122"/>
+              <a:cs typeface="SimHei" charset="-122"/>
+            </a:endParaRPr>
+          </a:p>
+          <a:p>
+            <a:r>
+              <a:rPr kumimoji="1" lang="zh-CN" altLang="en-US" sz="2400" dirty="0">
+                <a:latin typeface="SimHei" charset="-122"/>
+                <a:ea typeface="SimHei" charset="-122"/>
+                <a:cs typeface="SimHei" charset="-122"/>
+              </a:rPr>
+              <a:t>基于多分类器分层的微博反讽</a:t>
+            </a:r>
+            <a:r>
+              <a:rPr kumimoji="1" lang="zh-CN" altLang="en-US" sz="2400" dirty="0" smtClean="0">
+                <a:latin typeface="SimHei" charset="-122"/>
+                <a:ea typeface="SimHei" charset="-122"/>
+                <a:cs typeface="SimHei" charset="-122"/>
+              </a:rPr>
+              <a:t>识别</a:t>
+            </a:r>
+            <a:endParaRPr kumimoji="1" lang="en-US" altLang="zh-CN" sz="2400" dirty="0" smtClean="0">
+              <a:latin typeface="SimHei" charset="-122"/>
+              <a:ea typeface="SimHei" charset="-122"/>
+              <a:cs typeface="SimHei" charset="-122"/>
+            </a:endParaRPr>
+          </a:p>
+          <a:p>
+            <a:r>
+              <a:rPr kumimoji="1" lang="zh-CN" altLang="en-US" sz="2400" dirty="0" smtClean="0">
+                <a:latin typeface="SimHei" charset="-122"/>
+                <a:ea typeface="SimHei" charset="-122"/>
+                <a:cs typeface="SimHei" charset="-122"/>
+              </a:rPr>
+              <a:t>基于</a:t>
+            </a:r>
+            <a:r>
+              <a:rPr kumimoji="1" lang="zh-CN" altLang="en-US" sz="2400" dirty="0">
+                <a:latin typeface="SimHei" charset="-122"/>
+                <a:ea typeface="SimHei" charset="-122"/>
+                <a:cs typeface="SimHei" charset="-122"/>
+              </a:rPr>
+              <a:t>多通道模型引入上下文的情感识别</a:t>
+            </a:r>
+            <a:endParaRPr kumimoji="1" lang="en-US" altLang="zh-CN" sz="2400" dirty="0" smtClean="0">
+              <a:latin typeface="SimHei" charset="-122"/>
+              <a:ea typeface="SimHei" charset="-122"/>
+              <a:cs typeface="SimHei" charset="-122"/>
+            </a:endParaRPr>
+          </a:p>
+          <a:p>
+            <a:r>
+              <a:rPr lang="zh-CN" altLang="en-US" sz="2400" dirty="0" smtClean="0">
+                <a:latin typeface="SimHei" charset="-122"/>
+                <a:ea typeface="SimHei" charset="-122"/>
+                <a:cs typeface="SimHei" charset="-122"/>
+              </a:rPr>
+              <a:t>参考文献</a:t>
+            </a:r>
+            <a:endParaRPr kumimoji="1" lang="en-US" altLang="zh-CN" sz="2400" dirty="0" smtClean="0">
+              <a:latin typeface="SimHei" charset="-122"/>
+              <a:ea typeface="SimHei" charset="-122"/>
+              <a:cs typeface="SimHei" charset="-122"/>
+            </a:endParaRPr>
+          </a:p>
+          <a:p>
+            <a:endParaRPr kumimoji="1" lang="en-US" altLang="zh-TW" sz="2400" dirty="0" smtClean="0">
+              <a:latin typeface="SimHei" charset="-122"/>
+              <a:ea typeface="SimHei" charset="-122"/>
+              <a:cs typeface="SimHei" charset="-122"/>
+            </a:endParaRPr>
+          </a:p>
+        </p:txBody>
+      </p:sp>
+    </p:spTree>
+    <p:extLst>
+      <p:ext uri="{BB962C8B-B14F-4D97-AF65-F5344CB8AC3E}">
+        <p14:creationId xmlns:p14="http://schemas.microsoft.com/office/powerpoint/2010/main" val="1544558443"/>
+      </p:ext>
+    </p:extLst>
+  </p:cSld>
+  <p:clrMapOvr>
+    <a:masterClrMapping/>
+  </p:clrMapOvr>
+  <p:timing>
+    <p:tnLst>
+      <p:par>
+        <p:cTn id="1" dur="indefinite" restart="never" nodeType="tmRoot"/>
+      </p:par>
+    </p:tnLst>
+  </p:timing>
+</p:sld>
+</file>
+
+<file path=ppt/slides/slide20.xml><?xml version="1.0" encoding="utf-8"?>
 <p:sld xmlns:a="http://schemas.openxmlformats.org/drawingml/2006/main" xmlns:r="http://schemas.openxmlformats.org/officeDocument/2006/relationships" xmlns:p="http://schemas.openxmlformats.org/presentationml/2006/main">
   <p:cSld>
     <p:spTree>
@@ -12675,237 +12517,7 @@
 </p:sld>
 </file>
 
-<file path=ppt/slides/slide2.xml><?xml version="1.0" encoding="utf-8"?>
-<p:sld xmlns:a="http://schemas.openxmlformats.org/drawingml/2006/main" xmlns:r="http://schemas.openxmlformats.org/officeDocument/2006/relationships" xmlns:p="http://schemas.openxmlformats.org/presentationml/2006/main">
-  <p:cSld>
-    <p:spTree>
-      <p:nvGrpSpPr>
-        <p:cNvPr id="1" name=""/>
-        <p:cNvGrpSpPr/>
-        <p:nvPr/>
-      </p:nvGrpSpPr>
-      <p:grpSpPr>
-        <a:xfrm>
-          <a:off x="0" y="0"/>
-          <a:ext cx="0" cy="0"/>
-          <a:chOff x="0" y="0"/>
-          <a:chExt cx="0" cy="0"/>
-        </a:xfrm>
-      </p:grpSpPr>
-      <p:sp>
-        <p:nvSpPr>
-          <p:cNvPr id="2" name="标题 1"/>
-          <p:cNvSpPr>
-            <a:spLocks noGrp="1"/>
-          </p:cNvSpPr>
-          <p:nvPr>
-            <p:ph type="title"/>
-          </p:nvPr>
-        </p:nvSpPr>
-        <p:spPr/>
-        <p:txBody>
-          <a:bodyPr/>
-          <a:lstStyle/>
-          <a:p>
-            <a:r>
-              <a:rPr kumimoji="1" lang="zh-CN" altLang="en-US" dirty="0" smtClean="0">
-                <a:latin typeface="SimHei" charset="-122"/>
-                <a:ea typeface="SimHei" charset="-122"/>
-                <a:cs typeface="SimHei" charset="-122"/>
-              </a:rPr>
-              <a:t>提纲</a:t>
-            </a:r>
-            <a:endParaRPr kumimoji="1" lang="zh-CN" altLang="en-US" dirty="0">
-              <a:latin typeface="SimHei" charset="-122"/>
-              <a:ea typeface="SimHei" charset="-122"/>
-              <a:cs typeface="SimHei" charset="-122"/>
-            </a:endParaRPr>
-          </a:p>
-        </p:txBody>
-      </p:sp>
-      <p:sp>
-        <p:nvSpPr>
-          <p:cNvPr id="3" name="内容占位符 2"/>
-          <p:cNvSpPr>
-            <a:spLocks noGrp="1"/>
-          </p:cNvSpPr>
-          <p:nvPr>
-            <p:ph idx="1"/>
-          </p:nvPr>
-        </p:nvSpPr>
-        <p:spPr/>
-        <p:txBody>
-          <a:bodyPr>
-            <a:normAutofit/>
-          </a:bodyPr>
-          <a:lstStyle/>
-          <a:p>
-            <a:r>
-              <a:rPr kumimoji="1" lang="zh-CN" altLang="en-US" sz="2400" dirty="0" smtClean="0">
-                <a:latin typeface="SimHei" charset="-122"/>
-                <a:ea typeface="SimHei" charset="-122"/>
-                <a:cs typeface="SimHei" charset="-122"/>
-              </a:rPr>
-              <a:t>背景</a:t>
-            </a:r>
-            <a:endParaRPr kumimoji="1" lang="en-US" altLang="zh-CN" sz="2400" dirty="0" smtClean="0">
-              <a:latin typeface="SimHei" charset="-122"/>
-              <a:ea typeface="SimHei" charset="-122"/>
-              <a:cs typeface="SimHei" charset="-122"/>
-            </a:endParaRPr>
-          </a:p>
-          <a:p>
-            <a:r>
-              <a:rPr kumimoji="1" lang="zh-CN" altLang="en-US" sz="2400" dirty="0">
-                <a:latin typeface="SimHei" charset="-122"/>
-                <a:ea typeface="SimHei" charset="-122"/>
-                <a:cs typeface="SimHei" charset="-122"/>
-              </a:rPr>
-              <a:t>问题</a:t>
-            </a:r>
-            <a:r>
-              <a:rPr kumimoji="1" lang="zh-CN" altLang="en-US" sz="2400" dirty="0" smtClean="0">
-                <a:latin typeface="SimHei" charset="-122"/>
-                <a:ea typeface="SimHei" charset="-122"/>
-                <a:cs typeface="SimHei" charset="-122"/>
-              </a:rPr>
-              <a:t>定义</a:t>
-            </a:r>
-            <a:endParaRPr kumimoji="1" lang="en-US" altLang="zh-CN" sz="2400" dirty="0" smtClean="0">
-              <a:latin typeface="SimHei" charset="-122"/>
-              <a:ea typeface="SimHei" charset="-122"/>
-              <a:cs typeface="SimHei" charset="-122"/>
-            </a:endParaRPr>
-          </a:p>
-          <a:p>
-            <a:r>
-              <a:rPr kumimoji="1" lang="zh-CN" altLang="en-US" sz="2400" dirty="0" smtClean="0">
-                <a:latin typeface="SimHei" charset="-122"/>
-                <a:ea typeface="SimHei" charset="-122"/>
-                <a:cs typeface="SimHei" charset="-122"/>
-              </a:rPr>
-              <a:t>研究</a:t>
-            </a:r>
-            <a:r>
-              <a:rPr kumimoji="1" lang="zh-CN" altLang="en-US" sz="2400" dirty="0">
-                <a:latin typeface="SimHei" charset="-122"/>
-                <a:ea typeface="SimHei" charset="-122"/>
-                <a:cs typeface="SimHei" charset="-122"/>
-              </a:rPr>
-              <a:t>现状</a:t>
-            </a:r>
-            <a:endParaRPr kumimoji="1" lang="en-US" altLang="zh-CN" sz="2400" dirty="0" smtClean="0">
-              <a:latin typeface="SimHei" charset="-122"/>
-              <a:ea typeface="SimHei" charset="-122"/>
-              <a:cs typeface="SimHei" charset="-122"/>
-            </a:endParaRPr>
-          </a:p>
-          <a:p>
-            <a:r>
-              <a:rPr kumimoji="1" lang="zh-TW" altLang="en-US" sz="2400" dirty="0">
-                <a:latin typeface="SimHei" charset="-122"/>
-                <a:ea typeface="SimHei" charset="-122"/>
-                <a:cs typeface="SimHei" charset="-122"/>
-              </a:rPr>
-              <a:t>研究框架</a:t>
-            </a:r>
-            <a:endParaRPr kumimoji="1" lang="en-US" altLang="zh-TW" sz="2400" dirty="0">
-              <a:latin typeface="SimHei" charset="-122"/>
-              <a:ea typeface="SimHei" charset="-122"/>
-              <a:cs typeface="SimHei" charset="-122"/>
-            </a:endParaRPr>
-          </a:p>
-          <a:p>
-            <a:r>
-              <a:rPr kumimoji="1" lang="zh-CN" altLang="en-US" sz="2400" dirty="0">
-                <a:latin typeface="SimHei" charset="-122"/>
-                <a:ea typeface="SimHei" charset="-122"/>
-                <a:cs typeface="SimHei" charset="-122"/>
-              </a:rPr>
-              <a:t>基于多步决策的微博反讽</a:t>
-            </a:r>
-            <a:r>
-              <a:rPr kumimoji="1" lang="zh-CN" altLang="en-US" sz="2400" dirty="0" smtClean="0">
-                <a:latin typeface="SimHei" charset="-122"/>
-                <a:ea typeface="SimHei" charset="-122"/>
-                <a:cs typeface="SimHei" charset="-122"/>
-              </a:rPr>
-              <a:t>识别</a:t>
-            </a:r>
-            <a:endParaRPr kumimoji="1" lang="en-US" altLang="zh-CN" sz="2400" dirty="0" smtClean="0">
-              <a:latin typeface="SimHei" charset="-122"/>
-              <a:ea typeface="SimHei" charset="-122"/>
-              <a:cs typeface="SimHei" charset="-122"/>
-            </a:endParaRPr>
-          </a:p>
-          <a:p>
-            <a:r>
-              <a:rPr kumimoji="1" lang="zh-CN" altLang="en-US" sz="2400" dirty="0" smtClean="0">
-                <a:latin typeface="SimHei" charset="-122"/>
-                <a:ea typeface="SimHei" charset="-122"/>
-                <a:cs typeface="SimHei" charset="-122"/>
-              </a:rPr>
-              <a:t>基于</a:t>
-            </a:r>
-            <a:r>
-              <a:rPr kumimoji="1" lang="zh-CN" altLang="en-US" sz="2400" dirty="0">
-                <a:latin typeface="SimHei" charset="-122"/>
-                <a:ea typeface="SimHei" charset="-122"/>
-                <a:cs typeface="SimHei" charset="-122"/>
-              </a:rPr>
-              <a:t>多通道模型引入上下文的情感识别</a:t>
-            </a:r>
-            <a:endParaRPr kumimoji="1" lang="en-US" altLang="zh-CN" sz="2400" dirty="0" smtClean="0">
-              <a:latin typeface="SimHei" charset="-122"/>
-              <a:ea typeface="SimHei" charset="-122"/>
-              <a:cs typeface="SimHei" charset="-122"/>
-            </a:endParaRPr>
-          </a:p>
-          <a:p>
-            <a:r>
-              <a:rPr lang="zh-CN" altLang="en-US" sz="2400" dirty="0" smtClean="0">
-                <a:latin typeface="SimHei" charset="-122"/>
-                <a:ea typeface="SimHei" charset="-122"/>
-                <a:cs typeface="SimHei" charset="-122"/>
-              </a:rPr>
-              <a:t>参考文献</a:t>
-            </a:r>
-            <a:endParaRPr kumimoji="1" lang="en-US" altLang="zh-CN" sz="2400" dirty="0" smtClean="0">
-              <a:latin typeface="SimHei" charset="-122"/>
-              <a:ea typeface="SimHei" charset="-122"/>
-              <a:cs typeface="SimHei" charset="-122"/>
-            </a:endParaRPr>
-          </a:p>
-          <a:p>
-            <a:endParaRPr kumimoji="1" lang="en-US" altLang="zh-TW" sz="2400" dirty="0" smtClean="0">
-              <a:latin typeface="SimHei" charset="-122"/>
-              <a:ea typeface="SimHei" charset="-122"/>
-              <a:cs typeface="SimHei" charset="-122"/>
-            </a:endParaRPr>
-          </a:p>
-        </p:txBody>
-      </p:sp>
-    </p:spTree>
-    <p:extLst>
-      <p:ext uri="{BB962C8B-B14F-4D97-AF65-F5344CB8AC3E}">
-        <p14:creationId xmlns:p14="http://schemas.microsoft.com/office/powerpoint/2010/main" val="1544558443"/>
-      </p:ext>
-    </p:extLst>
-  </p:cSld>
-  <p:clrMapOvr>
-    <a:masterClrMapping/>
-  </p:clrMapOvr>
-  <p:timing>
-    <p:tnLst>
-      <p:par>
-        <p:cTn id="1" dur="indefinite" restart="never" nodeType="tmRoot"/>
-      </p:par>
-    </p:tnLst>
-  </p:timing>
-</p:sld>
-</file>
-
-<file path=ppt/slides/slide20.xml><?xml version="1.0" encoding="utf-8"?>
+<file path=ppt/slides/slide21.xml><?xml version="1.0" encoding="utf-8"?>
 <p:sld xmlns:a="http://schemas.openxmlformats.org/drawingml/2006/main" xmlns:r="http://schemas.openxmlformats.org/officeDocument/2006/relationships" xmlns:p="http://schemas.openxmlformats.org/presentationml/2006/main">
   <p:cSld>
     <p:spTree>
@@ -12980,7 +12592,7 @@
 </p:sld>
 </file>
 
-<file path=ppt/slides/slide21.xml><?xml version="1.0" encoding="utf-8"?>
+<file path=ppt/slides/slide22.xml><?xml version="1.0" encoding="utf-8"?>
 <p:sld xmlns:a="http://schemas.openxmlformats.org/drawingml/2006/main" xmlns:r="http://schemas.openxmlformats.org/officeDocument/2006/relationships" xmlns:p="http://schemas.openxmlformats.org/presentationml/2006/main">
   <p:cSld>
     <p:spTree>
@@ -13507,7 +13119,7 @@
 </p:sld>
 </file>
 
-<file path=ppt/slides/slide22.xml><?xml version="1.0" encoding="utf-8"?>
+<file path=ppt/slides/slide23.xml><?xml version="1.0" encoding="utf-8"?>
 <p:sld xmlns:a="http://schemas.openxmlformats.org/drawingml/2006/main" xmlns:r="http://schemas.openxmlformats.org/officeDocument/2006/relationships" xmlns:p="http://schemas.openxmlformats.org/presentationml/2006/main">
   <p:cSld>
     <p:spTree>
@@ -16930,7 +16542,7 @@
 </p:sld>
 </file>
 
-<file path=ppt/slides/slide23.xml><?xml version="1.0" encoding="utf-8"?>
+<file path=ppt/slides/slide24.xml><?xml version="1.0" encoding="utf-8"?>
 <p:sld xmlns:a="http://schemas.openxmlformats.org/drawingml/2006/main" xmlns:r="http://schemas.openxmlformats.org/officeDocument/2006/relationships" xmlns:p="http://schemas.openxmlformats.org/presentationml/2006/main">
   <p:cSld>
     <p:spTree>
@@ -20330,7 +19942,7 @@
 </p:sld>
 </file>
 
-<file path=ppt/slides/slide24.xml><?xml version="1.0" encoding="utf-8"?>
+<file path=ppt/slides/slide25.xml><?xml version="1.0" encoding="utf-8"?>
 <p:sld xmlns:a="http://schemas.openxmlformats.org/drawingml/2006/main" xmlns:r="http://schemas.openxmlformats.org/officeDocument/2006/relationships" xmlns:p="http://schemas.openxmlformats.org/presentationml/2006/main">
   <p:cSld>
     <p:spTree>
@@ -22742,7 +22354,7 @@
 </p:sld>
 </file>
 
-<file path=ppt/slides/slide25.xml><?xml version="1.0" encoding="utf-8"?>
+<file path=ppt/slides/slide26.xml><?xml version="1.0" encoding="utf-8"?>
 <p:sld xmlns:a="http://schemas.openxmlformats.org/drawingml/2006/main" xmlns:r="http://schemas.openxmlformats.org/officeDocument/2006/relationships" xmlns:p="http://schemas.openxmlformats.org/presentationml/2006/main">
   <p:cSld>
     <p:spTree>
@@ -24875,7 +24487,7 @@
 </p:sld>
 </file>
 
-<file path=ppt/slides/slide26.xml><?xml version="1.0" encoding="utf-8"?>
+<file path=ppt/slides/slide27.xml><?xml version="1.0" encoding="utf-8"?>
 <p:sld xmlns:a="http://schemas.openxmlformats.org/drawingml/2006/main" xmlns:r="http://schemas.openxmlformats.org/officeDocument/2006/relationships" xmlns:p="http://schemas.openxmlformats.org/presentationml/2006/main">
   <p:cSld>
     <p:spTree>
@@ -25810,7 +25422,7 @@
 </p:sld>
 </file>
 
-<file path=ppt/slides/slide27.xml><?xml version="1.0" encoding="utf-8"?>
+<file path=ppt/slides/slide28.xml><?xml version="1.0" encoding="utf-8"?>
 <p:sld xmlns:a="http://schemas.openxmlformats.org/drawingml/2006/main" xmlns:r="http://schemas.openxmlformats.org/officeDocument/2006/relationships" xmlns:p="http://schemas.openxmlformats.org/presentationml/2006/main">
   <p:cSld>
     <p:spTree>
@@ -30792,7 +30404,7 @@
 </p:sld>
 </file>
 
-<file path=ppt/slides/slide28.xml><?xml version="1.0" encoding="utf-8"?>
+<file path=ppt/slides/slide29.xml><?xml version="1.0" encoding="utf-8"?>
 <p:sld xmlns:a="http://schemas.openxmlformats.org/drawingml/2006/main" xmlns:r="http://schemas.openxmlformats.org/officeDocument/2006/relationships" xmlns:p="http://schemas.openxmlformats.org/presentationml/2006/main">
   <p:cSld>
     <p:spTree>
@@ -32931,7 +32543,327 @@
 </p:sld>
 </file>
 
-<file path=ppt/slides/slide29.xml><?xml version="1.0" encoding="utf-8"?>
+<file path=ppt/slides/slide3.xml><?xml version="1.0" encoding="utf-8"?>
+<p:sld xmlns:a="http://schemas.openxmlformats.org/drawingml/2006/main" xmlns:r="http://schemas.openxmlformats.org/officeDocument/2006/relationships" xmlns:p="http://schemas.openxmlformats.org/presentationml/2006/main">
+  <p:cSld>
+    <p:spTree>
+      <p:nvGrpSpPr>
+        <p:cNvPr id="1" name=""/>
+        <p:cNvGrpSpPr/>
+        <p:nvPr/>
+      </p:nvGrpSpPr>
+      <p:grpSpPr>
+        <a:xfrm>
+          <a:off x="0" y="0"/>
+          <a:ext cx="0" cy="0"/>
+          <a:chOff x="0" y="0"/>
+          <a:chExt cx="0" cy="0"/>
+        </a:xfrm>
+      </p:grpSpPr>
+      <p:sp>
+        <p:nvSpPr>
+          <p:cNvPr id="2" name="标题 1"/>
+          <p:cNvSpPr>
+            <a:spLocks noGrp="1"/>
+          </p:cNvSpPr>
+          <p:nvPr>
+            <p:ph type="title"/>
+          </p:nvPr>
+        </p:nvSpPr>
+        <p:spPr/>
+        <p:txBody>
+          <a:bodyPr/>
+          <a:lstStyle/>
+          <a:p>
+            <a:r>
+              <a:rPr lang="zh-CN" altLang="en-US" dirty="0" smtClean="0">
+                <a:latin typeface="SimHei" charset="-122"/>
+                <a:ea typeface="SimHei" charset="-122"/>
+                <a:cs typeface="SimHei" charset="-122"/>
+              </a:rPr>
+              <a:t>背景</a:t>
+            </a:r>
+            <a:r>
+              <a:rPr lang="en-US" altLang="zh-TW" dirty="0" smtClean="0">
+                <a:latin typeface="SimHei" charset="-122"/>
+                <a:ea typeface="SimHei" charset="-122"/>
+                <a:cs typeface="SimHei" charset="-122"/>
+              </a:rPr>
+              <a:t> - </a:t>
+            </a:r>
+            <a:r>
+              <a:rPr lang="zh-CN" altLang="en-US" dirty="0" smtClean="0">
+                <a:latin typeface="SimHei" charset="-122"/>
+                <a:ea typeface="SimHei" charset="-122"/>
+                <a:cs typeface="SimHei" charset="-122"/>
+              </a:rPr>
+              <a:t>情感</a:t>
+            </a:r>
+            <a:r>
+              <a:rPr lang="zh-CN" altLang="en-US" dirty="0">
+                <a:latin typeface="SimHei" charset="-122"/>
+                <a:ea typeface="SimHei" charset="-122"/>
+                <a:cs typeface="SimHei" charset="-122"/>
+              </a:rPr>
+              <a:t>识别</a:t>
+            </a:r>
+            <a:endParaRPr kumimoji="1" lang="zh-CN" altLang="en-US" dirty="0">
+              <a:latin typeface="SimHei" charset="-122"/>
+              <a:ea typeface="SimHei" charset="-122"/>
+              <a:cs typeface="SimHei" charset="-122"/>
+            </a:endParaRPr>
+          </a:p>
+        </p:txBody>
+      </p:sp>
+      <p:sp>
+        <p:nvSpPr>
+          <p:cNvPr id="3" name="内容占位符 2"/>
+          <p:cNvSpPr>
+            <a:spLocks noGrp="1"/>
+          </p:cNvSpPr>
+          <p:nvPr>
+            <p:ph idx="1"/>
+          </p:nvPr>
+        </p:nvSpPr>
+        <p:spPr/>
+        <p:txBody>
+          <a:bodyPr>
+            <a:normAutofit/>
+          </a:bodyPr>
+          <a:lstStyle/>
+          <a:p>
+            <a:endParaRPr lang="en-US" altLang="zh-CN" sz="2400" dirty="0" smtClean="0">
+              <a:latin typeface="SimHei" charset="-122"/>
+              <a:ea typeface="SimHei" charset="-122"/>
+              <a:cs typeface="SimHei" charset="-122"/>
+            </a:endParaRPr>
+          </a:p>
+          <a:p>
+            <a:r>
+              <a:rPr lang="zh-CN" altLang="en-US" sz="2400" dirty="0" smtClean="0">
+                <a:latin typeface="SimHei" charset="-122"/>
+                <a:ea typeface="SimHei" charset="-122"/>
+                <a:cs typeface="SimHei" charset="-122"/>
+              </a:rPr>
+              <a:t>自</a:t>
+            </a:r>
+            <a:r>
+              <a:rPr lang="en-US" altLang="zh-CN" sz="2400" dirty="0">
+                <a:latin typeface="SimHei" charset="-122"/>
+                <a:ea typeface="SimHei" charset="-122"/>
+                <a:cs typeface="SimHei" charset="-122"/>
+              </a:rPr>
+              <a:t>Web2.0</a:t>
+            </a:r>
+            <a:r>
+              <a:rPr lang="zh-CN" altLang="en-US" sz="2400" dirty="0">
+                <a:latin typeface="SimHei" charset="-122"/>
+                <a:ea typeface="SimHei" charset="-122"/>
+                <a:cs typeface="SimHei" charset="-122"/>
+              </a:rPr>
+              <a:t>普及后，网民每天在互联网上生产量着大量的</a:t>
+            </a:r>
+            <a:r>
+              <a:rPr lang="zh-CN" altLang="en-US" sz="2400" dirty="0" smtClean="0">
+                <a:latin typeface="SimHei" charset="-122"/>
+                <a:ea typeface="SimHei" charset="-122"/>
+                <a:cs typeface="SimHei" charset="-122"/>
+              </a:rPr>
+              <a:t>内容</a:t>
+            </a:r>
+            <a:endParaRPr lang="en-US" altLang="zh-CN" sz="2400" dirty="0">
+              <a:latin typeface="SimHei" charset="-122"/>
+              <a:ea typeface="SimHei" charset="-122"/>
+              <a:cs typeface="SimHei" charset="-122"/>
+            </a:endParaRPr>
+          </a:p>
+          <a:p>
+            <a:endParaRPr lang="en-US" altLang="zh-CN" sz="2000" dirty="0" smtClean="0">
+              <a:latin typeface="SimHei" charset="-122"/>
+              <a:ea typeface="SimHei" charset="-122"/>
+              <a:cs typeface="SimHei" charset="-122"/>
+            </a:endParaRPr>
+          </a:p>
+          <a:p>
+            <a:r>
+              <a:rPr lang="zh-CN" altLang="en-US" sz="2400" dirty="0">
+                <a:latin typeface="SimHei" charset="-122"/>
+                <a:ea typeface="SimHei" charset="-122"/>
+                <a:cs typeface="SimHei" charset="-122"/>
+              </a:rPr>
+              <a:t>透过对内容的分析可以得知他们对各种人事物的态度和</a:t>
+            </a:r>
+            <a:r>
+              <a:rPr lang="zh-CN" altLang="en-US" sz="2400" dirty="0" smtClean="0">
+                <a:latin typeface="SimHei" charset="-122"/>
+                <a:ea typeface="SimHei" charset="-122"/>
+                <a:cs typeface="SimHei" charset="-122"/>
+              </a:rPr>
+              <a:t>想法</a:t>
+            </a:r>
+            <a:endParaRPr lang="en-US" altLang="zh-CN" sz="2400" dirty="0" smtClean="0">
+              <a:latin typeface="SimHei" charset="-122"/>
+              <a:ea typeface="SimHei" charset="-122"/>
+              <a:cs typeface="SimHei" charset="-122"/>
+            </a:endParaRPr>
+          </a:p>
+          <a:p>
+            <a:pPr lvl="1"/>
+            <a:r>
+              <a:rPr lang="zh-CN" altLang="en-US" sz="2400" dirty="0" smtClean="0">
+                <a:latin typeface="SimHei" charset="-122"/>
+                <a:ea typeface="SimHei" charset="-122"/>
+                <a:cs typeface="SimHei" charset="-122"/>
+              </a:rPr>
+              <a:t>公司</a:t>
+            </a:r>
+            <a:r>
+              <a:rPr lang="zh-CN" altLang="en-US" sz="2400" dirty="0">
+                <a:latin typeface="SimHei" charset="-122"/>
+                <a:ea typeface="SimHei" charset="-122"/>
+                <a:cs typeface="SimHei" charset="-122"/>
+              </a:rPr>
+              <a:t>可以从产品评论得知用户对产品是否</a:t>
+            </a:r>
+            <a:r>
+              <a:rPr lang="zh-CN" altLang="en-US" sz="2400" dirty="0" smtClean="0">
+                <a:latin typeface="SimHei" charset="-122"/>
+                <a:ea typeface="SimHei" charset="-122"/>
+                <a:cs typeface="SimHei" charset="-122"/>
+              </a:rPr>
+              <a:t>满意</a:t>
+            </a:r>
+            <a:endParaRPr lang="en-US" altLang="zh-CN" sz="2400" dirty="0" smtClean="0">
+              <a:latin typeface="SimHei" charset="-122"/>
+              <a:ea typeface="SimHei" charset="-122"/>
+              <a:cs typeface="SimHei" charset="-122"/>
+            </a:endParaRPr>
+          </a:p>
+          <a:p>
+            <a:pPr lvl="1"/>
+            <a:r>
+              <a:rPr lang="zh-CN" altLang="en-US" sz="2400" dirty="0" smtClean="0">
+                <a:latin typeface="SimHei" charset="-122"/>
+                <a:ea typeface="SimHei" charset="-122"/>
+                <a:cs typeface="SimHei" charset="-122"/>
+              </a:rPr>
+              <a:t>政府</a:t>
+            </a:r>
+            <a:r>
+              <a:rPr lang="zh-CN" altLang="en-US" sz="2400" dirty="0">
+                <a:latin typeface="SimHei" charset="-122"/>
+                <a:ea typeface="SimHei" charset="-122"/>
+                <a:cs typeface="SimHei" charset="-122"/>
+              </a:rPr>
+              <a:t>可以从线平台上的讨论得知人民对新政策的</a:t>
+            </a:r>
+            <a:r>
+              <a:rPr lang="zh-CN" altLang="en-US" sz="2400" dirty="0" smtClean="0">
+                <a:latin typeface="SimHei" charset="-122"/>
+                <a:ea typeface="SimHei" charset="-122"/>
+                <a:cs typeface="SimHei" charset="-122"/>
+              </a:rPr>
+              <a:t>态度</a:t>
+            </a:r>
+            <a:endParaRPr lang="en-US" altLang="zh-CN" sz="2400" dirty="0" smtClean="0">
+              <a:latin typeface="SimHei" charset="-122"/>
+              <a:ea typeface="SimHei" charset="-122"/>
+              <a:cs typeface="SimHei" charset="-122"/>
+            </a:endParaRPr>
+          </a:p>
+          <a:p>
+            <a:endParaRPr lang="en-US" altLang="zh-CN" sz="2400" dirty="0" smtClean="0">
+              <a:latin typeface="SimHei" charset="-122"/>
+              <a:ea typeface="SimHei" charset="-122"/>
+              <a:cs typeface="SimHei" charset="-122"/>
+            </a:endParaRPr>
+          </a:p>
+          <a:p>
+            <a:r>
+              <a:rPr lang="zh-TW" altLang="en-US" sz="2400" dirty="0" smtClean="0">
+                <a:latin typeface="SimHei" charset="-122"/>
+                <a:ea typeface="SimHei" charset="-122"/>
+                <a:cs typeface="SimHei" charset="-122"/>
+              </a:rPr>
+              <a:t>对</a:t>
+            </a:r>
+            <a:r>
+              <a:rPr lang="zh-CN" altLang="en-US" sz="2400" dirty="0" smtClean="0">
+                <a:latin typeface="SimHei" charset="-122"/>
+                <a:ea typeface="SimHei" charset="-122"/>
+                <a:cs typeface="SimHei" charset="-122"/>
+              </a:rPr>
+              <a:t>这些</a:t>
+            </a:r>
+            <a:r>
+              <a:rPr lang="zh-CN" altLang="en-US" sz="2400" dirty="0">
+                <a:latin typeface="SimHei" charset="-122"/>
+                <a:ea typeface="SimHei" charset="-122"/>
+                <a:cs typeface="SimHei" charset="-122"/>
+              </a:rPr>
+              <a:t>反馈快速作出响应能够带来相应的商业价值和政治</a:t>
+            </a:r>
+            <a:r>
+              <a:rPr lang="zh-CN" altLang="en-US" sz="2400" dirty="0" smtClean="0">
+                <a:latin typeface="SimHei" charset="-122"/>
+                <a:ea typeface="SimHei" charset="-122"/>
+                <a:cs typeface="SimHei" charset="-122"/>
+              </a:rPr>
+              <a:t>价值</a:t>
+            </a:r>
+            <a:endParaRPr lang="en-US" altLang="zh-CN" sz="2400" dirty="0">
+              <a:latin typeface="SimHei" charset="-122"/>
+              <a:ea typeface="SimHei" charset="-122"/>
+              <a:cs typeface="SimHei" charset="-122"/>
+            </a:endParaRPr>
+          </a:p>
+          <a:p>
+            <a:pPr lvl="1"/>
+            <a:r>
+              <a:rPr lang="zh-CN" altLang="en-US" sz="2400" dirty="0" smtClean="0">
+                <a:latin typeface="SimHei" charset="-122"/>
+                <a:ea typeface="SimHei" charset="-122"/>
+                <a:cs typeface="SimHei" charset="-122"/>
+              </a:rPr>
+              <a:t>情感</a:t>
+            </a:r>
+            <a:r>
+              <a:rPr lang="zh-CN" altLang="en-US" sz="2400" dirty="0">
+                <a:latin typeface="SimHei" charset="-122"/>
+                <a:ea typeface="SimHei" charset="-122"/>
+                <a:cs typeface="SimHei" charset="-122"/>
+              </a:rPr>
+              <a:t>识别研究因此受到重视</a:t>
+            </a:r>
+            <a:endParaRPr lang="zh-CN" altLang="en-US" sz="1600" dirty="0">
+              <a:latin typeface="SimHei" charset="-122"/>
+              <a:ea typeface="SimHei" charset="-122"/>
+              <a:cs typeface="SimHei" charset="-122"/>
+            </a:endParaRPr>
+          </a:p>
+        </p:txBody>
+      </p:sp>
+    </p:spTree>
+    <p:extLst>
+      <p:ext uri="{BB962C8B-B14F-4D97-AF65-F5344CB8AC3E}">
+        <p14:creationId xmlns:p14="http://schemas.microsoft.com/office/powerpoint/2010/main" val="1130552909"/>
+      </p:ext>
+    </p:extLst>
+  </p:cSld>
+  <p:clrMapOvr>
+    <a:masterClrMapping/>
+  </p:clrMapOvr>
+  <p:timing>
+    <p:tnLst>
+      <p:par>
+        <p:cTn id="1" dur="indefinite" restart="never" nodeType="tmRoot"/>
+      </p:par>
+    </p:tnLst>
+  </p:timing>
+</p:sld>
+</file>
+
+<file path=ppt/slides/slide30.xml><?xml version="1.0" encoding="utf-8"?>
 <p:sld xmlns:a="http://schemas.openxmlformats.org/drawingml/2006/main" xmlns:r="http://schemas.openxmlformats.org/officeDocument/2006/relationships" xmlns:p="http://schemas.openxmlformats.org/presentationml/2006/main">
   <p:cSld>
     <p:spTree>
@@ -34119,327 +34051,7 @@
 </p:sld>
 </file>
 
-<file path=ppt/slides/slide3.xml><?xml version="1.0" encoding="utf-8"?>
-<p:sld xmlns:a="http://schemas.openxmlformats.org/drawingml/2006/main" xmlns:r="http://schemas.openxmlformats.org/officeDocument/2006/relationships" xmlns:p="http://schemas.openxmlformats.org/presentationml/2006/main">
-  <p:cSld>
-    <p:spTree>
-      <p:nvGrpSpPr>
-        <p:cNvPr id="1" name=""/>
-        <p:cNvGrpSpPr/>
-        <p:nvPr/>
-      </p:nvGrpSpPr>
-      <p:grpSpPr>
-        <a:xfrm>
-          <a:off x="0" y="0"/>
-          <a:ext cx="0" cy="0"/>
-          <a:chOff x="0" y="0"/>
-          <a:chExt cx="0" cy="0"/>
-        </a:xfrm>
-      </p:grpSpPr>
-      <p:sp>
-        <p:nvSpPr>
-          <p:cNvPr id="2" name="标题 1"/>
-          <p:cNvSpPr>
-            <a:spLocks noGrp="1"/>
-          </p:cNvSpPr>
-          <p:nvPr>
-            <p:ph type="title"/>
-          </p:nvPr>
-        </p:nvSpPr>
-        <p:spPr/>
-        <p:txBody>
-          <a:bodyPr/>
-          <a:lstStyle/>
-          <a:p>
-            <a:r>
-              <a:rPr lang="zh-CN" altLang="en-US" dirty="0" smtClean="0">
-                <a:latin typeface="SimHei" charset="-122"/>
-                <a:ea typeface="SimHei" charset="-122"/>
-                <a:cs typeface="SimHei" charset="-122"/>
-              </a:rPr>
-              <a:t>背景</a:t>
-            </a:r>
-            <a:r>
-              <a:rPr lang="en-US" altLang="zh-TW" dirty="0" smtClean="0">
-                <a:latin typeface="SimHei" charset="-122"/>
-                <a:ea typeface="SimHei" charset="-122"/>
-                <a:cs typeface="SimHei" charset="-122"/>
-              </a:rPr>
-              <a:t> - </a:t>
-            </a:r>
-            <a:r>
-              <a:rPr lang="zh-CN" altLang="en-US" dirty="0" smtClean="0">
-                <a:latin typeface="SimHei" charset="-122"/>
-                <a:ea typeface="SimHei" charset="-122"/>
-                <a:cs typeface="SimHei" charset="-122"/>
-              </a:rPr>
-              <a:t>情感</a:t>
-            </a:r>
-            <a:r>
-              <a:rPr lang="zh-CN" altLang="en-US" dirty="0">
-                <a:latin typeface="SimHei" charset="-122"/>
-                <a:ea typeface="SimHei" charset="-122"/>
-                <a:cs typeface="SimHei" charset="-122"/>
-              </a:rPr>
-              <a:t>识别</a:t>
-            </a:r>
-            <a:endParaRPr kumimoji="1" lang="zh-CN" altLang="en-US" dirty="0">
-              <a:latin typeface="SimHei" charset="-122"/>
-              <a:ea typeface="SimHei" charset="-122"/>
-              <a:cs typeface="SimHei" charset="-122"/>
-            </a:endParaRPr>
-          </a:p>
-        </p:txBody>
-      </p:sp>
-      <p:sp>
-        <p:nvSpPr>
-          <p:cNvPr id="3" name="内容占位符 2"/>
-          <p:cNvSpPr>
-            <a:spLocks noGrp="1"/>
-          </p:cNvSpPr>
-          <p:nvPr>
-            <p:ph idx="1"/>
-          </p:nvPr>
-        </p:nvSpPr>
-        <p:spPr/>
-        <p:txBody>
-          <a:bodyPr>
-            <a:normAutofit/>
-          </a:bodyPr>
-          <a:lstStyle/>
-          <a:p>
-            <a:endParaRPr lang="en-US" altLang="zh-CN" sz="2400" dirty="0" smtClean="0">
-              <a:latin typeface="SimHei" charset="-122"/>
-              <a:ea typeface="SimHei" charset="-122"/>
-              <a:cs typeface="SimHei" charset="-122"/>
-            </a:endParaRPr>
-          </a:p>
-          <a:p>
-            <a:r>
-              <a:rPr lang="zh-CN" altLang="en-US" sz="2400" dirty="0" smtClean="0">
-                <a:latin typeface="SimHei" charset="-122"/>
-                <a:ea typeface="SimHei" charset="-122"/>
-                <a:cs typeface="SimHei" charset="-122"/>
-              </a:rPr>
-              <a:t>自</a:t>
-            </a:r>
-            <a:r>
-              <a:rPr lang="en-US" altLang="zh-CN" sz="2400" dirty="0">
-                <a:latin typeface="SimHei" charset="-122"/>
-                <a:ea typeface="SimHei" charset="-122"/>
-                <a:cs typeface="SimHei" charset="-122"/>
-              </a:rPr>
-              <a:t>Web2.0</a:t>
-            </a:r>
-            <a:r>
-              <a:rPr lang="zh-CN" altLang="en-US" sz="2400" dirty="0">
-                <a:latin typeface="SimHei" charset="-122"/>
-                <a:ea typeface="SimHei" charset="-122"/>
-                <a:cs typeface="SimHei" charset="-122"/>
-              </a:rPr>
-              <a:t>普及后，网民每天在互联网上生产量着大量的</a:t>
-            </a:r>
-            <a:r>
-              <a:rPr lang="zh-CN" altLang="en-US" sz="2400" dirty="0" smtClean="0">
-                <a:latin typeface="SimHei" charset="-122"/>
-                <a:ea typeface="SimHei" charset="-122"/>
-                <a:cs typeface="SimHei" charset="-122"/>
-              </a:rPr>
-              <a:t>内容</a:t>
-            </a:r>
-            <a:endParaRPr lang="en-US" altLang="zh-CN" sz="2400" dirty="0">
-              <a:latin typeface="SimHei" charset="-122"/>
-              <a:ea typeface="SimHei" charset="-122"/>
-              <a:cs typeface="SimHei" charset="-122"/>
-            </a:endParaRPr>
-          </a:p>
-          <a:p>
-            <a:endParaRPr lang="en-US" altLang="zh-CN" sz="2000" dirty="0" smtClean="0">
-              <a:latin typeface="SimHei" charset="-122"/>
-              <a:ea typeface="SimHei" charset="-122"/>
-              <a:cs typeface="SimHei" charset="-122"/>
-            </a:endParaRPr>
-          </a:p>
-          <a:p>
-            <a:r>
-              <a:rPr lang="zh-CN" altLang="en-US" sz="2400" dirty="0">
-                <a:latin typeface="SimHei" charset="-122"/>
-                <a:ea typeface="SimHei" charset="-122"/>
-                <a:cs typeface="SimHei" charset="-122"/>
-              </a:rPr>
-              <a:t>透过对内容的分析可以得知他们对各种人事物的态度和</a:t>
-            </a:r>
-            <a:r>
-              <a:rPr lang="zh-CN" altLang="en-US" sz="2400" dirty="0" smtClean="0">
-                <a:latin typeface="SimHei" charset="-122"/>
-                <a:ea typeface="SimHei" charset="-122"/>
-                <a:cs typeface="SimHei" charset="-122"/>
-              </a:rPr>
-              <a:t>想法</a:t>
-            </a:r>
-            <a:endParaRPr lang="en-US" altLang="zh-CN" sz="2400" dirty="0" smtClean="0">
-              <a:latin typeface="SimHei" charset="-122"/>
-              <a:ea typeface="SimHei" charset="-122"/>
-              <a:cs typeface="SimHei" charset="-122"/>
-            </a:endParaRPr>
-          </a:p>
-          <a:p>
-            <a:pPr lvl="1"/>
-            <a:r>
-              <a:rPr lang="zh-CN" altLang="en-US" sz="2400" dirty="0" smtClean="0">
-                <a:latin typeface="SimHei" charset="-122"/>
-                <a:ea typeface="SimHei" charset="-122"/>
-                <a:cs typeface="SimHei" charset="-122"/>
-              </a:rPr>
-              <a:t>公司</a:t>
-            </a:r>
-            <a:r>
-              <a:rPr lang="zh-CN" altLang="en-US" sz="2400" dirty="0">
-                <a:latin typeface="SimHei" charset="-122"/>
-                <a:ea typeface="SimHei" charset="-122"/>
-                <a:cs typeface="SimHei" charset="-122"/>
-              </a:rPr>
-              <a:t>可以从产品评论得知用户对产品是否</a:t>
-            </a:r>
-            <a:r>
-              <a:rPr lang="zh-CN" altLang="en-US" sz="2400" dirty="0" smtClean="0">
-                <a:latin typeface="SimHei" charset="-122"/>
-                <a:ea typeface="SimHei" charset="-122"/>
-                <a:cs typeface="SimHei" charset="-122"/>
-              </a:rPr>
-              <a:t>满意</a:t>
-            </a:r>
-            <a:endParaRPr lang="en-US" altLang="zh-CN" sz="2400" dirty="0" smtClean="0">
-              <a:latin typeface="SimHei" charset="-122"/>
-              <a:ea typeface="SimHei" charset="-122"/>
-              <a:cs typeface="SimHei" charset="-122"/>
-            </a:endParaRPr>
-          </a:p>
-          <a:p>
-            <a:pPr lvl="1"/>
-            <a:r>
-              <a:rPr lang="zh-CN" altLang="en-US" sz="2400" dirty="0" smtClean="0">
-                <a:latin typeface="SimHei" charset="-122"/>
-                <a:ea typeface="SimHei" charset="-122"/>
-                <a:cs typeface="SimHei" charset="-122"/>
-              </a:rPr>
-              <a:t>政府</a:t>
-            </a:r>
-            <a:r>
-              <a:rPr lang="zh-CN" altLang="en-US" sz="2400" dirty="0">
-                <a:latin typeface="SimHei" charset="-122"/>
-                <a:ea typeface="SimHei" charset="-122"/>
-                <a:cs typeface="SimHei" charset="-122"/>
-              </a:rPr>
-              <a:t>可以从线平台上的讨论得知人民对新政策的</a:t>
-            </a:r>
-            <a:r>
-              <a:rPr lang="zh-CN" altLang="en-US" sz="2400" dirty="0" smtClean="0">
-                <a:latin typeface="SimHei" charset="-122"/>
-                <a:ea typeface="SimHei" charset="-122"/>
-                <a:cs typeface="SimHei" charset="-122"/>
-              </a:rPr>
-              <a:t>态度</a:t>
-            </a:r>
-            <a:endParaRPr lang="en-US" altLang="zh-CN" sz="2400" dirty="0" smtClean="0">
-              <a:latin typeface="SimHei" charset="-122"/>
-              <a:ea typeface="SimHei" charset="-122"/>
-              <a:cs typeface="SimHei" charset="-122"/>
-            </a:endParaRPr>
-          </a:p>
-          <a:p>
-            <a:endParaRPr lang="en-US" altLang="zh-CN" sz="2400" dirty="0" smtClean="0">
-              <a:latin typeface="SimHei" charset="-122"/>
-              <a:ea typeface="SimHei" charset="-122"/>
-              <a:cs typeface="SimHei" charset="-122"/>
-            </a:endParaRPr>
-          </a:p>
-          <a:p>
-            <a:r>
-              <a:rPr lang="zh-TW" altLang="en-US" sz="2400" dirty="0" smtClean="0">
-                <a:latin typeface="SimHei" charset="-122"/>
-                <a:ea typeface="SimHei" charset="-122"/>
-                <a:cs typeface="SimHei" charset="-122"/>
-              </a:rPr>
-              <a:t>对</a:t>
-            </a:r>
-            <a:r>
-              <a:rPr lang="zh-CN" altLang="en-US" sz="2400" dirty="0" smtClean="0">
-                <a:latin typeface="SimHei" charset="-122"/>
-                <a:ea typeface="SimHei" charset="-122"/>
-                <a:cs typeface="SimHei" charset="-122"/>
-              </a:rPr>
-              <a:t>这些</a:t>
-            </a:r>
-            <a:r>
-              <a:rPr lang="zh-CN" altLang="en-US" sz="2400" dirty="0">
-                <a:latin typeface="SimHei" charset="-122"/>
-                <a:ea typeface="SimHei" charset="-122"/>
-                <a:cs typeface="SimHei" charset="-122"/>
-              </a:rPr>
-              <a:t>反馈快速作出响应能够带来相应的商业价值和政治</a:t>
-            </a:r>
-            <a:r>
-              <a:rPr lang="zh-CN" altLang="en-US" sz="2400" dirty="0" smtClean="0">
-                <a:latin typeface="SimHei" charset="-122"/>
-                <a:ea typeface="SimHei" charset="-122"/>
-                <a:cs typeface="SimHei" charset="-122"/>
-              </a:rPr>
-              <a:t>价值</a:t>
-            </a:r>
-            <a:endParaRPr lang="en-US" altLang="zh-CN" sz="2400" dirty="0">
-              <a:latin typeface="SimHei" charset="-122"/>
-              <a:ea typeface="SimHei" charset="-122"/>
-              <a:cs typeface="SimHei" charset="-122"/>
-            </a:endParaRPr>
-          </a:p>
-          <a:p>
-            <a:pPr lvl="1"/>
-            <a:r>
-              <a:rPr lang="zh-CN" altLang="en-US" sz="2400" dirty="0" smtClean="0">
-                <a:latin typeface="SimHei" charset="-122"/>
-                <a:ea typeface="SimHei" charset="-122"/>
-                <a:cs typeface="SimHei" charset="-122"/>
-              </a:rPr>
-              <a:t>情感</a:t>
-            </a:r>
-            <a:r>
-              <a:rPr lang="zh-CN" altLang="en-US" sz="2400" dirty="0">
-                <a:latin typeface="SimHei" charset="-122"/>
-                <a:ea typeface="SimHei" charset="-122"/>
-                <a:cs typeface="SimHei" charset="-122"/>
-              </a:rPr>
-              <a:t>识别研究因此受到重视</a:t>
-            </a:r>
-            <a:endParaRPr lang="zh-CN" altLang="en-US" sz="1600" dirty="0">
-              <a:latin typeface="SimHei" charset="-122"/>
-              <a:ea typeface="SimHei" charset="-122"/>
-              <a:cs typeface="SimHei" charset="-122"/>
-            </a:endParaRPr>
-          </a:p>
-        </p:txBody>
-      </p:sp>
-    </p:spTree>
-    <p:extLst>
-      <p:ext uri="{BB962C8B-B14F-4D97-AF65-F5344CB8AC3E}">
-        <p14:creationId xmlns:p14="http://schemas.microsoft.com/office/powerpoint/2010/main" val="1130552909"/>
-      </p:ext>
-    </p:extLst>
-  </p:cSld>
-  <p:clrMapOvr>
-    <a:masterClrMapping/>
-  </p:clrMapOvr>
-  <p:timing>
-    <p:tnLst>
-      <p:par>
-        <p:cTn id="1" dur="indefinite" restart="never" nodeType="tmRoot"/>
-      </p:par>
-    </p:tnLst>
-  </p:timing>
-</p:sld>
-</file>
-
-<file path=ppt/slides/slide30.xml><?xml version="1.0" encoding="utf-8"?>
+<file path=ppt/slides/slide31.xml><?xml version="1.0" encoding="utf-8"?>
 <p:sld xmlns:a="http://schemas.openxmlformats.org/drawingml/2006/main" xmlns:r="http://schemas.openxmlformats.org/officeDocument/2006/relationships" xmlns:p="http://schemas.openxmlformats.org/presentationml/2006/main">
   <p:cSld>
     <p:spTree>
@@ -35135,7 +34747,7 @@
 </p:sld>
 </file>
 
-<file path=ppt/slides/slide31.xml><?xml version="1.0" encoding="utf-8"?>
+<file path=ppt/slides/slide32.xml><?xml version="1.0" encoding="utf-8"?>
 <p:sld xmlns:a="http://schemas.openxmlformats.org/drawingml/2006/main" xmlns:r="http://schemas.openxmlformats.org/officeDocument/2006/relationships" xmlns:p="http://schemas.openxmlformats.org/presentationml/2006/main">
   <p:cSld>
     <p:spTree>
@@ -35203,7 +34815,7 @@
 </p:sld>
 </file>
 
-<file path=ppt/slides/slide32.xml><?xml version="1.0" encoding="utf-8"?>
+<file path=ppt/slides/slide33.xml><?xml version="1.0" encoding="utf-8"?>
 <p:sld xmlns:a="http://schemas.openxmlformats.org/drawingml/2006/main" xmlns:r="http://schemas.openxmlformats.org/officeDocument/2006/relationships" xmlns:p="http://schemas.openxmlformats.org/presentationml/2006/main">
   <p:cSld>
     <p:spTree>
@@ -35630,7 +35242,7 @@
 </p:sld>
 </file>
 
-<file path=ppt/slides/slide33.xml><?xml version="1.0" encoding="utf-8"?>
+<file path=ppt/slides/slide34.xml><?xml version="1.0" encoding="utf-8"?>
 <p:sld xmlns:a="http://schemas.openxmlformats.org/drawingml/2006/main" xmlns:r="http://schemas.openxmlformats.org/officeDocument/2006/relationships" xmlns:p="http://schemas.openxmlformats.org/presentationml/2006/main">
   <p:cSld>
     <p:spTree>
@@ -37132,7 +36744,7 @@
 </p:sld>
 </file>
 
-<file path=ppt/slides/slide34.xml><?xml version="1.0" encoding="utf-8"?>
+<file path=ppt/slides/slide35.xml><?xml version="1.0" encoding="utf-8"?>
 <p:sld xmlns:a="http://schemas.openxmlformats.org/drawingml/2006/main" xmlns:r="http://schemas.openxmlformats.org/officeDocument/2006/relationships" xmlns:p="http://schemas.openxmlformats.org/presentationml/2006/main">
   <p:cSld>
     <p:spTree>
@@ -37606,7 +37218,7 @@
 </p:sld>
 </file>
 
-<file path=ppt/slides/slide35.xml><?xml version="1.0" encoding="utf-8"?>
+<file path=ppt/slides/slide36.xml><?xml version="1.0" encoding="utf-8"?>
 <p:sld xmlns:a="http://schemas.openxmlformats.org/drawingml/2006/main" xmlns:r="http://schemas.openxmlformats.org/officeDocument/2006/relationships" xmlns:p="http://schemas.openxmlformats.org/presentationml/2006/main">
   <p:cSld>
     <p:spTree>
@@ -39295,12 +38907,7 @@
             <p:ph idx="1"/>
           </p:nvPr>
         </p:nvSpPr>
-        <p:spPr>
-          <a:xfrm>
-            <a:off x="1097280" y="1563329"/>
-            <a:ext cx="6889252" cy="4591171"/>
-          </a:xfrm>
-        </p:spPr>
+        <p:spPr/>
         <p:txBody>
           <a:bodyPr>
             <a:noAutofit/>
@@ -39313,7 +38920,7 @@
                 <a:ea typeface="SimHei" charset="-122"/>
                 <a:cs typeface="SimHei" charset="-122"/>
               </a:rPr>
-              <a:t>Tang</a:t>
+              <a:t>Liao</a:t>
             </a:r>
             <a:r>
               <a:rPr kumimoji="1" lang="zh-CN" altLang="en-US" sz="1800" dirty="0">
@@ -39321,7 +38928,7 @@
                 <a:ea typeface="SimHei" charset="-122"/>
                 <a:cs typeface="SimHei" charset="-122"/>
               </a:rPr>
-              <a:t>等</a:t>
+              <a:t>等人研究了电影评论的多级情感识</a:t>
             </a:r>
             <a:r>
               <a:rPr kumimoji="1" lang="zh-CN" altLang="en-US" sz="1800" dirty="0" smtClean="0">
@@ -39329,25 +38936,9 @@
                 <a:ea typeface="SimHei" charset="-122"/>
                 <a:cs typeface="SimHei" charset="-122"/>
               </a:rPr>
-              <a:t>人研究</a:t>
-            </a:r>
-            <a:r>
-              <a:rPr kumimoji="1" lang="zh-CN" altLang="en-US" sz="1800" dirty="0">
-                <a:latin typeface="SimHei" charset="-122"/>
-                <a:ea typeface="SimHei" charset="-122"/>
-                <a:cs typeface="SimHei" charset="-122"/>
-              </a:rPr>
-              <a:t>了产品评论的五级评分</a:t>
-            </a:r>
-            <a:r>
-              <a:rPr kumimoji="1" lang="zh-CN" altLang="en-US" sz="1800" dirty="0" smtClean="0">
-                <a:latin typeface="SimHei" charset="-122"/>
-                <a:ea typeface="SimHei" charset="-122"/>
-                <a:cs typeface="SimHei" charset="-122"/>
-              </a:rPr>
-              <a:t>预测</a:t>
-            </a:r>
-            <a:endParaRPr kumimoji="1" lang="en-US" altLang="zh-CN" dirty="0" smtClean="0">
+              <a:t>別</a:t>
+            </a:r>
+            <a:endParaRPr kumimoji="1" lang="en-US" altLang="zh-CN" sz="1800" dirty="0">
               <a:latin typeface="SimHei" charset="-122"/>
               <a:ea typeface="SimHei" charset="-122"/>
               <a:cs typeface="SimHei" charset="-122"/>
@@ -39355,31 +38946,197 @@
           </a:p>
           <a:p>
             <a:pPr lvl="1"/>
-            <a:r>
-              <a:rPr kumimoji="1" lang="zh-CN" altLang="en-US" dirty="0" smtClean="0">
-                <a:latin typeface="SimHei" charset="-122"/>
-                <a:ea typeface="SimHei" charset="-122"/>
-                <a:cs typeface="SimHei" charset="-122"/>
-              </a:rPr>
-              <a:t>用户</a:t>
-            </a:r>
-            <a:r>
-              <a:rPr kumimoji="1" lang="zh-CN" altLang="en-US" dirty="0">
-                <a:latin typeface="SimHei" charset="-122"/>
-                <a:ea typeface="SimHei" charset="-122"/>
-                <a:cs typeface="SimHei" charset="-122"/>
-              </a:rPr>
-              <a:t>和产品各自都存在一些相对固定的</a:t>
-            </a:r>
-            <a:r>
-              <a:rPr kumimoji="1" lang="zh-CN" altLang="en-US" dirty="0" smtClean="0">
-                <a:latin typeface="SimHei" charset="-122"/>
-                <a:ea typeface="SimHei" charset="-122"/>
-                <a:cs typeface="SimHei" charset="-122"/>
-              </a:rPr>
-              <a:t>属性</a:t>
-            </a:r>
-            <a:endParaRPr kumimoji="1" lang="en-US" altLang="zh-CN" dirty="0">
+            <a:endParaRPr kumimoji="1" lang="en-US" altLang="zh-CN" sz="1600" dirty="0" smtClean="0">
+              <a:latin typeface="SimHei" charset="-122"/>
+              <a:ea typeface="SimHei" charset="-122"/>
+              <a:cs typeface="SimHei" charset="-122"/>
+            </a:endParaRPr>
+          </a:p>
+          <a:p>
+            <a:r>
+              <a:rPr kumimoji="1" lang="zh-CN" altLang="en-US" sz="1800" dirty="0" smtClean="0">
+                <a:latin typeface="SimHei" charset="-122"/>
+                <a:ea typeface="SimHei" charset="-122"/>
+                <a:cs typeface="SimHei" charset="-122"/>
+              </a:rPr>
+              <a:t>实验数据</a:t>
+            </a:r>
+            <a:endParaRPr kumimoji="1" lang="en-US" altLang="zh-CN" sz="1800" dirty="0" smtClean="0">
+              <a:latin typeface="SimHei" charset="-122"/>
+              <a:ea typeface="SimHei" charset="-122"/>
+              <a:cs typeface="SimHei" charset="-122"/>
+            </a:endParaRPr>
+          </a:p>
+          <a:p>
+            <a:pPr lvl="1"/>
+            <a:r>
+              <a:rPr kumimoji="1" lang="en-US" altLang="zh-CN" sz="1600" dirty="0" smtClean="0">
+                <a:latin typeface="Calibri" charset="0"/>
+                <a:ea typeface="Calibri" charset="0"/>
+                <a:cs typeface="Calibri" charset="0"/>
+              </a:rPr>
+              <a:t>Yelp 2013, 2014</a:t>
+            </a:r>
+            <a:r>
+              <a:rPr kumimoji="1" lang="zh-TW" altLang="en-US" sz="1600" dirty="0" smtClean="0">
+                <a:latin typeface="Calibri" charset="0"/>
+                <a:ea typeface="Calibri" charset="0"/>
+                <a:cs typeface="Calibri" charset="0"/>
+              </a:rPr>
+              <a:t> </a:t>
+            </a:r>
+            <a:r>
+              <a:rPr kumimoji="1" lang="en-US" altLang="zh-TW" sz="1600" dirty="0" smtClean="0">
+                <a:latin typeface="SimHei" charset="-122"/>
+                <a:ea typeface="SimHei" charset="-122"/>
+                <a:cs typeface="SimHei" charset="-122"/>
+              </a:rPr>
+              <a:t>(</a:t>
+            </a:r>
+            <a:r>
+              <a:rPr kumimoji="1" lang="en-US" altLang="zh-TW" sz="1600" dirty="0" smtClean="0">
+                <a:latin typeface="Calibri" charset="0"/>
+                <a:ea typeface="Calibri" charset="0"/>
+                <a:cs typeface="Calibri" charset="0"/>
+              </a:rPr>
+              <a:t>1~5</a:t>
+            </a:r>
+            <a:r>
+              <a:rPr kumimoji="1" lang="zh-CN" altLang="en-US" sz="1600" dirty="0" smtClean="0">
+                <a:latin typeface="SimHei" charset="-122"/>
+                <a:ea typeface="SimHei" charset="-122"/>
+                <a:cs typeface="SimHei" charset="-122"/>
+              </a:rPr>
+              <a:t>级评分</a:t>
+            </a:r>
+            <a:r>
+              <a:rPr kumimoji="1" lang="en-US" altLang="zh-TW" sz="1600" dirty="0" smtClean="0">
+                <a:latin typeface="SimHei" charset="-122"/>
+                <a:ea typeface="SimHei" charset="-122"/>
+                <a:cs typeface="SimHei" charset="-122"/>
+              </a:rPr>
+              <a:t>)</a:t>
+            </a:r>
+            <a:endParaRPr kumimoji="1" lang="en-US" altLang="zh-CN" sz="1600" dirty="0" smtClean="0">
+              <a:latin typeface="SimHei" charset="-122"/>
+              <a:ea typeface="SimHei" charset="-122"/>
+              <a:cs typeface="SimHei" charset="-122"/>
+            </a:endParaRPr>
+          </a:p>
+          <a:p>
+            <a:pPr lvl="1"/>
+            <a:r>
+              <a:rPr kumimoji="1" lang="en-US" altLang="zh-CN" sz="1600" dirty="0" smtClean="0">
+                <a:latin typeface="Calibri" charset="0"/>
+                <a:ea typeface="Calibri" charset="0"/>
+                <a:cs typeface="Calibri" charset="0"/>
+              </a:rPr>
+              <a:t>IMDB</a:t>
+            </a:r>
+            <a:r>
+              <a:rPr kumimoji="1" lang="zh-TW" altLang="en-US" sz="1600" dirty="0">
+                <a:latin typeface="Calibri" charset="0"/>
+                <a:ea typeface="Calibri" charset="0"/>
+                <a:cs typeface="Calibri" charset="0"/>
+              </a:rPr>
+              <a:t> </a:t>
+            </a:r>
+            <a:r>
+              <a:rPr kumimoji="1" lang="en-US" altLang="zh-TW" sz="1600" dirty="0">
+                <a:latin typeface="SimHei" charset="-122"/>
+                <a:ea typeface="SimHei" charset="-122"/>
+                <a:cs typeface="SimHei" charset="-122"/>
+              </a:rPr>
+              <a:t>(</a:t>
+            </a:r>
+            <a:r>
+              <a:rPr kumimoji="1" lang="en-US" altLang="zh-TW" sz="1600" dirty="0" smtClean="0">
+                <a:latin typeface="Calibri" charset="0"/>
+                <a:ea typeface="Calibri" charset="0"/>
+                <a:cs typeface="Calibri" charset="0"/>
+              </a:rPr>
+              <a:t>1~</a:t>
+            </a:r>
+            <a:r>
+              <a:rPr kumimoji="1" lang="en-US" altLang="zh-CN" sz="1600" dirty="0" smtClean="0">
+                <a:latin typeface="Calibri" charset="0"/>
+                <a:ea typeface="Calibri" charset="0"/>
+                <a:cs typeface="Calibri" charset="0"/>
+              </a:rPr>
+              <a:t>10</a:t>
+            </a:r>
+            <a:r>
+              <a:rPr kumimoji="1" lang="zh-CN" altLang="en-US" sz="1600" dirty="0" smtClean="0">
+                <a:latin typeface="SimHei" charset="-122"/>
+                <a:ea typeface="SimHei" charset="-122"/>
+                <a:cs typeface="SimHei" charset="-122"/>
+              </a:rPr>
+              <a:t>级</a:t>
+            </a:r>
+            <a:r>
+              <a:rPr kumimoji="1" lang="zh-CN" altLang="en-US" sz="1600" dirty="0">
+                <a:latin typeface="SimHei" charset="-122"/>
+                <a:ea typeface="SimHei" charset="-122"/>
+                <a:cs typeface="SimHei" charset="-122"/>
+              </a:rPr>
+              <a:t>评分</a:t>
+            </a:r>
+            <a:r>
+              <a:rPr kumimoji="1" lang="en-US" altLang="zh-TW" sz="1600" dirty="0">
+                <a:latin typeface="SimHei" charset="-122"/>
+                <a:ea typeface="SimHei" charset="-122"/>
+                <a:cs typeface="SimHei" charset="-122"/>
+              </a:rPr>
+              <a:t>)</a:t>
+            </a:r>
+            <a:endParaRPr kumimoji="1" lang="en-US" altLang="zh-CN" sz="1600" dirty="0" smtClean="0">
+              <a:latin typeface="SimHei" charset="-122"/>
+              <a:ea typeface="SimHei" charset="-122"/>
+              <a:cs typeface="SimHei" charset="-122"/>
+            </a:endParaRPr>
+          </a:p>
+          <a:p>
+            <a:r>
+              <a:rPr kumimoji="1" lang="zh-CN" altLang="en-US" sz="1800" dirty="0" smtClean="0">
+                <a:latin typeface="SimHei" charset="-122"/>
+                <a:ea typeface="SimHei" charset="-122"/>
+                <a:cs typeface="SimHei" charset="-122"/>
+              </a:rPr>
+              <a:t>方法</a:t>
+            </a:r>
+            <a:endParaRPr kumimoji="1" lang="en-US" altLang="zh-CN" sz="1800" dirty="0" smtClean="0">
+              <a:latin typeface="SimHei" charset="-122"/>
+              <a:ea typeface="SimHei" charset="-122"/>
+              <a:cs typeface="SimHei" charset="-122"/>
+            </a:endParaRPr>
+          </a:p>
+          <a:p>
+            <a:pPr lvl="1"/>
+            <a:r>
+              <a:rPr kumimoji="1" lang="zh-CN" altLang="en-US" sz="1600" dirty="0" smtClean="0">
+                <a:latin typeface="SimHei" charset="-122"/>
+                <a:ea typeface="SimHei" charset="-122"/>
+                <a:cs typeface="SimHei" charset="-122"/>
+              </a:rPr>
+              <a:t>提</a:t>
+            </a:r>
+            <a:r>
+              <a:rPr kumimoji="1" lang="zh-CN" altLang="en-US" sz="1600" dirty="0">
+                <a:latin typeface="SimHei" charset="-122"/>
+                <a:ea typeface="SimHei" charset="-122"/>
+                <a:cs typeface="SimHei" charset="-122"/>
+              </a:rPr>
+              <a:t>出了一种分层注意力</a:t>
+            </a:r>
+            <a:r>
+              <a:rPr kumimoji="1" lang="zh-CN" altLang="en-US" sz="1600" dirty="0" smtClean="0">
+                <a:latin typeface="SimHei" charset="-122"/>
+                <a:ea typeface="SimHei" charset="-122"/>
+                <a:cs typeface="SimHei" charset="-122"/>
+              </a:rPr>
+              <a:t>网络</a:t>
+            </a:r>
+            <a:endParaRPr kumimoji="1" lang="en-US" altLang="zh-CN" sz="1600" dirty="0" smtClean="0">
               <a:latin typeface="SimHei" charset="-122"/>
               <a:ea typeface="SimHei" charset="-122"/>
               <a:cs typeface="SimHei" charset="-122"/>
@@ -39393,7 +39150,7 @@
                 <a:ea typeface="SimHei" charset="-122"/>
                 <a:cs typeface="SimHei" charset="-122"/>
               </a:rPr>
-              <a:t>一个用户</a:t>
+              <a:t>捕捉</a:t>
             </a:r>
             <a:r>
               <a:rPr kumimoji="1" lang="zh-CN" altLang="en-US" sz="1200" dirty="0">
@@ -39401,7 +39158,7 @@
                 <a:ea typeface="SimHei" charset="-122"/>
                 <a:cs typeface="SimHei" charset="-122"/>
               </a:rPr>
-              <a:t>对不同产品的</a:t>
+              <a:t>局部语义</a:t>
             </a:r>
             <a:r>
               <a:rPr kumimoji="1" lang="zh-CN" altLang="en-US" sz="1200" dirty="0" smtClean="0">
@@ -39409,7 +39166,55 @@
                 <a:ea typeface="SimHei" charset="-122"/>
                 <a:cs typeface="SimHei" charset="-122"/>
               </a:rPr>
-              <a:t>评论中，</a:t>
+              <a:t>特征</a:t>
+            </a:r>
+            <a:endParaRPr kumimoji="1" lang="en-US" altLang="zh-CN" sz="1200" dirty="0" smtClean="0">
+              <a:latin typeface="SimHei" charset="-122"/>
+              <a:ea typeface="SimHei" charset="-122"/>
+              <a:cs typeface="SimHei" charset="-122"/>
+            </a:endParaRPr>
+          </a:p>
+          <a:p>
+            <a:pPr lvl="1"/>
+            <a:r>
+              <a:rPr kumimoji="1" lang="zh-CN" altLang="en-US" sz="1600" dirty="0" smtClean="0">
+                <a:latin typeface="SimHei" charset="-122"/>
+                <a:ea typeface="SimHei" charset="-122"/>
+                <a:cs typeface="SimHei" charset="-122"/>
+              </a:rPr>
+              <a:t>提</a:t>
+            </a:r>
+            <a:r>
+              <a:rPr kumimoji="1" lang="zh-CN" altLang="en-US" sz="1600" dirty="0">
+                <a:latin typeface="SimHei" charset="-122"/>
+                <a:ea typeface="SimHei" charset="-122"/>
+                <a:cs typeface="SimHei" charset="-122"/>
+              </a:rPr>
+              <a:t>出了一个类噪声估计</a:t>
+            </a:r>
+            <a:r>
+              <a:rPr kumimoji="1" lang="zh-CN" altLang="en-US" sz="1600" dirty="0" smtClean="0">
+                <a:latin typeface="SimHei" charset="-122"/>
+                <a:ea typeface="SimHei" charset="-122"/>
+                <a:cs typeface="SimHei" charset="-122"/>
+              </a:rPr>
+              <a:t>方法</a:t>
+            </a:r>
+            <a:endParaRPr kumimoji="1" lang="en-US" altLang="zh-CN" sz="1600" dirty="0" smtClean="0">
+              <a:latin typeface="SimHei" charset="-122"/>
+              <a:ea typeface="SimHei" charset="-122"/>
+              <a:cs typeface="SimHei" charset="-122"/>
+            </a:endParaRPr>
+          </a:p>
+          <a:p>
+            <a:pPr lvl="2"/>
+            <a:r>
+              <a:rPr kumimoji="1" lang="zh-CN" altLang="en-US" sz="1200" dirty="0" smtClean="0">
+                <a:latin typeface="SimHei" charset="-122"/>
+                <a:ea typeface="SimHei" charset="-122"/>
+                <a:cs typeface="SimHei" charset="-122"/>
+              </a:rPr>
+              <a:t>挑选</a:t>
             </a:r>
             <a:r>
               <a:rPr kumimoji="1" lang="zh-CN" altLang="en-US" sz="1200" dirty="0">
@@ -39417,7 +39222,7 @@
                 <a:ea typeface="SimHei" charset="-122"/>
                 <a:cs typeface="SimHei" charset="-122"/>
               </a:rPr>
-              <a:t>评论</a:t>
+              <a:t>高质量样例来扩充目标领域的训练</a:t>
             </a:r>
             <a:r>
               <a:rPr kumimoji="1" lang="zh-CN" altLang="en-US" sz="1200" dirty="0" smtClean="0">
@@ -39425,7 +39230,7 @@
                 <a:ea typeface="SimHei" charset="-122"/>
                 <a:cs typeface="SimHei" charset="-122"/>
               </a:rPr>
-              <a:t>文本和评分之间存在某种一致性</a:t>
+              <a:t>集</a:t>
             </a:r>
             <a:endParaRPr kumimoji="1" lang="en-US" altLang="zh-CN" sz="1200" dirty="0" smtClean="0">
               <a:latin typeface="SimHei" charset="-122"/>
@@ -39436,12 +39241,20 @@
           <a:p>
             <a:pPr lvl="2"/>
             <a:r>
+              <a:rPr kumimoji="1" lang="zh-CN" altLang="en-US" sz="1200" dirty="0" smtClean="0">
+                <a:latin typeface="SimHei" charset="-122"/>
+                <a:ea typeface="SimHei" charset="-122"/>
+                <a:cs typeface="SimHei" charset="-122"/>
+              </a:rPr>
+              <a:t>负面</a:t>
+            </a:r>
+            <a:r>
               <a:rPr kumimoji="1" lang="zh-CN" altLang="en-US" sz="1200" dirty="0">
                 <a:latin typeface="SimHei" charset="-122"/>
                 <a:ea typeface="SimHei" charset="-122"/>
                 <a:cs typeface="SimHei" charset="-122"/>
               </a:rPr>
-              <a:t>不同</a:t>
+              <a:t>迁移</a:t>
             </a:r>
             <a:r>
               <a:rPr kumimoji="1" lang="zh-CN" altLang="en-US" sz="1200" dirty="0" smtClean="0">
@@ -39449,39 +39262,7 @@
                 <a:ea typeface="SimHei" charset="-122"/>
                 <a:cs typeface="SimHei" charset="-122"/>
               </a:rPr>
-              <a:t>用户对同一个产品的评论中，评论</a:t>
-            </a:r>
-            <a:r>
-              <a:rPr kumimoji="1" lang="zh-CN" altLang="en-US" sz="1200" dirty="0">
-                <a:latin typeface="SimHei" charset="-122"/>
-                <a:ea typeface="SimHei" charset="-122"/>
-                <a:cs typeface="SimHei" charset="-122"/>
-              </a:rPr>
-              <a:t>文本</a:t>
-            </a:r>
-            <a:r>
-              <a:rPr kumimoji="1" lang="zh-CN" altLang="en-US" sz="1200" dirty="0" smtClean="0">
-                <a:latin typeface="SimHei" charset="-122"/>
-                <a:ea typeface="SimHei" charset="-122"/>
-                <a:cs typeface="SimHei" charset="-122"/>
-              </a:rPr>
-              <a:t>和评分之间存在</a:t>
-            </a:r>
-            <a:r>
-              <a:rPr kumimoji="1" lang="zh-CN" altLang="en-US" sz="1200" dirty="0">
-                <a:latin typeface="SimHei" charset="-122"/>
-                <a:ea typeface="SimHei" charset="-122"/>
-                <a:cs typeface="SimHei" charset="-122"/>
-              </a:rPr>
-              <a:t>某种</a:t>
-            </a:r>
-            <a:r>
-              <a:rPr kumimoji="1" lang="zh-CN" altLang="en-US" sz="1200" dirty="0" smtClean="0">
-                <a:latin typeface="SimHei" charset="-122"/>
-                <a:ea typeface="SimHei" charset="-122"/>
-                <a:cs typeface="SimHei" charset="-122"/>
-              </a:rPr>
-              <a:t>一致性</a:t>
+              <a:t>问题</a:t>
             </a:r>
             <a:endParaRPr kumimoji="1" lang="en-US" altLang="zh-CN" sz="1200" dirty="0" smtClean="0">
               <a:latin typeface="SimHei" charset="-122"/>
@@ -39496,41 +39277,7 @@
                 <a:ea typeface="SimHei" charset="-122"/>
                 <a:cs typeface="SimHei" charset="-122"/>
               </a:rPr>
-              <a:t>实验数据</a:t>
-            </a:r>
-            <a:endParaRPr kumimoji="1" lang="en-US" altLang="zh-CN" sz="1800" dirty="0">
-              <a:latin typeface="SimHei" charset="-122"/>
-              <a:ea typeface="SimHei" charset="-122"/>
-              <a:cs typeface="SimHei" charset="-122"/>
-            </a:endParaRPr>
-          </a:p>
-          <a:p>
-            <a:pPr lvl="1"/>
-            <a:r>
-              <a:rPr lang="en-US" altLang="zh-CN" sz="1600" dirty="0" smtClean="0">
-                <a:latin typeface="Calibri" charset="0"/>
-                <a:ea typeface="Calibri" charset="0"/>
-                <a:cs typeface="Calibri" charset="0"/>
-              </a:rPr>
-              <a:t>IMDB, Yelp</a:t>
-            </a:r>
-            <a:r>
-              <a:rPr kumimoji="1" lang="en-US" altLang="zh-CN" sz="1600" dirty="0" smtClean="0">
-                <a:latin typeface="Calibri" charset="0"/>
-                <a:ea typeface="Calibri" charset="0"/>
-                <a:cs typeface="Calibri" charset="0"/>
-              </a:rPr>
-              <a:t>2013, Yelp2014</a:t>
-            </a:r>
-          </a:p>
-          <a:p>
-            <a:r>
-              <a:rPr lang="zh-TW" altLang="en-US" sz="1800" dirty="0" smtClean="0">
-                <a:latin typeface="SimHei" charset="-122"/>
-                <a:ea typeface="SimHei" charset="-122"/>
-                <a:cs typeface="SimHei" charset="-122"/>
-              </a:rPr>
-              <a:t>方法</a:t>
+              <a:t>实验结果</a:t>
             </a:r>
             <a:endParaRPr kumimoji="1" lang="en-US" altLang="zh-CN" sz="1800" dirty="0" smtClean="0">
               <a:latin typeface="SimHei" charset="-122"/>
@@ -39541,20 +39288,79 @@
           <a:p>
             <a:pPr lvl="1"/>
             <a:r>
+              <a:rPr kumimoji="1" lang="zh-CN" altLang="en-US" sz="1600" dirty="0">
+                <a:latin typeface="SimHei" charset="-122"/>
+                <a:ea typeface="SimHei" charset="-122"/>
+                <a:cs typeface="SimHei" charset="-122"/>
+              </a:rPr>
+              <a:t>与基准方法相比</a:t>
+            </a:r>
+            <a:r>
+              <a:rPr kumimoji="1" lang="en-US" altLang="zh-CN" sz="1600" dirty="0">
+                <a:latin typeface="SimHei" charset="-122"/>
+                <a:ea typeface="SimHei" charset="-122"/>
+                <a:cs typeface="SimHei" charset="-122"/>
+              </a:rPr>
+              <a:t>, </a:t>
+            </a:r>
+            <a:r>
+              <a:rPr kumimoji="1" lang="zh-CN" altLang="en-US" sz="1600" dirty="0">
+                <a:latin typeface="SimHei" charset="-122"/>
+                <a:ea typeface="SimHei" charset="-122"/>
+                <a:cs typeface="SimHei" charset="-122"/>
+              </a:rPr>
+              <a:t>所提方法的均方根误差分别降低</a:t>
+            </a:r>
+            <a:r>
+              <a:rPr kumimoji="1" lang="en-US" altLang="zh-CN" sz="1600" dirty="0">
+                <a:latin typeface="SimHei" charset="-122"/>
+                <a:ea typeface="SimHei" charset="-122"/>
+                <a:cs typeface="SimHei" charset="-122"/>
+              </a:rPr>
+              <a:t>1.5%</a:t>
+            </a:r>
+            <a:r>
+              <a:rPr kumimoji="1" lang="zh-CN" altLang="en-US" sz="1600" dirty="0">
+                <a:latin typeface="SimHei" charset="-122"/>
+                <a:ea typeface="SimHei" charset="-122"/>
+                <a:cs typeface="SimHei" charset="-122"/>
+              </a:rPr>
+              <a:t>和</a:t>
+            </a:r>
+            <a:r>
+              <a:rPr kumimoji="1" lang="en-US" altLang="zh-CN" sz="1600" dirty="0">
+                <a:latin typeface="SimHei" charset="-122"/>
+                <a:ea typeface="SimHei" charset="-122"/>
+                <a:cs typeface="SimHei" charset="-122"/>
+              </a:rPr>
+              <a:t>1.0</a:t>
+            </a:r>
+            <a:r>
+              <a:rPr kumimoji="1" lang="en-US" altLang="zh-CN" sz="1600" dirty="0" smtClean="0">
+                <a:latin typeface="SimHei" charset="-122"/>
+                <a:ea typeface="SimHei" charset="-122"/>
+                <a:cs typeface="SimHei" charset="-122"/>
+              </a:rPr>
+              <a:t>%</a:t>
+            </a:r>
+          </a:p>
+          <a:p>
+            <a:pPr lvl="1"/>
+            <a:r>
               <a:rPr kumimoji="1" lang="zh-CN" altLang="en-US" sz="1600" dirty="0" smtClean="0">
                 <a:latin typeface="SimHei" charset="-122"/>
                 <a:ea typeface="SimHei" charset="-122"/>
                 <a:cs typeface="SimHei" charset="-122"/>
               </a:rPr>
-              <a:t>提出</a:t>
-            </a:r>
-            <a:r>
-              <a:rPr kumimoji="1" lang="zh-TW" altLang="en-US" sz="1600" dirty="0" smtClean="0">
-                <a:latin typeface="SimHei" charset="-122"/>
-                <a:ea typeface="SimHei" charset="-122"/>
-                <a:cs typeface="SimHei" charset="-122"/>
-              </a:rPr>
-              <a:t>了</a:t>
+              <a:t>说明</a:t>
+            </a:r>
+            <a:r>
+              <a:rPr kumimoji="1" lang="zh-CN" altLang="en-US" sz="1600" dirty="0">
+                <a:latin typeface="SimHei" charset="-122"/>
+                <a:ea typeface="SimHei" charset="-122"/>
+                <a:cs typeface="SimHei" charset="-122"/>
+              </a:rPr>
+              <a:t>该方法可以有效地提高跨领域情感分类</a:t>
             </a:r>
             <a:r>
               <a:rPr kumimoji="1" lang="zh-CN" altLang="en-US" sz="1600" dirty="0" smtClean="0">
@@ -39562,181 +39368,16 @@
                 <a:ea typeface="SimHei" charset="-122"/>
                 <a:cs typeface="SimHei" charset="-122"/>
               </a:rPr>
-              <a:t>一种为用户和产品生成表示向量的方法</a:t>
-            </a:r>
-            <a:endParaRPr kumimoji="1" lang="en-US" altLang="zh-CN" sz="1600" dirty="0" smtClean="0">
+              <a:t>性能</a:t>
+            </a:r>
+            <a:endParaRPr kumimoji="1" lang="zh-CN" altLang="en-US" sz="1600" dirty="0">
               <a:latin typeface="SimHei" charset="-122"/>
               <a:ea typeface="SimHei" charset="-122"/>
               <a:cs typeface="SimHei" charset="-122"/>
             </a:endParaRPr>
           </a:p>
-          <a:p>
-            <a:pPr lvl="1"/>
-            <a:r>
-              <a:rPr kumimoji="1" lang="zh-CN" altLang="en-US" sz="1600" dirty="0" smtClean="0">
-                <a:latin typeface="SimHei" charset="-122"/>
-                <a:ea typeface="SimHei" charset="-122"/>
-                <a:cs typeface="SimHei" charset="-122"/>
-              </a:rPr>
-              <a:t>提出了一种</a:t>
-            </a:r>
-            <a:r>
-              <a:rPr kumimoji="1" lang="zh-TW" altLang="en-US" sz="1600" dirty="0" smtClean="0">
-                <a:latin typeface="SimHei" charset="-122"/>
-                <a:ea typeface="SimHei" charset="-122"/>
-                <a:cs typeface="SimHei" charset="-122"/>
-              </a:rPr>
-              <a:t>引入用戶</a:t>
-            </a:r>
-            <a:r>
-              <a:rPr kumimoji="1" lang="zh-CN" altLang="en-US" sz="1600" dirty="0">
-                <a:latin typeface="SimHei" charset="-122"/>
-                <a:ea typeface="SimHei" charset="-122"/>
-                <a:cs typeface="SimHei" charset="-122"/>
-              </a:rPr>
-              <a:t>和</a:t>
-            </a:r>
-            <a:r>
-              <a:rPr kumimoji="1" lang="zh-CN" altLang="en-US" sz="1600" dirty="0" smtClean="0">
-                <a:latin typeface="SimHei" charset="-122"/>
-                <a:ea typeface="SimHei" charset="-122"/>
-                <a:cs typeface="SimHei" charset="-122"/>
-              </a:rPr>
-              <a:t>产品</a:t>
-            </a:r>
-            <a:r>
-              <a:rPr kumimoji="1" lang="zh-TW" altLang="en-US" sz="1600" dirty="0" smtClean="0">
-                <a:latin typeface="SimHei" charset="-122"/>
-                <a:ea typeface="SimHei" charset="-122"/>
-                <a:cs typeface="SimHei" charset="-122"/>
-              </a:rPr>
-              <a:t>特征的卷积神经网络</a:t>
-            </a:r>
-            <a:endParaRPr kumimoji="1" lang="en-US" altLang="zh-TW" sz="1600" dirty="0" smtClean="0">
-              <a:latin typeface="SimHei" charset="-122"/>
-              <a:ea typeface="SimHei" charset="-122"/>
-              <a:cs typeface="SimHei" charset="-122"/>
-            </a:endParaRPr>
-          </a:p>
-          <a:p>
-            <a:pPr marL="201168" lvl="1" indent="0">
-              <a:buNone/>
-            </a:pPr>
-            <a:r>
-              <a:rPr kumimoji="1" lang="zh-CN" altLang="en-US" sz="1600" dirty="0" smtClean="0">
-                <a:latin typeface="SimHei" charset="-122"/>
-                <a:ea typeface="SimHei" charset="-122"/>
-                <a:cs typeface="SimHei" charset="-122"/>
-              </a:rPr>
-              <a:t>  </a:t>
-            </a:r>
-            <a:r>
-              <a:rPr kumimoji="1" lang="en-US" altLang="zh-TW" sz="1600" dirty="0" smtClean="0">
-                <a:latin typeface="SimHei" charset="-122"/>
-                <a:ea typeface="SimHei" charset="-122"/>
-                <a:cs typeface="SimHei" charset="-122"/>
-              </a:rPr>
-              <a:t>UPNN, </a:t>
-            </a:r>
-            <a:r>
-              <a:rPr lang="en-US" altLang="zh-CN" sz="1600" dirty="0" smtClean="0"/>
-              <a:t>User </a:t>
-            </a:r>
-            <a:r>
-              <a:rPr lang="en-US" altLang="zh-CN" sz="1600" dirty="0"/>
-              <a:t>Product Neural </a:t>
-            </a:r>
-            <a:r>
-              <a:rPr lang="en-US" altLang="zh-CN" sz="1600" dirty="0" smtClean="0"/>
-              <a:t>Network</a:t>
-            </a:r>
-            <a:endParaRPr kumimoji="1" lang="en-US" altLang="zh-CN" sz="1600" dirty="0" smtClean="0">
-              <a:latin typeface="SimHei" charset="-122"/>
-              <a:ea typeface="SimHei" charset="-122"/>
-              <a:cs typeface="SimHei" charset="-122"/>
-            </a:endParaRPr>
-          </a:p>
-          <a:p>
-            <a:r>
-              <a:rPr kumimoji="1" lang="zh-CN" altLang="en-US" sz="1800" dirty="0" smtClean="0">
-                <a:latin typeface="SimHei" charset="-122"/>
-                <a:ea typeface="SimHei" charset="-122"/>
-                <a:cs typeface="SimHei" charset="-122"/>
-              </a:rPr>
-              <a:t>实验结果</a:t>
-            </a:r>
-            <a:endParaRPr kumimoji="1" lang="en-US" altLang="zh-CN" sz="1800" dirty="0" smtClean="0">
-              <a:latin typeface="SimHei" charset="-122"/>
-              <a:ea typeface="SimHei" charset="-122"/>
-              <a:cs typeface="SimHei" charset="-122"/>
-            </a:endParaRPr>
-          </a:p>
-          <a:p>
-            <a:pPr lvl="1"/>
-            <a:r>
-              <a:rPr kumimoji="1" lang="zh-CN" altLang="en-US" sz="1600" dirty="0" smtClean="0">
-                <a:latin typeface="SimHei" charset="-122"/>
-                <a:ea typeface="SimHei" charset="-122"/>
-                <a:cs typeface="SimHei" charset="-122"/>
-              </a:rPr>
-              <a:t>他们的模型在</a:t>
-            </a:r>
-            <a:r>
-              <a:rPr kumimoji="1" lang="en-US" altLang="zh-CN" sz="1600" dirty="0" smtClean="0">
-                <a:latin typeface="SimHei" charset="-122"/>
-                <a:ea typeface="SimHei" charset="-122"/>
-                <a:cs typeface="SimHei" charset="-122"/>
-              </a:rPr>
-              <a:t>3</a:t>
-            </a:r>
-            <a:r>
-              <a:rPr kumimoji="1" lang="zh-CN" altLang="en-US" sz="1600" dirty="0" smtClean="0">
-                <a:latin typeface="SimHei" charset="-122"/>
-                <a:ea typeface="SimHei" charset="-122"/>
-                <a:cs typeface="SimHei" charset="-122"/>
-              </a:rPr>
-              <a:t>个</a:t>
-            </a:r>
-            <a:r>
-              <a:rPr kumimoji="1" lang="zh-CN" altLang="en-US" sz="1600" dirty="0">
-                <a:latin typeface="SimHei" charset="-122"/>
-                <a:ea typeface="SimHei" charset="-122"/>
-                <a:cs typeface="SimHei" charset="-122"/>
-              </a:rPr>
-              <a:t>数据集上都超过了当时最好的水平</a:t>
-            </a:r>
-          </a:p>
         </p:txBody>
       </p:sp>
-      <p:pic>
-        <p:nvPicPr>
-          <p:cNvPr id="4" name="图片 3"/>
-          <p:cNvPicPr>
-            <a:picLocks noChangeAspect="1"/>
-          </p:cNvPicPr>
-          <p:nvPr/>
-        </p:nvPicPr>
-        <p:blipFill rotWithShape="1">
-          <a:blip r:embed="rId2">
-            <a:extLst>
-              <a:ext uri="{28A0092B-C50C-407E-A947-70E740481C1C}">
-                <a14:useLocalDpi xmlns:a14="http://schemas.microsoft.com/office/drawing/2010/main" val="0"/>
-              </a:ext>
-            </a:extLst>
-          </a:blip>
-          <a:srcRect l="1747" t="4368" r="3422" b="3582"/>
-          <a:stretch/>
-        </p:blipFill>
-        <p:spPr>
-          <a:xfrm>
-            <a:off x="6189872" y="3556444"/>
-            <a:ext cx="5663878" cy="2007747"/>
-          </a:xfrm>
-          <a:prstGeom prst="rect">
-            <a:avLst/>
-          </a:prstGeom>
-        </p:spPr>
-      </p:pic>
       <p:sp>
         <p:nvSpPr>
           <p:cNvPr id="5" name="矩形 4"/>
@@ -39745,8 +39386,8 @@
         </p:nvSpPr>
         <p:spPr>
           <a:xfrm>
-            <a:off x="1097280" y="6396851"/>
-            <a:ext cx="10185184" cy="307777"/>
+            <a:off x="1097280" y="6373423"/>
+            <a:ext cx="10058400" cy="461665"/>
           </a:xfrm>
           <a:prstGeom prst="rect">
             <a:avLst/>
@@ -39759,33 +39400,55 @@
           <a:lstStyle/>
           <a:p>
             <a:r>
-              <a:rPr lang="en-US" altLang="zh-CN" sz="1400" dirty="0"/>
-              <a:t>Tang D, Qin B, Liu T. Aspect level sentiment classification with deep memory network[J]. </a:t>
-            </a:r>
-            <a:r>
-              <a:rPr lang="en-US" altLang="zh-CN" sz="1400" dirty="0" err="1" smtClean="0"/>
-              <a:t>arXiv</a:t>
-            </a:r>
-            <a:r>
-              <a:rPr lang="en-US" altLang="zh-CN" sz="1400" dirty="0"/>
-              <a:t> </a:t>
-            </a:r>
-            <a:r>
-              <a:rPr lang="en-US" altLang="zh-CN" sz="1400" dirty="0" smtClean="0"/>
-              <a:t>preprint </a:t>
-            </a:r>
-            <a:r>
-              <a:rPr lang="en-US" altLang="zh-CN" sz="1400" dirty="0"/>
-              <a:t>arXiv:1605.08900, 2016.</a:t>
-            </a:r>
-            <a:endParaRPr lang="zh-CN" altLang="en-US" sz="1400" dirty="0"/>
+              <a:rPr lang="zh-CN" altLang="en-US" sz="1200" dirty="0"/>
+              <a:t>Liao X, Wu X, Gui L, Huang J, Chen G. Cross-Domain Sentiment Classification Based on Representation Learning and Transfer Learning. Acta Scientiarum Naturalium Universitatis Pekinensis, Vol. 55, No. 1 (Jan. </a:t>
+            </a:r>
+            <a:r>
+              <a:rPr lang="zh-CN" altLang="en-US" sz="1200" dirty="0" smtClean="0"/>
+              <a:t>2019</a:t>
+            </a:r>
+            <a:r>
+              <a:rPr lang="en-US" altLang="zh-CN" sz="1200" dirty="0" smtClean="0"/>
+              <a:t>)</a:t>
+            </a:r>
+            <a:endParaRPr lang="zh-CN" altLang="en-US" sz="1200" dirty="0"/>
           </a:p>
         </p:txBody>
       </p:sp>
+      <p:pic>
+        <p:nvPicPr>
+          <p:cNvPr id="6" name="图片 5"/>
+          <p:cNvPicPr>
+            <a:picLocks noChangeAspect="1"/>
+          </p:cNvPicPr>
+          <p:nvPr/>
+        </p:nvPicPr>
+        <p:blipFill>
+          <a:blip r:embed="rId2">
+            <a:extLst>
+              <a:ext uri="{28A0092B-C50C-407E-A947-70E740481C1C}">
+                <a14:useLocalDpi xmlns:a14="http://schemas.microsoft.com/office/drawing/2010/main" val="0"/>
+              </a:ext>
+            </a:extLst>
+          </a:blip>
+          <a:stretch>
+            <a:fillRect/>
+          </a:stretch>
+        </p:blipFill>
+        <p:spPr>
+          <a:xfrm>
+            <a:off x="5764359" y="1836518"/>
+            <a:ext cx="5828462" cy="3237271"/>
+          </a:xfrm>
+          <a:prstGeom prst="rect">
+            <a:avLst/>
+          </a:prstGeom>
+        </p:spPr>
+      </p:pic>
     </p:spTree>
     <p:extLst>
       <p:ext uri="{BB962C8B-B14F-4D97-AF65-F5344CB8AC3E}">
-        <p14:creationId xmlns:p14="http://schemas.microsoft.com/office/powerpoint/2010/main" val="248673801"/>
+        <p14:creationId xmlns:p14="http://schemas.microsoft.com/office/powerpoint/2010/main" val="550505911"/>
       </p:ext>
     </p:extLst>
   </p:cSld>
@@ -39851,6 +39514,496 @@
         </p:nvSpPr>
         <p:spPr>
           <a:xfrm>
+            <a:off x="1097280" y="1563329"/>
+            <a:ext cx="6889252" cy="4591171"/>
+          </a:xfrm>
+        </p:spPr>
+        <p:txBody>
+          <a:bodyPr>
+            <a:noAutofit/>
+          </a:bodyPr>
+          <a:lstStyle/>
+          <a:p>
+            <a:r>
+              <a:rPr kumimoji="1" lang="en-US" altLang="zh-CN" sz="1800" dirty="0">
+                <a:latin typeface="SimHei" charset="-122"/>
+                <a:ea typeface="SimHei" charset="-122"/>
+                <a:cs typeface="SimHei" charset="-122"/>
+              </a:rPr>
+              <a:t>Tang</a:t>
+            </a:r>
+            <a:r>
+              <a:rPr kumimoji="1" lang="zh-CN" altLang="en-US" sz="1800" dirty="0">
+                <a:latin typeface="SimHei" charset="-122"/>
+                <a:ea typeface="SimHei" charset="-122"/>
+                <a:cs typeface="SimHei" charset="-122"/>
+              </a:rPr>
+              <a:t>等</a:t>
+            </a:r>
+            <a:r>
+              <a:rPr kumimoji="1" lang="zh-CN" altLang="en-US" sz="1800" dirty="0" smtClean="0">
+                <a:latin typeface="SimHei" charset="-122"/>
+                <a:ea typeface="SimHei" charset="-122"/>
+                <a:cs typeface="SimHei" charset="-122"/>
+              </a:rPr>
+              <a:t>人研究</a:t>
+            </a:r>
+            <a:r>
+              <a:rPr kumimoji="1" lang="zh-CN" altLang="en-US" sz="1800" dirty="0">
+                <a:latin typeface="SimHei" charset="-122"/>
+                <a:ea typeface="SimHei" charset="-122"/>
+                <a:cs typeface="SimHei" charset="-122"/>
+              </a:rPr>
+              <a:t>了产品评论的五级评分</a:t>
+            </a:r>
+            <a:r>
+              <a:rPr kumimoji="1" lang="zh-CN" altLang="en-US" sz="1800" dirty="0" smtClean="0">
+                <a:latin typeface="SimHei" charset="-122"/>
+                <a:ea typeface="SimHei" charset="-122"/>
+                <a:cs typeface="SimHei" charset="-122"/>
+              </a:rPr>
+              <a:t>预测</a:t>
+            </a:r>
+            <a:endParaRPr kumimoji="1" lang="en-US" altLang="zh-CN" dirty="0" smtClean="0">
+              <a:latin typeface="SimHei" charset="-122"/>
+              <a:ea typeface="SimHei" charset="-122"/>
+              <a:cs typeface="SimHei" charset="-122"/>
+            </a:endParaRPr>
+          </a:p>
+          <a:p>
+            <a:pPr lvl="1"/>
+            <a:endParaRPr kumimoji="1" lang="en-US" altLang="zh-CN" sz="1200" dirty="0" smtClean="0">
+              <a:latin typeface="SimHei" charset="-122"/>
+              <a:ea typeface="SimHei" charset="-122"/>
+              <a:cs typeface="SimHei" charset="-122"/>
+            </a:endParaRPr>
+          </a:p>
+          <a:p>
+            <a:r>
+              <a:rPr kumimoji="1" lang="zh-CN" altLang="en-US" sz="1800" dirty="0" smtClean="0">
+                <a:latin typeface="SimHei" charset="-122"/>
+                <a:ea typeface="SimHei" charset="-122"/>
+                <a:cs typeface="SimHei" charset="-122"/>
+              </a:rPr>
+              <a:t>实验数据</a:t>
+            </a:r>
+            <a:endParaRPr kumimoji="1" lang="en-US" altLang="zh-CN" sz="1800" dirty="0">
+              <a:latin typeface="SimHei" charset="-122"/>
+              <a:ea typeface="SimHei" charset="-122"/>
+              <a:cs typeface="SimHei" charset="-122"/>
+            </a:endParaRPr>
+          </a:p>
+          <a:p>
+            <a:pPr lvl="1"/>
+            <a:r>
+              <a:rPr lang="en-US" altLang="zh-CN" sz="1600" dirty="0" smtClean="0">
+                <a:latin typeface="Calibri" charset="0"/>
+                <a:ea typeface="Calibri" charset="0"/>
+                <a:cs typeface="Calibri" charset="0"/>
+              </a:rPr>
+              <a:t>IMDB, Yelp</a:t>
+            </a:r>
+            <a:r>
+              <a:rPr kumimoji="1" lang="en-US" altLang="zh-CN" sz="1600" dirty="0" smtClean="0">
+                <a:latin typeface="Calibri" charset="0"/>
+                <a:ea typeface="Calibri" charset="0"/>
+                <a:cs typeface="Calibri" charset="0"/>
+              </a:rPr>
+              <a:t>2013, Yelp2014</a:t>
+            </a:r>
+          </a:p>
+          <a:p>
+            <a:r>
+              <a:rPr lang="zh-TW" altLang="en-US" sz="1800" dirty="0" smtClean="0">
+                <a:latin typeface="SimHei" charset="-122"/>
+                <a:ea typeface="SimHei" charset="-122"/>
+                <a:cs typeface="SimHei" charset="-122"/>
+              </a:rPr>
+              <a:t>方法</a:t>
+            </a:r>
+            <a:endParaRPr kumimoji="1" lang="en-US" altLang="zh-CN" sz="1800" dirty="0" smtClean="0">
+              <a:latin typeface="SimHei" charset="-122"/>
+              <a:ea typeface="SimHei" charset="-122"/>
+              <a:cs typeface="SimHei" charset="-122"/>
+            </a:endParaRPr>
+          </a:p>
+          <a:p>
+            <a:pPr lvl="1"/>
+            <a:r>
+              <a:rPr kumimoji="1" lang="zh-CN" altLang="en-US" sz="1600" dirty="0">
+                <a:latin typeface="SimHei" charset="-122"/>
+                <a:ea typeface="SimHei" charset="-122"/>
+                <a:cs typeface="SimHei" charset="-122"/>
+              </a:rPr>
+              <a:t>用户和产品各自都存在一些相对固定的属性</a:t>
+            </a:r>
+            <a:endParaRPr kumimoji="1" lang="en-US" altLang="zh-CN" sz="1600" dirty="0">
+              <a:latin typeface="SimHei" charset="-122"/>
+              <a:ea typeface="SimHei" charset="-122"/>
+              <a:cs typeface="SimHei" charset="-122"/>
+            </a:endParaRPr>
+          </a:p>
+          <a:p>
+            <a:pPr lvl="2"/>
+            <a:r>
+              <a:rPr kumimoji="1" lang="zh-CN" altLang="en-US" sz="1200" dirty="0">
+                <a:latin typeface="SimHei" charset="-122"/>
+                <a:ea typeface="SimHei" charset="-122"/>
+                <a:cs typeface="SimHei" charset="-122"/>
+              </a:rPr>
+              <a:t>一个用户对不同产品的评论中，评论文本和评分之间存在某种一致性</a:t>
+            </a:r>
+            <a:endParaRPr kumimoji="1" lang="en-US" altLang="zh-CN" sz="1200" dirty="0">
+              <a:latin typeface="SimHei" charset="-122"/>
+              <a:ea typeface="SimHei" charset="-122"/>
+              <a:cs typeface="SimHei" charset="-122"/>
+            </a:endParaRPr>
+          </a:p>
+          <a:p>
+            <a:pPr lvl="2"/>
+            <a:r>
+              <a:rPr kumimoji="1" lang="zh-CN" altLang="en-US" sz="1200" dirty="0">
+                <a:latin typeface="SimHei" charset="-122"/>
+                <a:ea typeface="SimHei" charset="-122"/>
+                <a:cs typeface="SimHei" charset="-122"/>
+              </a:rPr>
+              <a:t>不同用户对同一个产品的评论中，评论文本和评分之间存在某种</a:t>
+            </a:r>
+            <a:r>
+              <a:rPr kumimoji="1" lang="zh-CN" altLang="en-US" sz="1200" dirty="0" smtClean="0">
+                <a:latin typeface="SimHei" charset="-122"/>
+                <a:ea typeface="SimHei" charset="-122"/>
+                <a:cs typeface="SimHei" charset="-122"/>
+              </a:rPr>
+              <a:t>一致性</a:t>
+            </a:r>
+            <a:endParaRPr kumimoji="1" lang="en-US" altLang="zh-CN" sz="1200" dirty="0" smtClean="0">
+              <a:latin typeface="SimHei" charset="-122"/>
+              <a:ea typeface="SimHei" charset="-122"/>
+              <a:cs typeface="SimHei" charset="-122"/>
+            </a:endParaRPr>
+          </a:p>
+          <a:p>
+            <a:pPr lvl="1"/>
+            <a:r>
+              <a:rPr kumimoji="1" lang="zh-CN" altLang="en-US" sz="1600" dirty="0" smtClean="0">
+                <a:latin typeface="SimHei" charset="-122"/>
+                <a:ea typeface="SimHei" charset="-122"/>
+                <a:cs typeface="SimHei" charset="-122"/>
+              </a:rPr>
+              <a:t>提</a:t>
+            </a:r>
+            <a:r>
+              <a:rPr kumimoji="1" lang="zh-CN" altLang="en-US" sz="1600" dirty="0" smtClean="0">
+                <a:latin typeface="SimHei" charset="-122"/>
+                <a:ea typeface="SimHei" charset="-122"/>
+                <a:cs typeface="SimHei" charset="-122"/>
+              </a:rPr>
+              <a:t>出</a:t>
+            </a:r>
+            <a:r>
+              <a:rPr kumimoji="1" lang="zh-TW" altLang="en-US" sz="1600" dirty="0" smtClean="0">
+                <a:latin typeface="SimHei" charset="-122"/>
+                <a:ea typeface="SimHei" charset="-122"/>
+                <a:cs typeface="SimHei" charset="-122"/>
+              </a:rPr>
+              <a:t>了</a:t>
+            </a:r>
+            <a:r>
+              <a:rPr kumimoji="1" lang="zh-CN" altLang="en-US" sz="1600" dirty="0" smtClean="0">
+                <a:latin typeface="SimHei" charset="-122"/>
+                <a:ea typeface="SimHei" charset="-122"/>
+                <a:cs typeface="SimHei" charset="-122"/>
+              </a:rPr>
+              <a:t>一种为用户和产品生成表示向量的方法</a:t>
+            </a:r>
+            <a:endParaRPr kumimoji="1" lang="en-US" altLang="zh-CN" sz="1600" dirty="0" smtClean="0">
+              <a:latin typeface="SimHei" charset="-122"/>
+              <a:ea typeface="SimHei" charset="-122"/>
+              <a:cs typeface="SimHei" charset="-122"/>
+            </a:endParaRPr>
+          </a:p>
+          <a:p>
+            <a:pPr lvl="1"/>
+            <a:r>
+              <a:rPr kumimoji="1" lang="zh-CN" altLang="en-US" sz="1600" dirty="0" smtClean="0">
+                <a:latin typeface="SimHei" charset="-122"/>
+                <a:ea typeface="SimHei" charset="-122"/>
+                <a:cs typeface="SimHei" charset="-122"/>
+              </a:rPr>
+              <a:t>提出了一种</a:t>
+            </a:r>
+            <a:r>
+              <a:rPr kumimoji="1" lang="zh-TW" altLang="en-US" sz="1600" dirty="0" smtClean="0">
+                <a:latin typeface="SimHei" charset="-122"/>
+                <a:ea typeface="SimHei" charset="-122"/>
+                <a:cs typeface="SimHei" charset="-122"/>
+              </a:rPr>
+              <a:t>引入用戶</a:t>
+            </a:r>
+            <a:r>
+              <a:rPr kumimoji="1" lang="zh-CN" altLang="en-US" sz="1600" dirty="0">
+                <a:latin typeface="SimHei" charset="-122"/>
+                <a:ea typeface="SimHei" charset="-122"/>
+                <a:cs typeface="SimHei" charset="-122"/>
+              </a:rPr>
+              <a:t>和</a:t>
+            </a:r>
+            <a:r>
+              <a:rPr kumimoji="1" lang="zh-CN" altLang="en-US" sz="1600" dirty="0" smtClean="0">
+                <a:latin typeface="SimHei" charset="-122"/>
+                <a:ea typeface="SimHei" charset="-122"/>
+                <a:cs typeface="SimHei" charset="-122"/>
+              </a:rPr>
+              <a:t>产品</a:t>
+            </a:r>
+            <a:r>
+              <a:rPr kumimoji="1" lang="zh-TW" altLang="en-US" sz="1600" dirty="0" smtClean="0">
+                <a:latin typeface="SimHei" charset="-122"/>
+                <a:ea typeface="SimHei" charset="-122"/>
+                <a:cs typeface="SimHei" charset="-122"/>
+              </a:rPr>
+              <a:t>特征的卷积神经网络</a:t>
+            </a:r>
+            <a:endParaRPr kumimoji="1" lang="en-US" altLang="zh-TW" sz="1600" dirty="0" smtClean="0">
+              <a:latin typeface="SimHei" charset="-122"/>
+              <a:ea typeface="SimHei" charset="-122"/>
+              <a:cs typeface="SimHei" charset="-122"/>
+            </a:endParaRPr>
+          </a:p>
+          <a:p>
+            <a:pPr marL="201168" lvl="1" indent="0">
+              <a:buNone/>
+            </a:pPr>
+            <a:r>
+              <a:rPr kumimoji="1" lang="zh-CN" altLang="en-US" sz="1600" dirty="0" smtClean="0">
+                <a:latin typeface="SimHei" charset="-122"/>
+                <a:ea typeface="SimHei" charset="-122"/>
+                <a:cs typeface="SimHei" charset="-122"/>
+              </a:rPr>
+              <a:t>  </a:t>
+            </a:r>
+            <a:r>
+              <a:rPr kumimoji="1" lang="en-US" altLang="zh-TW" sz="1600" dirty="0" smtClean="0">
+                <a:latin typeface="SimHei" charset="-122"/>
+                <a:ea typeface="SimHei" charset="-122"/>
+                <a:cs typeface="SimHei" charset="-122"/>
+              </a:rPr>
+              <a:t>UPNN, </a:t>
+            </a:r>
+            <a:r>
+              <a:rPr lang="en-US" altLang="zh-CN" sz="1600" dirty="0" smtClean="0"/>
+              <a:t>User </a:t>
+            </a:r>
+            <a:r>
+              <a:rPr lang="en-US" altLang="zh-CN" sz="1600" dirty="0"/>
+              <a:t>Product Neural </a:t>
+            </a:r>
+            <a:r>
+              <a:rPr lang="en-US" altLang="zh-CN" sz="1600" dirty="0" smtClean="0"/>
+              <a:t>Network</a:t>
+            </a:r>
+            <a:endParaRPr kumimoji="1" lang="en-US" altLang="zh-CN" sz="1600" dirty="0" smtClean="0">
+              <a:latin typeface="SimHei" charset="-122"/>
+              <a:ea typeface="SimHei" charset="-122"/>
+              <a:cs typeface="SimHei" charset="-122"/>
+            </a:endParaRPr>
+          </a:p>
+          <a:p>
+            <a:r>
+              <a:rPr kumimoji="1" lang="zh-CN" altLang="en-US" sz="1800" dirty="0" smtClean="0">
+                <a:latin typeface="SimHei" charset="-122"/>
+                <a:ea typeface="SimHei" charset="-122"/>
+                <a:cs typeface="SimHei" charset="-122"/>
+              </a:rPr>
+              <a:t>实验结果</a:t>
+            </a:r>
+            <a:endParaRPr kumimoji="1" lang="en-US" altLang="zh-CN" sz="1800" dirty="0" smtClean="0">
+              <a:latin typeface="SimHei" charset="-122"/>
+              <a:ea typeface="SimHei" charset="-122"/>
+              <a:cs typeface="SimHei" charset="-122"/>
+            </a:endParaRPr>
+          </a:p>
+          <a:p>
+            <a:pPr lvl="1"/>
+            <a:r>
+              <a:rPr kumimoji="1" lang="zh-CN" altLang="en-US" sz="1600" dirty="0" smtClean="0">
+                <a:latin typeface="SimHei" charset="-122"/>
+                <a:ea typeface="SimHei" charset="-122"/>
+                <a:cs typeface="SimHei" charset="-122"/>
+              </a:rPr>
+              <a:t>他们的模型在</a:t>
+            </a:r>
+            <a:r>
+              <a:rPr kumimoji="1" lang="en-US" altLang="zh-CN" sz="1600" dirty="0" smtClean="0">
+                <a:latin typeface="SimHei" charset="-122"/>
+                <a:ea typeface="SimHei" charset="-122"/>
+                <a:cs typeface="SimHei" charset="-122"/>
+              </a:rPr>
+              <a:t>3</a:t>
+            </a:r>
+            <a:r>
+              <a:rPr kumimoji="1" lang="zh-CN" altLang="en-US" sz="1600" dirty="0" smtClean="0">
+                <a:latin typeface="SimHei" charset="-122"/>
+                <a:ea typeface="SimHei" charset="-122"/>
+                <a:cs typeface="SimHei" charset="-122"/>
+              </a:rPr>
+              <a:t>个</a:t>
+            </a:r>
+            <a:r>
+              <a:rPr kumimoji="1" lang="zh-CN" altLang="en-US" sz="1600" dirty="0">
+                <a:latin typeface="SimHei" charset="-122"/>
+                <a:ea typeface="SimHei" charset="-122"/>
+                <a:cs typeface="SimHei" charset="-122"/>
+              </a:rPr>
+              <a:t>数据集上都超过了当时最好的水平</a:t>
+            </a:r>
+          </a:p>
+        </p:txBody>
+      </p:sp>
+      <p:pic>
+        <p:nvPicPr>
+          <p:cNvPr id="4" name="图片 3"/>
+          <p:cNvPicPr>
+            <a:picLocks noChangeAspect="1"/>
+          </p:cNvPicPr>
+          <p:nvPr/>
+        </p:nvPicPr>
+        <p:blipFill rotWithShape="1">
+          <a:blip r:embed="rId2">
+            <a:extLst>
+              <a:ext uri="{28A0092B-C50C-407E-A947-70E740481C1C}">
+                <a14:useLocalDpi xmlns:a14="http://schemas.microsoft.com/office/drawing/2010/main" val="0"/>
+              </a:ext>
+            </a:extLst>
+          </a:blip>
+          <a:srcRect l="1747" t="4368" r="3422" b="3582"/>
+          <a:stretch/>
+        </p:blipFill>
+        <p:spPr>
+          <a:xfrm>
+            <a:off x="6235700" y="4203477"/>
+            <a:ext cx="5503858" cy="1951023"/>
+          </a:xfrm>
+          <a:prstGeom prst="rect">
+            <a:avLst/>
+          </a:prstGeom>
+        </p:spPr>
+      </p:pic>
+      <p:sp>
+        <p:nvSpPr>
+          <p:cNvPr id="5" name="矩形 4"/>
+          <p:cNvSpPr/>
+          <p:nvPr/>
+        </p:nvSpPr>
+        <p:spPr>
+          <a:xfrm>
+            <a:off x="1097280" y="6396851"/>
+            <a:ext cx="10185184" cy="307777"/>
+          </a:xfrm>
+          <a:prstGeom prst="rect">
+            <a:avLst/>
+          </a:prstGeom>
+        </p:spPr>
+        <p:txBody>
+          <a:bodyPr wrap="square">
+            <a:spAutoFit/>
+          </a:bodyPr>
+          <a:lstStyle/>
+          <a:p>
+            <a:r>
+              <a:rPr lang="en-US" altLang="zh-CN" sz="1400" dirty="0"/>
+              <a:t>Tang D, Qin B, Liu T. Aspect level sentiment classification with deep memory network[J]. </a:t>
+            </a:r>
+            <a:r>
+              <a:rPr lang="en-US" altLang="zh-CN" sz="1400" dirty="0" err="1" smtClean="0"/>
+              <a:t>arXiv</a:t>
+            </a:r>
+            <a:r>
+              <a:rPr lang="en-US" altLang="zh-CN" sz="1400" dirty="0"/>
+              <a:t> </a:t>
+            </a:r>
+            <a:r>
+              <a:rPr lang="en-US" altLang="zh-CN" sz="1400" dirty="0" smtClean="0"/>
+              <a:t>preprint </a:t>
+            </a:r>
+            <a:r>
+              <a:rPr lang="en-US" altLang="zh-CN" sz="1400" dirty="0"/>
+              <a:t>arXiv:1605.08900, 2016.</a:t>
+            </a:r>
+            <a:endParaRPr lang="zh-CN" altLang="en-US" sz="1400" dirty="0"/>
+          </a:p>
+        </p:txBody>
+      </p:sp>
+    </p:spTree>
+    <p:extLst>
+      <p:ext uri="{BB962C8B-B14F-4D97-AF65-F5344CB8AC3E}">
+        <p14:creationId xmlns:p14="http://schemas.microsoft.com/office/powerpoint/2010/main" val="248673801"/>
+      </p:ext>
+    </p:extLst>
+  </p:cSld>
+  <p:clrMapOvr>
+    <a:masterClrMapping/>
+  </p:clrMapOvr>
+</p:sld>
+</file>
+
+<file path=ppt/slides/slide9.xml><?xml version="1.0" encoding="utf-8"?>
+<p:sld xmlns:a="http://schemas.openxmlformats.org/drawingml/2006/main" xmlns:r="http://schemas.openxmlformats.org/officeDocument/2006/relationships" xmlns:p="http://schemas.openxmlformats.org/presentationml/2006/main">
+  <p:cSld>
+    <p:spTree>
+      <p:nvGrpSpPr>
+        <p:cNvPr id="1" name=""/>
+        <p:cNvGrpSpPr/>
+        <p:nvPr/>
+      </p:nvGrpSpPr>
+      <p:grpSpPr>
+        <a:xfrm>
+          <a:off x="0" y="0"/>
+          <a:ext cx="0" cy="0"/>
+          <a:chOff x="0" y="0"/>
+          <a:chExt cx="0" cy="0"/>
+        </a:xfrm>
+      </p:grpSpPr>
+      <p:sp>
+        <p:nvSpPr>
+          <p:cNvPr id="2" name="标题 1"/>
+          <p:cNvSpPr>
+            <a:spLocks noGrp="1"/>
+          </p:cNvSpPr>
+          <p:nvPr>
+            <p:ph type="title"/>
+          </p:nvPr>
+        </p:nvSpPr>
+        <p:spPr/>
+        <p:txBody>
+          <a:bodyPr/>
+          <a:lstStyle/>
+          <a:p>
+            <a:r>
+              <a:rPr lang="zh-CN" altLang="en-US" dirty="0">
+                <a:latin typeface="SimHei" charset="-122"/>
+                <a:ea typeface="SimHei" charset="-122"/>
+                <a:cs typeface="SimHei" charset="-122"/>
+              </a:rPr>
+              <a:t>相关工作</a:t>
+            </a:r>
+            <a:endParaRPr kumimoji="1" lang="zh-CN" altLang="en-US" dirty="0"/>
+          </a:p>
+        </p:txBody>
+      </p:sp>
+      <p:sp>
+        <p:nvSpPr>
+          <p:cNvPr id="3" name="内容占位符 2"/>
+          <p:cNvSpPr>
+            <a:spLocks noGrp="1"/>
+          </p:cNvSpPr>
+          <p:nvPr>
+            <p:ph idx="1"/>
+          </p:nvPr>
+        </p:nvSpPr>
+        <p:spPr>
+          <a:xfrm>
             <a:off x="1108855" y="1563329"/>
             <a:ext cx="10058400" cy="4964793"/>
           </a:xfrm>
@@ -39886,12 +40039,28 @@
               <a:t>Gatti</a:t>
             </a:r>
             <a:r>
+              <a:rPr lang="zh-CN" altLang="en-US" sz="1800" dirty="0">
+                <a:latin typeface="SimHei" charset="-122"/>
+                <a:ea typeface="SimHei" charset="-122"/>
+                <a:cs typeface="SimHei" charset="-122"/>
+              </a:rPr>
+              <a:t>研究</a:t>
+            </a:r>
+            <a:r>
+              <a:rPr lang="zh-CN" altLang="en-US" sz="1800" dirty="0" smtClean="0">
+                <a:latin typeface="SimHei" charset="-122"/>
+                <a:ea typeface="SimHei" charset="-122"/>
+                <a:cs typeface="SimHei" charset="-122"/>
+              </a:rPr>
+              <a:t>了面向</a:t>
+            </a:r>
+            <a:r>
               <a:rPr kumimoji="1" lang="zh-CN" altLang="en-US" sz="1800" dirty="0" smtClean="0">
                 <a:latin typeface="SimHei" charset="-122"/>
                 <a:ea typeface="SimHei" charset="-122"/>
                 <a:cs typeface="SimHei" charset="-122"/>
               </a:rPr>
-              <a:t>对</a:t>
+              <a:t>电影</a:t>
             </a:r>
             <a:r>
               <a:rPr kumimoji="1" lang="zh-CN" altLang="en-US" sz="1800" dirty="0">
@@ -39899,7 +40068,7 @@
                 <a:ea typeface="SimHei" charset="-122"/>
                 <a:cs typeface="SimHei" charset="-122"/>
               </a:rPr>
-              <a:t>电影评论和微博的情感识别</a:t>
+              <a:t>评论和微博的情感</a:t>
             </a:r>
             <a:r>
               <a:rPr kumimoji="1" lang="zh-CN" altLang="en-US" sz="1800" dirty="0" smtClean="0">
@@ -39907,7 +40076,144 @@
                 <a:ea typeface="SimHei" charset="-122"/>
                 <a:cs typeface="SimHei" charset="-122"/>
               </a:rPr>
-              <a:t>研究</a:t>
+              <a:t>识别</a:t>
+            </a:r>
+            <a:endParaRPr kumimoji="1" lang="en-US" altLang="zh-CN" sz="1800" dirty="0" smtClean="0">
+              <a:latin typeface="SimHei" charset="-122"/>
+              <a:ea typeface="SimHei" charset="-122"/>
+              <a:cs typeface="SimHei" charset="-122"/>
+            </a:endParaRPr>
+          </a:p>
+          <a:p>
+            <a:pPr lvl="1"/>
+            <a:endParaRPr kumimoji="1" lang="en-US" altLang="zh-CN" dirty="0" smtClean="0">
+              <a:latin typeface="SimHei" charset="-122"/>
+              <a:ea typeface="SimHei" charset="-122"/>
+              <a:cs typeface="SimHei" charset="-122"/>
+            </a:endParaRPr>
+          </a:p>
+          <a:p>
+            <a:r>
+              <a:rPr kumimoji="1" lang="zh-CN" altLang="en-US" sz="1800" dirty="0" smtClean="0">
+                <a:latin typeface="SimHei" charset="-122"/>
+                <a:ea typeface="SimHei" charset="-122"/>
+                <a:cs typeface="SimHei" charset="-122"/>
+              </a:rPr>
+              <a:t>实验数据</a:t>
+            </a:r>
+            <a:endParaRPr kumimoji="1" lang="en-US" altLang="zh-CN" sz="1800" dirty="0" smtClean="0">
+              <a:latin typeface="SimHei" charset="-122"/>
+              <a:ea typeface="SimHei" charset="-122"/>
+              <a:cs typeface="SimHei" charset="-122"/>
+            </a:endParaRPr>
+          </a:p>
+          <a:p>
+            <a:pPr lvl="1"/>
+            <a:r>
+              <a:rPr kumimoji="1" lang="zh-CN" altLang="en-US" sz="1600" dirty="0" smtClean="0">
+                <a:latin typeface="SimHei" charset="-122"/>
+                <a:ea typeface="SimHei" charset="-122"/>
+                <a:cs typeface="SimHei" charset="-122"/>
+              </a:rPr>
+              <a:t>电影评论 </a:t>
+            </a:r>
+            <a:r>
+              <a:rPr kumimoji="1" lang="en-US" altLang="zh-CN" sz="1600" dirty="0" smtClean="0">
+                <a:latin typeface="Calibri" charset="0"/>
+                <a:ea typeface="Calibri" charset="0"/>
+                <a:cs typeface="Calibri" charset="0"/>
+              </a:rPr>
+              <a:t>Stanford </a:t>
+            </a:r>
+            <a:r>
+              <a:rPr kumimoji="1" lang="en-US" altLang="zh-CN" sz="1600" dirty="0">
+                <a:latin typeface="Calibri" charset="0"/>
+                <a:ea typeface="Calibri" charset="0"/>
+                <a:cs typeface="Calibri" charset="0"/>
+              </a:rPr>
+              <a:t>Sentiment </a:t>
+            </a:r>
+            <a:r>
+              <a:rPr kumimoji="1" lang="en-US" altLang="zh-CN" sz="1600" dirty="0" smtClean="0">
+                <a:latin typeface="Calibri" charset="0"/>
+                <a:ea typeface="Calibri" charset="0"/>
+                <a:cs typeface="Calibri" charset="0"/>
+              </a:rPr>
+              <a:t>Treebank</a:t>
+            </a:r>
+          </a:p>
+          <a:p>
+            <a:pPr lvl="1"/>
+            <a:r>
+              <a:rPr kumimoji="1" lang="zh-CN" altLang="en-US" sz="1600" dirty="0">
+                <a:latin typeface="SimHei" charset="-122"/>
+                <a:ea typeface="SimHei" charset="-122"/>
+                <a:cs typeface="SimHei" charset="-122"/>
+              </a:rPr>
+              <a:t>微</a:t>
+            </a:r>
+            <a:r>
+              <a:rPr kumimoji="1" lang="zh-CN" altLang="en-US" sz="1600" dirty="0" smtClean="0">
+                <a:latin typeface="SimHei" charset="-122"/>
+                <a:ea typeface="SimHei" charset="-122"/>
+                <a:cs typeface="SimHei" charset="-122"/>
+              </a:rPr>
+              <a:t>博</a:t>
+            </a:r>
+            <a:r>
+              <a:rPr kumimoji="1" lang="en-US" altLang="zh-CN" sz="1600" dirty="0" smtClean="0">
+                <a:latin typeface="SimHei" charset="-122"/>
+                <a:ea typeface="SimHei" charset="-122"/>
+                <a:cs typeface="SimHei" charset="-122"/>
+              </a:rPr>
+              <a:t> </a:t>
+            </a:r>
+            <a:r>
+              <a:rPr kumimoji="1" lang="en-US" altLang="zh-CN" sz="1600" dirty="0" smtClean="0">
+                <a:latin typeface="Calibri" charset="0"/>
+                <a:ea typeface="Calibri" charset="0"/>
+                <a:cs typeface="Calibri" charset="0"/>
+              </a:rPr>
+              <a:t>Stanford </a:t>
+            </a:r>
+            <a:r>
+              <a:rPr kumimoji="1" lang="en-US" altLang="zh-CN" sz="1600" dirty="0">
+                <a:latin typeface="Calibri" charset="0"/>
+                <a:ea typeface="Calibri" charset="0"/>
+                <a:cs typeface="Calibri" charset="0"/>
+              </a:rPr>
+              <a:t>Twitter </a:t>
+            </a:r>
+            <a:r>
+              <a:rPr kumimoji="1" lang="en-US" altLang="zh-CN" sz="1600" dirty="0" smtClean="0">
+                <a:latin typeface="Calibri" charset="0"/>
+                <a:ea typeface="Calibri" charset="0"/>
+                <a:cs typeface="Calibri" charset="0"/>
+              </a:rPr>
+              <a:t>Sentiment</a:t>
+            </a:r>
+            <a:r>
+              <a:rPr kumimoji="1" lang="zh-CN" altLang="en-US" sz="1600" dirty="0" smtClean="0">
+                <a:latin typeface="Calibri" charset="0"/>
+                <a:ea typeface="Calibri" charset="0"/>
+                <a:cs typeface="Calibri" charset="0"/>
+              </a:rPr>
+              <a:t> </a:t>
+            </a:r>
+            <a:endParaRPr kumimoji="1" lang="en-US" altLang="zh-CN" dirty="0" smtClean="0">
+              <a:latin typeface="SimHei" charset="-122"/>
+              <a:ea typeface="SimHei" charset="-122"/>
+              <a:cs typeface="SimHei" charset="-122"/>
+            </a:endParaRPr>
+          </a:p>
+          <a:p>
+            <a:r>
+              <a:rPr kumimoji="1" lang="zh-CN" altLang="en-US" sz="1800" dirty="0" smtClean="0">
+                <a:latin typeface="SimHei" charset="-122"/>
+                <a:ea typeface="SimHei" charset="-122"/>
+                <a:cs typeface="SimHei" charset="-122"/>
+              </a:rPr>
+              <a:t>方法</a:t>
             </a:r>
             <a:endParaRPr kumimoji="1" lang="en-US" altLang="zh-CN" sz="1800" dirty="0">
               <a:latin typeface="SimHei" charset="-122"/>
@@ -39917,143 +40223,30 @@
           </a:p>
           <a:p>
             <a:pPr lvl="1"/>
-            <a:endParaRPr kumimoji="1" lang="en-US" altLang="zh-CN" sz="1600" dirty="0" smtClean="0">
-              <a:latin typeface="SimHei" charset="-122"/>
-              <a:ea typeface="SimHei" charset="-122"/>
-              <a:cs typeface="SimHei" charset="-122"/>
-            </a:endParaRPr>
-          </a:p>
-          <a:p>
-            <a:r>
-              <a:rPr kumimoji="1" lang="zh-CN" altLang="en-US" sz="1800" dirty="0" smtClean="0">
-                <a:latin typeface="SimHei" charset="-122"/>
-                <a:ea typeface="SimHei" charset="-122"/>
-                <a:cs typeface="SimHei" charset="-122"/>
-              </a:rPr>
-              <a:t>实验数据</a:t>
-            </a:r>
-            <a:endParaRPr kumimoji="1" lang="en-US" altLang="zh-CN" sz="1800" dirty="0" smtClean="0">
-              <a:latin typeface="SimHei" charset="-122"/>
-              <a:ea typeface="SimHei" charset="-122"/>
-              <a:cs typeface="SimHei" charset="-122"/>
-            </a:endParaRPr>
-          </a:p>
-          <a:p>
-            <a:pPr lvl="1"/>
+            <a:r>
+              <a:rPr kumimoji="1" lang="zh-CN" altLang="en-US" sz="1600" dirty="0">
+                <a:latin typeface="SimHei" charset="-122"/>
+                <a:ea typeface="SimHei" charset="-122"/>
+                <a:cs typeface="SimHei" charset="-122"/>
+              </a:rPr>
+              <a:t>为了运用英语单词的拼写</a:t>
+            </a:r>
             <a:r>
               <a:rPr kumimoji="1" lang="zh-CN" altLang="en-US" sz="1600" dirty="0" smtClean="0">
                 <a:latin typeface="SimHei" charset="-122"/>
                 <a:ea typeface="SimHei" charset="-122"/>
                 <a:cs typeface="SimHei" charset="-122"/>
               </a:rPr>
-              <a:t>电影评论 </a:t>
-            </a:r>
-            <a:r>
-              <a:rPr kumimoji="1" lang="en-US" altLang="zh-CN" sz="1600" dirty="0" smtClean="0">
-                <a:latin typeface="Calibri" charset="0"/>
-                <a:ea typeface="Calibri" charset="0"/>
-                <a:cs typeface="Calibri" charset="0"/>
-              </a:rPr>
-              <a:t>Stanford </a:t>
-            </a:r>
-            <a:r>
-              <a:rPr kumimoji="1" lang="en-US" altLang="zh-CN" sz="1600" dirty="0">
-                <a:latin typeface="Calibri" charset="0"/>
-                <a:ea typeface="Calibri" charset="0"/>
-                <a:cs typeface="Calibri" charset="0"/>
-              </a:rPr>
-              <a:t>Sentiment </a:t>
-            </a:r>
-            <a:r>
-              <a:rPr kumimoji="1" lang="en-US" altLang="zh-CN" sz="1600" dirty="0" smtClean="0">
-                <a:latin typeface="Calibri" charset="0"/>
-                <a:ea typeface="Calibri" charset="0"/>
-                <a:cs typeface="Calibri" charset="0"/>
-              </a:rPr>
-              <a:t>Treebank</a:t>
-            </a:r>
-          </a:p>
-          <a:p>
-            <a:pPr lvl="1"/>
-            <a:r>
-              <a:rPr kumimoji="1" lang="zh-CN" altLang="en-US" sz="1600" dirty="0">
-                <a:latin typeface="SimHei" charset="-122"/>
-                <a:ea typeface="SimHei" charset="-122"/>
-                <a:cs typeface="SimHei" charset="-122"/>
-              </a:rPr>
-              <a:t>微</a:t>
-            </a:r>
-            <a:r>
-              <a:rPr kumimoji="1" lang="zh-CN" altLang="en-US" sz="1600" dirty="0" smtClean="0">
-                <a:latin typeface="SimHei" charset="-122"/>
-                <a:ea typeface="SimHei" charset="-122"/>
-                <a:cs typeface="SimHei" charset="-122"/>
-              </a:rPr>
-              <a:t>博</a:t>
-            </a:r>
-            <a:r>
-              <a:rPr kumimoji="1" lang="en-US" altLang="zh-CN" sz="1600" dirty="0" smtClean="0">
-                <a:latin typeface="SimHei" charset="-122"/>
-                <a:ea typeface="SimHei" charset="-122"/>
-                <a:cs typeface="SimHei" charset="-122"/>
-              </a:rPr>
-              <a:t> </a:t>
-            </a:r>
-            <a:r>
-              <a:rPr kumimoji="1" lang="en-US" altLang="zh-CN" sz="1600" dirty="0" smtClean="0">
-                <a:latin typeface="Calibri" charset="0"/>
-                <a:ea typeface="Calibri" charset="0"/>
-                <a:cs typeface="Calibri" charset="0"/>
-              </a:rPr>
-              <a:t>Stanford </a:t>
-            </a:r>
-            <a:r>
-              <a:rPr kumimoji="1" lang="en-US" altLang="zh-CN" sz="1600" dirty="0">
-                <a:latin typeface="Calibri" charset="0"/>
-                <a:ea typeface="Calibri" charset="0"/>
-                <a:cs typeface="Calibri" charset="0"/>
-              </a:rPr>
-              <a:t>Twitter </a:t>
-            </a:r>
-            <a:r>
-              <a:rPr kumimoji="1" lang="en-US" altLang="zh-CN" sz="1600" dirty="0" smtClean="0">
-                <a:latin typeface="Calibri" charset="0"/>
-                <a:ea typeface="Calibri" charset="0"/>
-                <a:cs typeface="Calibri" charset="0"/>
-              </a:rPr>
-              <a:t>Sentiment</a:t>
-            </a:r>
-            <a:r>
-              <a:rPr kumimoji="1" lang="zh-CN" altLang="en-US" sz="1600" dirty="0" smtClean="0">
-                <a:latin typeface="Calibri" charset="0"/>
-                <a:ea typeface="Calibri" charset="0"/>
-                <a:cs typeface="Calibri" charset="0"/>
-              </a:rPr>
-              <a:t> </a:t>
-            </a:r>
-            <a:endParaRPr kumimoji="1" lang="en-US" altLang="zh-CN" dirty="0" smtClean="0">
-              <a:latin typeface="SimHei" charset="-122"/>
-              <a:ea typeface="SimHei" charset="-122"/>
-              <a:cs typeface="SimHei" charset="-122"/>
-            </a:endParaRPr>
-          </a:p>
-          <a:p>
-            <a:r>
-              <a:rPr kumimoji="1" lang="zh-CN" altLang="en-US" sz="1800" dirty="0" smtClean="0">
-                <a:latin typeface="SimHei" charset="-122"/>
-                <a:ea typeface="SimHei" charset="-122"/>
-                <a:cs typeface="SimHei" charset="-122"/>
-              </a:rPr>
-              <a:t>方法</a:t>
-            </a:r>
-            <a:endParaRPr kumimoji="1" lang="en-US" altLang="zh-CN" sz="1800" dirty="0">
-              <a:latin typeface="SimHei" charset="-122"/>
-              <a:ea typeface="SimHei" charset="-122"/>
-              <a:cs typeface="SimHei" charset="-122"/>
-            </a:endParaRPr>
-          </a:p>
-          <a:p>
-            <a:pPr lvl="1"/>
+              <a:t>信息</a:t>
+            </a:r>
+            <a:r>
+              <a:rPr kumimoji="1" lang="zh-TW" altLang="en-US" sz="1600" dirty="0" smtClean="0">
+                <a:latin typeface="SimHei" charset="-122"/>
+                <a:ea typeface="SimHei" charset="-122"/>
+                <a:cs typeface="SimHei" charset="-122"/>
+              </a:rPr>
+              <a:t>，</a:t>
+            </a:r>
             <a:r>
               <a:rPr kumimoji="1" lang="zh-CN" altLang="en-US" sz="1600" dirty="0" smtClean="0">
                 <a:latin typeface="SimHei" charset="-122"/>
@@ -40503,481 +40696,6 @@
       </p:par>
     </p:tnLst>
   </p:timing>
-</p:sld>
-</file>
-
-<file path=ppt/slides/slide9.xml><?xml version="1.0" encoding="utf-8"?>
-<p:sld xmlns:a="http://schemas.openxmlformats.org/drawingml/2006/main" xmlns:r="http://schemas.openxmlformats.org/officeDocument/2006/relationships" xmlns:p="http://schemas.openxmlformats.org/presentationml/2006/main">
-  <p:cSld>
-    <p:spTree>
-      <p:nvGrpSpPr>
-        <p:cNvPr id="1" name=""/>
-        <p:cNvGrpSpPr/>
-        <p:nvPr/>
-      </p:nvGrpSpPr>
-      <p:grpSpPr>
-        <a:xfrm>
-          <a:off x="0" y="0"/>
-          <a:ext cx="0" cy="0"/>
-          <a:chOff x="0" y="0"/>
-          <a:chExt cx="0" cy="0"/>
-        </a:xfrm>
-      </p:grpSpPr>
-      <p:sp>
-        <p:nvSpPr>
-          <p:cNvPr id="2" name="标题 1"/>
-          <p:cNvSpPr>
-            <a:spLocks noGrp="1"/>
-          </p:cNvSpPr>
-          <p:nvPr>
-            <p:ph type="title"/>
-          </p:nvPr>
-        </p:nvSpPr>
-        <p:spPr/>
-        <p:txBody>
-          <a:bodyPr/>
-          <a:lstStyle/>
-          <a:p>
-            <a:r>
-              <a:rPr lang="zh-CN" altLang="en-US" dirty="0">
-                <a:latin typeface="SimHei" charset="-122"/>
-                <a:ea typeface="SimHei" charset="-122"/>
-                <a:cs typeface="SimHei" charset="-122"/>
-              </a:rPr>
-              <a:t>相关工作</a:t>
-            </a:r>
-            <a:endParaRPr kumimoji="1" lang="zh-CN" altLang="en-US" dirty="0"/>
-          </a:p>
-        </p:txBody>
-      </p:sp>
-      <p:sp>
-        <p:nvSpPr>
-          <p:cNvPr id="3" name="内容占位符 2"/>
-          <p:cNvSpPr>
-            <a:spLocks noGrp="1"/>
-          </p:cNvSpPr>
-          <p:nvPr>
-            <p:ph idx="1"/>
-          </p:nvPr>
-        </p:nvSpPr>
-        <p:spPr>
-          <a:xfrm>
-            <a:off x="1097280" y="1563329"/>
-            <a:ext cx="6079024" cy="4305765"/>
-          </a:xfrm>
-        </p:spPr>
-        <p:txBody>
-          <a:bodyPr>
-            <a:normAutofit/>
-          </a:bodyPr>
-          <a:lstStyle/>
-          <a:p>
-            <a:r>
-              <a:rPr kumimoji="1" lang="en-US" altLang="zh-CN" dirty="0">
-                <a:latin typeface="Calibri" charset="0"/>
-                <a:ea typeface="Calibri" charset="0"/>
-                <a:cs typeface="Calibri" charset="0"/>
-              </a:rPr>
-              <a:t>Wang</a:t>
-            </a:r>
-            <a:r>
-              <a:rPr kumimoji="1" lang="zh-CN" altLang="en-US" dirty="0">
-                <a:latin typeface="SimHei" charset="-122"/>
-                <a:ea typeface="SimHei" charset="-122"/>
-                <a:cs typeface="SimHei" charset="-122"/>
-              </a:rPr>
-              <a:t>等</a:t>
-            </a:r>
-            <a:r>
-              <a:rPr kumimoji="1" lang="zh-CN" altLang="en-US" dirty="0" smtClean="0">
-                <a:latin typeface="SimHei" charset="-122"/>
-                <a:ea typeface="SimHei" charset="-122"/>
-                <a:cs typeface="SimHei" charset="-122"/>
-              </a:rPr>
-              <a:t>人研究</a:t>
-            </a:r>
-            <a:r>
-              <a:rPr kumimoji="1" lang="zh-CN" altLang="en-US" dirty="0">
-                <a:latin typeface="SimHei" charset="-122"/>
-                <a:ea typeface="SimHei" charset="-122"/>
-                <a:cs typeface="SimHei" charset="-122"/>
-              </a:rPr>
-              <a:t>了对网上评论中</a:t>
-            </a:r>
-            <a:r>
-              <a:rPr kumimoji="1" lang="zh-CN" altLang="en-US" dirty="0" smtClean="0">
-                <a:latin typeface="SimHei" charset="-122"/>
-                <a:ea typeface="SimHei" charset="-122"/>
-                <a:cs typeface="SimHei" charset="-122"/>
-              </a:rPr>
-              <a:t>特定属性</a:t>
-            </a:r>
-            <a:r>
-              <a:rPr kumimoji="1" lang="zh-CN" altLang="en-US" dirty="0">
-                <a:latin typeface="SimHei" charset="-122"/>
-                <a:ea typeface="SimHei" charset="-122"/>
-                <a:cs typeface="SimHei" charset="-122"/>
-              </a:rPr>
-              <a:t>的情感</a:t>
-            </a:r>
-            <a:r>
-              <a:rPr kumimoji="1" lang="zh-CN" altLang="en-US" dirty="0" smtClean="0">
-                <a:latin typeface="SimHei" charset="-122"/>
-                <a:ea typeface="SimHei" charset="-122"/>
-                <a:cs typeface="SimHei" charset="-122"/>
-              </a:rPr>
-              <a:t>识别</a:t>
-            </a:r>
-            <a:endParaRPr kumimoji="1" lang="en-US" altLang="zh-CN" dirty="0" smtClean="0">
-              <a:latin typeface="SimHei" charset="-122"/>
-              <a:ea typeface="SimHei" charset="-122"/>
-              <a:cs typeface="SimHei" charset="-122"/>
-            </a:endParaRPr>
-          </a:p>
-          <a:p>
-            <a:endParaRPr kumimoji="1" lang="en-US" altLang="zh-CN" dirty="0" smtClean="0">
-              <a:latin typeface="SimHei" charset="-122"/>
-              <a:ea typeface="SimHei" charset="-122"/>
-              <a:cs typeface="SimHei" charset="-122"/>
-            </a:endParaRPr>
-          </a:p>
-          <a:p>
-            <a:r>
-              <a:rPr kumimoji="1" lang="zh-CN" altLang="en-US" dirty="0" smtClean="0">
-                <a:latin typeface="SimHei" charset="-122"/>
-                <a:ea typeface="SimHei" charset="-122"/>
-                <a:cs typeface="SimHei" charset="-122"/>
-              </a:rPr>
-              <a:t>实验数据</a:t>
-            </a:r>
-            <a:endParaRPr kumimoji="1" lang="en-US" altLang="zh-CN" dirty="0" smtClean="0">
-              <a:latin typeface="SimHei" charset="-122"/>
-              <a:ea typeface="SimHei" charset="-122"/>
-              <a:cs typeface="SimHei" charset="-122"/>
-            </a:endParaRPr>
-          </a:p>
-          <a:p>
-            <a:pPr lvl="1"/>
-            <a:r>
-              <a:rPr lang="en-US" altLang="zh-CN" i="1" dirty="0" err="1" smtClean="0">
-                <a:latin typeface="Times New Roman" charset="0"/>
-                <a:ea typeface="Times New Roman" charset="0"/>
-                <a:cs typeface="Times New Roman" charset="0"/>
-              </a:rPr>
-              <a:t>SemEval</a:t>
-            </a:r>
-            <a:r>
-              <a:rPr lang="en-US" altLang="zh-CN" i="1" dirty="0" smtClean="0">
-                <a:latin typeface="Times New Roman" charset="0"/>
-                <a:ea typeface="Times New Roman" charset="0"/>
-                <a:cs typeface="Times New Roman" charset="0"/>
-              </a:rPr>
-              <a:t> 2014 Task 3: </a:t>
-            </a:r>
-            <a:r>
-              <a:rPr lang="en-US" altLang="zh-CN" i="1" dirty="0">
-                <a:latin typeface="Times New Roman" charset="0"/>
-                <a:ea typeface="Times New Roman" charset="0"/>
-                <a:cs typeface="Times New Roman" charset="0"/>
-              </a:rPr>
-              <a:t>Aspect Based Sentiment Analysis</a:t>
-            </a:r>
-            <a:endParaRPr kumimoji="1" lang="en-US" altLang="zh-CN" i="1" dirty="0" smtClean="0">
-              <a:latin typeface="Times New Roman" charset="0"/>
-              <a:ea typeface="Times New Roman" charset="0"/>
-              <a:cs typeface="Times New Roman" charset="0"/>
-            </a:endParaRPr>
-          </a:p>
-          <a:p>
-            <a:r>
-              <a:rPr kumimoji="1" lang="zh-CN" altLang="en-US" dirty="0" smtClean="0">
-                <a:latin typeface="SimHei" charset="-122"/>
-                <a:ea typeface="SimHei" charset="-122"/>
-                <a:cs typeface="SimHei" charset="-122"/>
-              </a:rPr>
-              <a:t>方法</a:t>
-            </a:r>
-            <a:endParaRPr kumimoji="1" lang="en-US" altLang="zh-CN" dirty="0" smtClean="0">
-              <a:latin typeface="SimHei" charset="-122"/>
-              <a:ea typeface="SimHei" charset="-122"/>
-              <a:cs typeface="SimHei" charset="-122"/>
-            </a:endParaRPr>
-          </a:p>
-          <a:p>
-            <a:pPr lvl="1"/>
-            <a:r>
-              <a:rPr kumimoji="1" lang="zh-CN" altLang="en-US" dirty="0">
-                <a:latin typeface="SimHei" charset="-122"/>
-                <a:ea typeface="SimHei" charset="-122"/>
-                <a:cs typeface="SimHei" charset="-122"/>
-              </a:rPr>
-              <a:t>提出</a:t>
-            </a:r>
-            <a:r>
-              <a:rPr kumimoji="1" lang="zh-CN" altLang="en-US" dirty="0" smtClean="0">
-                <a:latin typeface="SimHei" charset="-122"/>
-                <a:ea typeface="SimHei" charset="-122"/>
-                <a:cs typeface="SimHei" charset="-122"/>
-              </a:rPr>
-              <a:t>了</a:t>
-            </a:r>
-            <a:r>
-              <a:rPr kumimoji="1" lang="zh-TW" altLang="en-US" dirty="0" smtClean="0">
-                <a:latin typeface="SimHei" charset="-122"/>
-                <a:ea typeface="SimHei" charset="-122"/>
-                <a:cs typeface="SimHei" charset="-122"/>
-              </a:rPr>
-              <a:t>两</a:t>
-            </a:r>
-            <a:r>
-              <a:rPr kumimoji="1" lang="zh-CN" altLang="en-US" dirty="0" smtClean="0">
-                <a:latin typeface="SimHei" charset="-122"/>
-                <a:ea typeface="SimHei" charset="-122"/>
-                <a:cs typeface="SimHei" charset="-122"/>
-              </a:rPr>
-              <a:t>个</a:t>
-            </a:r>
-            <a:r>
-              <a:rPr kumimoji="1" lang="zh-CN" altLang="en-US" dirty="0">
-                <a:latin typeface="SimHei" charset="-122"/>
-                <a:ea typeface="SimHei" charset="-122"/>
-                <a:cs typeface="SimHei" charset="-122"/>
-              </a:rPr>
-              <a:t>结合注意力机制和</a:t>
-            </a:r>
-            <a:r>
-              <a:rPr kumimoji="1" lang="en-US" altLang="zh-CN" dirty="0">
-                <a:latin typeface="SimHei" charset="-122"/>
-                <a:ea typeface="SimHei" charset="-122"/>
-                <a:cs typeface="SimHei" charset="-122"/>
-              </a:rPr>
-              <a:t>LSTM</a:t>
-            </a:r>
-            <a:r>
-              <a:rPr kumimoji="1" lang="zh-CN" altLang="en-US" dirty="0">
-                <a:latin typeface="SimHei" charset="-122"/>
-                <a:ea typeface="SimHei" charset="-122"/>
-                <a:cs typeface="SimHei" charset="-122"/>
-              </a:rPr>
-              <a:t>的人工神经</a:t>
-            </a:r>
-            <a:r>
-              <a:rPr kumimoji="1" lang="zh-CN" altLang="en-US" dirty="0" smtClean="0">
-                <a:latin typeface="SimHei" charset="-122"/>
-                <a:ea typeface="SimHei" charset="-122"/>
-                <a:cs typeface="SimHei" charset="-122"/>
-              </a:rPr>
-              <a:t>网络</a:t>
-            </a:r>
-            <a:endParaRPr kumimoji="1" lang="en-US" altLang="zh-CN" dirty="0" smtClean="0">
-              <a:latin typeface="SimHei" charset="-122"/>
-              <a:ea typeface="SimHei" charset="-122"/>
-              <a:cs typeface="SimHei" charset="-122"/>
-            </a:endParaRPr>
-          </a:p>
-          <a:p>
-            <a:pPr lvl="1"/>
-            <a:r>
-              <a:rPr kumimoji="1" lang="zh-CN" altLang="en-US" dirty="0">
-                <a:latin typeface="SimHei" charset="-122"/>
-                <a:ea typeface="SimHei" charset="-122"/>
-                <a:cs typeface="SimHei" charset="-122"/>
-              </a:rPr>
-              <a:t>分别以不同方式引入了目标属性的嵌入向量</a:t>
-            </a:r>
-            <a:endParaRPr kumimoji="1" lang="en-US" altLang="zh-CN" dirty="0" smtClean="0">
-              <a:latin typeface="SimHei" charset="-122"/>
-              <a:ea typeface="SimHei" charset="-122"/>
-              <a:cs typeface="SimHei" charset="-122"/>
-            </a:endParaRPr>
-          </a:p>
-          <a:p>
-            <a:r>
-              <a:rPr kumimoji="1" lang="zh-CN" altLang="en-US" dirty="0" smtClean="0">
-                <a:latin typeface="SimHei" charset="-122"/>
-                <a:ea typeface="SimHei" charset="-122"/>
-                <a:cs typeface="SimHei" charset="-122"/>
-              </a:rPr>
-              <a:t>实验结果</a:t>
-            </a:r>
-            <a:endParaRPr kumimoji="1" lang="en-US" altLang="zh-CN" dirty="0" smtClean="0">
-              <a:latin typeface="SimHei" charset="-122"/>
-              <a:ea typeface="SimHei" charset="-122"/>
-              <a:cs typeface="SimHei" charset="-122"/>
-            </a:endParaRPr>
-          </a:p>
-          <a:p>
-            <a:pPr lvl="1"/>
-            <a:r>
-              <a:rPr kumimoji="1" lang="zh-CN" altLang="en-US" dirty="0">
-                <a:latin typeface="SimHei" charset="-122"/>
-                <a:ea typeface="SimHei" charset="-122"/>
-                <a:cs typeface="SimHei" charset="-122"/>
-              </a:rPr>
-              <a:t>他们的模型比没有引入属性嵌入向量的模型</a:t>
-            </a:r>
-            <a:r>
-              <a:rPr kumimoji="1" lang="zh-CN" altLang="en-US" dirty="0" smtClean="0">
-                <a:latin typeface="SimHei" charset="-122"/>
-                <a:ea typeface="SimHei" charset="-122"/>
-                <a:cs typeface="SimHei" charset="-122"/>
-              </a:rPr>
-              <a:t>性能更好</a:t>
-            </a:r>
-            <a:endParaRPr kumimoji="1" lang="en-US" altLang="zh-CN" dirty="0" smtClean="0">
-              <a:latin typeface="SimHei" charset="-122"/>
-              <a:ea typeface="SimHei" charset="-122"/>
-              <a:cs typeface="SimHei" charset="-122"/>
-            </a:endParaRPr>
-          </a:p>
-          <a:p>
-            <a:pPr lvl="1"/>
-            <a:r>
-              <a:rPr kumimoji="1" lang="zh-CN" altLang="en-US" dirty="0" smtClean="0">
-                <a:latin typeface="SimHei" charset="-122"/>
-                <a:ea typeface="SimHei" charset="-122"/>
-                <a:cs typeface="SimHei" charset="-122"/>
-              </a:rPr>
-              <a:t>注意力机制确实能定位和目标属性相关的内容</a:t>
-            </a:r>
-            <a:endParaRPr kumimoji="1" lang="en-US" altLang="zh-CN" dirty="0" smtClean="0">
-              <a:latin typeface="SimHei" charset="-122"/>
-              <a:ea typeface="SimHei" charset="-122"/>
-              <a:cs typeface="SimHei" charset="-122"/>
-            </a:endParaRPr>
-          </a:p>
-        </p:txBody>
-      </p:sp>
-      <p:sp>
-        <p:nvSpPr>
-          <p:cNvPr id="4" name="矩形 3"/>
-          <p:cNvSpPr/>
-          <p:nvPr/>
-        </p:nvSpPr>
-        <p:spPr>
-          <a:xfrm>
-            <a:off x="1097280" y="6392652"/>
-            <a:ext cx="10420741" cy="461665"/>
-          </a:xfrm>
-          <a:prstGeom prst="rect">
-            <a:avLst/>
-          </a:prstGeom>
-        </p:spPr>
-        <p:txBody>
-          <a:bodyPr wrap="square">
-            <a:spAutoFit/>
-          </a:bodyPr>
-          <a:lstStyle/>
-          <a:p>
-            <a:r>
-              <a:rPr lang="en-US" altLang="zh-CN" sz="1200" dirty="0"/>
-              <a:t>Wang Y, Huang M, Zhao L, et al. Attention-based </a:t>
-            </a:r>
-            <a:r>
-              <a:rPr lang="en-US" altLang="zh-CN" sz="1200" dirty="0" err="1"/>
-              <a:t>lstm</a:t>
-            </a:r>
-            <a:r>
-              <a:rPr lang="en-US" altLang="zh-CN" sz="1200" dirty="0"/>
-              <a:t> for aspect-level sentiment </a:t>
-            </a:r>
-            <a:r>
-              <a:rPr lang="en-US" altLang="zh-CN" sz="1200" dirty="0" smtClean="0"/>
-              <a:t>classification [C</a:t>
-            </a:r>
-            <a:r>
-              <a:rPr lang="en-US" altLang="zh-CN" sz="1200" dirty="0"/>
-              <a:t>]//Proceedings of the 2016 conference on empirical methods in natural language processing</a:t>
-            </a:r>
-            <a:r>
-              <a:rPr lang="en-US" altLang="zh-CN" sz="1200" dirty="0" smtClean="0"/>
-              <a:t>. </a:t>
-            </a:r>
-            <a:r>
-              <a:rPr lang="pt-BR" altLang="zh-CN" sz="1200" dirty="0" smtClean="0"/>
-              <a:t>[</a:t>
-            </a:r>
-            <a:r>
-              <a:rPr lang="pt-BR" altLang="zh-CN" sz="1200" dirty="0" err="1"/>
-              <a:t>S.l</a:t>
-            </a:r>
-            <a:r>
-              <a:rPr lang="pt-BR" altLang="zh-CN" sz="1200" dirty="0"/>
-              <a:t>.: s.n.], 2016: 606-615.</a:t>
-            </a:r>
-            <a:endParaRPr lang="zh-CN" altLang="en-US" sz="1200" dirty="0"/>
-          </a:p>
-        </p:txBody>
-      </p:sp>
-      <p:pic>
-        <p:nvPicPr>
-          <p:cNvPr id="6" name="图片 5"/>
-          <p:cNvPicPr>
-            <a:picLocks noChangeAspect="1"/>
-          </p:cNvPicPr>
-          <p:nvPr/>
-        </p:nvPicPr>
-        <p:blipFill rotWithShape="1">
-          <a:blip r:embed="rId2">
-            <a:extLst>
-              <a:ext uri="{28A0092B-C50C-407E-A947-70E740481C1C}">
-                <a14:useLocalDpi xmlns:a14="http://schemas.microsoft.com/office/drawing/2010/main" val="0"/>
-              </a:ext>
-            </a:extLst>
-          </a:blip>
-          <a:srcRect l="1493"/>
-          <a:stretch/>
-        </p:blipFill>
-        <p:spPr>
-          <a:xfrm>
-            <a:off x="7184354" y="3778864"/>
-            <a:ext cx="4333667" cy="2398808"/>
-          </a:xfrm>
-          <a:prstGeom prst="rect">
-            <a:avLst/>
-          </a:prstGeom>
-        </p:spPr>
-      </p:pic>
-      <p:pic>
-        <p:nvPicPr>
-          <p:cNvPr id="7" name="图片 6"/>
-          <p:cNvPicPr>
-            <a:picLocks noChangeAspect="1"/>
-          </p:cNvPicPr>
-          <p:nvPr/>
-        </p:nvPicPr>
-        <p:blipFill>
-          <a:blip r:embed="rId3">
-            <a:extLst>
-              <a:ext uri="{28A0092B-C50C-407E-A947-70E740481C1C}">
-                <a14:useLocalDpi xmlns:a14="http://schemas.microsoft.com/office/drawing/2010/main" val="0"/>
-              </a:ext>
-            </a:extLst>
-          </a:blip>
-          <a:stretch>
-            <a:fillRect/>
-          </a:stretch>
-        </p:blipFill>
-        <p:spPr>
-          <a:xfrm>
-            <a:off x="7176304" y="1690647"/>
-            <a:ext cx="4333667" cy="1953756"/>
-          </a:xfrm>
-          <a:prstGeom prst="rect">
-            <a:avLst/>
-          </a:prstGeom>
-        </p:spPr>
-      </p:pic>
-    </p:spTree>
-    <p:extLst>
-      <p:ext uri="{BB962C8B-B14F-4D97-AF65-F5344CB8AC3E}">
-        <p14:creationId xmlns:p14="http://schemas.microsoft.com/office/powerpoint/2010/main" val="1636840312"/>
-      </p:ext>
-    </p:extLst>
-  </p:cSld>
-  <p:clrMapOvr>
-    <a:masterClrMapping/>
-  </p:clrMapOvr>
 </p:sld>
 </file>
 

--- a/计研163_梁锡豪_2016211014.pptx
+++ b/计研163_梁锡豪_2016211014.pptx
@@ -5,10 +5,10 @@
     <p:sldMasterId id="2147483708" r:id="rId1"/>
   </p:sldMasterIdLst>
   <p:notesMasterIdLst>
-    <p:notesMasterId r:id="rId38"/>
+    <p:notesMasterId r:id="rId36"/>
   </p:notesMasterIdLst>
   <p:handoutMasterIdLst>
-    <p:handoutMasterId r:id="rId39"/>
+    <p:handoutMasterId r:id="rId37"/>
   </p:handoutMasterIdLst>
   <p:sldIdLst>
     <p:sldId id="256" r:id="rId2"/>
@@ -45,8 +45,6 @@
     <p:sldId id="290" r:id="rId33"/>
     <p:sldId id="274" r:id="rId34"/>
     <p:sldId id="267" r:id="rId35"/>
-    <p:sldId id="264" r:id="rId36"/>
-    <p:sldId id="262" r:id="rId37"/>
   </p:sldIdLst>
   <p:sldSz cx="12192000" cy="6858000"/>
   <p:notesSz cx="6858000" cy="9144000"/>
@@ -6678,7 +6676,7 @@
           </a:bodyPr>
           <a:lstStyle/>
           <a:p>
-            <a:endParaRPr kumimoji="1" lang="en-US" altLang="zh-CN" dirty="0" smtClean="0">
+            <a:endParaRPr kumimoji="1" lang="en-US" altLang="zh-CN" sz="2400" dirty="0" smtClean="0">
               <a:latin typeface="SimHei" charset="-122"/>
               <a:ea typeface="SimHei" charset="-122"/>
               <a:cs typeface="SimHei" charset="-122"/>
@@ -6699,7 +6697,7 @@
                 <a:ea typeface="SimHei" charset="-122"/>
                 <a:cs typeface="SimHei" charset="-122"/>
               </a:rPr>
-              <a:t>分类</a:t>
+              <a:t>分类问题中的数据不</a:t>
             </a:r>
             <a:r>
               <a:rPr kumimoji="1" lang="zh-CN" altLang="en-US" sz="2400" dirty="0" smtClean="0">
@@ -6707,7 +6705,197 @@
                 <a:ea typeface="SimHei" charset="-122"/>
                 <a:cs typeface="SimHei" charset="-122"/>
               </a:rPr>
-              <a:t>问题的复杂性</a:t>
+              <a:t>均匀</a:t>
+            </a:r>
+            <a:endParaRPr kumimoji="1" lang="en-US" altLang="zh-CN" sz="2000" dirty="0" smtClean="0">
+              <a:latin typeface="SimHei" charset="-122"/>
+              <a:ea typeface="SimHei" charset="-122"/>
+              <a:cs typeface="SimHei" charset="-122"/>
+            </a:endParaRPr>
+          </a:p>
+          <a:p>
+            <a:pPr lvl="1"/>
+            <a:r>
+              <a:rPr kumimoji="1" lang="zh-CN" altLang="en-US" sz="2000" dirty="0">
+                <a:latin typeface="SimHei" charset="-122"/>
+                <a:ea typeface="SimHei" charset="-122"/>
+                <a:cs typeface="SimHei" charset="-122"/>
+              </a:rPr>
+              <a:t>随着现实中应用场景变得复杂，需要解决的多分类问题越来越</a:t>
+            </a:r>
+            <a:r>
+              <a:rPr kumimoji="1" lang="zh-CN" altLang="en-US" sz="2000" dirty="0" smtClean="0">
+                <a:latin typeface="SimHei" charset="-122"/>
+                <a:ea typeface="SimHei" charset="-122"/>
+                <a:cs typeface="SimHei" charset="-122"/>
+              </a:rPr>
+              <a:t>多</a:t>
+            </a:r>
+            <a:endParaRPr kumimoji="1" lang="en-US" altLang="zh-CN" sz="2000" dirty="0" smtClean="0">
+              <a:latin typeface="SimHei" charset="-122"/>
+              <a:ea typeface="SimHei" charset="-122"/>
+              <a:cs typeface="SimHei" charset="-122"/>
+            </a:endParaRPr>
+          </a:p>
+          <a:p>
+            <a:pPr lvl="1"/>
+            <a:r>
+              <a:rPr kumimoji="1" lang="zh-CN" altLang="en-US" sz="2000" dirty="0" smtClean="0">
+                <a:latin typeface="SimHei" charset="-122"/>
+                <a:ea typeface="SimHei" charset="-122"/>
+                <a:cs typeface="SimHei" charset="-122"/>
+              </a:rPr>
+              <a:t>当</a:t>
+            </a:r>
+            <a:r>
+              <a:rPr kumimoji="1" lang="zh-CN" altLang="en-US" sz="2000" dirty="0">
+                <a:latin typeface="SimHei" charset="-122"/>
+                <a:ea typeface="SimHei" charset="-122"/>
+                <a:cs typeface="SimHei" charset="-122"/>
+              </a:rPr>
+              <a:t>区分的类别越</a:t>
+            </a:r>
+            <a:r>
+              <a:rPr kumimoji="1" lang="zh-CN" altLang="en-US" sz="2000" dirty="0" smtClean="0">
+                <a:latin typeface="SimHei" charset="-122"/>
+                <a:ea typeface="SimHei" charset="-122"/>
+                <a:cs typeface="SimHei" charset="-122"/>
+              </a:rPr>
+              <a:t>多</a:t>
+            </a:r>
+            <a:endParaRPr kumimoji="1" lang="en-US" altLang="zh-CN" sz="2000" dirty="0" smtClean="0">
+              <a:latin typeface="SimHei" charset="-122"/>
+              <a:ea typeface="SimHei" charset="-122"/>
+              <a:cs typeface="SimHei" charset="-122"/>
+            </a:endParaRPr>
+          </a:p>
+          <a:p>
+            <a:pPr lvl="2"/>
+            <a:r>
+              <a:rPr kumimoji="1" lang="zh-CN" altLang="en-US" sz="1600" dirty="0" smtClean="0">
+                <a:latin typeface="SimHei" charset="-122"/>
+                <a:ea typeface="SimHei" charset="-122"/>
+                <a:cs typeface="SimHei" charset="-122"/>
+              </a:rPr>
+              <a:t>机器</a:t>
+            </a:r>
+            <a:r>
+              <a:rPr kumimoji="1" lang="zh-CN" altLang="en-US" sz="1600" dirty="0">
+                <a:latin typeface="SimHei" charset="-122"/>
+                <a:ea typeface="SimHei" charset="-122"/>
+                <a:cs typeface="SimHei" charset="-122"/>
+              </a:rPr>
+              <a:t>学习算法对数据进行拟合的难度越</a:t>
+            </a:r>
+            <a:r>
+              <a:rPr kumimoji="1" lang="zh-CN" altLang="en-US" sz="1600" dirty="0" smtClean="0">
+                <a:latin typeface="SimHei" charset="-122"/>
+                <a:ea typeface="SimHei" charset="-122"/>
+                <a:cs typeface="SimHei" charset="-122"/>
+              </a:rPr>
+              <a:t>高</a:t>
+            </a:r>
+            <a:endParaRPr kumimoji="1" lang="en-US" altLang="zh-CN" sz="1600" dirty="0" smtClean="0">
+              <a:latin typeface="SimHei" charset="-122"/>
+              <a:ea typeface="SimHei" charset="-122"/>
+              <a:cs typeface="SimHei" charset="-122"/>
+            </a:endParaRPr>
+          </a:p>
+          <a:p>
+            <a:pPr lvl="2"/>
+            <a:r>
+              <a:rPr kumimoji="1" lang="zh-CN" altLang="en-US" sz="1600" dirty="0" smtClean="0">
+                <a:latin typeface="SimHei" charset="-122"/>
+                <a:ea typeface="SimHei" charset="-122"/>
+                <a:cs typeface="SimHei" charset="-122"/>
+              </a:rPr>
+              <a:t>对</a:t>
+            </a:r>
+            <a:r>
+              <a:rPr kumimoji="1" lang="zh-CN" altLang="en-US" sz="1600" dirty="0">
+                <a:latin typeface="SimHei" charset="-122"/>
+                <a:ea typeface="SimHei" charset="-122"/>
+                <a:cs typeface="SimHei" charset="-122"/>
+              </a:rPr>
+              <a:t>识别性能的要求也变得</a:t>
+            </a:r>
+            <a:r>
+              <a:rPr kumimoji="1" lang="zh-CN" altLang="en-US" sz="1600" dirty="0" smtClean="0">
+                <a:latin typeface="SimHei" charset="-122"/>
+                <a:ea typeface="SimHei" charset="-122"/>
+                <a:cs typeface="SimHei" charset="-122"/>
+              </a:rPr>
+              <a:t>复杂</a:t>
+            </a:r>
+            <a:endParaRPr kumimoji="1" lang="en-US" altLang="zh-CN" sz="1600" dirty="0" smtClean="0">
+              <a:latin typeface="SimHei" charset="-122"/>
+              <a:ea typeface="SimHei" charset="-122"/>
+              <a:cs typeface="SimHei" charset="-122"/>
+            </a:endParaRPr>
+          </a:p>
+          <a:p>
+            <a:pPr lvl="3"/>
+            <a:r>
+              <a:rPr kumimoji="1" lang="zh-CN" altLang="en-US" sz="1600" dirty="0" smtClean="0">
+                <a:latin typeface="SimHei" charset="-122"/>
+                <a:ea typeface="SimHei" charset="-122"/>
+                <a:cs typeface="SimHei" charset="-122"/>
+              </a:rPr>
+              <a:t>譬如</a:t>
+            </a:r>
+            <a:r>
+              <a:rPr kumimoji="1" lang="zh-CN" altLang="en-US" sz="1600" dirty="0">
+                <a:latin typeface="SimHei" charset="-122"/>
+                <a:ea typeface="SimHei" charset="-122"/>
+                <a:cs typeface="SimHei" charset="-122"/>
+              </a:rPr>
+              <a:t>确保个别类别的召回率和正确率</a:t>
+            </a:r>
+            <a:r>
+              <a:rPr kumimoji="1" lang="zh-CN" altLang="en-US" sz="1600" dirty="0" smtClean="0">
+                <a:latin typeface="SimHei" charset="-122"/>
+                <a:ea typeface="SimHei" charset="-122"/>
+                <a:cs typeface="SimHei" charset="-122"/>
+              </a:rPr>
+              <a:t>等</a:t>
+            </a:r>
+            <a:endParaRPr kumimoji="1" lang="en-US" altLang="zh-CN" sz="1600" dirty="0" smtClean="0">
+              <a:latin typeface="SimHei" charset="-122"/>
+              <a:ea typeface="SimHei" charset="-122"/>
+              <a:cs typeface="SimHei" charset="-122"/>
+            </a:endParaRPr>
+          </a:p>
+          <a:p>
+            <a:endParaRPr kumimoji="1" lang="en-US" altLang="zh-CN" sz="2400" dirty="0">
+              <a:latin typeface="SimHei" charset="-122"/>
+              <a:ea typeface="SimHei" charset="-122"/>
+              <a:cs typeface="SimHei" charset="-122"/>
+            </a:endParaRPr>
+          </a:p>
+          <a:p>
+            <a:r>
+              <a:rPr kumimoji="1" lang="zh-CN" altLang="en-US" sz="2400" dirty="0" smtClean="0">
+                <a:latin typeface="SimHei" charset="-122"/>
+                <a:ea typeface="SimHei" charset="-122"/>
+                <a:cs typeface="SimHei" charset="-122"/>
+              </a:rPr>
+              <a:t>算法</a:t>
+            </a:r>
+            <a:r>
+              <a:rPr kumimoji="1" lang="zh-CN" altLang="en-US" sz="2400" dirty="0">
+                <a:latin typeface="SimHei" charset="-122"/>
+                <a:ea typeface="SimHei" charset="-122"/>
+                <a:cs typeface="SimHei" charset="-122"/>
+              </a:rPr>
+              <a:t>建模中引入上下文</a:t>
+            </a:r>
+            <a:r>
+              <a:rPr kumimoji="1" lang="zh-CN" altLang="en-US" sz="2400" dirty="0" smtClean="0">
+                <a:latin typeface="SimHei" charset="-122"/>
+                <a:ea typeface="SimHei" charset="-122"/>
+                <a:cs typeface="SimHei" charset="-122"/>
+              </a:rPr>
+              <a:t>信息</a:t>
             </a:r>
             <a:endParaRPr kumimoji="1" lang="en-US" altLang="zh-CN" sz="2400" dirty="0" smtClean="0">
               <a:latin typeface="SimHei" charset="-122"/>
@@ -6723,7 +6911,7 @@
                 <a:ea typeface="SimHei" charset="-122"/>
                 <a:cs typeface="SimHei" charset="-122"/>
               </a:rPr>
-              <a:t>机器</a:t>
+              <a:t>不同</a:t>
             </a:r>
             <a:r>
               <a:rPr kumimoji="1" lang="zh-CN" altLang="en-US" sz="2000" dirty="0">
@@ -6731,7 +6919,7 @@
                 <a:ea typeface="SimHei" charset="-122"/>
                 <a:cs typeface="SimHei" charset="-122"/>
               </a:rPr>
-              <a:t>学习算法对数据进行拟合的难度更</a:t>
+              <a:t>场景下有不同类型的上下文，对识别目标起着不同的</a:t>
             </a:r>
             <a:r>
               <a:rPr kumimoji="1" lang="zh-CN" altLang="en-US" sz="2000" dirty="0" smtClean="0">
@@ -6739,7 +6927,7 @@
                 <a:ea typeface="SimHei" charset="-122"/>
                 <a:cs typeface="SimHei" charset="-122"/>
               </a:rPr>
-              <a:t>高</a:t>
+              <a:t>作用</a:t>
             </a:r>
             <a:endParaRPr kumimoji="1" lang="en-US" altLang="zh-CN" sz="2000" dirty="0" smtClean="0">
               <a:latin typeface="SimHei" charset="-122"/>
@@ -6755,7 +6943,7 @@
                 <a:ea typeface="SimHei" charset="-122"/>
                 <a:cs typeface="SimHei" charset="-122"/>
               </a:rPr>
-              <a:t>对</a:t>
+              <a:t>如何</a:t>
             </a:r>
             <a:r>
               <a:rPr kumimoji="1" lang="zh-CN" altLang="en-US" sz="2000" dirty="0">
@@ -6763,175 +6951,9 @@
                 <a:ea typeface="SimHei" charset="-122"/>
                 <a:cs typeface="SimHei" charset="-122"/>
               </a:rPr>
-              <a:t>识别性能的要求也变得</a:t>
-            </a:r>
-            <a:r>
-              <a:rPr kumimoji="1" lang="zh-CN" altLang="en-US" sz="2000" dirty="0" smtClean="0">
-                <a:latin typeface="SimHei" charset="-122"/>
-                <a:ea typeface="SimHei" charset="-122"/>
-                <a:cs typeface="SimHei" charset="-122"/>
-              </a:rPr>
-              <a:t>复杂</a:t>
-            </a:r>
-            <a:endParaRPr kumimoji="1" lang="en-US" altLang="zh-CN" sz="2000" dirty="0" smtClean="0">
-              <a:latin typeface="SimHei" charset="-122"/>
-              <a:ea typeface="SimHei" charset="-122"/>
-              <a:cs typeface="SimHei" charset="-122"/>
-            </a:endParaRPr>
-          </a:p>
-          <a:p>
-            <a:pPr lvl="2"/>
-            <a:r>
-              <a:rPr kumimoji="1" lang="zh-CN" altLang="en-US" sz="1600" dirty="0" smtClean="0">
-                <a:latin typeface="SimHei" charset="-122"/>
-                <a:ea typeface="SimHei" charset="-122"/>
-                <a:cs typeface="SimHei" charset="-122"/>
-              </a:rPr>
-              <a:t>譬如</a:t>
-            </a:r>
-            <a:r>
-              <a:rPr kumimoji="1" lang="zh-CN" altLang="en-US" sz="1600" dirty="0">
-                <a:latin typeface="SimHei" charset="-122"/>
-                <a:ea typeface="SimHei" charset="-122"/>
-                <a:cs typeface="SimHei" charset="-122"/>
-              </a:rPr>
-              <a:t>确保个别类别的召回率和正确率</a:t>
-            </a:r>
-            <a:r>
-              <a:rPr kumimoji="1" lang="zh-CN" altLang="en-US" sz="1600" dirty="0" smtClean="0">
-                <a:latin typeface="SimHei" charset="-122"/>
-                <a:ea typeface="SimHei" charset="-122"/>
-                <a:cs typeface="SimHei" charset="-122"/>
-              </a:rPr>
-              <a:t>等</a:t>
-            </a:r>
-            <a:endParaRPr kumimoji="1" lang="en-US" altLang="zh-CN" sz="1600" dirty="0" smtClean="0">
-              <a:latin typeface="SimHei" charset="-122"/>
-              <a:ea typeface="SimHei" charset="-122"/>
-              <a:cs typeface="SimHei" charset="-122"/>
-            </a:endParaRPr>
-          </a:p>
-          <a:p>
-            <a:endParaRPr kumimoji="1" lang="en-US" altLang="zh-CN" sz="2400" dirty="0" smtClean="0">
-              <a:latin typeface="SimHei" charset="-122"/>
-              <a:ea typeface="SimHei" charset="-122"/>
-              <a:cs typeface="SimHei" charset="-122"/>
-            </a:endParaRPr>
-          </a:p>
-          <a:p>
-            <a:r>
-              <a:rPr kumimoji="1" lang="zh-CN" altLang="en-US" sz="2400" dirty="0" smtClean="0">
-                <a:latin typeface="SimHei" charset="-122"/>
-                <a:ea typeface="SimHei" charset="-122"/>
-                <a:cs typeface="SimHei" charset="-122"/>
-              </a:rPr>
-              <a:t>算法</a:t>
-            </a:r>
-            <a:r>
-              <a:rPr kumimoji="1" lang="zh-CN" altLang="en-US" sz="2400" dirty="0">
-                <a:latin typeface="SimHei" charset="-122"/>
-                <a:ea typeface="SimHei" charset="-122"/>
-                <a:cs typeface="SimHei" charset="-122"/>
-              </a:rPr>
-              <a:t>建模中引入上下文</a:t>
-            </a:r>
-            <a:r>
-              <a:rPr kumimoji="1" lang="zh-CN" altLang="en-US" sz="2400" dirty="0" smtClean="0">
-                <a:latin typeface="SimHei" charset="-122"/>
-                <a:ea typeface="SimHei" charset="-122"/>
-                <a:cs typeface="SimHei" charset="-122"/>
-              </a:rPr>
-              <a:t>信息</a:t>
-            </a:r>
-            <a:endParaRPr kumimoji="1" lang="en-US" altLang="zh-CN" sz="2400" dirty="0" smtClean="0">
-              <a:latin typeface="SimHei" charset="-122"/>
-              <a:ea typeface="SimHei" charset="-122"/>
-              <a:cs typeface="SimHei" charset="-122"/>
-            </a:endParaRPr>
-          </a:p>
-          <a:p>
-            <a:pPr lvl="1"/>
-            <a:r>
-              <a:rPr kumimoji="1" lang="zh-CN" altLang="en-US" sz="2000" dirty="0" smtClean="0">
-                <a:latin typeface="SimHei" charset="-122"/>
-                <a:ea typeface="SimHei" charset="-122"/>
-                <a:cs typeface="SimHei" charset="-122"/>
-              </a:rPr>
-              <a:t>不同</a:t>
-            </a:r>
-            <a:r>
-              <a:rPr kumimoji="1" lang="zh-CN" altLang="en-US" sz="2000" dirty="0">
-                <a:latin typeface="SimHei" charset="-122"/>
-                <a:ea typeface="SimHei" charset="-122"/>
-                <a:cs typeface="SimHei" charset="-122"/>
-              </a:rPr>
-              <a:t>场景</a:t>
-            </a:r>
-            <a:r>
-              <a:rPr kumimoji="1" lang="zh-CN" altLang="en-US" sz="2000" dirty="0" smtClean="0">
-                <a:latin typeface="SimHei" charset="-122"/>
-                <a:ea typeface="SimHei" charset="-122"/>
-                <a:cs typeface="SimHei" charset="-122"/>
-              </a:rPr>
-              <a:t>下有不同</a:t>
-            </a:r>
-            <a:r>
-              <a:rPr kumimoji="1" lang="zh-CN" altLang="en-US" sz="2000" dirty="0">
-                <a:latin typeface="SimHei" charset="-122"/>
-                <a:ea typeface="SimHei" charset="-122"/>
-                <a:cs typeface="SimHei" charset="-122"/>
-              </a:rPr>
-              <a:t>类型的</a:t>
-            </a:r>
-            <a:r>
-              <a:rPr kumimoji="1" lang="zh-CN" altLang="en-US" sz="2000" dirty="0" smtClean="0">
-                <a:latin typeface="SimHei" charset="-122"/>
-                <a:ea typeface="SimHei" charset="-122"/>
-                <a:cs typeface="SimHei" charset="-122"/>
-              </a:rPr>
-              <a:t>上下文，对识别目标起着不同的作用</a:t>
-            </a:r>
-            <a:endParaRPr kumimoji="1" lang="en-US" altLang="zh-CN" sz="2000" dirty="0" smtClean="0">
-              <a:latin typeface="SimHei" charset="-122"/>
-              <a:ea typeface="SimHei" charset="-122"/>
-              <a:cs typeface="SimHei" charset="-122"/>
-            </a:endParaRPr>
-          </a:p>
-          <a:p>
-            <a:pPr lvl="1"/>
-            <a:r>
-              <a:rPr kumimoji="1" lang="zh-CN" altLang="en-US" sz="2000" dirty="0" smtClean="0">
-                <a:latin typeface="SimHei" charset="-122"/>
-                <a:ea typeface="SimHei" charset="-122"/>
-                <a:cs typeface="SimHei" charset="-122"/>
-              </a:rPr>
-              <a:t>如何</a:t>
-            </a:r>
-            <a:r>
-              <a:rPr kumimoji="1" lang="zh-CN" altLang="en-US" sz="2000" dirty="0">
-                <a:latin typeface="SimHei" charset="-122"/>
-                <a:ea typeface="SimHei" charset="-122"/>
-                <a:cs typeface="SimHei" charset="-122"/>
-              </a:rPr>
-              <a:t>在算法建模中引入上下文信息始终没有一种通用的</a:t>
-            </a:r>
-            <a:r>
-              <a:rPr kumimoji="1" lang="zh-CN" altLang="en-US" sz="2000" dirty="0" smtClean="0">
-                <a:latin typeface="SimHei" charset="-122"/>
-                <a:ea typeface="SimHei" charset="-122"/>
-                <a:cs typeface="SimHei" charset="-122"/>
-              </a:rPr>
-              <a:t>方法</a:t>
-            </a:r>
-            <a:endParaRPr kumimoji="1" lang="en-US" altLang="zh-CN" sz="2000" dirty="0" smtClean="0">
-              <a:latin typeface="SimHei" charset="-122"/>
-              <a:ea typeface="SimHei" charset="-122"/>
-              <a:cs typeface="SimHei" charset="-122"/>
-            </a:endParaRPr>
-          </a:p>
-          <a:p>
-            <a:pPr lvl="1"/>
-            <a:endParaRPr kumimoji="1" lang="zh-CN" altLang="en-US" dirty="0">
+              <a:t>在算法建模中引入上下文信息始终没有一种通用的方法</a:t>
+            </a:r>
+            <a:endParaRPr kumimoji="1" lang="zh-CN" altLang="en-US" sz="2000" dirty="0">
               <a:latin typeface="SimHei" charset="-122"/>
               <a:ea typeface="SimHei" charset="-122"/>
               <a:cs typeface="SimHei" charset="-122"/>
@@ -12660,14 +12682,14 @@
           <p:nvPr>
             <p:extLst>
               <p:ext uri="{D42A27DB-BD31-4B8C-83A1-F6EECF244321}">
-                <p14:modId xmlns:p14="http://schemas.microsoft.com/office/powerpoint/2010/main" val="624032811"/>
+                <p14:modId xmlns:p14="http://schemas.microsoft.com/office/powerpoint/2010/main" val="1029665996"/>
               </p:ext>
             </p:extLst>
           </p:nvPr>
         </p:nvGraphicFramePr>
         <p:xfrm>
-          <a:off x="6229667" y="4301082"/>
-          <a:ext cx="4926012" cy="1568012"/>
+          <a:off x="2643663" y="4110582"/>
+          <a:ext cx="6965633" cy="1568012"/>
         </p:xfrm>
         <a:graphic>
           <a:graphicData uri="http://schemas.openxmlformats.org/drawingml/2006/table">
@@ -12676,11 +12698,11 @@
                 <a:tableStyleId>{BC89EF96-8CEA-46FF-86C4-4CE0E7609802}</a:tableStyleId>
               </a:tblPr>
               <a:tblGrid>
-                <a:gridCol w="1214569"/>
-                <a:gridCol w="934045"/>
-                <a:gridCol w="946255"/>
-                <a:gridCol w="927701"/>
-                <a:gridCol w="903442"/>
+                <a:gridCol w="1717463"/>
+                <a:gridCol w="1320787"/>
+                <a:gridCol w="1338053"/>
+                <a:gridCol w="1311817"/>
+                <a:gridCol w="1277513"/>
               </a:tblGrid>
               <a:tr h="392003">
                 <a:tc>
@@ -13163,8 +13185,8 @@
         </p:nvGrpSpPr>
         <p:grpSpPr>
           <a:xfrm>
-            <a:off x="1097280" y="2197101"/>
-            <a:ext cx="10522735" cy="3255422"/>
+            <a:off x="505945" y="2057400"/>
+            <a:ext cx="11535363" cy="3568699"/>
             <a:chOff x="1445981" y="2452499"/>
             <a:chExt cx="8629861" cy="2669823"/>
           </a:xfrm>
@@ -36744,968 +36766,6 @@
 </p:sld>
 </file>
 
-<file path=ppt/slides/slide35.xml><?xml version="1.0" encoding="utf-8"?>
-<p:sld xmlns:a="http://schemas.openxmlformats.org/drawingml/2006/main" xmlns:r="http://schemas.openxmlformats.org/officeDocument/2006/relationships" xmlns:p="http://schemas.openxmlformats.org/presentationml/2006/main">
-  <p:cSld>
-    <p:spTree>
-      <p:nvGrpSpPr>
-        <p:cNvPr id="1" name=""/>
-        <p:cNvGrpSpPr/>
-        <p:nvPr/>
-      </p:nvGrpSpPr>
-      <p:grpSpPr>
-        <a:xfrm>
-          <a:off x="0" y="0"/>
-          <a:ext cx="0" cy="0"/>
-          <a:chOff x="0" y="0"/>
-          <a:chExt cx="0" cy="0"/>
-        </a:xfrm>
-      </p:grpSpPr>
-      <p:sp>
-        <p:nvSpPr>
-          <p:cNvPr id="2" name="标题 1"/>
-          <p:cNvSpPr>
-            <a:spLocks noGrp="1"/>
-          </p:cNvSpPr>
-          <p:nvPr>
-            <p:ph type="title"/>
-          </p:nvPr>
-        </p:nvSpPr>
-        <p:spPr/>
-        <p:txBody>
-          <a:bodyPr/>
-          <a:lstStyle/>
-          <a:p>
-            <a:r>
-              <a:rPr lang="zh-CN" altLang="en-US" dirty="0">
-                <a:latin typeface="SimHei" charset="-122"/>
-                <a:ea typeface="SimHei" charset="-122"/>
-                <a:cs typeface="SimHei" charset="-122"/>
-              </a:rPr>
-              <a:t>相关工作</a:t>
-            </a:r>
-            <a:endParaRPr kumimoji="1" lang="zh-CN" altLang="en-US" dirty="0">
-              <a:latin typeface="SimHei" charset="-122"/>
-              <a:ea typeface="SimHei" charset="-122"/>
-              <a:cs typeface="SimHei" charset="-122"/>
-            </a:endParaRPr>
-          </a:p>
-        </p:txBody>
-      </p:sp>
-      <p:sp>
-        <p:nvSpPr>
-          <p:cNvPr id="3" name="内容占位符 2"/>
-          <p:cNvSpPr>
-            <a:spLocks noGrp="1"/>
-          </p:cNvSpPr>
-          <p:nvPr>
-            <p:ph idx="1"/>
-          </p:nvPr>
-        </p:nvSpPr>
-        <p:spPr/>
-        <p:txBody>
-          <a:bodyPr>
-            <a:normAutofit fontScale="92500" lnSpcReduction="10000"/>
-          </a:bodyPr>
-          <a:lstStyle/>
-          <a:p>
-            <a:r>
-              <a:rPr lang="en-US" altLang="zh-CN" dirty="0">
-                <a:latin typeface="SimHei" charset="-122"/>
-                <a:ea typeface="SimHei" charset="-122"/>
-                <a:cs typeface="SimHei" charset="-122"/>
-              </a:rPr>
-              <a:t>Kuumeman</a:t>
-            </a:r>
-            <a:r>
-              <a:rPr lang="zh-CN" altLang="en-US" dirty="0">
-                <a:latin typeface="SimHei" charset="-122"/>
-                <a:ea typeface="SimHei" charset="-122"/>
-                <a:cs typeface="SimHei" charset="-122"/>
-              </a:rPr>
-              <a:t>等</a:t>
-            </a:r>
-            <a:r>
-              <a:rPr lang="zh-CN" altLang="en-US" dirty="0" smtClean="0">
-                <a:latin typeface="SimHei" charset="-122"/>
-                <a:ea typeface="SimHei" charset="-122"/>
-                <a:cs typeface="SimHei" charset="-122"/>
-              </a:rPr>
-              <a:t>人</a:t>
-            </a:r>
-            <a:r>
-              <a:rPr lang="en-US" altLang="zh-CN" dirty="0" smtClean="0">
-                <a:latin typeface="SimHei" charset="-122"/>
-                <a:ea typeface="SimHei" charset="-122"/>
-                <a:cs typeface="SimHei" charset="-122"/>
-              </a:rPr>
-              <a:t>[4]</a:t>
-            </a:r>
-            <a:r>
-              <a:rPr lang="zh-TW" altLang="en-US" dirty="0" smtClean="0">
-                <a:latin typeface="SimHei" charset="-122"/>
-                <a:ea typeface="SimHei" charset="-122"/>
-                <a:cs typeface="SimHei" charset="-122"/>
-              </a:rPr>
-              <a:t> </a:t>
-            </a:r>
-            <a:r>
-              <a:rPr lang="zh-CN" altLang="en-US" dirty="0" smtClean="0">
-                <a:latin typeface="SimHei" charset="-122"/>
-                <a:ea typeface="SimHei" charset="-122"/>
-                <a:cs typeface="SimHei" charset="-122"/>
-              </a:rPr>
-              <a:t>对</a:t>
-            </a:r>
-            <a:r>
-              <a:rPr lang="en-US" altLang="zh-CN" dirty="0">
-                <a:latin typeface="SimHei" charset="-122"/>
-                <a:ea typeface="SimHei" charset="-122"/>
-                <a:cs typeface="SimHei" charset="-122"/>
-              </a:rPr>
-              <a:t>Twitter</a:t>
-            </a:r>
-            <a:r>
-              <a:rPr lang="zh-CN" altLang="en-US" dirty="0">
-                <a:latin typeface="SimHei" charset="-122"/>
-                <a:ea typeface="SimHei" charset="-122"/>
-                <a:cs typeface="SimHei" charset="-122"/>
-              </a:rPr>
-              <a:t>上的德语微博进行反讽</a:t>
-            </a:r>
-            <a:r>
-              <a:rPr lang="zh-CN" altLang="en-US" dirty="0" smtClean="0">
-                <a:latin typeface="SimHei" charset="-122"/>
-                <a:ea typeface="SimHei" charset="-122"/>
-                <a:cs typeface="SimHei" charset="-122"/>
-              </a:rPr>
-              <a:t>识别</a:t>
-            </a:r>
-            <a:endParaRPr lang="en-US" altLang="zh-CN" dirty="0" smtClean="0">
-              <a:latin typeface="SimHei" charset="-122"/>
-              <a:ea typeface="SimHei" charset="-122"/>
-              <a:cs typeface="SimHei" charset="-122"/>
-            </a:endParaRPr>
-          </a:p>
-          <a:p>
-            <a:pPr lvl="1"/>
-            <a:r>
-              <a:rPr lang="zh-CN" altLang="en-US" dirty="0" smtClean="0">
-                <a:latin typeface="SimHei" charset="-122"/>
-                <a:ea typeface="SimHei" charset="-122"/>
-                <a:cs typeface="SimHei" charset="-122"/>
-              </a:rPr>
-              <a:t>识别</a:t>
-            </a:r>
-            <a:r>
-              <a:rPr lang="zh-CN" altLang="en-US" dirty="0">
-                <a:latin typeface="SimHei" charset="-122"/>
-                <a:ea typeface="SimHei" charset="-122"/>
-                <a:cs typeface="SimHei" charset="-122"/>
-              </a:rPr>
-              <a:t>是否带有反讽</a:t>
-            </a:r>
-            <a:endParaRPr lang="en-US" altLang="zh-CN" dirty="0">
-              <a:latin typeface="SimHei" charset="-122"/>
-              <a:ea typeface="SimHei" charset="-122"/>
-              <a:cs typeface="SimHei" charset="-122"/>
-            </a:endParaRPr>
-          </a:p>
-          <a:p>
-            <a:pPr lvl="1"/>
-            <a:endParaRPr lang="en-US" altLang="zh-CN" dirty="0" smtClean="0">
-              <a:latin typeface="SimHei" charset="-122"/>
-              <a:ea typeface="SimHei" charset="-122"/>
-              <a:cs typeface="SimHei" charset="-122"/>
-            </a:endParaRPr>
-          </a:p>
-          <a:p>
-            <a:r>
-              <a:rPr lang="zh-CN" altLang="en-US" dirty="0" smtClean="0">
-                <a:latin typeface="SimHei" charset="-122"/>
-                <a:ea typeface="SimHei" charset="-122"/>
-                <a:cs typeface="SimHei" charset="-122"/>
-              </a:rPr>
-              <a:t>实验数据</a:t>
-            </a:r>
-            <a:endParaRPr lang="en-US" altLang="zh-CN" dirty="0" smtClean="0">
-              <a:latin typeface="SimHei" charset="-122"/>
-              <a:ea typeface="SimHei" charset="-122"/>
-              <a:cs typeface="SimHei" charset="-122"/>
-            </a:endParaRPr>
-          </a:p>
-          <a:p>
-            <a:pPr lvl="1"/>
-            <a:r>
-              <a:rPr lang="zh-CN" altLang="en-US" dirty="0" smtClean="0">
-                <a:latin typeface="SimHei" charset="-122"/>
-                <a:ea typeface="SimHei" charset="-122"/>
-                <a:cs typeface="SimHei" charset="-122"/>
-              </a:rPr>
-              <a:t>利用 </a:t>
-            </a:r>
-            <a:r>
-              <a:rPr lang="en-US" altLang="zh-CN" dirty="0" smtClean="0">
-                <a:latin typeface="SimHei" charset="-122"/>
-                <a:ea typeface="SimHei" charset="-122"/>
-                <a:cs typeface="SimHei" charset="-122"/>
-              </a:rPr>
-              <a:t>'#sarcasm', '#irony', '#cynicism'</a:t>
-            </a:r>
-            <a:r>
-              <a:rPr lang="zh-CN" altLang="en-US" dirty="0" smtClean="0">
-                <a:latin typeface="SimHei" charset="-122"/>
-                <a:ea typeface="SimHei" charset="-122"/>
-                <a:cs typeface="SimHei" charset="-122"/>
-              </a:rPr>
-              <a:t>和</a:t>
-            </a:r>
-            <a:r>
-              <a:rPr lang="en-US" altLang="zh-CN" dirty="0" smtClean="0">
-                <a:latin typeface="SimHei" charset="-122"/>
-                <a:ea typeface="SimHei" charset="-122"/>
-                <a:cs typeface="SimHei" charset="-122"/>
-              </a:rPr>
-              <a:t>'#not'</a:t>
-            </a:r>
-            <a:r>
-              <a:rPr lang="zh-CN" altLang="en-US" dirty="0" smtClean="0">
-                <a:latin typeface="SimHei" charset="-122"/>
-                <a:ea typeface="SimHei" charset="-122"/>
-                <a:cs typeface="SimHei" charset="-122"/>
-              </a:rPr>
-              <a:t>对应的德语井号标签在</a:t>
-            </a:r>
-            <a:r>
-              <a:rPr lang="en-US" altLang="zh-CN" dirty="0" smtClean="0">
-                <a:latin typeface="SimHei" charset="-122"/>
-                <a:ea typeface="SimHei" charset="-122"/>
-                <a:cs typeface="SimHei" charset="-122"/>
-              </a:rPr>
-              <a:t>Twitter</a:t>
-            </a:r>
-            <a:r>
-              <a:rPr lang="zh-CN" altLang="en-US" dirty="0" smtClean="0">
-                <a:latin typeface="SimHei" charset="-122"/>
-                <a:ea typeface="SimHei" charset="-122"/>
-                <a:cs typeface="SimHei" charset="-122"/>
-              </a:rPr>
-              <a:t>上自动获取与反讽相关和无关的微博</a:t>
-            </a:r>
-            <a:endParaRPr lang="en-US" altLang="zh-CN" dirty="0" smtClean="0">
-              <a:latin typeface="SimHei" charset="-122"/>
-              <a:ea typeface="SimHei" charset="-122"/>
-              <a:cs typeface="SimHei" charset="-122"/>
-            </a:endParaRPr>
-          </a:p>
-          <a:p>
-            <a:pPr lvl="1"/>
-            <a:endParaRPr lang="en-US" altLang="zh-CN" dirty="0" smtClean="0">
-              <a:latin typeface="SimHei" charset="-122"/>
-              <a:ea typeface="SimHei" charset="-122"/>
-              <a:cs typeface="SimHei" charset="-122"/>
-            </a:endParaRPr>
-          </a:p>
-          <a:p>
-            <a:r>
-              <a:rPr lang="zh-TW" altLang="en-US" dirty="0" smtClean="0">
-                <a:latin typeface="SimHei" charset="-122"/>
-                <a:ea typeface="SimHei" charset="-122"/>
-                <a:cs typeface="SimHei" charset="-122"/>
-              </a:rPr>
-              <a:t>方法</a:t>
-            </a:r>
-            <a:endParaRPr lang="en-US" altLang="zh-TW" dirty="0" smtClean="0">
-              <a:latin typeface="SimHei" charset="-122"/>
-              <a:ea typeface="SimHei" charset="-122"/>
-              <a:cs typeface="SimHei" charset="-122"/>
-            </a:endParaRPr>
-          </a:p>
-          <a:p>
-            <a:pPr lvl="1"/>
-            <a:r>
-              <a:rPr lang="zh-CN" altLang="en-US" dirty="0" smtClean="0">
-                <a:latin typeface="SimHei" charset="-122"/>
-                <a:ea typeface="SimHei" charset="-122"/>
-                <a:cs typeface="SimHei" charset="-122"/>
-              </a:rPr>
-              <a:t>分类器选用</a:t>
-            </a:r>
-            <a:r>
-              <a:rPr lang="en-US" altLang="zh-CN" dirty="0" smtClean="0">
-                <a:latin typeface="SimHei" charset="-122"/>
-                <a:ea typeface="SimHei" charset="-122"/>
-                <a:cs typeface="SimHei" charset="-122"/>
-              </a:rPr>
-              <a:t>Balanced Winnow [5]</a:t>
-            </a:r>
-          </a:p>
-          <a:p>
-            <a:pPr lvl="1"/>
-            <a:r>
-              <a:rPr lang="zh-CN" altLang="en-US" dirty="0" smtClean="0">
-                <a:latin typeface="SimHei" charset="-122"/>
-                <a:ea typeface="SimHei" charset="-122"/>
-                <a:cs typeface="SimHei" charset="-122"/>
-              </a:rPr>
-              <a:t>特征方面提取的是</a:t>
-            </a:r>
-            <a:r>
-              <a:rPr lang="en-US" altLang="zh-CN" dirty="0" smtClean="0">
-                <a:latin typeface="SimHei" charset="-122"/>
-                <a:ea typeface="SimHei" charset="-122"/>
-                <a:cs typeface="SimHei" charset="-122"/>
-              </a:rPr>
-              <a:t>N-Gram</a:t>
-            </a:r>
-            <a:r>
-              <a:rPr lang="zh-CN" altLang="en-US" dirty="0" smtClean="0">
-                <a:latin typeface="SimHei" charset="-122"/>
-                <a:ea typeface="SimHei" charset="-122"/>
-                <a:cs typeface="SimHei" charset="-122"/>
-              </a:rPr>
-              <a:t>特征</a:t>
-            </a:r>
-            <a:endParaRPr lang="en-US" altLang="zh-CN" dirty="0" smtClean="0">
-              <a:latin typeface="SimHei" charset="-122"/>
-              <a:ea typeface="SimHei" charset="-122"/>
-              <a:cs typeface="SimHei" charset="-122"/>
-            </a:endParaRPr>
-          </a:p>
-          <a:p>
-            <a:pPr lvl="1"/>
-            <a:endParaRPr lang="en-US" altLang="zh-CN" dirty="0" smtClean="0">
-              <a:latin typeface="SimHei" charset="-122"/>
-              <a:ea typeface="SimHei" charset="-122"/>
-              <a:cs typeface="SimHei" charset="-122"/>
-            </a:endParaRPr>
-          </a:p>
-          <a:p>
-            <a:r>
-              <a:rPr lang="zh-CN" altLang="en-US" dirty="0" smtClean="0">
-                <a:latin typeface="SimHei" charset="-122"/>
-                <a:ea typeface="SimHei" charset="-122"/>
-                <a:cs typeface="SimHei" charset="-122"/>
-              </a:rPr>
-              <a:t>效果</a:t>
-            </a:r>
-            <a:endParaRPr lang="en-US" altLang="zh-CN" dirty="0" smtClean="0">
-              <a:latin typeface="SimHei" charset="-122"/>
-              <a:ea typeface="SimHei" charset="-122"/>
-              <a:cs typeface="SimHei" charset="-122"/>
-            </a:endParaRPr>
-          </a:p>
-          <a:p>
-            <a:pPr lvl="1"/>
-            <a:r>
-              <a:rPr lang="zh-CN" altLang="en-US" dirty="0" smtClean="0">
-                <a:latin typeface="SimHei" charset="-122"/>
-                <a:ea typeface="SimHei" charset="-122"/>
-                <a:cs typeface="SimHei" charset="-122"/>
-              </a:rPr>
-              <a:t>测试集上达到</a:t>
-            </a:r>
-            <a:r>
-              <a:rPr lang="en-US" altLang="zh-CN" dirty="0" smtClean="0">
-                <a:latin typeface="SimHei" charset="-122"/>
-                <a:ea typeface="SimHei" charset="-122"/>
-                <a:cs typeface="SimHei" charset="-122"/>
-              </a:rPr>
-              <a:t>0.85</a:t>
-            </a:r>
-            <a:r>
-              <a:rPr lang="zh-CN" altLang="en-US" dirty="0" smtClean="0">
-                <a:latin typeface="SimHei" charset="-122"/>
-                <a:ea typeface="SimHei" charset="-122"/>
-                <a:cs typeface="SimHei" charset="-122"/>
-              </a:rPr>
-              <a:t>的召回率和</a:t>
-            </a:r>
-            <a:r>
-              <a:rPr lang="en-US" altLang="zh-CN" dirty="0" smtClean="0">
-                <a:latin typeface="SimHei" charset="-122"/>
-                <a:ea typeface="SimHei" charset="-122"/>
-                <a:cs typeface="SimHei" charset="-122"/>
-              </a:rPr>
-              <a:t>0.87</a:t>
-            </a:r>
-            <a:r>
-              <a:rPr lang="zh-CN" altLang="en-US" dirty="0" smtClean="0">
-                <a:latin typeface="SimHei" charset="-122"/>
-                <a:ea typeface="SimHei" charset="-122"/>
-                <a:cs typeface="SimHei" charset="-122"/>
-              </a:rPr>
-              <a:t>的</a:t>
-            </a:r>
-            <a:r>
-              <a:rPr lang="en-US" altLang="zh-CN" dirty="0" smtClean="0">
-                <a:latin typeface="SimHei" charset="-122"/>
-                <a:ea typeface="SimHei" charset="-122"/>
-                <a:cs typeface="SimHei" charset="-122"/>
-              </a:rPr>
-              <a:t>AUC</a:t>
-            </a:r>
-            <a:r>
-              <a:rPr lang="zh-CN" altLang="en-US" dirty="0" smtClean="0">
-                <a:latin typeface="SimHei" charset="-122"/>
-                <a:ea typeface="SimHei" charset="-122"/>
-                <a:cs typeface="SimHei" charset="-122"/>
-              </a:rPr>
-              <a:t>值</a:t>
-            </a:r>
-            <a:endParaRPr lang="en-US" altLang="zh-CN" dirty="0" smtClean="0">
-              <a:latin typeface="SimHei" charset="-122"/>
-              <a:ea typeface="SimHei" charset="-122"/>
-              <a:cs typeface="SimHei" charset="-122"/>
-            </a:endParaRPr>
-          </a:p>
-          <a:p>
-            <a:endParaRPr kumimoji="1" lang="zh-CN" altLang="en-US" dirty="0">
-              <a:latin typeface="SimHei" charset="-122"/>
-              <a:ea typeface="SimHei" charset="-122"/>
-              <a:cs typeface="SimHei" charset="-122"/>
-            </a:endParaRPr>
-          </a:p>
-        </p:txBody>
-      </p:sp>
-      <p:pic>
-        <p:nvPicPr>
-          <p:cNvPr id="5" name="图片 4"/>
-          <p:cNvPicPr>
-            <a:picLocks noChangeAspect="1"/>
-          </p:cNvPicPr>
-          <p:nvPr/>
-        </p:nvPicPr>
-        <p:blipFill>
-          <a:blip r:embed="rId2">
-            <a:extLst>
-              <a:ext uri="{28A0092B-C50C-407E-A947-70E740481C1C}">
-                <a14:useLocalDpi xmlns:a14="http://schemas.microsoft.com/office/drawing/2010/main" val="0"/>
-              </a:ext>
-            </a:extLst>
-          </a:blip>
-          <a:stretch>
-            <a:fillRect/>
-          </a:stretch>
-        </p:blipFill>
-        <p:spPr>
-          <a:xfrm>
-            <a:off x="5834062" y="4925843"/>
-            <a:ext cx="6164800" cy="825264"/>
-          </a:xfrm>
-          <a:prstGeom prst="rect">
-            <a:avLst/>
-          </a:prstGeom>
-        </p:spPr>
-      </p:pic>
-    </p:spTree>
-    <p:extLst>
-      <p:ext uri="{BB962C8B-B14F-4D97-AF65-F5344CB8AC3E}">
-        <p14:creationId xmlns:p14="http://schemas.microsoft.com/office/powerpoint/2010/main" val="1998175567"/>
-      </p:ext>
-    </p:extLst>
-  </p:cSld>
-  <p:clrMapOvr>
-    <a:masterClrMapping/>
-  </p:clrMapOvr>
-  <p:timing>
-    <p:tnLst>
-      <p:par>
-        <p:cTn id="1" dur="indefinite" restart="never" nodeType="tmRoot"/>
-      </p:par>
-    </p:tnLst>
-  </p:timing>
-</p:sld>
-</file>
-
-<file path=ppt/slides/slide36.xml><?xml version="1.0" encoding="utf-8"?>
-<p:sld xmlns:a="http://schemas.openxmlformats.org/drawingml/2006/main" xmlns:r="http://schemas.openxmlformats.org/officeDocument/2006/relationships" xmlns:p="http://schemas.openxmlformats.org/presentationml/2006/main">
-  <p:cSld>
-    <p:spTree>
-      <p:nvGrpSpPr>
-        <p:cNvPr id="1" name=""/>
-        <p:cNvGrpSpPr/>
-        <p:nvPr/>
-      </p:nvGrpSpPr>
-      <p:grpSpPr>
-        <a:xfrm>
-          <a:off x="0" y="0"/>
-          <a:ext cx="0" cy="0"/>
-          <a:chOff x="0" y="0"/>
-          <a:chExt cx="0" cy="0"/>
-        </a:xfrm>
-      </p:grpSpPr>
-      <p:sp>
-        <p:nvSpPr>
-          <p:cNvPr id="2" name="标题 1"/>
-          <p:cNvSpPr>
-            <a:spLocks noGrp="1"/>
-          </p:cNvSpPr>
-          <p:nvPr>
-            <p:ph type="title"/>
-          </p:nvPr>
-        </p:nvSpPr>
-        <p:spPr/>
-        <p:txBody>
-          <a:bodyPr/>
-          <a:lstStyle/>
-          <a:p>
-            <a:r>
-              <a:rPr lang="zh-CN" altLang="en-US" dirty="0">
-                <a:latin typeface="SimHei" charset="-122"/>
-                <a:ea typeface="SimHei" charset="-122"/>
-                <a:cs typeface="SimHei" charset="-122"/>
-              </a:rPr>
-              <a:t>相关工作</a:t>
-            </a:r>
-            <a:endParaRPr kumimoji="1" lang="zh-CN" altLang="en-US" dirty="0">
-              <a:latin typeface="SimHei" charset="-122"/>
-              <a:ea typeface="SimHei" charset="-122"/>
-              <a:cs typeface="SimHei" charset="-122"/>
-            </a:endParaRPr>
-          </a:p>
-        </p:txBody>
-      </p:sp>
-      <p:sp>
-        <p:nvSpPr>
-          <p:cNvPr id="3" name="内容占位符 2"/>
-          <p:cNvSpPr>
-            <a:spLocks noGrp="1"/>
-          </p:cNvSpPr>
-          <p:nvPr>
-            <p:ph idx="1"/>
-          </p:nvPr>
-        </p:nvSpPr>
-        <p:spPr/>
-        <p:txBody>
-          <a:bodyPr>
-            <a:normAutofit/>
-          </a:bodyPr>
-          <a:lstStyle/>
-          <a:p>
-            <a:r>
-              <a:rPr lang="en-US" altLang="zh-CN" dirty="0">
-                <a:latin typeface="SimHei" charset="-122"/>
-                <a:ea typeface="SimHei" charset="-122"/>
-                <a:cs typeface="SimHei" charset="-122"/>
-              </a:rPr>
-              <a:t>Davidov</a:t>
-            </a:r>
-            <a:r>
-              <a:rPr lang="zh-CN" altLang="en-US" dirty="0">
-                <a:latin typeface="SimHei" charset="-122"/>
-                <a:ea typeface="SimHei" charset="-122"/>
-                <a:cs typeface="SimHei" charset="-122"/>
-              </a:rPr>
-              <a:t>等人 </a:t>
-            </a:r>
-            <a:r>
-              <a:rPr lang="en-US" altLang="zh-CN" dirty="0" smtClean="0">
-                <a:latin typeface="SimHei" charset="-122"/>
-                <a:ea typeface="SimHei" charset="-122"/>
-                <a:cs typeface="SimHei" charset="-122"/>
-              </a:rPr>
-              <a:t>[1][2] </a:t>
-            </a:r>
-            <a:r>
-              <a:rPr lang="zh-CN" altLang="en-US" dirty="0" smtClean="0">
-                <a:latin typeface="SimHei" charset="-122"/>
-                <a:ea typeface="SimHei" charset="-122"/>
-                <a:cs typeface="SimHei" charset="-122"/>
-              </a:rPr>
-              <a:t>对</a:t>
-            </a:r>
-            <a:r>
-              <a:rPr lang="en-US" altLang="zh-CN" dirty="0" smtClean="0">
-                <a:latin typeface="SimHei" charset="-122"/>
-                <a:ea typeface="SimHei" charset="-122"/>
-                <a:cs typeface="SimHei" charset="-122"/>
-              </a:rPr>
-              <a:t>Twitter</a:t>
-            </a:r>
-            <a:r>
-              <a:rPr lang="zh-CN" altLang="en-US" dirty="0">
-                <a:latin typeface="SimHei" charset="-122"/>
-                <a:ea typeface="SimHei" charset="-122"/>
-                <a:cs typeface="SimHei" charset="-122"/>
-              </a:rPr>
-              <a:t>上的</a:t>
-            </a:r>
-            <a:r>
-              <a:rPr lang="zh-CN" altLang="en-US" dirty="0" smtClean="0">
-                <a:latin typeface="SimHei" charset="-122"/>
-                <a:ea typeface="SimHei" charset="-122"/>
-                <a:cs typeface="SimHei" charset="-122"/>
-              </a:rPr>
-              <a:t>微博和亚马逊</a:t>
-            </a:r>
-            <a:r>
-              <a:rPr lang="zh-CN" altLang="en-US" dirty="0">
-                <a:latin typeface="SimHei" charset="-122"/>
-                <a:ea typeface="SimHei" charset="-122"/>
-                <a:cs typeface="SimHei" charset="-122"/>
-              </a:rPr>
-              <a:t>电商平台上的产品评论进行反讽</a:t>
-            </a:r>
-            <a:r>
-              <a:rPr lang="zh-CN" altLang="en-US" dirty="0" smtClean="0">
-                <a:latin typeface="SimHei" charset="-122"/>
-                <a:ea typeface="SimHei" charset="-122"/>
-                <a:cs typeface="SimHei" charset="-122"/>
-              </a:rPr>
-              <a:t>识别</a:t>
-            </a:r>
-            <a:endParaRPr lang="en-US" altLang="zh-CN" dirty="0" smtClean="0">
-              <a:latin typeface="SimHei" charset="-122"/>
-              <a:ea typeface="SimHei" charset="-122"/>
-              <a:cs typeface="SimHei" charset="-122"/>
-            </a:endParaRPr>
-          </a:p>
-          <a:p>
-            <a:pPr lvl="1"/>
-            <a:r>
-              <a:rPr lang="zh-CN" altLang="en-US" dirty="0" smtClean="0">
-                <a:latin typeface="SimHei" charset="-122"/>
-                <a:ea typeface="SimHei" charset="-122"/>
-                <a:cs typeface="SimHei" charset="-122"/>
-              </a:rPr>
-              <a:t>识别</a:t>
-            </a:r>
-            <a:r>
-              <a:rPr lang="en-US" altLang="zh-CN" dirty="0" smtClean="0">
-                <a:latin typeface="SimHei" charset="-122"/>
-                <a:ea typeface="SimHei" charset="-122"/>
-                <a:cs typeface="SimHei" charset="-122"/>
-              </a:rPr>
-              <a:t>1</a:t>
-            </a:r>
-            <a:r>
-              <a:rPr lang="zh-CN" altLang="en-US" dirty="0">
-                <a:latin typeface="SimHei" charset="-122"/>
-                <a:ea typeface="SimHei" charset="-122"/>
-                <a:cs typeface="SimHei" charset="-122"/>
-              </a:rPr>
-              <a:t>到</a:t>
-            </a:r>
-            <a:r>
-              <a:rPr lang="en-US" altLang="zh-CN" dirty="0">
-                <a:latin typeface="SimHei" charset="-122"/>
-                <a:ea typeface="SimHei" charset="-122"/>
-                <a:cs typeface="SimHei" charset="-122"/>
-              </a:rPr>
-              <a:t>5</a:t>
-            </a:r>
-            <a:r>
-              <a:rPr lang="zh-CN" altLang="en-US" dirty="0" smtClean="0">
-                <a:latin typeface="SimHei" charset="-122"/>
-                <a:ea typeface="SimHei" charset="-122"/>
-                <a:cs typeface="SimHei" charset="-122"/>
-              </a:rPr>
-              <a:t>级的反讽强度</a:t>
-            </a:r>
-            <a:endParaRPr lang="en-US" altLang="zh-CN" dirty="0" smtClean="0">
-              <a:latin typeface="SimHei" charset="-122"/>
-              <a:ea typeface="SimHei" charset="-122"/>
-              <a:cs typeface="SimHei" charset="-122"/>
-            </a:endParaRPr>
-          </a:p>
-          <a:p>
-            <a:pPr lvl="1"/>
-            <a:endParaRPr lang="en-US" altLang="zh-CN" dirty="0">
-              <a:latin typeface="SimHei" charset="-122"/>
-              <a:ea typeface="SimHei" charset="-122"/>
-              <a:cs typeface="SimHei" charset="-122"/>
-            </a:endParaRPr>
-          </a:p>
-          <a:p>
-            <a:r>
-              <a:rPr lang="zh-TW" altLang="en-US" dirty="0" smtClean="0">
-                <a:latin typeface="SimHei" charset="-122"/>
-                <a:ea typeface="SimHei" charset="-122"/>
-                <a:cs typeface="SimHei" charset="-122"/>
-              </a:rPr>
-              <a:t>方法</a:t>
-            </a:r>
-            <a:endParaRPr lang="en-US" altLang="zh-TW" dirty="0" smtClean="0">
-              <a:latin typeface="SimHei" charset="-122"/>
-              <a:ea typeface="SimHei" charset="-122"/>
-              <a:cs typeface="SimHei" charset="-122"/>
-            </a:endParaRPr>
-          </a:p>
-          <a:p>
-            <a:pPr lvl="1"/>
-            <a:r>
-              <a:rPr lang="en-US" altLang="zh-CN" dirty="0" smtClean="0">
-                <a:latin typeface="SimHei" charset="-122"/>
-                <a:ea typeface="SimHei" charset="-122"/>
-                <a:cs typeface="SimHei" charset="-122"/>
-              </a:rPr>
-              <a:t>SASI</a:t>
-            </a:r>
-            <a:r>
-              <a:rPr lang="zh-CN" altLang="en-US" dirty="0" smtClean="0">
-                <a:latin typeface="SimHei" charset="-122"/>
-                <a:ea typeface="SimHei" charset="-122"/>
-                <a:cs typeface="SimHei" charset="-122"/>
-              </a:rPr>
-              <a:t>算法</a:t>
-            </a:r>
-            <a:endParaRPr lang="en-US" altLang="zh-CN" dirty="0" smtClean="0">
-              <a:latin typeface="SimHei" charset="-122"/>
-              <a:ea typeface="SimHei" charset="-122"/>
-              <a:cs typeface="SimHei" charset="-122"/>
-            </a:endParaRPr>
-          </a:p>
-          <a:p>
-            <a:pPr lvl="2"/>
-            <a:r>
-              <a:rPr lang="zh-CN" altLang="en-US" dirty="0" smtClean="0">
-                <a:latin typeface="SimHei" charset="-122"/>
-                <a:ea typeface="SimHei" charset="-122"/>
-                <a:cs typeface="SimHei" charset="-122"/>
-              </a:rPr>
-              <a:t>分别</a:t>
-            </a:r>
-            <a:r>
-              <a:rPr lang="zh-CN" altLang="en-US" dirty="0">
-                <a:latin typeface="SimHei" charset="-122"/>
-                <a:ea typeface="SimHei" charset="-122"/>
-                <a:cs typeface="SimHei" charset="-122"/>
-              </a:rPr>
-              <a:t>从文本提取了词频相关的模式特征以及基于标点符号的特征</a:t>
-            </a:r>
-            <a:r>
-              <a:rPr lang="zh-CN" altLang="en-US" dirty="0" smtClean="0">
-                <a:latin typeface="SimHei" charset="-122"/>
-                <a:ea typeface="SimHei" charset="-122"/>
-                <a:cs typeface="SimHei" charset="-122"/>
-              </a:rPr>
-              <a:t>，</a:t>
-            </a:r>
-            <a:endParaRPr lang="en-US" altLang="zh-CN" dirty="0" smtClean="0">
-              <a:latin typeface="SimHei" charset="-122"/>
-              <a:ea typeface="SimHei" charset="-122"/>
-              <a:cs typeface="SimHei" charset="-122"/>
-            </a:endParaRPr>
-          </a:p>
-          <a:p>
-            <a:pPr lvl="2"/>
-            <a:r>
-              <a:rPr lang="zh-CN" altLang="en-US" dirty="0" smtClean="0">
-                <a:latin typeface="SimHei" charset="-122"/>
-                <a:ea typeface="SimHei" charset="-122"/>
-                <a:cs typeface="SimHei" charset="-122"/>
-              </a:rPr>
-              <a:t>以</a:t>
-            </a:r>
-            <a:r>
-              <a:rPr lang="en-US" altLang="zh-CN" dirty="0">
-                <a:latin typeface="SimHei" charset="-122"/>
-                <a:ea typeface="SimHei" charset="-122"/>
-                <a:cs typeface="SimHei" charset="-122"/>
-              </a:rPr>
-              <a:t>K</a:t>
-            </a:r>
-            <a:r>
-              <a:rPr lang="zh-CN" altLang="en-US" dirty="0">
-                <a:latin typeface="SimHei" charset="-122"/>
-                <a:ea typeface="SimHei" charset="-122"/>
-                <a:cs typeface="SimHei" charset="-122"/>
-              </a:rPr>
-              <a:t>最近邻算法作为分类</a:t>
-            </a:r>
-            <a:r>
-              <a:rPr lang="zh-CN" altLang="en-US" dirty="0" smtClean="0">
-                <a:latin typeface="SimHei" charset="-122"/>
-                <a:ea typeface="SimHei" charset="-122"/>
-                <a:cs typeface="SimHei" charset="-122"/>
-              </a:rPr>
-              <a:t>器</a:t>
-            </a:r>
-            <a:endParaRPr lang="en-US" altLang="zh-CN" dirty="0" smtClean="0">
-              <a:latin typeface="SimHei" charset="-122"/>
-              <a:ea typeface="SimHei" charset="-122"/>
-              <a:cs typeface="SimHei" charset="-122"/>
-            </a:endParaRPr>
-          </a:p>
-          <a:p>
-            <a:pPr lvl="1"/>
-            <a:r>
-              <a:rPr lang="zh-CN" altLang="en-US" dirty="0" smtClean="0">
-                <a:latin typeface="SimHei" charset="-122"/>
-                <a:ea typeface="SimHei" charset="-122"/>
-                <a:cs typeface="SimHei" charset="-122"/>
-              </a:rPr>
-              <a:t>利用</a:t>
-            </a:r>
-            <a:r>
-              <a:rPr lang="zh-CN" altLang="en-US" dirty="0">
-                <a:latin typeface="SimHei" charset="-122"/>
-                <a:ea typeface="SimHei" charset="-122"/>
-                <a:cs typeface="SimHei" charset="-122"/>
-              </a:rPr>
-              <a:t>搜索引擎爬取额外的语料，用于初步训练模型的</a:t>
-            </a:r>
-            <a:r>
-              <a:rPr lang="zh-CN" altLang="en-US" dirty="0" smtClean="0">
-                <a:latin typeface="SimHei" charset="-122"/>
-                <a:ea typeface="SimHei" charset="-122"/>
-                <a:cs typeface="SimHei" charset="-122"/>
-              </a:rPr>
-              <a:t>参数</a:t>
-            </a:r>
-            <a:endParaRPr lang="en-US" altLang="zh-CN" dirty="0" smtClean="0">
-              <a:latin typeface="SimHei" charset="-122"/>
-              <a:ea typeface="SimHei" charset="-122"/>
-              <a:cs typeface="SimHei" charset="-122"/>
-            </a:endParaRPr>
-          </a:p>
-          <a:p>
-            <a:endParaRPr lang="en-US" altLang="zh-CN" dirty="0" smtClean="0">
-              <a:latin typeface="SimHei" charset="-122"/>
-              <a:ea typeface="SimHei" charset="-122"/>
-              <a:cs typeface="SimHei" charset="-122"/>
-            </a:endParaRPr>
-          </a:p>
-          <a:p>
-            <a:r>
-              <a:rPr lang="zh-CN" altLang="en-US" dirty="0" smtClean="0">
-                <a:latin typeface="SimHei" charset="-122"/>
-                <a:ea typeface="SimHei" charset="-122"/>
-                <a:cs typeface="SimHei" charset="-122"/>
-              </a:rPr>
-              <a:t>效果</a:t>
-            </a:r>
-            <a:endParaRPr lang="en-US" altLang="zh-CN" dirty="0">
-              <a:latin typeface="SimHei" charset="-122"/>
-              <a:ea typeface="SimHei" charset="-122"/>
-              <a:cs typeface="SimHei" charset="-122"/>
-            </a:endParaRPr>
-          </a:p>
-          <a:p>
-            <a:pPr lvl="1"/>
-            <a:r>
-              <a:rPr lang="zh-CN" altLang="en-US" dirty="0" smtClean="0">
-                <a:latin typeface="SimHei" charset="-122"/>
-                <a:ea typeface="SimHei" charset="-122"/>
-                <a:cs typeface="SimHei" charset="-122"/>
-              </a:rPr>
-              <a:t>前述</a:t>
-            </a:r>
-            <a:r>
-              <a:rPr lang="zh-CN" altLang="en-US" dirty="0">
-                <a:latin typeface="SimHei" charset="-122"/>
-                <a:ea typeface="SimHei" charset="-122"/>
-                <a:cs typeface="SimHei" charset="-122"/>
-              </a:rPr>
-              <a:t>两个数据集的测试集上分别达到</a:t>
-            </a:r>
-            <a:r>
-              <a:rPr lang="en-US" altLang="zh-CN" dirty="0">
-                <a:latin typeface="SimHei" charset="-122"/>
-                <a:ea typeface="SimHei" charset="-122"/>
-                <a:cs typeface="SimHei" charset="-122"/>
-              </a:rPr>
-              <a:t>0.83</a:t>
-            </a:r>
-            <a:r>
-              <a:rPr lang="zh-CN" altLang="en-US" dirty="0">
-                <a:latin typeface="SimHei" charset="-122"/>
-                <a:ea typeface="SimHei" charset="-122"/>
-                <a:cs typeface="SimHei" charset="-122"/>
-              </a:rPr>
-              <a:t>和</a:t>
-            </a:r>
-            <a:r>
-              <a:rPr lang="en-US" altLang="zh-CN" dirty="0">
-                <a:latin typeface="SimHei" charset="-122"/>
-                <a:ea typeface="SimHei" charset="-122"/>
-                <a:cs typeface="SimHei" charset="-122"/>
-              </a:rPr>
-              <a:t>0.79</a:t>
-            </a:r>
-            <a:r>
-              <a:rPr lang="zh-CN" altLang="en-US" dirty="0">
-                <a:latin typeface="SimHei" charset="-122"/>
-                <a:ea typeface="SimHei" charset="-122"/>
-                <a:cs typeface="SimHei" charset="-122"/>
-              </a:rPr>
-              <a:t>的</a:t>
-            </a:r>
-            <a:r>
-              <a:rPr lang="en-US" altLang="zh-CN" dirty="0">
-                <a:latin typeface="SimHei" charset="-122"/>
-                <a:ea typeface="SimHei" charset="-122"/>
-                <a:cs typeface="SimHei" charset="-122"/>
-              </a:rPr>
-              <a:t>F1</a:t>
-            </a:r>
-            <a:r>
-              <a:rPr lang="zh-CN" altLang="en-US" dirty="0">
-                <a:latin typeface="SimHei" charset="-122"/>
-                <a:ea typeface="SimHei" charset="-122"/>
-                <a:cs typeface="SimHei" charset="-122"/>
-              </a:rPr>
-              <a:t>值。</a:t>
-            </a:r>
-            <a:endParaRPr kumimoji="1" lang="zh-CN" altLang="en-US" dirty="0">
-              <a:latin typeface="SimHei" charset="-122"/>
-              <a:ea typeface="SimHei" charset="-122"/>
-              <a:cs typeface="SimHei" charset="-122"/>
-            </a:endParaRPr>
-          </a:p>
-        </p:txBody>
-      </p:sp>
-      <p:pic>
-        <p:nvPicPr>
-          <p:cNvPr id="7" name="图片 6"/>
-          <p:cNvPicPr>
-            <a:picLocks noChangeAspect="1"/>
-          </p:cNvPicPr>
-          <p:nvPr/>
-        </p:nvPicPr>
-        <p:blipFill>
-          <a:blip r:embed="rId2">
-            <a:extLst>
-              <a:ext uri="{28A0092B-C50C-407E-A947-70E740481C1C}">
-                <a14:useLocalDpi xmlns:a14="http://schemas.microsoft.com/office/drawing/2010/main" val="0"/>
-              </a:ext>
-            </a:extLst>
-          </a:blip>
-          <a:stretch>
-            <a:fillRect/>
-          </a:stretch>
-        </p:blipFill>
-        <p:spPr>
-          <a:xfrm>
-            <a:off x="7578624" y="3716211"/>
-            <a:ext cx="4132969" cy="1795963"/>
-          </a:xfrm>
-          <a:prstGeom prst="rect">
-            <a:avLst/>
-          </a:prstGeom>
-        </p:spPr>
-      </p:pic>
-    </p:spTree>
-    <p:extLst>
-      <p:ext uri="{BB962C8B-B14F-4D97-AF65-F5344CB8AC3E}">
-        <p14:creationId xmlns:p14="http://schemas.microsoft.com/office/powerpoint/2010/main" val="598541814"/>
-      </p:ext>
-    </p:extLst>
-  </p:cSld>
-  <p:clrMapOvr>
-    <a:masterClrMapping/>
-  </p:clrMapOvr>
-  <p:timing>
-    <p:tnLst>
-      <p:par>
-        <p:cTn id="1" dur="indefinite" restart="never" nodeType="tmRoot"/>
-      </p:par>
-    </p:tnLst>
-  </p:timing>
-</p:sld>
-</file>
-
 <file path=ppt/slides/slide4.xml><?xml version="1.0" encoding="utf-8"?>
 <p:sld xmlns:a="http://schemas.openxmlformats.org/drawingml/2006/main" xmlns:r="http://schemas.openxmlformats.org/officeDocument/2006/relationships" xmlns:p="http://schemas.openxmlformats.org/presentationml/2006/main">
   <p:cSld>
@@ -38361,8 +37421,8 @@
           </a:p>
         </p:txBody>
       </p:sp>
-      <mc:AlternateContent xmlns:mc="http://schemas.openxmlformats.org/markup-compatibility/2006" xmlns:a14="http://schemas.microsoft.com/office/drawing/2010/main">
-        <mc:Choice Requires="a14">
+      <mc:AlternateContent xmlns:mc="http://schemas.openxmlformats.org/markup-compatibility/2006">
+        <mc:Choice xmlns:a14="http://schemas.microsoft.com/office/drawing/2010/main" Requires="a14">
           <p:sp>
             <p:nvSpPr>
               <p:cNvPr id="3" name="内容占位符 2"/>
@@ -38574,7 +37634,31 @@
                     <a:ea typeface="SimHei" charset="-122"/>
                     <a:cs typeface="SimHei" charset="-122"/>
                   </a:rPr>
-                  <a:t>可以确定它属于</a:t>
+                  <a:t>可以确定它</a:t>
+                </a:r>
+                <a:r>
+                  <a:rPr lang="zh-TW" altLang="en-US" sz="2400" dirty="0" smtClean="0">
+                    <a:latin typeface="SimHei" charset="-122"/>
+                    <a:ea typeface="SimHei" charset="-122"/>
+                    <a:cs typeface="SimHei" charset="-122"/>
+                  </a:rPr>
+                  <a:t>属于</a:t>
+                </a:r>
+                <a:r>
+                  <a:rPr lang="zh-CN" altLang="en-US" sz="2400" dirty="0" smtClean="0">
+                    <a:latin typeface="SimHei" charset="-122"/>
+                    <a:ea typeface="SimHei" charset="-122"/>
+                    <a:cs typeface="SimHei" charset="-122"/>
+                  </a:rPr>
+                  <a:t>唯一</a:t>
+                </a:r>
+                <a:r>
+                  <a:rPr lang="zh-TW" altLang="en-US" sz="2400" dirty="0" smtClean="0">
+                    <a:latin typeface="SimHei" charset="-122"/>
+                    <a:ea typeface="SimHei" charset="-122"/>
+                    <a:cs typeface="SimHei" charset="-122"/>
+                  </a:rPr>
+                  <a:t>一</a:t>
                 </a:r>
                 <a:r>
                   <a:rPr lang="zh-TW" altLang="en-US" sz="2400" dirty="0">
@@ -38582,7 +37666,7 @@
                     <a:ea typeface="SimHei" charset="-122"/>
                     <a:cs typeface="SimHei" charset="-122"/>
                   </a:rPr>
-                  <a:t>一种情感类別</a:t>
+                  <a:t>种情感类別</a:t>
                 </a:r>
                 <a:r>
                   <a:rPr lang="zh-TW" altLang="en-US" sz="2400" dirty="0" smtClean="0">
@@ -38795,7 +37879,7 @@
             </p:txBody>
           </p:sp>
         </mc:Choice>
-        <mc:Fallback xmlns="">
+        <mc:Fallback>
           <p:sp>
             <p:nvSpPr>
               <p:cNvPr id="3" name="内容占位符 2"/>
